--- a/docs/IFT 749/Présentation.pptx
+++ b/docs/IFT 749/Présentation.pptx
@@ -4,6 +4,9 @@
   <p:sldMasterIdLst>
     <p:sldMasterId id="2147483852" r:id="rId1"/>
   </p:sldMasterIdLst>
+  <p:notesMasterIdLst>
+    <p:notesMasterId r:id="rId39"/>
+  </p:notesMasterIdLst>
   <p:sldIdLst>
     <p:sldId id="256" r:id="rId2"/>
     <p:sldId id="258" r:id="rId3"/>
@@ -30,15 +33,18 @@
     <p:sldId id="274" r:id="rId24"/>
     <p:sldId id="275" r:id="rId25"/>
     <p:sldId id="292" r:id="rId26"/>
-    <p:sldId id="299" r:id="rId27"/>
-    <p:sldId id="296" r:id="rId28"/>
-    <p:sldId id="300" r:id="rId29"/>
-    <p:sldId id="301" r:id="rId30"/>
+    <p:sldId id="296" r:id="rId27"/>
+    <p:sldId id="300" r:id="rId28"/>
+    <p:sldId id="301" r:id="rId29"/>
+    <p:sldId id="299" r:id="rId30"/>
     <p:sldId id="294" r:id="rId31"/>
-    <p:sldId id="295" r:id="rId32"/>
-    <p:sldId id="286" r:id="rId33"/>
-    <p:sldId id="287" r:id="rId34"/>
-    <p:sldId id="288" r:id="rId35"/>
+    <p:sldId id="308" r:id="rId32"/>
+    <p:sldId id="307" r:id="rId33"/>
+    <p:sldId id="295" r:id="rId34"/>
+    <p:sldId id="306" r:id="rId35"/>
+    <p:sldId id="286" r:id="rId36"/>
+    <p:sldId id="287" r:id="rId37"/>
+    <p:sldId id="288" r:id="rId38"/>
   </p:sldIdLst>
   <p:sldSz cx="9144000" cy="6858000" type="screen4x3"/>
   <p:notesSz cx="6858000" cy="9144000"/>
@@ -140,6 +146,353 @@
 </p:presentation>
 </file>
 
+<file path=ppt/notesMasters/notesMaster1.xml><?xml version="1.0" encoding="utf-8"?>
+<p:notesMaster xmlns:a="http://schemas.openxmlformats.org/drawingml/2006/main" xmlns:r="http://schemas.openxmlformats.org/officeDocument/2006/relationships" xmlns:p="http://schemas.openxmlformats.org/presentationml/2006/main">
+  <p:cSld>
+    <p:bg>
+      <p:bgRef idx="1001">
+        <a:schemeClr val="bg1"/>
+      </p:bgRef>
+    </p:bg>
+    <p:spTree>
+      <p:nvGrpSpPr>
+        <p:cNvPr id="1" name=""/>
+        <p:cNvGrpSpPr/>
+        <p:nvPr/>
+      </p:nvGrpSpPr>
+      <p:grpSpPr>
+        <a:xfrm>
+          <a:off x="0" y="0"/>
+          <a:ext cx="0" cy="0"/>
+          <a:chOff x="0" y="0"/>
+          <a:chExt cx="0" cy="0"/>
+        </a:xfrm>
+      </p:grpSpPr>
+      <p:sp>
+        <p:nvSpPr>
+          <p:cNvPr id="2" name="Espace réservé de l'en-tête 1"/>
+          <p:cNvSpPr>
+            <a:spLocks noGrp="1"/>
+          </p:cNvSpPr>
+          <p:nvPr>
+            <p:ph type="hdr" sz="quarter"/>
+          </p:nvPr>
+        </p:nvSpPr>
+        <p:spPr>
+          <a:xfrm>
+            <a:off x="0" y="0"/>
+            <a:ext cx="2971800" cy="457200"/>
+          </a:xfrm>
+          <a:prstGeom prst="rect">
+            <a:avLst/>
+          </a:prstGeom>
+        </p:spPr>
+        <p:txBody>
+          <a:bodyPr vert="horz" lIns="91440" tIns="45720" rIns="91440" bIns="45720" rtlCol="0"/>
+          <a:lstStyle>
+            <a:lvl1pPr algn="l">
+              <a:defRPr sz="1200"/>
+            </a:lvl1pPr>
+          </a:lstStyle>
+          <a:p>
+            <a:endParaRPr lang="fr-CA"/>
+          </a:p>
+        </p:txBody>
+      </p:sp>
+      <p:sp>
+        <p:nvSpPr>
+          <p:cNvPr id="3" name="Espace réservé de la date 2"/>
+          <p:cNvSpPr>
+            <a:spLocks noGrp="1"/>
+          </p:cNvSpPr>
+          <p:nvPr>
+            <p:ph type="dt" idx="1"/>
+          </p:nvPr>
+        </p:nvSpPr>
+        <p:spPr>
+          <a:xfrm>
+            <a:off x="3884613" y="0"/>
+            <a:ext cx="2971800" cy="457200"/>
+          </a:xfrm>
+          <a:prstGeom prst="rect">
+            <a:avLst/>
+          </a:prstGeom>
+        </p:spPr>
+        <p:txBody>
+          <a:bodyPr vert="horz" lIns="91440" tIns="45720" rIns="91440" bIns="45720" rtlCol="0"/>
+          <a:lstStyle>
+            <a:lvl1pPr algn="r">
+              <a:defRPr sz="1200"/>
+            </a:lvl1pPr>
+          </a:lstStyle>
+          <a:p>
+            <a:fld id="{6848FC7A-46A2-414A-8ED9-693F9B6A3CEC}" type="datetimeFigureOut">
+              <a:rPr lang="fr-CA" smtClean="0"/>
+              <a:t>2013-12-10</a:t>
+            </a:fld>
+            <a:endParaRPr lang="fr-CA"/>
+          </a:p>
+        </p:txBody>
+      </p:sp>
+      <p:sp>
+        <p:nvSpPr>
+          <p:cNvPr id="4" name="Espace réservé de l'image des diapositives 3"/>
+          <p:cNvSpPr>
+            <a:spLocks noGrp="1" noRot="1" noChangeAspect="1"/>
+          </p:cNvSpPr>
+          <p:nvPr>
+            <p:ph type="sldImg" idx="2"/>
+          </p:nvPr>
+        </p:nvSpPr>
+        <p:spPr>
+          <a:xfrm>
+            <a:off x="1143000" y="685800"/>
+            <a:ext cx="4572000" cy="3429000"/>
+          </a:xfrm>
+          <a:prstGeom prst="rect">
+            <a:avLst/>
+          </a:prstGeom>
+          <a:noFill/>
+          <a:ln w="12700">
+            <a:solidFill>
+              <a:prstClr val="black"/>
+            </a:solidFill>
+          </a:ln>
+        </p:spPr>
+        <p:txBody>
+          <a:bodyPr vert="horz" lIns="91440" tIns="45720" rIns="91440" bIns="45720" rtlCol="0" anchor="ctr"/>
+          <a:lstStyle/>
+          <a:p>
+            <a:endParaRPr lang="fr-CA"/>
+          </a:p>
+        </p:txBody>
+      </p:sp>
+      <p:sp>
+        <p:nvSpPr>
+          <p:cNvPr id="5" name="Espace réservé des commentaires 4"/>
+          <p:cNvSpPr>
+            <a:spLocks noGrp="1"/>
+          </p:cNvSpPr>
+          <p:nvPr>
+            <p:ph type="body" sz="quarter" idx="3"/>
+          </p:nvPr>
+        </p:nvSpPr>
+        <p:spPr>
+          <a:xfrm>
+            <a:off x="685800" y="4343400"/>
+            <a:ext cx="5486400" cy="4114800"/>
+          </a:xfrm>
+          <a:prstGeom prst="rect">
+            <a:avLst/>
+          </a:prstGeom>
+        </p:spPr>
+        <p:txBody>
+          <a:bodyPr vert="horz" lIns="91440" tIns="45720" rIns="91440" bIns="45720" rtlCol="0">
+            <a:normAutofit/>
+          </a:bodyPr>
+          <a:lstStyle/>
+          <a:p>
+            <a:pPr lvl="0"/>
+            <a:r>
+              <a:rPr lang="fr-FR" smtClean="0"/>
+              <a:t>Cliquez pour modifier les styles du texte du masque</a:t>
+            </a:r>
+          </a:p>
+          <a:p>
+            <a:pPr lvl="1"/>
+            <a:r>
+              <a:rPr lang="fr-FR" smtClean="0"/>
+              <a:t>Deuxième niveau</a:t>
+            </a:r>
+          </a:p>
+          <a:p>
+            <a:pPr lvl="2"/>
+            <a:r>
+              <a:rPr lang="fr-FR" smtClean="0"/>
+              <a:t>Troisième niveau</a:t>
+            </a:r>
+          </a:p>
+          <a:p>
+            <a:pPr lvl="3"/>
+            <a:r>
+              <a:rPr lang="fr-FR" smtClean="0"/>
+              <a:t>Quatrième niveau</a:t>
+            </a:r>
+          </a:p>
+          <a:p>
+            <a:pPr lvl="4"/>
+            <a:r>
+              <a:rPr lang="fr-FR" smtClean="0"/>
+              <a:t>Cinquième niveau</a:t>
+            </a:r>
+            <a:endParaRPr lang="fr-CA"/>
+          </a:p>
+        </p:txBody>
+      </p:sp>
+      <p:sp>
+        <p:nvSpPr>
+          <p:cNvPr id="6" name="Espace réservé du pied de page 5"/>
+          <p:cNvSpPr>
+            <a:spLocks noGrp="1"/>
+          </p:cNvSpPr>
+          <p:nvPr>
+            <p:ph type="ftr" sz="quarter" idx="4"/>
+          </p:nvPr>
+        </p:nvSpPr>
+        <p:spPr>
+          <a:xfrm>
+            <a:off x="0" y="8685213"/>
+            <a:ext cx="2971800" cy="457200"/>
+          </a:xfrm>
+          <a:prstGeom prst="rect">
+            <a:avLst/>
+          </a:prstGeom>
+        </p:spPr>
+        <p:txBody>
+          <a:bodyPr vert="horz" lIns="91440" tIns="45720" rIns="91440" bIns="45720" rtlCol="0" anchor="b"/>
+          <a:lstStyle>
+            <a:lvl1pPr algn="l">
+              <a:defRPr sz="1200"/>
+            </a:lvl1pPr>
+          </a:lstStyle>
+          <a:p>
+            <a:endParaRPr lang="fr-CA"/>
+          </a:p>
+        </p:txBody>
+      </p:sp>
+      <p:sp>
+        <p:nvSpPr>
+          <p:cNvPr id="7" name="Espace réservé du numéro de diapositive 6"/>
+          <p:cNvSpPr>
+            <a:spLocks noGrp="1"/>
+          </p:cNvSpPr>
+          <p:nvPr>
+            <p:ph type="sldNum" sz="quarter" idx="5"/>
+          </p:nvPr>
+        </p:nvSpPr>
+        <p:spPr>
+          <a:xfrm>
+            <a:off x="3884613" y="8685213"/>
+            <a:ext cx="2971800" cy="457200"/>
+          </a:xfrm>
+          <a:prstGeom prst="rect">
+            <a:avLst/>
+          </a:prstGeom>
+        </p:spPr>
+        <p:txBody>
+          <a:bodyPr vert="horz" lIns="91440" tIns="45720" rIns="91440" bIns="45720" rtlCol="0" anchor="b"/>
+          <a:lstStyle>
+            <a:lvl1pPr algn="r">
+              <a:defRPr sz="1200"/>
+            </a:lvl1pPr>
+          </a:lstStyle>
+          <a:p>
+            <a:fld id="{68B71DB4-8461-4ECE-9DDB-3FD3BEF37233}" type="slidenum">
+              <a:rPr lang="fr-CA" smtClean="0"/>
+              <a:t>‹N°›</a:t>
+            </a:fld>
+            <a:endParaRPr lang="fr-CA"/>
+          </a:p>
+        </p:txBody>
+      </p:sp>
+    </p:spTree>
+  </p:cSld>
+  <p:clrMap bg1="lt1" tx1="dk1" bg2="lt2" tx2="dk2" accent1="accent1" accent2="accent2" accent3="accent3" accent4="accent4" accent5="accent5" accent6="accent6" hlink="hlink" folHlink="folHlink"/>
+  <p:notesStyle>
+    <a:lvl1pPr marL="0" algn="l" defTabSz="914400" rtl="0" eaLnBrk="1" latinLnBrk="0" hangingPunct="1">
+      <a:defRPr sz="1200" kern="1200">
+        <a:solidFill>
+          <a:schemeClr val="tx1"/>
+        </a:solidFill>
+        <a:latin typeface="+mn-lt"/>
+        <a:ea typeface="+mn-ea"/>
+        <a:cs typeface="+mn-cs"/>
+      </a:defRPr>
+    </a:lvl1pPr>
+    <a:lvl2pPr marL="457200" algn="l" defTabSz="914400" rtl="0" eaLnBrk="1" latinLnBrk="0" hangingPunct="1">
+      <a:defRPr sz="1200" kern="1200">
+        <a:solidFill>
+          <a:schemeClr val="tx1"/>
+        </a:solidFill>
+        <a:latin typeface="+mn-lt"/>
+        <a:ea typeface="+mn-ea"/>
+        <a:cs typeface="+mn-cs"/>
+      </a:defRPr>
+    </a:lvl2pPr>
+    <a:lvl3pPr marL="914400" algn="l" defTabSz="914400" rtl="0" eaLnBrk="1" latinLnBrk="0" hangingPunct="1">
+      <a:defRPr sz="1200" kern="1200">
+        <a:solidFill>
+          <a:schemeClr val="tx1"/>
+        </a:solidFill>
+        <a:latin typeface="+mn-lt"/>
+        <a:ea typeface="+mn-ea"/>
+        <a:cs typeface="+mn-cs"/>
+      </a:defRPr>
+    </a:lvl3pPr>
+    <a:lvl4pPr marL="1371600" algn="l" defTabSz="914400" rtl="0" eaLnBrk="1" latinLnBrk="0" hangingPunct="1">
+      <a:defRPr sz="1200" kern="1200">
+        <a:solidFill>
+          <a:schemeClr val="tx1"/>
+        </a:solidFill>
+        <a:latin typeface="+mn-lt"/>
+        <a:ea typeface="+mn-ea"/>
+        <a:cs typeface="+mn-cs"/>
+      </a:defRPr>
+    </a:lvl4pPr>
+    <a:lvl5pPr marL="1828800" algn="l" defTabSz="914400" rtl="0" eaLnBrk="1" latinLnBrk="0" hangingPunct="1">
+      <a:defRPr sz="1200" kern="1200">
+        <a:solidFill>
+          <a:schemeClr val="tx1"/>
+        </a:solidFill>
+        <a:latin typeface="+mn-lt"/>
+        <a:ea typeface="+mn-ea"/>
+        <a:cs typeface="+mn-cs"/>
+      </a:defRPr>
+    </a:lvl5pPr>
+    <a:lvl6pPr marL="2286000" algn="l" defTabSz="914400" rtl="0" eaLnBrk="1" latinLnBrk="0" hangingPunct="1">
+      <a:defRPr sz="1200" kern="1200">
+        <a:solidFill>
+          <a:schemeClr val="tx1"/>
+        </a:solidFill>
+        <a:latin typeface="+mn-lt"/>
+        <a:ea typeface="+mn-ea"/>
+        <a:cs typeface="+mn-cs"/>
+      </a:defRPr>
+    </a:lvl6pPr>
+    <a:lvl7pPr marL="2743200" algn="l" defTabSz="914400" rtl="0" eaLnBrk="1" latinLnBrk="0" hangingPunct="1">
+      <a:defRPr sz="1200" kern="1200">
+        <a:solidFill>
+          <a:schemeClr val="tx1"/>
+        </a:solidFill>
+        <a:latin typeface="+mn-lt"/>
+        <a:ea typeface="+mn-ea"/>
+        <a:cs typeface="+mn-cs"/>
+      </a:defRPr>
+    </a:lvl7pPr>
+    <a:lvl8pPr marL="3200400" algn="l" defTabSz="914400" rtl="0" eaLnBrk="1" latinLnBrk="0" hangingPunct="1">
+      <a:defRPr sz="1200" kern="1200">
+        <a:solidFill>
+          <a:schemeClr val="tx1"/>
+        </a:solidFill>
+        <a:latin typeface="+mn-lt"/>
+        <a:ea typeface="+mn-ea"/>
+        <a:cs typeface="+mn-cs"/>
+      </a:defRPr>
+    </a:lvl8pPr>
+    <a:lvl9pPr marL="3657600" algn="l" defTabSz="914400" rtl="0" eaLnBrk="1" latinLnBrk="0" hangingPunct="1">
+      <a:defRPr sz="1200" kern="1200">
+        <a:solidFill>
+          <a:schemeClr val="tx1"/>
+        </a:solidFill>
+        <a:latin typeface="+mn-lt"/>
+        <a:ea typeface="+mn-ea"/>
+        <a:cs typeface="+mn-cs"/>
+      </a:defRPr>
+    </a:lvl9pPr>
+  </p:notesStyle>
+</p:notesMaster>
+</file>
+
 <file path=ppt/slideLayouts/slideLayout1.xml><?xml version="1.0" encoding="utf-8"?>
 <p:sldLayout xmlns:a="http://schemas.openxmlformats.org/drawingml/2006/main" xmlns:r="http://schemas.openxmlformats.org/officeDocument/2006/relationships" xmlns:p="http://schemas.openxmlformats.org/presentationml/2006/main" showMasterSp="0" type="title" preserve="1">
   <p:cSld name="Diapositive de titre">
@@ -389,7 +742,7 @@
             <a:fld id="{AA309A6D-C09C-4548-B29A-6CF363A7E532}" type="datetimeFigureOut">
               <a:rPr lang="fr-FR" smtClean="0"/>
               <a:pPr/>
-              <a:t>07/12/2013</a:t>
+              <a:t>10/12/2013</a:t>
             </a:fld>
             <a:endParaRPr lang="fr-BE"/>
           </a:p>
@@ -614,7 +967,7 @@
             <a:fld id="{AA309A6D-C09C-4548-B29A-6CF363A7E532}" type="datetimeFigureOut">
               <a:rPr lang="fr-FR" smtClean="0"/>
               <a:pPr/>
-              <a:t>07/12/2013</a:t>
+              <a:t>10/12/2013</a:t>
             </a:fld>
             <a:endParaRPr lang="fr-BE"/>
           </a:p>
@@ -896,7 +1249,7 @@
             <a:fld id="{AA309A6D-C09C-4548-B29A-6CF363A7E532}" type="datetimeFigureOut">
               <a:rPr lang="fr-FR" smtClean="0"/>
               <a:pPr/>
-              <a:t>07/12/2013</a:t>
+              <a:t>10/12/2013</a:t>
             </a:fld>
             <a:endParaRPr lang="fr-BE"/>
           </a:p>
@@ -1077,7 +1430,7 @@
             <a:fld id="{AA309A6D-C09C-4548-B29A-6CF363A7E532}" type="datetimeFigureOut">
               <a:rPr lang="fr-FR" smtClean="0"/>
               <a:pPr/>
-              <a:t>07/12/2013</a:t>
+              <a:t>10/12/2013</a:t>
             </a:fld>
             <a:endParaRPr lang="fr-BE"/>
           </a:p>
@@ -1437,7 +1790,7 @@
             <a:fld id="{AA309A6D-C09C-4548-B29A-6CF363A7E532}" type="datetimeFigureOut">
               <a:rPr lang="fr-FR" smtClean="0"/>
               <a:pPr/>
-              <a:t>07/12/2013</a:t>
+              <a:t>10/12/2013</a:t>
             </a:fld>
             <a:endParaRPr lang="fr-BE"/>
           </a:p>
@@ -1726,7 +2079,7 @@
             <a:fld id="{AA309A6D-C09C-4548-B29A-6CF363A7E532}" type="datetimeFigureOut">
               <a:rPr lang="fr-FR" smtClean="0"/>
               <a:pPr/>
-              <a:t>07/12/2013</a:t>
+              <a:t>10/12/2013</a:t>
             </a:fld>
             <a:endParaRPr lang="fr-BE"/>
           </a:p>
@@ -2150,7 +2503,7 @@
             <a:fld id="{AA309A6D-C09C-4548-B29A-6CF363A7E532}" type="datetimeFigureOut">
               <a:rPr lang="fr-FR" smtClean="0"/>
               <a:pPr/>
-              <a:t>07/12/2013</a:t>
+              <a:t>10/12/2013</a:t>
             </a:fld>
             <a:endParaRPr lang="fr-BE"/>
           </a:p>
@@ -2267,7 +2620,7 @@
             <a:fld id="{AA309A6D-C09C-4548-B29A-6CF363A7E532}" type="datetimeFigureOut">
               <a:rPr lang="fr-FR" smtClean="0"/>
               <a:pPr/>
-              <a:t>07/12/2013</a:t>
+              <a:t>10/12/2013</a:t>
             </a:fld>
             <a:endParaRPr lang="fr-BE"/>
           </a:p>
@@ -2359,7 +2712,7 @@
             <a:fld id="{AA309A6D-C09C-4548-B29A-6CF363A7E532}" type="datetimeFigureOut">
               <a:rPr lang="fr-FR" smtClean="0"/>
               <a:pPr/>
-              <a:t>07/12/2013</a:t>
+              <a:t>10/12/2013</a:t>
             </a:fld>
             <a:endParaRPr lang="fr-BE"/>
           </a:p>
@@ -2639,7 +2992,7 @@
             <a:fld id="{AA309A6D-C09C-4548-B29A-6CF363A7E532}" type="datetimeFigureOut">
               <a:rPr lang="fr-FR" smtClean="0"/>
               <a:pPr/>
-              <a:t>07/12/2013</a:t>
+              <a:t>10/12/2013</a:t>
             </a:fld>
             <a:endParaRPr lang="fr-BE"/>
           </a:p>
@@ -3007,7 +3360,7 @@
             <a:fld id="{AA309A6D-C09C-4548-B29A-6CF363A7E532}" type="datetimeFigureOut">
               <a:rPr lang="fr-FR" smtClean="0"/>
               <a:pPr/>
-              <a:t>07/12/2013</a:t>
+              <a:t>10/12/2013</a:t>
             </a:fld>
             <a:endParaRPr lang="fr-BE"/>
           </a:p>
@@ -3446,7 +3799,7 @@
             <a:fld id="{AA309A6D-C09C-4548-B29A-6CF363A7E532}" type="datetimeFigureOut">
               <a:rPr lang="fr-FR" smtClean="0"/>
               <a:pPr/>
-              <a:t>07/12/2013</a:t>
+              <a:t>10/12/2013</a:t>
             </a:fld>
             <a:endParaRPr lang="fr-BE"/>
           </a:p>
@@ -3973,6 +4326,30 @@
           <a:noFill/>
         </p:spPr>
       </p:pic>
+      <p:sp>
+        <p:nvSpPr>
+          <p:cNvPr id="7" name="Espace réservé du numéro de diapositive 6"/>
+          <p:cNvSpPr>
+            <a:spLocks noGrp="1"/>
+          </p:cNvSpPr>
+          <p:nvPr>
+            <p:ph type="sldNum" sz="quarter" idx="12"/>
+          </p:nvPr>
+        </p:nvSpPr>
+        <p:spPr/>
+        <p:txBody>
+          <a:bodyPr/>
+          <a:lstStyle/>
+          <a:p>
+            <a:fld id="{CF4668DC-857F-487D-BFFA-8C0CA5037977}" type="slidenum">
+              <a:rPr lang="fr-BE" smtClean="0"/>
+              <a:pPr/>
+              <a:t>10</a:t>
+            </a:fld>
+            <a:endParaRPr lang="fr-BE"/>
+          </a:p>
+        </p:txBody>
+      </p:sp>
     </p:spTree>
   </p:cSld>
   <p:clrMapOvr>
@@ -4145,6 +4522,30 @@
           </a:p>
         </p:txBody>
       </p:sp>
+      <p:sp>
+        <p:nvSpPr>
+          <p:cNvPr id="7" name="Espace réservé du numéro de diapositive 6"/>
+          <p:cNvSpPr>
+            <a:spLocks noGrp="1"/>
+          </p:cNvSpPr>
+          <p:nvPr>
+            <p:ph type="sldNum" sz="quarter" idx="12"/>
+          </p:nvPr>
+        </p:nvSpPr>
+        <p:spPr/>
+        <p:txBody>
+          <a:bodyPr/>
+          <a:lstStyle/>
+          <a:p>
+            <a:fld id="{CF4668DC-857F-487D-BFFA-8C0CA5037977}" type="slidenum">
+              <a:rPr lang="fr-BE" smtClean="0"/>
+              <a:pPr/>
+              <a:t>11</a:t>
+            </a:fld>
+            <a:endParaRPr lang="fr-BE"/>
+          </a:p>
+        </p:txBody>
+      </p:sp>
     </p:spTree>
   </p:cSld>
   <p:clrMapOvr>
@@ -4298,6 +4699,30 @@
           </a:p>
         </p:txBody>
       </p:sp>
+      <p:sp>
+        <p:nvSpPr>
+          <p:cNvPr id="7" name="Espace réservé du numéro de diapositive 6"/>
+          <p:cNvSpPr>
+            <a:spLocks noGrp="1"/>
+          </p:cNvSpPr>
+          <p:nvPr>
+            <p:ph type="sldNum" sz="quarter" idx="12"/>
+          </p:nvPr>
+        </p:nvSpPr>
+        <p:spPr/>
+        <p:txBody>
+          <a:bodyPr/>
+          <a:lstStyle/>
+          <a:p>
+            <a:fld id="{CF4668DC-857F-487D-BFFA-8C0CA5037977}" type="slidenum">
+              <a:rPr lang="fr-BE" smtClean="0"/>
+              <a:pPr/>
+              <a:t>12</a:t>
+            </a:fld>
+            <a:endParaRPr lang="fr-BE"/>
+          </a:p>
+        </p:txBody>
+      </p:sp>
     </p:spTree>
   </p:cSld>
   <p:clrMapOvr>
@@ -4403,13 +4828,8 @@
             <a:pPr lvl="1"/>
             <a:r>
               <a:rPr lang="en-CA" dirty="0" smtClean="0"/>
-              <a:t>Switch </a:t>
-            </a:r>
-            <a:r>
-              <a:rPr lang="en-CA" dirty="0" smtClean="0"/>
-              <a:t>Dispatch</a:t>
-            </a:r>
-            <a:endParaRPr lang="en-CA" dirty="0" smtClean="0"/>
+              <a:t>Switch Dispatch</a:t>
+            </a:r>
           </a:p>
           <a:p>
             <a:pPr lvl="1"/>
@@ -4417,7 +4837,6 @@
               <a:rPr lang="en-CA" dirty="0" smtClean="0"/>
               <a:t>Threaded Code</a:t>
             </a:r>
-            <a:endParaRPr lang="en-CA" dirty="0" smtClean="0"/>
           </a:p>
           <a:p>
             <a:endParaRPr lang="en-CA" dirty="0" smtClean="0"/>
@@ -4482,6 +4901,30 @@
                 <a:schemeClr val="bg2"/>
               </a:solidFill>
             </a:endParaRPr>
+          </a:p>
+        </p:txBody>
+      </p:sp>
+      <p:sp>
+        <p:nvSpPr>
+          <p:cNvPr id="7" name="Espace réservé du numéro de diapositive 6"/>
+          <p:cNvSpPr>
+            <a:spLocks noGrp="1"/>
+          </p:cNvSpPr>
+          <p:nvPr>
+            <p:ph type="sldNum" sz="quarter" idx="12"/>
+          </p:nvPr>
+        </p:nvSpPr>
+        <p:spPr/>
+        <p:txBody>
+          <a:bodyPr/>
+          <a:lstStyle/>
+          <a:p>
+            <a:fld id="{CF4668DC-857F-487D-BFFA-8C0CA5037977}" type="slidenum">
+              <a:rPr lang="fr-BE" smtClean="0"/>
+              <a:pPr/>
+              <a:t>13</a:t>
+            </a:fld>
+            <a:endParaRPr lang="fr-BE"/>
           </a:p>
         </p:txBody>
       </p:sp>
@@ -4581,7 +5024,6 @@
               <a:rPr lang="fr-CA" sz="3600" dirty="0" smtClean="0"/>
               <a:t>()</a:t>
             </a:r>
-            <a:endParaRPr lang="fr-CA" sz="3600" dirty="0" smtClean="0"/>
           </a:p>
           <a:p>
             <a:pPr>
@@ -4653,7 +5095,30 @@
               <a:rPr lang="fr-CA" sz="3600" dirty="0" smtClean="0"/>
               <a:t>}</a:t>
             </a:r>
-            <a:endParaRPr lang="fr-CA" sz="3600" dirty="0" smtClean="0"/>
+          </a:p>
+        </p:txBody>
+      </p:sp>
+      <p:sp>
+        <p:nvSpPr>
+          <p:cNvPr id="7" name="Espace réservé du numéro de diapositive 6"/>
+          <p:cNvSpPr>
+            <a:spLocks noGrp="1"/>
+          </p:cNvSpPr>
+          <p:nvPr>
+            <p:ph type="sldNum" sz="quarter" idx="12"/>
+          </p:nvPr>
+        </p:nvSpPr>
+        <p:spPr/>
+        <p:txBody>
+          <a:bodyPr/>
+          <a:lstStyle/>
+          <a:p>
+            <a:fld id="{CF4668DC-857F-487D-BFFA-8C0CA5037977}" type="slidenum">
+              <a:rPr lang="fr-BE" smtClean="0"/>
+              <a:pPr/>
+              <a:t>14</a:t>
+            </a:fld>
+            <a:endParaRPr lang="fr-BE"/>
           </a:p>
         </p:txBody>
       </p:sp>
@@ -4753,7 +5218,6 @@
               <a:rPr lang="fr-CA" sz="3600" dirty="0" smtClean="0"/>
               <a:t>()</a:t>
             </a:r>
-            <a:endParaRPr lang="fr-CA" sz="3600" dirty="0" smtClean="0"/>
           </a:p>
           <a:p>
             <a:pPr>
@@ -4833,7 +5297,30 @@
               <a:rPr lang="fr-CA" sz="3600" dirty="0" smtClean="0"/>
               <a:t>}</a:t>
             </a:r>
-            <a:endParaRPr lang="fr-CA" sz="3600" dirty="0" smtClean="0"/>
+          </a:p>
+        </p:txBody>
+      </p:sp>
+      <p:sp>
+        <p:nvSpPr>
+          <p:cNvPr id="7" name="Espace réservé du numéro de diapositive 6"/>
+          <p:cNvSpPr>
+            <a:spLocks noGrp="1"/>
+          </p:cNvSpPr>
+          <p:nvPr>
+            <p:ph type="sldNum" sz="quarter" idx="12"/>
+          </p:nvPr>
+        </p:nvSpPr>
+        <p:spPr/>
+        <p:txBody>
+          <a:bodyPr/>
+          <a:lstStyle/>
+          <a:p>
+            <a:fld id="{CF4668DC-857F-487D-BFFA-8C0CA5037977}" type="slidenum">
+              <a:rPr lang="fr-BE" smtClean="0"/>
+              <a:pPr/>
+              <a:t>15</a:t>
+            </a:fld>
+            <a:endParaRPr lang="fr-BE"/>
           </a:p>
         </p:txBody>
       </p:sp>
@@ -4938,11 +5425,7 @@
             </a:pPr>
             <a:r>
               <a:rPr lang="en-CA" dirty="0" smtClean="0"/>
-              <a:t>	</a:t>
-            </a:r>
-            <a:r>
-              <a:rPr lang="en-CA" dirty="0" smtClean="0"/>
-              <a:t>switch(</a:t>
+              <a:t>	switch(</a:t>
             </a:r>
             <a:r>
               <a:rPr lang="en-CA" dirty="0" err="1" smtClean="0"/>
@@ -4959,24 +5442,16 @@
             </a:pPr>
             <a:r>
               <a:rPr lang="en-CA" dirty="0" smtClean="0"/>
-              <a:t>	</a:t>
-            </a:r>
+              <a:t>	{</a:t>
+            </a:r>
+          </a:p>
+          <a:p>
+            <a:pPr>
+              <a:buNone/>
+            </a:pPr>
             <a:r>
               <a:rPr lang="en-CA" dirty="0" smtClean="0"/>
-              <a:t>{</a:t>
-            </a:r>
-          </a:p>
-          <a:p>
-            <a:pPr>
-              <a:buNone/>
-            </a:pPr>
-            <a:r>
-              <a:rPr lang="en-CA" dirty="0" smtClean="0"/>
-              <a:t>	</a:t>
-            </a:r>
-            <a:r>
-              <a:rPr lang="en-CA" dirty="0" smtClean="0"/>
-              <a:t>	case ADD: { /*z=</a:t>
+              <a:t>		case ADD: { /*z=</a:t>
             </a:r>
             <a:r>
               <a:rPr lang="en-CA" dirty="0" err="1" smtClean="0"/>
@@ -4993,11 +5468,16 @@
             </a:pPr>
             <a:r>
               <a:rPr lang="en-CA" dirty="0" smtClean="0"/>
-              <a:t>	</a:t>
-            </a:r>
+              <a:t>		// ...</a:t>
+            </a:r>
+          </a:p>
+          <a:p>
+            <a:pPr>
+              <a:buNone/>
+            </a:pPr>
             <a:r>
               <a:rPr lang="en-CA" dirty="0" smtClean="0"/>
-              <a:t>	// ...</a:t>
+              <a:t>		default: { /*PANIC */ }</a:t>
             </a:r>
           </a:p>
           <a:p>
@@ -5006,35 +5486,42 @@
             </a:pPr>
             <a:r>
               <a:rPr lang="en-CA" dirty="0" smtClean="0"/>
-              <a:t>	</a:t>
-            </a:r>
-            <a:r>
-              <a:rPr lang="en-CA" dirty="0" smtClean="0"/>
-              <a:t>	default: { /*PANIC */ }</a:t>
+              <a:t>	}</a:t>
             </a:r>
           </a:p>
           <a:p>
             <a:pPr>
               <a:buNone/>
             </a:pPr>
-            <a:r>
-              <a:rPr lang="en-CA" dirty="0" smtClean="0"/>
-              <a:t>	</a:t>
-            </a:r>
             <a:r>
               <a:rPr lang="en-CA" dirty="0" smtClean="0"/>
               <a:t>}</a:t>
             </a:r>
-          </a:p>
-          <a:p>
-            <a:pPr>
-              <a:buNone/>
-            </a:pPr>
-            <a:r>
-              <a:rPr lang="en-CA" dirty="0" smtClean="0"/>
-              <a:t>}</a:t>
-            </a:r>
             <a:endParaRPr lang="fr-CA" dirty="0"/>
+          </a:p>
+        </p:txBody>
+      </p:sp>
+      <p:sp>
+        <p:nvSpPr>
+          <p:cNvPr id="7" name="Espace réservé du numéro de diapositive 6"/>
+          <p:cNvSpPr>
+            <a:spLocks noGrp="1"/>
+          </p:cNvSpPr>
+          <p:nvPr>
+            <p:ph type="sldNum" sz="quarter" idx="12"/>
+          </p:nvPr>
+        </p:nvSpPr>
+        <p:spPr/>
+        <p:txBody>
+          <a:bodyPr/>
+          <a:lstStyle/>
+          <a:p>
+            <a:fld id="{CF4668DC-857F-487D-BFFA-8C0CA5037977}" type="slidenum">
+              <a:rPr lang="fr-BE" smtClean="0"/>
+              <a:pPr/>
+              <a:t>16</a:t>
+            </a:fld>
+            <a:endParaRPr lang="fr-BE"/>
           </a:p>
         </p:txBody>
       </p:sp>
@@ -5134,7 +5621,6 @@
               <a:rPr lang="fr-CA" sz="3600" dirty="0" smtClean="0"/>
               <a:t>()</a:t>
             </a:r>
-            <a:endParaRPr lang="fr-CA" sz="3600" dirty="0" smtClean="0"/>
           </a:p>
           <a:p>
             <a:pPr>
@@ -5196,11 +5682,6 @@
               </a:rPr>
               <a:t>execute_opcode[opcode]();</a:t>
             </a:r>
-            <a:endParaRPr lang="fr-CA" sz="3600" dirty="0" smtClean="0">
-              <a:solidFill>
-                <a:srgbClr val="FF0000"/>
-              </a:solidFill>
-            </a:endParaRPr>
           </a:p>
           <a:p>
             <a:pPr>
@@ -5219,7 +5700,30 @@
               <a:rPr lang="fr-CA" sz="3600" dirty="0" smtClean="0"/>
               <a:t>}</a:t>
             </a:r>
-            <a:endParaRPr lang="fr-CA" sz="3600" dirty="0" smtClean="0"/>
+          </a:p>
+        </p:txBody>
+      </p:sp>
+      <p:sp>
+        <p:nvSpPr>
+          <p:cNvPr id="7" name="Espace réservé du numéro de diapositive 6"/>
+          <p:cNvSpPr>
+            <a:spLocks noGrp="1"/>
+          </p:cNvSpPr>
+          <p:nvPr>
+            <p:ph type="sldNum" sz="quarter" idx="12"/>
+          </p:nvPr>
+        </p:nvSpPr>
+        <p:spPr/>
+        <p:txBody>
+          <a:bodyPr/>
+          <a:lstStyle/>
+          <a:p>
+            <a:fld id="{CF4668DC-857F-487D-BFFA-8C0CA5037977}" type="slidenum">
+              <a:rPr lang="fr-BE" smtClean="0"/>
+              <a:pPr/>
+              <a:t>17</a:t>
+            </a:fld>
+            <a:endParaRPr lang="fr-BE"/>
           </a:p>
         </p:txBody>
       </p:sp>
@@ -5304,6 +5808,30 @@
           <a:noFill/>
         </p:spPr>
       </p:pic>
+      <p:sp>
+        <p:nvSpPr>
+          <p:cNvPr id="7" name="Espace réservé du numéro de diapositive 6"/>
+          <p:cNvSpPr>
+            <a:spLocks noGrp="1"/>
+          </p:cNvSpPr>
+          <p:nvPr>
+            <p:ph type="sldNum" sz="quarter" idx="12"/>
+          </p:nvPr>
+        </p:nvSpPr>
+        <p:spPr/>
+        <p:txBody>
+          <a:bodyPr/>
+          <a:lstStyle/>
+          <a:p>
+            <a:fld id="{CF4668DC-857F-487D-BFFA-8C0CA5037977}" type="slidenum">
+              <a:rPr lang="fr-BE" smtClean="0"/>
+              <a:pPr/>
+              <a:t>18</a:t>
+            </a:fld>
+            <a:endParaRPr lang="fr-BE"/>
+          </a:p>
+        </p:txBody>
+      </p:sp>
     </p:spTree>
   </p:cSld>
   <p:clrMapOvr>
@@ -5487,11 +6015,7 @@
             </a:r>
             <a:r>
               <a:rPr lang="fr-CA" dirty="0" smtClean="0"/>
-              <a:t> *pc</a:t>
-            </a:r>
-            <a:r>
-              <a:rPr lang="fr-CA" dirty="0" smtClean="0"/>
-              <a:t>;</a:t>
+              <a:t> *pc;</a:t>
             </a:r>
           </a:p>
           <a:p>
@@ -5508,7 +6032,6 @@
               <a:rPr lang="fr-CA" dirty="0" smtClean="0"/>
               <a:t>ADD:</a:t>
             </a:r>
-            <a:endParaRPr lang="fr-CA" dirty="0" smtClean="0"/>
           </a:p>
           <a:p>
             <a:pPr>
@@ -5533,11 +6056,7 @@
             </a:r>
             <a:r>
               <a:rPr lang="fr-CA" dirty="0" smtClean="0"/>
-              <a:t> *(++pc</a:t>
-            </a:r>
-            <a:r>
-              <a:rPr lang="fr-CA" dirty="0" smtClean="0"/>
-              <a:t>);</a:t>
+              <a:t> *(++pc);</a:t>
             </a:r>
           </a:p>
           <a:p>
@@ -5552,11 +6071,7 @@
             </a:pPr>
             <a:r>
               <a:rPr lang="fr-CA" dirty="0" smtClean="0"/>
-              <a:t>    // </a:t>
-            </a:r>
-            <a:r>
-              <a:rPr lang="fr-CA" dirty="0" smtClean="0"/>
-              <a:t>...</a:t>
+              <a:t>    // ...</a:t>
             </a:r>
           </a:p>
           <a:p>
@@ -5592,6 +6107,30 @@
               <a:t>}</a:t>
             </a:r>
             <a:endParaRPr lang="fr-CA" dirty="0"/>
+          </a:p>
+        </p:txBody>
+      </p:sp>
+      <p:sp>
+        <p:nvSpPr>
+          <p:cNvPr id="7" name="Espace réservé du numéro de diapositive 6"/>
+          <p:cNvSpPr>
+            <a:spLocks noGrp="1"/>
+          </p:cNvSpPr>
+          <p:nvPr>
+            <p:ph type="sldNum" sz="quarter" idx="12"/>
+          </p:nvPr>
+        </p:nvSpPr>
+        <p:spPr/>
+        <p:txBody>
+          <a:bodyPr/>
+          <a:lstStyle/>
+          <a:p>
+            <a:fld id="{CF4668DC-857F-487D-BFFA-8C0CA5037977}" type="slidenum">
+              <a:rPr lang="fr-BE" smtClean="0"/>
+              <a:pPr/>
+              <a:t>19</a:t>
+            </a:fld>
+            <a:endParaRPr lang="fr-BE"/>
           </a:p>
         </p:txBody>
       </p:sp>
@@ -5676,6 +6215,30 @@
           <a:noFill/>
         </p:spPr>
       </p:pic>
+      <p:sp>
+        <p:nvSpPr>
+          <p:cNvPr id="7" name="Espace réservé du numéro de diapositive 6"/>
+          <p:cNvSpPr>
+            <a:spLocks noGrp="1"/>
+          </p:cNvSpPr>
+          <p:nvPr>
+            <p:ph type="sldNum" sz="quarter" idx="12"/>
+          </p:nvPr>
+        </p:nvSpPr>
+        <p:spPr/>
+        <p:txBody>
+          <a:bodyPr/>
+          <a:lstStyle/>
+          <a:p>
+            <a:fld id="{CF4668DC-857F-487D-BFFA-8C0CA5037977}" type="slidenum">
+              <a:rPr lang="fr-BE" smtClean="0"/>
+              <a:pPr/>
+              <a:t>2</a:t>
+            </a:fld>
+            <a:endParaRPr lang="fr-BE"/>
+          </a:p>
+        </p:txBody>
+      </p:sp>
     </p:spTree>
   </p:cSld>
   <p:clrMapOvr>
@@ -5770,6 +6333,7 @@
               <a:rPr lang="en-CA" dirty="0" smtClean="0"/>
               <a:t>?</a:t>
             </a:r>
+            <a:endParaRPr lang="en-CA" dirty="0" smtClean="0"/>
           </a:p>
           <a:p>
             <a:pPr lvl="1"/>
@@ -5818,6 +6382,56 @@
               <a:t>branchements</a:t>
             </a:r>
             <a:endParaRPr lang="fr-CA" dirty="0"/>
+          </a:p>
+        </p:txBody>
+      </p:sp>
+      <p:pic>
+        <p:nvPicPr>
+          <p:cNvPr id="19458" name="Picture 2" descr="File:Two-level branch prediction.svg"/>
+          <p:cNvPicPr>
+            <a:picLocks noChangeAspect="1" noChangeArrowheads="1"/>
+          </p:cNvPicPr>
+          <p:nvPr/>
+        </p:nvPicPr>
+        <p:blipFill>
+          <a:blip r:embed="rId2" cstate="print"/>
+          <a:srcRect/>
+          <a:stretch>
+            <a:fillRect/>
+          </a:stretch>
+        </p:blipFill>
+        <p:spPr bwMode="auto">
+          <a:xfrm>
+            <a:off x="1979712" y="3546203"/>
+            <a:ext cx="4320480" cy="2835315"/>
+          </a:xfrm>
+          <a:prstGeom prst="rect">
+            <a:avLst/>
+          </a:prstGeom>
+          <a:noFill/>
+        </p:spPr>
+      </p:pic>
+      <p:sp>
+        <p:nvSpPr>
+          <p:cNvPr id="8" name="Espace réservé du numéro de diapositive 7"/>
+          <p:cNvSpPr>
+            <a:spLocks noGrp="1"/>
+          </p:cNvSpPr>
+          <p:nvPr>
+            <p:ph type="sldNum" sz="quarter" idx="12"/>
+          </p:nvPr>
+        </p:nvSpPr>
+        <p:spPr/>
+        <p:txBody>
+          <a:bodyPr/>
+          <a:lstStyle/>
+          <a:p>
+            <a:fld id="{CF4668DC-857F-487D-BFFA-8C0CA5037977}" type="slidenum">
+              <a:rPr lang="fr-BE" smtClean="0"/>
+              <a:pPr/>
+              <a:t>20</a:t>
+            </a:fld>
+            <a:endParaRPr lang="fr-BE"/>
           </a:p>
         </p:txBody>
       </p:sp>
@@ -5932,6 +6546,51 @@
                       </p:childTnLst>
                     </p:cTn>
                   </p:par>
+                  <p:par>
+                    <p:cTn id="11" fill="hold">
+                      <p:stCondLst>
+                        <p:cond delay="indefinite"/>
+                      </p:stCondLst>
+                      <p:childTnLst>
+                        <p:par>
+                          <p:cTn id="12" fill="hold">
+                            <p:stCondLst>
+                              <p:cond delay="0"/>
+                            </p:stCondLst>
+                            <p:childTnLst>
+                              <p:par>
+                                <p:cTn id="13" presetID="1" presetClass="entr" presetSubtype="0" fill="hold" nodeType="clickEffect">
+                                  <p:stCondLst>
+                                    <p:cond delay="0"/>
+                                  </p:stCondLst>
+                                  <p:childTnLst>
+                                    <p:set>
+                                      <p:cBhvr>
+                                        <p:cTn id="14" dur="1" fill="hold">
+                                          <p:stCondLst>
+                                            <p:cond delay="0"/>
+                                          </p:stCondLst>
+                                        </p:cTn>
+                                        <p:tgtEl>
+                                          <p:spTgt spid="19458"/>
+                                        </p:tgtEl>
+                                        <p:attrNameLst>
+                                          <p:attrName>style.visibility</p:attrName>
+                                        </p:attrNameLst>
+                                      </p:cBhvr>
+                                      <p:to>
+                                        <p:strVal val="visible"/>
+                                      </p:to>
+                                    </p:set>
+                                  </p:childTnLst>
+                                </p:cTn>
+                              </p:par>
+                            </p:childTnLst>
+                          </p:cTn>
+                        </p:par>
+                      </p:childTnLst>
+                    </p:cTn>
+                  </p:par>
                 </p:childTnLst>
               </p:cTn>
               <p:prevCondLst>
@@ -6003,7 +6662,7 @@
       </p:sp>
       <p:pic>
         <p:nvPicPr>
-          <p:cNvPr id="158724" name="Picture 4" descr="https://scontent-b-ord.xx.fbcdn.net/hphotos-prn1/q74/s720x720/554009_1377581189135685_820038279_n.jpg"/>
+          <p:cNvPr id="1026" name="Picture 2" descr="C:\Users\ouef2901\Downloads\IMG_0833.jpg"/>
           <p:cNvPicPr>
             <a:picLocks noChangeAspect="1" noChangeArrowheads="1"/>
           </p:cNvPicPr>
@@ -6018,8 +6677,8 @@
         </p:blipFill>
         <p:spPr bwMode="auto">
           <a:xfrm>
-            <a:off x="1458416" y="1700808"/>
-            <a:ext cx="6137920" cy="4603441"/>
+            <a:off x="1331640" y="1628800"/>
+            <a:ext cx="6732240" cy="5049180"/>
           </a:xfrm>
           <a:prstGeom prst="rect">
             <a:avLst/>
@@ -6027,6 +6686,30 @@
           <a:noFill/>
         </p:spPr>
       </p:pic>
+      <p:sp>
+        <p:nvSpPr>
+          <p:cNvPr id="8" name="Espace réservé du numéro de diapositive 7"/>
+          <p:cNvSpPr>
+            <a:spLocks noGrp="1"/>
+          </p:cNvSpPr>
+          <p:nvPr>
+            <p:ph type="sldNum" sz="quarter" idx="12"/>
+          </p:nvPr>
+        </p:nvSpPr>
+        <p:spPr/>
+        <p:txBody>
+          <a:bodyPr/>
+          <a:lstStyle/>
+          <a:p>
+            <a:fld id="{CF4668DC-857F-487D-BFFA-8C0CA5037977}" type="slidenum">
+              <a:rPr lang="fr-BE" smtClean="0"/>
+              <a:pPr/>
+              <a:t>21</a:t>
+            </a:fld>
+            <a:endParaRPr lang="fr-BE"/>
+          </a:p>
+        </p:txBody>
+      </p:sp>
     </p:spTree>
   </p:cSld>
   <p:clrMapOvr>
@@ -6211,6 +6894,30 @@
           </a:p>
         </p:txBody>
       </p:sp>
+      <p:sp>
+        <p:nvSpPr>
+          <p:cNvPr id="7" name="Espace réservé du numéro de diapositive 6"/>
+          <p:cNvSpPr>
+            <a:spLocks noGrp="1"/>
+          </p:cNvSpPr>
+          <p:nvPr>
+            <p:ph type="sldNum" sz="quarter" idx="12"/>
+          </p:nvPr>
+        </p:nvSpPr>
+        <p:spPr/>
+        <p:txBody>
+          <a:bodyPr/>
+          <a:lstStyle/>
+          <a:p>
+            <a:fld id="{CF4668DC-857F-487D-BFFA-8C0CA5037977}" type="slidenum">
+              <a:rPr lang="fr-BE" smtClean="0"/>
+              <a:pPr/>
+              <a:t>22</a:t>
+            </a:fld>
+            <a:endParaRPr lang="fr-BE"/>
+          </a:p>
+        </p:txBody>
+      </p:sp>
     </p:spTree>
   </p:cSld>
   <p:clrMapOvr>
@@ -6292,6 +6999,30 @@
           <a:noFill/>
         </p:spPr>
       </p:pic>
+      <p:sp>
+        <p:nvSpPr>
+          <p:cNvPr id="7" name="Espace réservé du numéro de diapositive 6"/>
+          <p:cNvSpPr>
+            <a:spLocks noGrp="1"/>
+          </p:cNvSpPr>
+          <p:nvPr>
+            <p:ph type="sldNum" sz="quarter" idx="12"/>
+          </p:nvPr>
+        </p:nvSpPr>
+        <p:spPr/>
+        <p:txBody>
+          <a:bodyPr/>
+          <a:lstStyle/>
+          <a:p>
+            <a:fld id="{CF4668DC-857F-487D-BFFA-8C0CA5037977}" type="slidenum">
+              <a:rPr lang="fr-BE" smtClean="0"/>
+              <a:pPr/>
+              <a:t>23</a:t>
+            </a:fld>
+            <a:endParaRPr lang="fr-BE"/>
+          </a:p>
+        </p:txBody>
+      </p:sp>
     </p:spTree>
   </p:cSld>
   <p:clrMapOvr>
@@ -6520,13 +7251,36 @@
               <a:rPr lang="en-CA" dirty="0" smtClean="0"/>
               <a:t> à tester</a:t>
             </a:r>
+          </a:p>
+          <a:p>
             <a:endParaRPr lang="en-CA" dirty="0" smtClean="0"/>
           </a:p>
           <a:p>
-            <a:endParaRPr lang="en-CA" dirty="0" smtClean="0"/>
-          </a:p>
-          <a:p>
             <a:endParaRPr lang="fr-CA" dirty="0"/>
+          </a:p>
+        </p:txBody>
+      </p:sp>
+      <p:sp>
+        <p:nvSpPr>
+          <p:cNvPr id="7" name="Espace réservé du numéro de diapositive 6"/>
+          <p:cNvSpPr>
+            <a:spLocks noGrp="1"/>
+          </p:cNvSpPr>
+          <p:nvPr>
+            <p:ph type="sldNum" sz="quarter" idx="12"/>
+          </p:nvPr>
+        </p:nvSpPr>
+        <p:spPr/>
+        <p:txBody>
+          <a:bodyPr/>
+          <a:lstStyle/>
+          <a:p>
+            <a:fld id="{CF4668DC-857F-487D-BFFA-8C0CA5037977}" type="slidenum">
+              <a:rPr lang="fr-BE" smtClean="0"/>
+              <a:pPr/>
+              <a:t>24</a:t>
+            </a:fld>
+            <a:endParaRPr lang="fr-BE"/>
           </a:p>
         </p:txBody>
       </p:sp>
@@ -6611,6 +7365,30 @@
           <a:noFill/>
         </p:spPr>
       </p:pic>
+      <p:sp>
+        <p:nvSpPr>
+          <p:cNvPr id="8" name="Espace réservé du numéro de diapositive 7"/>
+          <p:cNvSpPr>
+            <a:spLocks noGrp="1"/>
+          </p:cNvSpPr>
+          <p:nvPr>
+            <p:ph type="sldNum" sz="quarter" idx="12"/>
+          </p:nvPr>
+        </p:nvSpPr>
+        <p:spPr/>
+        <p:txBody>
+          <a:bodyPr/>
+          <a:lstStyle/>
+          <a:p>
+            <a:fld id="{CF4668DC-857F-487D-BFFA-8C0CA5037977}" type="slidenum">
+              <a:rPr lang="fr-BE" smtClean="0"/>
+              <a:pPr/>
+              <a:t>25</a:t>
+            </a:fld>
+            <a:endParaRPr lang="fr-BE"/>
+          </a:p>
+        </p:txBody>
+      </p:sp>
     </p:spTree>
   </p:cSld>
   <p:clrMapOvr>
@@ -6666,6 +7444,378 @@
           </a:p>
         </p:txBody>
       </p:sp>
+      <p:pic>
+        <p:nvPicPr>
+          <p:cNvPr id="39941" name="Picture 5"/>
+          <p:cNvPicPr>
+            <a:picLocks noChangeAspect="1" noChangeArrowheads="1"/>
+          </p:cNvPicPr>
+          <p:nvPr/>
+        </p:nvPicPr>
+        <p:blipFill>
+          <a:blip r:embed="rId2" cstate="print"/>
+          <a:srcRect/>
+          <a:stretch>
+            <a:fillRect/>
+          </a:stretch>
+        </p:blipFill>
+        <p:spPr bwMode="auto">
+          <a:xfrm>
+            <a:off x="1200150" y="2348879"/>
+            <a:ext cx="6743700" cy="4436095"/>
+          </a:xfrm>
+          <a:prstGeom prst="rect">
+            <a:avLst/>
+          </a:prstGeom>
+          <a:noFill/>
+          <a:ln w="9525">
+            <a:noFill/>
+            <a:miter lim="800000"/>
+            <a:headEnd/>
+            <a:tailEnd/>
+          </a:ln>
+          <a:effectLst/>
+        </p:spPr>
+      </p:pic>
+      <p:sp>
+        <p:nvSpPr>
+          <p:cNvPr id="9" name="Espace réservé du contenu 2"/>
+          <p:cNvSpPr>
+            <a:spLocks noGrp="1"/>
+          </p:cNvSpPr>
+          <p:nvPr>
+            <p:ph idx="1"/>
+          </p:nvPr>
+        </p:nvSpPr>
+        <p:spPr>
+          <a:xfrm>
+            <a:off x="457200" y="1628800"/>
+            <a:ext cx="8229600" cy="4625609"/>
+          </a:xfrm>
+        </p:spPr>
+        <p:txBody>
+          <a:bodyPr/>
+          <a:lstStyle/>
+          <a:p>
+            <a:r>
+              <a:rPr lang="en-CA" dirty="0" err="1" smtClean="0"/>
+              <a:t>Sélection</a:t>
+            </a:r>
+            <a:r>
+              <a:rPr lang="en-CA" dirty="0" smtClean="0"/>
+              <a:t> </a:t>
+            </a:r>
+            <a:r>
+              <a:rPr lang="en-CA" dirty="0" err="1" smtClean="0"/>
+              <a:t>d’instructions</a:t>
+            </a:r>
+            <a:endParaRPr lang="fr-CA" dirty="0"/>
+          </a:p>
+        </p:txBody>
+      </p:sp>
+      <p:sp>
+        <p:nvSpPr>
+          <p:cNvPr id="8" name="Espace réservé du numéro de diapositive 7"/>
+          <p:cNvSpPr>
+            <a:spLocks noGrp="1"/>
+          </p:cNvSpPr>
+          <p:nvPr>
+            <p:ph type="sldNum" sz="quarter" idx="12"/>
+          </p:nvPr>
+        </p:nvSpPr>
+        <p:spPr/>
+        <p:txBody>
+          <a:bodyPr/>
+          <a:lstStyle/>
+          <a:p>
+            <a:fld id="{CF4668DC-857F-487D-BFFA-8C0CA5037977}" type="slidenum">
+              <a:rPr lang="fr-BE" smtClean="0"/>
+              <a:pPr/>
+              <a:t>26</a:t>
+            </a:fld>
+            <a:endParaRPr lang="fr-BE"/>
+          </a:p>
+        </p:txBody>
+      </p:sp>
+    </p:spTree>
+  </p:cSld>
+  <p:clrMapOvr>
+    <a:masterClrMapping/>
+  </p:clrMapOvr>
+  <p:timing>
+    <p:tnLst>
+      <p:par>
+        <p:cTn id="1" dur="indefinite" restart="never" nodeType="tmRoot"/>
+      </p:par>
+    </p:tnLst>
+  </p:timing>
+</p:sld>
+</file>
+
+<file path=ppt/slides/slide27.xml><?xml version="1.0" encoding="utf-8"?>
+<p:sld xmlns:a="http://schemas.openxmlformats.org/drawingml/2006/main" xmlns:r="http://schemas.openxmlformats.org/officeDocument/2006/relationships" xmlns:p="http://schemas.openxmlformats.org/presentationml/2006/main">
+  <p:cSld>
+    <p:spTree>
+      <p:nvGrpSpPr>
+        <p:cNvPr id="1" name=""/>
+        <p:cNvGrpSpPr/>
+        <p:nvPr/>
+      </p:nvGrpSpPr>
+      <p:grpSpPr>
+        <a:xfrm>
+          <a:off x="0" y="0"/>
+          <a:ext cx="0" cy="0"/>
+          <a:chOff x="0" y="0"/>
+          <a:chExt cx="0" cy="0"/>
+        </a:xfrm>
+      </p:grpSpPr>
+      <p:sp>
+        <p:nvSpPr>
+          <p:cNvPr id="2" name="Titre 1"/>
+          <p:cNvSpPr>
+            <a:spLocks noGrp="1"/>
+          </p:cNvSpPr>
+          <p:nvPr>
+            <p:ph type="title"/>
+          </p:nvPr>
+        </p:nvSpPr>
+        <p:spPr/>
+        <p:txBody>
+          <a:bodyPr/>
+          <a:lstStyle/>
+          <a:p>
+            <a:r>
+              <a:rPr lang="en-CA" dirty="0" err="1" smtClean="0"/>
+              <a:t>Théorie</a:t>
+            </a:r>
+            <a:endParaRPr lang="fr-CA" dirty="0"/>
+          </a:p>
+        </p:txBody>
+      </p:sp>
+      <p:pic>
+        <p:nvPicPr>
+          <p:cNvPr id="53250" name="Picture 2"/>
+          <p:cNvPicPr>
+            <a:picLocks noChangeAspect="1" noChangeArrowheads="1"/>
+          </p:cNvPicPr>
+          <p:nvPr/>
+        </p:nvPicPr>
+        <p:blipFill>
+          <a:blip r:embed="rId2" cstate="print"/>
+          <a:srcRect/>
+          <a:stretch>
+            <a:fillRect/>
+          </a:stretch>
+        </p:blipFill>
+        <p:spPr bwMode="auto">
+          <a:xfrm>
+            <a:off x="1259632" y="1556792"/>
+            <a:ext cx="6686550" cy="5301208"/>
+          </a:xfrm>
+          <a:prstGeom prst="rect">
+            <a:avLst/>
+          </a:prstGeom>
+          <a:noFill/>
+          <a:ln w="9525">
+            <a:noFill/>
+            <a:miter lim="800000"/>
+            <a:headEnd/>
+            <a:tailEnd/>
+          </a:ln>
+          <a:effectLst/>
+        </p:spPr>
+      </p:pic>
+      <p:sp>
+        <p:nvSpPr>
+          <p:cNvPr id="7" name="Espace réservé du numéro de diapositive 6"/>
+          <p:cNvSpPr>
+            <a:spLocks noGrp="1"/>
+          </p:cNvSpPr>
+          <p:nvPr>
+            <p:ph type="sldNum" sz="quarter" idx="12"/>
+          </p:nvPr>
+        </p:nvSpPr>
+        <p:spPr/>
+        <p:txBody>
+          <a:bodyPr/>
+          <a:lstStyle/>
+          <a:p>
+            <a:fld id="{CF4668DC-857F-487D-BFFA-8C0CA5037977}" type="slidenum">
+              <a:rPr lang="fr-BE" smtClean="0"/>
+              <a:pPr/>
+              <a:t>27</a:t>
+            </a:fld>
+            <a:endParaRPr lang="fr-BE"/>
+          </a:p>
+        </p:txBody>
+      </p:sp>
+    </p:spTree>
+  </p:cSld>
+  <p:clrMapOvr>
+    <a:masterClrMapping/>
+  </p:clrMapOvr>
+  <p:timing>
+    <p:tnLst>
+      <p:par>
+        <p:cTn id="1" dur="indefinite" restart="never" nodeType="tmRoot"/>
+      </p:par>
+    </p:tnLst>
+  </p:timing>
+</p:sld>
+</file>
+
+<file path=ppt/slides/slide28.xml><?xml version="1.0" encoding="utf-8"?>
+<p:sld xmlns:a="http://schemas.openxmlformats.org/drawingml/2006/main" xmlns:r="http://schemas.openxmlformats.org/officeDocument/2006/relationships" xmlns:p="http://schemas.openxmlformats.org/presentationml/2006/main">
+  <p:cSld>
+    <p:spTree>
+      <p:nvGrpSpPr>
+        <p:cNvPr id="1" name=""/>
+        <p:cNvGrpSpPr/>
+        <p:nvPr/>
+      </p:nvGrpSpPr>
+      <p:grpSpPr>
+        <a:xfrm>
+          <a:off x="0" y="0"/>
+          <a:ext cx="0" cy="0"/>
+          <a:chOff x="0" y="0"/>
+          <a:chExt cx="0" cy="0"/>
+        </a:xfrm>
+      </p:grpSpPr>
+      <p:sp>
+        <p:nvSpPr>
+          <p:cNvPr id="2" name="Titre 1"/>
+          <p:cNvSpPr>
+            <a:spLocks noGrp="1"/>
+          </p:cNvSpPr>
+          <p:nvPr>
+            <p:ph type="title"/>
+          </p:nvPr>
+        </p:nvSpPr>
+        <p:spPr/>
+        <p:txBody>
+          <a:bodyPr/>
+          <a:lstStyle/>
+          <a:p>
+            <a:r>
+              <a:rPr lang="en-CA" dirty="0" err="1" smtClean="0"/>
+              <a:t>Théorie</a:t>
+            </a:r>
+            <a:endParaRPr lang="fr-CA" dirty="0"/>
+          </a:p>
+        </p:txBody>
+      </p:sp>
+      <p:pic>
+        <p:nvPicPr>
+          <p:cNvPr id="54274" name="Picture 2"/>
+          <p:cNvPicPr>
+            <a:picLocks noChangeAspect="1" noChangeArrowheads="1"/>
+          </p:cNvPicPr>
+          <p:nvPr/>
+        </p:nvPicPr>
+        <p:blipFill>
+          <a:blip r:embed="rId2" cstate="print"/>
+          <a:srcRect/>
+          <a:stretch>
+            <a:fillRect/>
+          </a:stretch>
+        </p:blipFill>
+        <p:spPr bwMode="auto">
+          <a:xfrm>
+            <a:off x="1331640" y="1628800"/>
+            <a:ext cx="6629400" cy="5105400"/>
+          </a:xfrm>
+          <a:prstGeom prst="rect">
+            <a:avLst/>
+          </a:prstGeom>
+          <a:noFill/>
+          <a:ln w="9525">
+            <a:noFill/>
+            <a:miter lim="800000"/>
+            <a:headEnd/>
+            <a:tailEnd/>
+          </a:ln>
+          <a:effectLst/>
+        </p:spPr>
+      </p:pic>
+      <p:sp>
+        <p:nvSpPr>
+          <p:cNvPr id="7" name="Espace réservé du numéro de diapositive 6"/>
+          <p:cNvSpPr>
+            <a:spLocks noGrp="1"/>
+          </p:cNvSpPr>
+          <p:nvPr>
+            <p:ph type="sldNum" sz="quarter" idx="12"/>
+          </p:nvPr>
+        </p:nvSpPr>
+        <p:spPr/>
+        <p:txBody>
+          <a:bodyPr/>
+          <a:lstStyle/>
+          <a:p>
+            <a:fld id="{CF4668DC-857F-487D-BFFA-8C0CA5037977}" type="slidenum">
+              <a:rPr lang="fr-BE" smtClean="0"/>
+              <a:pPr/>
+              <a:t>28</a:t>
+            </a:fld>
+            <a:endParaRPr lang="fr-BE"/>
+          </a:p>
+        </p:txBody>
+      </p:sp>
+    </p:spTree>
+  </p:cSld>
+  <p:clrMapOvr>
+    <a:masterClrMapping/>
+  </p:clrMapOvr>
+  <p:timing>
+    <p:tnLst>
+      <p:par>
+        <p:cTn id="1" dur="indefinite" restart="never" nodeType="tmRoot"/>
+      </p:par>
+    </p:tnLst>
+  </p:timing>
+</p:sld>
+</file>
+
+<file path=ppt/slides/slide29.xml><?xml version="1.0" encoding="utf-8"?>
+<p:sld xmlns:a="http://schemas.openxmlformats.org/drawingml/2006/main" xmlns:r="http://schemas.openxmlformats.org/officeDocument/2006/relationships" xmlns:p="http://schemas.openxmlformats.org/presentationml/2006/main">
+  <p:cSld>
+    <p:spTree>
+      <p:nvGrpSpPr>
+        <p:cNvPr id="1" name=""/>
+        <p:cNvGrpSpPr/>
+        <p:nvPr/>
+      </p:nvGrpSpPr>
+      <p:grpSpPr>
+        <a:xfrm>
+          <a:off x="0" y="0"/>
+          <a:ext cx="0" cy="0"/>
+          <a:chOff x="0" y="0"/>
+          <a:chExt cx="0" cy="0"/>
+        </a:xfrm>
+      </p:grpSpPr>
+      <p:sp>
+        <p:nvSpPr>
+          <p:cNvPr id="2" name="Titre 1"/>
+          <p:cNvSpPr>
+            <a:spLocks noGrp="1"/>
+          </p:cNvSpPr>
+          <p:nvPr>
+            <p:ph type="title"/>
+          </p:nvPr>
+        </p:nvSpPr>
+        <p:spPr/>
+        <p:txBody>
+          <a:bodyPr/>
+          <a:lstStyle/>
+          <a:p>
+            <a:r>
+              <a:rPr lang="en-CA" dirty="0" err="1" smtClean="0"/>
+              <a:t>Théorie</a:t>
+            </a:r>
+            <a:endParaRPr lang="fr-CA" dirty="0"/>
+          </a:p>
+        </p:txBody>
+      </p:sp>
       <p:sp>
         <p:nvSpPr>
           <p:cNvPr id="3" name="Espace réservé du contenu 2"/>
@@ -6694,11 +7844,7 @@
             </a:pPr>
             <a:r>
               <a:rPr lang="fr-CA" dirty="0" smtClean="0"/>
-              <a:t>	(</a:t>
-            </a:r>
-            <a:r>
-              <a:rPr lang="fr-CA" dirty="0" smtClean="0"/>
-              <a:t>1)    </a:t>
+              <a:t>	(1)    </a:t>
             </a:r>
             <a:r>
               <a:rPr lang="fr-CA" dirty="0" err="1" smtClean="0"/>
@@ -6715,11 +7861,16 @@
             </a:pPr>
             <a:r>
               <a:rPr lang="fr-CA" dirty="0" smtClean="0"/>
-              <a:t>	(</a:t>
-            </a:r>
+              <a:t>	(2)    i := 1</a:t>
+            </a:r>
+          </a:p>
+          <a:p>
+            <a:pPr lvl="8">
+              <a:buNone/>
+            </a:pPr>
             <a:r>
               <a:rPr lang="fr-CA" dirty="0" smtClean="0"/>
-              <a:t>2)    i := 1</a:t>
+              <a:t>	(3)    t1 := 4*i</a:t>
             </a:r>
           </a:p>
           <a:p>
@@ -6728,11 +7879,16 @@
             </a:pPr>
             <a:r>
               <a:rPr lang="fr-CA" dirty="0" smtClean="0"/>
-              <a:t>	(</a:t>
-            </a:r>
+              <a:t>	(4)    t2 := a [ t1 ]</a:t>
+            </a:r>
+          </a:p>
+          <a:p>
+            <a:pPr lvl="8">
+              <a:buNone/>
+            </a:pPr>
             <a:r>
               <a:rPr lang="fr-CA" dirty="0" smtClean="0"/>
-              <a:t>3)    t1 := 4*i</a:t>
+              <a:t>	(5)    t3 := 4*i</a:t>
             </a:r>
           </a:p>
           <a:p>
@@ -6741,11 +7897,16 @@
             </a:pPr>
             <a:r>
               <a:rPr lang="fr-CA" dirty="0" smtClean="0"/>
-              <a:t>	(</a:t>
-            </a:r>
+              <a:t>	(6)    t4 :=b [ t3 ]	</a:t>
+            </a:r>
+          </a:p>
+          <a:p>
+            <a:pPr lvl="8">
+              <a:buNone/>
+            </a:pPr>
             <a:r>
               <a:rPr lang="fr-CA" dirty="0" smtClean="0"/>
-              <a:t>4)    t2 := a [ t1 ]</a:t>
+              <a:t>	(7)    t5 := t2*t4</a:t>
             </a:r>
           </a:p>
           <a:p>
@@ -6754,55 +7915,7 @@
             </a:pPr>
             <a:r>
               <a:rPr lang="fr-CA" dirty="0" smtClean="0"/>
-              <a:t>	(</a:t>
-            </a:r>
-            <a:r>
-              <a:rPr lang="fr-CA" dirty="0" smtClean="0"/>
-              <a:t>5)    t3 := 4*i</a:t>
-            </a:r>
-          </a:p>
-          <a:p>
-            <a:pPr lvl="8">
-              <a:buNone/>
-            </a:pPr>
-            <a:r>
-              <a:rPr lang="fr-CA" dirty="0" smtClean="0"/>
-              <a:t>	(</a:t>
-            </a:r>
-            <a:r>
-              <a:rPr lang="fr-CA" dirty="0" smtClean="0"/>
-              <a:t>6)    t4 :=b [ t3 </a:t>
-            </a:r>
-            <a:r>
-              <a:rPr lang="fr-CA" dirty="0" smtClean="0"/>
-              <a:t>]	</a:t>
-            </a:r>
-            <a:endParaRPr lang="fr-CA" dirty="0" smtClean="0"/>
-          </a:p>
-          <a:p>
-            <a:pPr lvl="8">
-              <a:buNone/>
-            </a:pPr>
-            <a:r>
-              <a:rPr lang="fr-CA" dirty="0" smtClean="0"/>
-              <a:t>	(</a:t>
-            </a:r>
-            <a:r>
-              <a:rPr lang="fr-CA" dirty="0" smtClean="0"/>
-              <a:t>7)    t5 := t2*t4</a:t>
-            </a:r>
-          </a:p>
-          <a:p>
-            <a:pPr lvl="8">
-              <a:buNone/>
-            </a:pPr>
-            <a:r>
-              <a:rPr lang="fr-CA" dirty="0" smtClean="0"/>
-              <a:t>	(</a:t>
-            </a:r>
-            <a:r>
-              <a:rPr lang="fr-CA" dirty="0" smtClean="0"/>
-              <a:t>8)    t6 := </a:t>
+              <a:t>	(8)    t6 := </a:t>
             </a:r>
             <a:r>
               <a:rPr lang="fr-CA" dirty="0" err="1" smtClean="0"/>
@@ -6819,11 +7932,7 @@
             </a:pPr>
             <a:r>
               <a:rPr lang="fr-CA" dirty="0" smtClean="0"/>
-              <a:t>	(</a:t>
-            </a:r>
-            <a:r>
-              <a:rPr lang="fr-CA" dirty="0" smtClean="0"/>
-              <a:t>9)    </a:t>
+              <a:t>	(9)    </a:t>
             </a:r>
             <a:r>
               <a:rPr lang="fr-CA" dirty="0" err="1" smtClean="0"/>
@@ -6840,11 +7949,16 @@
             </a:pPr>
             <a:r>
               <a:rPr lang="fr-CA" dirty="0" smtClean="0"/>
-              <a:t>	(</a:t>
-            </a:r>
+              <a:t>	(10)   t7 := i+1</a:t>
+            </a:r>
+          </a:p>
+          <a:p>
+            <a:pPr lvl="8">
+              <a:buNone/>
+            </a:pPr>
             <a:r>
               <a:rPr lang="fr-CA" dirty="0" smtClean="0"/>
-              <a:t>10)   t7 := i+1</a:t>
+              <a:t>	(11)   i := t7</a:t>
             </a:r>
           </a:p>
           <a:p>
@@ -6853,24 +7967,7 @@
             </a:pPr>
             <a:r>
               <a:rPr lang="fr-CA" dirty="0" smtClean="0"/>
-              <a:t>	(</a:t>
-            </a:r>
-            <a:r>
-              <a:rPr lang="fr-CA" dirty="0" smtClean="0"/>
-              <a:t>11)   i := t7</a:t>
-            </a:r>
-          </a:p>
-          <a:p>
-            <a:pPr lvl="8">
-              <a:buNone/>
-            </a:pPr>
-            <a:r>
-              <a:rPr lang="fr-CA" dirty="0" smtClean="0"/>
-              <a:t>	(</a:t>
-            </a:r>
-            <a:r>
-              <a:rPr lang="fr-CA" dirty="0" smtClean="0"/>
-              <a:t>12)   if  i&lt;=20 </a:t>
+              <a:t>	(12)   if  i&lt;=20 </a:t>
             </a:r>
             <a:r>
               <a:rPr lang="fr-CA" dirty="0" err="1" smtClean="0"/>
@@ -7001,6 +8098,30 @@
           <a:p>
             <a:pPr algn="ctr"/>
             <a:endParaRPr lang="fr-CA"/>
+          </a:p>
+        </p:txBody>
+      </p:sp>
+      <p:sp>
+        <p:nvSpPr>
+          <p:cNvPr id="10" name="Espace réservé du numéro de diapositive 9"/>
+          <p:cNvSpPr>
+            <a:spLocks noGrp="1"/>
+          </p:cNvSpPr>
+          <p:nvPr>
+            <p:ph type="sldNum" sz="quarter" idx="12"/>
+          </p:nvPr>
+        </p:nvSpPr>
+        <p:spPr/>
+        <p:txBody>
+          <a:bodyPr/>
+          <a:lstStyle/>
+          <a:p>
+            <a:fld id="{CF4668DC-857F-487D-BFFA-8C0CA5037977}" type="slidenum">
+              <a:rPr lang="fr-BE" smtClean="0"/>
+              <a:pPr/>
+              <a:t>29</a:t>
+            </a:fld>
+            <a:endParaRPr lang="fr-BE"/>
           </a:p>
         </p:txBody>
       </p:sp>
@@ -7183,306 +8304,6 @@
 </p:sld>
 </file>
 
-<file path=ppt/slides/slide27.xml><?xml version="1.0" encoding="utf-8"?>
-<p:sld xmlns:a="http://schemas.openxmlformats.org/drawingml/2006/main" xmlns:r="http://schemas.openxmlformats.org/officeDocument/2006/relationships" xmlns:p="http://schemas.openxmlformats.org/presentationml/2006/main">
-  <p:cSld>
-    <p:spTree>
-      <p:nvGrpSpPr>
-        <p:cNvPr id="1" name=""/>
-        <p:cNvGrpSpPr/>
-        <p:nvPr/>
-      </p:nvGrpSpPr>
-      <p:grpSpPr>
-        <a:xfrm>
-          <a:off x="0" y="0"/>
-          <a:ext cx="0" cy="0"/>
-          <a:chOff x="0" y="0"/>
-          <a:chExt cx="0" cy="0"/>
-        </a:xfrm>
-      </p:grpSpPr>
-      <p:sp>
-        <p:nvSpPr>
-          <p:cNvPr id="2" name="Titre 1"/>
-          <p:cNvSpPr>
-            <a:spLocks noGrp="1"/>
-          </p:cNvSpPr>
-          <p:nvPr>
-            <p:ph type="title"/>
-          </p:nvPr>
-        </p:nvSpPr>
-        <p:spPr/>
-        <p:txBody>
-          <a:bodyPr/>
-          <a:lstStyle/>
-          <a:p>
-            <a:r>
-              <a:rPr lang="en-CA" dirty="0" err="1" smtClean="0"/>
-              <a:t>Théorie</a:t>
-            </a:r>
-            <a:endParaRPr lang="fr-CA" dirty="0"/>
-          </a:p>
-        </p:txBody>
-      </p:sp>
-      <p:pic>
-        <p:nvPicPr>
-          <p:cNvPr id="39941" name="Picture 5"/>
-          <p:cNvPicPr>
-            <a:picLocks noChangeAspect="1" noChangeArrowheads="1"/>
-          </p:cNvPicPr>
-          <p:nvPr/>
-        </p:nvPicPr>
-        <p:blipFill>
-          <a:blip r:embed="rId2" cstate="print"/>
-          <a:srcRect/>
-          <a:stretch>
-            <a:fillRect/>
-          </a:stretch>
-        </p:blipFill>
-        <p:spPr bwMode="auto">
-          <a:xfrm>
-            <a:off x="1200150" y="2348879"/>
-            <a:ext cx="6743700" cy="4436095"/>
-          </a:xfrm>
-          <a:prstGeom prst="rect">
-            <a:avLst/>
-          </a:prstGeom>
-          <a:noFill/>
-          <a:ln w="9525">
-            <a:noFill/>
-            <a:miter lim="800000"/>
-            <a:headEnd/>
-            <a:tailEnd/>
-          </a:ln>
-          <a:effectLst/>
-        </p:spPr>
-      </p:pic>
-      <p:sp>
-        <p:nvSpPr>
-          <p:cNvPr id="9" name="Espace réservé du contenu 2"/>
-          <p:cNvSpPr>
-            <a:spLocks noGrp="1"/>
-          </p:cNvSpPr>
-          <p:nvPr>
-            <p:ph idx="1"/>
-          </p:nvPr>
-        </p:nvSpPr>
-        <p:spPr>
-          <a:xfrm>
-            <a:off x="457200" y="1628800"/>
-            <a:ext cx="8229600" cy="4625609"/>
-          </a:xfrm>
-        </p:spPr>
-        <p:txBody>
-          <a:bodyPr/>
-          <a:lstStyle/>
-          <a:p>
-            <a:r>
-              <a:rPr lang="en-CA" dirty="0" err="1" smtClean="0"/>
-              <a:t>Sélection</a:t>
-            </a:r>
-            <a:r>
-              <a:rPr lang="en-CA" dirty="0" smtClean="0"/>
-              <a:t> </a:t>
-            </a:r>
-            <a:r>
-              <a:rPr lang="en-CA" dirty="0" err="1" smtClean="0"/>
-              <a:t>d’instructions</a:t>
-            </a:r>
-            <a:endParaRPr lang="fr-CA" dirty="0"/>
-          </a:p>
-        </p:txBody>
-      </p:sp>
-    </p:spTree>
-  </p:cSld>
-  <p:clrMapOvr>
-    <a:masterClrMapping/>
-  </p:clrMapOvr>
-  <p:timing>
-    <p:tnLst>
-      <p:par>
-        <p:cTn id="1" dur="indefinite" restart="never" nodeType="tmRoot"/>
-      </p:par>
-    </p:tnLst>
-  </p:timing>
-</p:sld>
-</file>
-
-<file path=ppt/slides/slide28.xml><?xml version="1.0" encoding="utf-8"?>
-<p:sld xmlns:a="http://schemas.openxmlformats.org/drawingml/2006/main" xmlns:r="http://schemas.openxmlformats.org/officeDocument/2006/relationships" xmlns:p="http://schemas.openxmlformats.org/presentationml/2006/main">
-  <p:cSld>
-    <p:spTree>
-      <p:nvGrpSpPr>
-        <p:cNvPr id="1" name=""/>
-        <p:cNvGrpSpPr/>
-        <p:nvPr/>
-      </p:nvGrpSpPr>
-      <p:grpSpPr>
-        <a:xfrm>
-          <a:off x="0" y="0"/>
-          <a:ext cx="0" cy="0"/>
-          <a:chOff x="0" y="0"/>
-          <a:chExt cx="0" cy="0"/>
-        </a:xfrm>
-      </p:grpSpPr>
-      <p:sp>
-        <p:nvSpPr>
-          <p:cNvPr id="2" name="Titre 1"/>
-          <p:cNvSpPr>
-            <a:spLocks noGrp="1"/>
-          </p:cNvSpPr>
-          <p:nvPr>
-            <p:ph type="title"/>
-          </p:nvPr>
-        </p:nvSpPr>
-        <p:spPr/>
-        <p:txBody>
-          <a:bodyPr/>
-          <a:lstStyle/>
-          <a:p>
-            <a:r>
-              <a:rPr lang="en-CA" dirty="0" err="1" smtClean="0"/>
-              <a:t>Théorie</a:t>
-            </a:r>
-            <a:endParaRPr lang="fr-CA" dirty="0"/>
-          </a:p>
-        </p:txBody>
-      </p:sp>
-      <p:pic>
-        <p:nvPicPr>
-          <p:cNvPr id="53250" name="Picture 2"/>
-          <p:cNvPicPr>
-            <a:picLocks noChangeAspect="1" noChangeArrowheads="1"/>
-          </p:cNvPicPr>
-          <p:nvPr/>
-        </p:nvPicPr>
-        <p:blipFill>
-          <a:blip r:embed="rId2" cstate="print"/>
-          <a:srcRect/>
-          <a:stretch>
-            <a:fillRect/>
-          </a:stretch>
-        </p:blipFill>
-        <p:spPr bwMode="auto">
-          <a:xfrm>
-            <a:off x="1259632" y="1556792"/>
-            <a:ext cx="6686550" cy="5301208"/>
-          </a:xfrm>
-          <a:prstGeom prst="rect">
-            <a:avLst/>
-          </a:prstGeom>
-          <a:noFill/>
-          <a:ln w="9525">
-            <a:noFill/>
-            <a:miter lim="800000"/>
-            <a:headEnd/>
-            <a:tailEnd/>
-          </a:ln>
-          <a:effectLst/>
-        </p:spPr>
-      </p:pic>
-    </p:spTree>
-  </p:cSld>
-  <p:clrMapOvr>
-    <a:masterClrMapping/>
-  </p:clrMapOvr>
-  <p:timing>
-    <p:tnLst>
-      <p:par>
-        <p:cTn id="1" dur="indefinite" restart="never" nodeType="tmRoot"/>
-      </p:par>
-    </p:tnLst>
-  </p:timing>
-</p:sld>
-</file>
-
-<file path=ppt/slides/slide29.xml><?xml version="1.0" encoding="utf-8"?>
-<p:sld xmlns:a="http://schemas.openxmlformats.org/drawingml/2006/main" xmlns:r="http://schemas.openxmlformats.org/officeDocument/2006/relationships" xmlns:p="http://schemas.openxmlformats.org/presentationml/2006/main">
-  <p:cSld>
-    <p:spTree>
-      <p:nvGrpSpPr>
-        <p:cNvPr id="1" name=""/>
-        <p:cNvGrpSpPr/>
-        <p:nvPr/>
-      </p:nvGrpSpPr>
-      <p:grpSpPr>
-        <a:xfrm>
-          <a:off x="0" y="0"/>
-          <a:ext cx="0" cy="0"/>
-          <a:chOff x="0" y="0"/>
-          <a:chExt cx="0" cy="0"/>
-        </a:xfrm>
-      </p:grpSpPr>
-      <p:sp>
-        <p:nvSpPr>
-          <p:cNvPr id="2" name="Titre 1"/>
-          <p:cNvSpPr>
-            <a:spLocks noGrp="1"/>
-          </p:cNvSpPr>
-          <p:nvPr>
-            <p:ph type="title"/>
-          </p:nvPr>
-        </p:nvSpPr>
-        <p:spPr/>
-        <p:txBody>
-          <a:bodyPr/>
-          <a:lstStyle/>
-          <a:p>
-            <a:r>
-              <a:rPr lang="en-CA" dirty="0" err="1" smtClean="0"/>
-              <a:t>Théorie</a:t>
-            </a:r>
-            <a:endParaRPr lang="fr-CA" dirty="0"/>
-          </a:p>
-        </p:txBody>
-      </p:sp>
-      <p:pic>
-        <p:nvPicPr>
-          <p:cNvPr id="54274" name="Picture 2"/>
-          <p:cNvPicPr>
-            <a:picLocks noChangeAspect="1" noChangeArrowheads="1"/>
-          </p:cNvPicPr>
-          <p:nvPr/>
-        </p:nvPicPr>
-        <p:blipFill>
-          <a:blip r:embed="rId2" cstate="print"/>
-          <a:srcRect/>
-          <a:stretch>
-            <a:fillRect/>
-          </a:stretch>
-        </p:blipFill>
-        <p:spPr bwMode="auto">
-          <a:xfrm>
-            <a:off x="1331640" y="1628800"/>
-            <a:ext cx="6629400" cy="5105400"/>
-          </a:xfrm>
-          <a:prstGeom prst="rect">
-            <a:avLst/>
-          </a:prstGeom>
-          <a:noFill/>
-          <a:ln w="9525">
-            <a:noFill/>
-            <a:miter lim="800000"/>
-            <a:headEnd/>
-            <a:tailEnd/>
-          </a:ln>
-          <a:effectLst/>
-        </p:spPr>
-      </p:pic>
-    </p:spTree>
-  </p:cSld>
-  <p:clrMapOvr>
-    <a:masterClrMapping/>
-  </p:clrMapOvr>
-  <p:timing>
-    <p:tnLst>
-      <p:par>
-        <p:cTn id="1" dur="indefinite" restart="never" nodeType="tmRoot"/>
-      </p:par>
-    </p:tnLst>
-  </p:timing>
-</p:sld>
-</file>
-
 <file path=ppt/slides/slide3.xml><?xml version="1.0" encoding="utf-8"?>
 <p:sld xmlns:a="http://schemas.openxmlformats.org/drawingml/2006/main" xmlns:r="http://schemas.openxmlformats.org/officeDocument/2006/relationships" xmlns:p="http://schemas.openxmlformats.org/presentationml/2006/main">
   <p:cSld>
@@ -7549,6 +8370,30 @@
           <a:noFill/>
         </p:spPr>
       </p:pic>
+      <p:sp>
+        <p:nvSpPr>
+          <p:cNvPr id="7" name="Espace réservé du numéro de diapositive 6"/>
+          <p:cNvSpPr>
+            <a:spLocks noGrp="1"/>
+          </p:cNvSpPr>
+          <p:nvPr>
+            <p:ph type="sldNum" sz="quarter" idx="12"/>
+          </p:nvPr>
+        </p:nvSpPr>
+        <p:spPr/>
+        <p:txBody>
+          <a:bodyPr/>
+          <a:lstStyle/>
+          <a:p>
+            <a:fld id="{CF4668DC-857F-487D-BFFA-8C0CA5037977}" type="slidenum">
+              <a:rPr lang="fr-BE" smtClean="0"/>
+              <a:pPr/>
+              <a:t>3</a:t>
+            </a:fld>
+            <a:endParaRPr lang="fr-BE"/>
+          </a:p>
+        </p:txBody>
+      </p:sp>
     </p:spTree>
   </p:cSld>
   <p:clrMapOvr>
@@ -7627,7 +8472,193 @@
               <a:rPr lang="en-CA" dirty="0" err="1" smtClean="0"/>
               <a:t>d’activité</a:t>
             </a:r>
+            <a:endParaRPr lang="en-CA" dirty="0" smtClean="0"/>
+          </a:p>
+          <a:p>
+            <a:endParaRPr lang="en-CA" dirty="0" smtClean="0"/>
+          </a:p>
+          <a:p>
+            <a:pPr lvl="1"/>
+            <a:r>
+              <a:rPr lang="en-CA" i="1" dirty="0" smtClean="0"/>
+              <a:t>i</a:t>
+            </a:r>
+            <a:r>
+              <a:rPr lang="en-CA" i="1" dirty="0" smtClean="0"/>
+              <a:t>n </a:t>
+            </a:r>
+            <a:r>
+              <a:rPr lang="en-CA" dirty="0" smtClean="0"/>
+              <a:t>[</a:t>
+            </a:r>
+            <a:r>
+              <a:rPr lang="en-CA" i="1" dirty="0" smtClean="0"/>
+              <a:t>n</a:t>
+            </a:r>
+            <a:r>
+              <a:rPr lang="en-CA" dirty="0" smtClean="0"/>
+              <a:t>]</a:t>
+            </a:r>
+            <a:r>
+              <a:rPr lang="en-CA" i="1" dirty="0" smtClean="0"/>
+              <a:t> = use </a:t>
+            </a:r>
+            <a:r>
+              <a:rPr lang="en-CA" dirty="0" smtClean="0"/>
+              <a:t>[</a:t>
+            </a:r>
+            <a:r>
+              <a:rPr lang="en-CA" i="1" dirty="0" smtClean="0"/>
+              <a:t>n</a:t>
+            </a:r>
+            <a:r>
+              <a:rPr lang="en-CA" dirty="0" smtClean="0"/>
+              <a:t>]</a:t>
+            </a:r>
+            <a:r>
+              <a:rPr lang="en-CA" i="1" dirty="0" smtClean="0"/>
+              <a:t> </a:t>
+            </a:r>
+            <a:r>
+              <a:rPr lang="en-CA" dirty="0" smtClean="0"/>
+              <a:t>U</a:t>
+            </a:r>
+            <a:r>
+              <a:rPr lang="en-CA" i="1" dirty="0" smtClean="0"/>
+              <a:t> (out </a:t>
+            </a:r>
+            <a:r>
+              <a:rPr lang="en-CA" dirty="0" smtClean="0"/>
+              <a:t>[</a:t>
+            </a:r>
+            <a:r>
+              <a:rPr lang="en-CA" i="1" dirty="0" smtClean="0"/>
+              <a:t>n</a:t>
+            </a:r>
+            <a:r>
+              <a:rPr lang="en-CA" dirty="0" smtClean="0"/>
+              <a:t>]</a:t>
+            </a:r>
+            <a:r>
+              <a:rPr lang="en-CA" i="1" dirty="0" smtClean="0"/>
+              <a:t> – def </a:t>
+            </a:r>
+            <a:r>
+              <a:rPr lang="en-CA" dirty="0" smtClean="0"/>
+              <a:t>[</a:t>
+            </a:r>
+            <a:r>
+              <a:rPr lang="en-CA" i="1" dirty="0" smtClean="0"/>
+              <a:t>n</a:t>
+            </a:r>
+            <a:r>
+              <a:rPr lang="en-CA" dirty="0" smtClean="0"/>
+              <a:t>]</a:t>
+            </a:r>
+            <a:r>
+              <a:rPr lang="en-CA" i="1" dirty="0" smtClean="0"/>
+              <a:t>)</a:t>
+            </a:r>
+          </a:p>
+          <a:p>
+            <a:pPr lvl="1"/>
+            <a:endParaRPr lang="en-CA" dirty="0" smtClean="0"/>
+          </a:p>
+          <a:p>
+            <a:pPr lvl="1"/>
+            <a:r>
+              <a:rPr lang="en-CA" i="1" smtClean="0"/>
+              <a:t>out </a:t>
+            </a:r>
+            <a:r>
+              <a:rPr lang="en-CA" dirty="0" smtClean="0"/>
+              <a:t>[</a:t>
+            </a:r>
+            <a:r>
+              <a:rPr lang="en-CA" i="1" dirty="0" smtClean="0"/>
+              <a:t>n</a:t>
+            </a:r>
+            <a:r>
+              <a:rPr lang="en-CA" dirty="0" smtClean="0"/>
+              <a:t>] = U {</a:t>
+            </a:r>
+            <a:r>
+              <a:rPr lang="en-CA" i="1" dirty="0" smtClean="0"/>
+              <a:t>in </a:t>
+            </a:r>
+            <a:r>
+              <a:rPr lang="en-CA" dirty="0" smtClean="0"/>
+              <a:t>[</a:t>
+            </a:r>
+            <a:r>
+              <a:rPr lang="en-CA" i="1" dirty="0" smtClean="0"/>
+              <a:t>s</a:t>
+            </a:r>
+            <a:r>
+              <a:rPr lang="en-CA" dirty="0" smtClean="0"/>
+              <a:t>] | </a:t>
+            </a:r>
+            <a:r>
+              <a:rPr lang="en-CA" i="1" dirty="0" smtClean="0"/>
+              <a:t>s</a:t>
+            </a:r>
+            <a:r>
+              <a:rPr lang="en-CA" dirty="0" smtClean="0"/>
+              <a:t> </a:t>
+            </a:r>
+            <a:r>
+              <a:rPr lang="az-Cyrl-AZ" dirty="0" smtClean="0"/>
+              <a:t>Є</a:t>
+            </a:r>
+            <a:r>
+              <a:rPr lang="en-CA" dirty="0" smtClean="0"/>
+              <a:t> </a:t>
+            </a:r>
+            <a:r>
+              <a:rPr lang="en-CA" i="1" dirty="0" err="1" smtClean="0"/>
+              <a:t>succ</a:t>
+            </a:r>
+            <a:r>
+              <a:rPr lang="en-CA" i="1" dirty="0" smtClean="0"/>
+              <a:t> </a:t>
+            </a:r>
+            <a:r>
+              <a:rPr lang="en-CA" dirty="0" smtClean="0"/>
+              <a:t>[</a:t>
+            </a:r>
+            <a:r>
+              <a:rPr lang="en-CA" i="1" dirty="0" smtClean="0"/>
+              <a:t>n</a:t>
+            </a:r>
+            <a:r>
+              <a:rPr lang="en-CA" dirty="0" smtClean="0"/>
+              <a:t>]}</a:t>
+            </a:r>
             <a:endParaRPr lang="fr-CA" dirty="0"/>
+          </a:p>
+        </p:txBody>
+      </p:sp>
+      <p:sp>
+        <p:nvSpPr>
+          <p:cNvPr id="7" name="Espace réservé du numéro de diapositive 6"/>
+          <p:cNvSpPr>
+            <a:spLocks noGrp="1"/>
+          </p:cNvSpPr>
+          <p:nvPr>
+            <p:ph type="sldNum" sz="quarter" idx="12"/>
+          </p:nvPr>
+        </p:nvSpPr>
+        <p:spPr/>
+        <p:txBody>
+          <a:bodyPr/>
+          <a:lstStyle/>
+          <a:p>
+            <a:fld id="{CF4668DC-857F-487D-BFFA-8C0CA5037977}" type="slidenum">
+              <a:rPr lang="fr-BE" smtClean="0"/>
+              <a:pPr/>
+              <a:t>30</a:t>
+            </a:fld>
+            <a:endParaRPr lang="fr-BE"/>
           </a:p>
         </p:txBody>
       </p:sp>
@@ -7703,61 +8734,574 @@
           <a:p>
             <a:r>
               <a:rPr lang="en-CA" dirty="0" smtClean="0"/>
-              <a:t>Allocation de </a:t>
+              <a:t>Analyse </a:t>
             </a:r>
             <a:r>
               <a:rPr lang="en-CA" dirty="0" err="1" smtClean="0"/>
-              <a:t>registres</a:t>
+              <a:t>d’activité</a:t>
             </a:r>
             <a:endParaRPr lang="en-CA" dirty="0" smtClean="0"/>
           </a:p>
           <a:p>
-            <a:pPr lvl="1"/>
-            <a:r>
-              <a:rPr lang="en-CA" dirty="0" err="1" smtClean="0"/>
-              <a:t>Chaitin</a:t>
-            </a:r>
-            <a:r>
-              <a:rPr lang="en-CA" dirty="0" smtClean="0"/>
-              <a:t>-Brigg </a:t>
-            </a:r>
             <a:endParaRPr lang="en-CA" dirty="0" smtClean="0"/>
           </a:p>
           <a:p>
-            <a:pPr lvl="1"/>
-            <a:r>
-              <a:rPr lang="en-CA" dirty="0" smtClean="0"/>
-              <a:t>Linear Scan Register Allocation</a:t>
-            </a:r>
-          </a:p>
-          <a:p>
-            <a:pPr lvl="1"/>
-            <a:r>
-              <a:rPr lang="en-CA" dirty="0" smtClean="0"/>
-              <a:t>Greedy Register Allocation</a:t>
-            </a:r>
-          </a:p>
-          <a:p>
-            <a:pPr lvl="1"/>
-            <a:r>
-              <a:rPr lang="en-CA" dirty="0" smtClean="0"/>
-              <a:t>Integer-Linear Programming</a:t>
-            </a:r>
-          </a:p>
-          <a:p>
-            <a:pPr lvl="1"/>
-            <a:r>
-              <a:rPr lang="en-CA" dirty="0" smtClean="0"/>
-              <a:t>Top-Down Local Register Allocation</a:t>
-            </a:r>
-          </a:p>
-          <a:p>
-            <a:pPr lvl="2"/>
+            <a:pPr lvl="1">
+              <a:buNone/>
+            </a:pPr>
             <a:endParaRPr lang="en-CA" dirty="0" smtClean="0"/>
           </a:p>
           <a:p>
-            <a:pPr lvl="2"/>
+            <a:endParaRPr lang="en-CA" dirty="0" smtClean="0"/>
+          </a:p>
+        </p:txBody>
+      </p:sp>
+      <p:sp>
+        <p:nvSpPr>
+          <p:cNvPr id="4" name="ZoneTexte 3"/>
+          <p:cNvSpPr txBox="1"/>
+          <p:nvPr/>
+        </p:nvSpPr>
+        <p:spPr>
+          <a:xfrm>
+            <a:off x="1043608" y="3140968"/>
+            <a:ext cx="2088232" cy="1754326"/>
+          </a:xfrm>
+          <a:prstGeom prst="rect">
+            <a:avLst/>
+          </a:prstGeom>
+          <a:noFill/>
+        </p:spPr>
+        <p:txBody>
+          <a:bodyPr wrap="square" rtlCol="0">
+            <a:spAutoFit/>
+          </a:bodyPr>
+          <a:lstStyle/>
+          <a:p>
+            <a:r>
+              <a:rPr lang="fr-CA" dirty="0" smtClean="0"/>
+              <a:t>        a := 0</a:t>
+            </a:r>
+          </a:p>
+          <a:p>
+            <a:r>
+              <a:rPr lang="fr-CA" dirty="0" smtClean="0"/>
+              <a:t>L1: b := a + 1</a:t>
+            </a:r>
+          </a:p>
+          <a:p>
+            <a:r>
+              <a:rPr lang="fr-CA" dirty="0" smtClean="0"/>
+              <a:t>        c := c + b</a:t>
+            </a:r>
+          </a:p>
+          <a:p>
+            <a:r>
+              <a:rPr lang="fr-CA" dirty="0" smtClean="0"/>
+              <a:t>        a := b + 2</a:t>
+            </a:r>
+          </a:p>
+          <a:p>
+            <a:r>
+              <a:rPr lang="fr-CA" dirty="0" smtClean="0"/>
+              <a:t>        if a &lt; N </a:t>
+            </a:r>
+            <a:r>
+              <a:rPr lang="fr-CA" dirty="0" err="1" smtClean="0"/>
+              <a:t>goto</a:t>
+            </a:r>
+            <a:r>
+              <a:rPr lang="fr-CA" dirty="0" smtClean="0"/>
+              <a:t> L1</a:t>
+            </a:r>
+          </a:p>
+          <a:p>
+            <a:r>
+              <a:rPr lang="fr-CA" dirty="0" smtClean="0"/>
+              <a:t>        return c</a:t>
+            </a:r>
             <a:endParaRPr lang="fr-CA" dirty="0"/>
+          </a:p>
+        </p:txBody>
+      </p:sp>
+      <p:sp>
+        <p:nvSpPr>
+          <p:cNvPr id="5" name="ZoneTexte 4"/>
+          <p:cNvSpPr txBox="1"/>
+          <p:nvPr/>
+        </p:nvSpPr>
+        <p:spPr>
+          <a:xfrm>
+            <a:off x="4860032" y="2420888"/>
+            <a:ext cx="1224136" cy="369332"/>
+          </a:xfrm>
+          <a:prstGeom prst="rect">
+            <a:avLst/>
+          </a:prstGeom>
+          <a:noFill/>
+          <a:ln>
+            <a:solidFill>
+              <a:schemeClr val="tx1"/>
+            </a:solidFill>
+          </a:ln>
+        </p:spPr>
+        <p:txBody>
+          <a:bodyPr wrap="square" rtlCol="0">
+            <a:spAutoFit/>
+          </a:bodyPr>
+          <a:lstStyle/>
+          <a:p>
+            <a:pPr algn="ctr"/>
+            <a:r>
+              <a:rPr lang="fr-CA" dirty="0" smtClean="0"/>
+              <a:t>a := 0</a:t>
+            </a:r>
+            <a:endParaRPr lang="fr-CA" dirty="0"/>
+          </a:p>
+        </p:txBody>
+      </p:sp>
+      <p:sp>
+        <p:nvSpPr>
+          <p:cNvPr id="6" name="ZoneTexte 5"/>
+          <p:cNvSpPr txBox="1"/>
+          <p:nvPr/>
+        </p:nvSpPr>
+        <p:spPr>
+          <a:xfrm>
+            <a:off x="4860032" y="2996952"/>
+            <a:ext cx="1224136" cy="369332"/>
+          </a:xfrm>
+          <a:prstGeom prst="rect">
+            <a:avLst/>
+          </a:prstGeom>
+          <a:noFill/>
+          <a:ln>
+            <a:solidFill>
+              <a:schemeClr val="tx1"/>
+            </a:solidFill>
+          </a:ln>
+        </p:spPr>
+        <p:txBody>
+          <a:bodyPr wrap="square" rtlCol="0">
+            <a:spAutoFit/>
+          </a:bodyPr>
+          <a:lstStyle/>
+          <a:p>
+            <a:pPr algn="ctr"/>
+            <a:r>
+              <a:rPr lang="fr-CA" dirty="0" smtClean="0"/>
+              <a:t>b := a + 1</a:t>
+            </a:r>
+            <a:endParaRPr lang="fr-CA" dirty="0"/>
+          </a:p>
+        </p:txBody>
+      </p:sp>
+      <p:sp>
+        <p:nvSpPr>
+          <p:cNvPr id="7" name="ZoneTexte 6"/>
+          <p:cNvSpPr txBox="1"/>
+          <p:nvPr/>
+        </p:nvSpPr>
+        <p:spPr>
+          <a:xfrm>
+            <a:off x="4860032" y="3573016"/>
+            <a:ext cx="1224136" cy="369332"/>
+          </a:xfrm>
+          <a:prstGeom prst="rect">
+            <a:avLst/>
+          </a:prstGeom>
+          <a:noFill/>
+          <a:ln>
+            <a:solidFill>
+              <a:schemeClr val="tx1"/>
+            </a:solidFill>
+          </a:ln>
+        </p:spPr>
+        <p:txBody>
+          <a:bodyPr wrap="square" rtlCol="0">
+            <a:spAutoFit/>
+          </a:bodyPr>
+          <a:lstStyle/>
+          <a:p>
+            <a:pPr algn="ctr"/>
+            <a:r>
+              <a:rPr lang="fr-CA" dirty="0" smtClean="0"/>
+              <a:t>c := c + b</a:t>
+            </a:r>
+            <a:endParaRPr lang="fr-CA" dirty="0"/>
+          </a:p>
+        </p:txBody>
+      </p:sp>
+      <p:sp>
+        <p:nvSpPr>
+          <p:cNvPr id="8" name="ZoneTexte 7"/>
+          <p:cNvSpPr txBox="1"/>
+          <p:nvPr/>
+        </p:nvSpPr>
+        <p:spPr>
+          <a:xfrm>
+            <a:off x="4860032" y="4725144"/>
+            <a:ext cx="1224136" cy="369332"/>
+          </a:xfrm>
+          <a:prstGeom prst="rect">
+            <a:avLst/>
+          </a:prstGeom>
+          <a:noFill/>
+          <a:ln>
+            <a:solidFill>
+              <a:schemeClr val="tx1"/>
+            </a:solidFill>
+          </a:ln>
+        </p:spPr>
+        <p:txBody>
+          <a:bodyPr wrap="square" rtlCol="0">
+            <a:spAutoFit/>
+          </a:bodyPr>
+          <a:lstStyle/>
+          <a:p>
+            <a:pPr algn="ctr"/>
+            <a:r>
+              <a:rPr lang="fr-CA" dirty="0" smtClean="0"/>
+              <a:t>a &lt; N</a:t>
+            </a:r>
+            <a:endParaRPr lang="fr-CA" dirty="0"/>
+          </a:p>
+        </p:txBody>
+      </p:sp>
+      <p:sp>
+        <p:nvSpPr>
+          <p:cNvPr id="9" name="ZoneTexte 8"/>
+          <p:cNvSpPr txBox="1"/>
+          <p:nvPr/>
+        </p:nvSpPr>
+        <p:spPr>
+          <a:xfrm>
+            <a:off x="4860032" y="4149080"/>
+            <a:ext cx="1224136" cy="369332"/>
+          </a:xfrm>
+          <a:prstGeom prst="rect">
+            <a:avLst/>
+          </a:prstGeom>
+          <a:noFill/>
+          <a:ln>
+            <a:solidFill>
+              <a:schemeClr val="tx1"/>
+            </a:solidFill>
+          </a:ln>
+        </p:spPr>
+        <p:txBody>
+          <a:bodyPr wrap="square" rtlCol="0">
+            <a:spAutoFit/>
+          </a:bodyPr>
+          <a:lstStyle/>
+          <a:p>
+            <a:pPr algn="ctr"/>
+            <a:r>
+              <a:rPr lang="fr-CA" dirty="0" smtClean="0"/>
+              <a:t>a</a:t>
+            </a:r>
+            <a:r>
+              <a:rPr lang="fr-CA" dirty="0" smtClean="0"/>
+              <a:t> := b + 2</a:t>
+            </a:r>
+            <a:endParaRPr lang="fr-CA" dirty="0"/>
+          </a:p>
+        </p:txBody>
+      </p:sp>
+      <p:sp>
+        <p:nvSpPr>
+          <p:cNvPr id="10" name="ZoneTexte 9"/>
+          <p:cNvSpPr txBox="1"/>
+          <p:nvPr/>
+        </p:nvSpPr>
+        <p:spPr>
+          <a:xfrm>
+            <a:off x="4067944" y="5445224"/>
+            <a:ext cx="1224136" cy="369332"/>
+          </a:xfrm>
+          <a:prstGeom prst="rect">
+            <a:avLst/>
+          </a:prstGeom>
+          <a:noFill/>
+          <a:ln>
+            <a:solidFill>
+              <a:schemeClr val="tx1"/>
+            </a:solidFill>
+          </a:ln>
+        </p:spPr>
+        <p:txBody>
+          <a:bodyPr wrap="square" rtlCol="0">
+            <a:spAutoFit/>
+          </a:bodyPr>
+          <a:lstStyle/>
+          <a:p>
+            <a:pPr algn="ctr"/>
+            <a:r>
+              <a:rPr lang="fr-CA" dirty="0" smtClean="0"/>
+              <a:t>return c</a:t>
+            </a:r>
+            <a:endParaRPr lang="fr-CA" dirty="0"/>
+          </a:p>
+        </p:txBody>
+      </p:sp>
+      <p:cxnSp>
+        <p:nvCxnSpPr>
+          <p:cNvPr id="12" name="Connecteur droit avec flèche 11"/>
+          <p:cNvCxnSpPr>
+            <a:stCxn id="5" idx="2"/>
+            <a:endCxn id="6" idx="0"/>
+          </p:cNvCxnSpPr>
+          <p:nvPr/>
+        </p:nvCxnSpPr>
+        <p:spPr>
+          <a:xfrm>
+            <a:off x="5472100" y="2790220"/>
+            <a:ext cx="0" cy="206732"/>
+          </a:xfrm>
+          <a:prstGeom prst="straightConnector1">
+            <a:avLst/>
+          </a:prstGeom>
+          <a:ln w="19050">
+            <a:solidFill>
+              <a:schemeClr val="tx1"/>
+            </a:solidFill>
+            <a:tailEnd type="arrow"/>
+          </a:ln>
+        </p:spPr>
+        <p:style>
+          <a:lnRef idx="1">
+            <a:schemeClr val="accent1"/>
+          </a:lnRef>
+          <a:fillRef idx="0">
+            <a:schemeClr val="accent1"/>
+          </a:fillRef>
+          <a:effectRef idx="0">
+            <a:schemeClr val="accent1"/>
+          </a:effectRef>
+          <a:fontRef idx="minor">
+            <a:schemeClr val="tx1"/>
+          </a:fontRef>
+        </p:style>
+      </p:cxnSp>
+      <p:cxnSp>
+        <p:nvCxnSpPr>
+          <p:cNvPr id="16" name="Connecteur droit avec flèche 15"/>
+          <p:cNvCxnSpPr>
+            <a:stCxn id="6" idx="2"/>
+            <a:endCxn id="7" idx="0"/>
+          </p:cNvCxnSpPr>
+          <p:nvPr/>
+        </p:nvCxnSpPr>
+        <p:spPr>
+          <a:xfrm>
+            <a:off x="5472100" y="3366284"/>
+            <a:ext cx="0" cy="206732"/>
+          </a:xfrm>
+          <a:prstGeom prst="straightConnector1">
+            <a:avLst/>
+          </a:prstGeom>
+          <a:ln w="19050">
+            <a:solidFill>
+              <a:schemeClr val="tx1"/>
+            </a:solidFill>
+            <a:tailEnd type="arrow"/>
+          </a:ln>
+        </p:spPr>
+        <p:style>
+          <a:lnRef idx="1">
+            <a:schemeClr val="accent1"/>
+          </a:lnRef>
+          <a:fillRef idx="0">
+            <a:schemeClr val="accent1"/>
+          </a:fillRef>
+          <a:effectRef idx="0">
+            <a:schemeClr val="accent1"/>
+          </a:effectRef>
+          <a:fontRef idx="minor">
+            <a:schemeClr val="tx1"/>
+          </a:fontRef>
+        </p:style>
+      </p:cxnSp>
+      <p:cxnSp>
+        <p:nvCxnSpPr>
+          <p:cNvPr id="17" name="Connecteur droit avec flèche 16"/>
+          <p:cNvCxnSpPr>
+            <a:stCxn id="9" idx="2"/>
+            <a:endCxn id="8" idx="0"/>
+          </p:cNvCxnSpPr>
+          <p:nvPr/>
+        </p:nvCxnSpPr>
+        <p:spPr>
+          <a:xfrm>
+            <a:off x="5472100" y="4518412"/>
+            <a:ext cx="0" cy="206732"/>
+          </a:xfrm>
+          <a:prstGeom prst="straightConnector1">
+            <a:avLst/>
+          </a:prstGeom>
+          <a:ln w="19050">
+            <a:solidFill>
+              <a:schemeClr val="tx1"/>
+            </a:solidFill>
+            <a:tailEnd type="arrow"/>
+          </a:ln>
+        </p:spPr>
+        <p:style>
+          <a:lnRef idx="1">
+            <a:schemeClr val="accent1"/>
+          </a:lnRef>
+          <a:fillRef idx="0">
+            <a:schemeClr val="accent1"/>
+          </a:fillRef>
+          <a:effectRef idx="0">
+            <a:schemeClr val="accent1"/>
+          </a:effectRef>
+          <a:fontRef idx="minor">
+            <a:schemeClr val="tx1"/>
+          </a:fontRef>
+        </p:style>
+      </p:cxnSp>
+      <p:cxnSp>
+        <p:nvCxnSpPr>
+          <p:cNvPr id="18" name="Connecteur droit avec flèche 17"/>
+          <p:cNvCxnSpPr>
+            <a:stCxn id="7" idx="2"/>
+            <a:endCxn id="9" idx="0"/>
+          </p:cNvCxnSpPr>
+          <p:nvPr/>
+        </p:nvCxnSpPr>
+        <p:spPr>
+          <a:xfrm>
+            <a:off x="5472100" y="3942348"/>
+            <a:ext cx="0" cy="206732"/>
+          </a:xfrm>
+          <a:prstGeom prst="straightConnector1">
+            <a:avLst/>
+          </a:prstGeom>
+          <a:ln w="19050">
+            <a:solidFill>
+              <a:schemeClr val="tx1"/>
+            </a:solidFill>
+            <a:tailEnd type="arrow"/>
+          </a:ln>
+        </p:spPr>
+        <p:style>
+          <a:lnRef idx="1">
+            <a:schemeClr val="accent1"/>
+          </a:lnRef>
+          <a:fillRef idx="0">
+            <a:schemeClr val="accent1"/>
+          </a:fillRef>
+          <a:effectRef idx="0">
+            <a:schemeClr val="accent1"/>
+          </a:effectRef>
+          <a:fontRef idx="minor">
+            <a:schemeClr val="tx1"/>
+          </a:fontRef>
+        </p:style>
+      </p:cxnSp>
+      <p:cxnSp>
+        <p:nvCxnSpPr>
+          <p:cNvPr id="25" name="Connecteur droit avec flèche 24"/>
+          <p:cNvCxnSpPr>
+            <a:stCxn id="8" idx="2"/>
+            <a:endCxn id="10" idx="0"/>
+          </p:cNvCxnSpPr>
+          <p:nvPr/>
+        </p:nvCxnSpPr>
+        <p:spPr>
+          <a:xfrm flipH="1">
+            <a:off x="4680012" y="5094476"/>
+            <a:ext cx="792088" cy="350748"/>
+          </a:xfrm>
+          <a:prstGeom prst="straightConnector1">
+            <a:avLst/>
+          </a:prstGeom>
+          <a:ln w="19050">
+            <a:solidFill>
+              <a:schemeClr val="tx1"/>
+            </a:solidFill>
+            <a:tailEnd type="arrow"/>
+          </a:ln>
+        </p:spPr>
+        <p:style>
+          <a:lnRef idx="1">
+            <a:schemeClr val="accent1"/>
+          </a:lnRef>
+          <a:fillRef idx="0">
+            <a:schemeClr val="accent1"/>
+          </a:fillRef>
+          <a:effectRef idx="0">
+            <a:schemeClr val="accent1"/>
+          </a:effectRef>
+          <a:fontRef idx="minor">
+            <a:schemeClr val="tx1"/>
+          </a:fontRef>
+        </p:style>
+      </p:cxnSp>
+      <p:cxnSp>
+        <p:nvCxnSpPr>
+          <p:cNvPr id="35" name="Forme 34"/>
+          <p:cNvCxnSpPr>
+            <a:stCxn id="8" idx="2"/>
+            <a:endCxn id="6" idx="3"/>
+          </p:cNvCxnSpPr>
+          <p:nvPr/>
+        </p:nvCxnSpPr>
+        <p:spPr>
+          <a:xfrm rot="5400000" flipH="1" flipV="1">
+            <a:off x="4821705" y="3832013"/>
+            <a:ext cx="1912858" cy="612068"/>
+          </a:xfrm>
+          <a:prstGeom prst="curvedConnector4">
+            <a:avLst>
+              <a:gd name="adj1" fmla="val -10013"/>
+              <a:gd name="adj2" fmla="val 179745"/>
+            </a:avLst>
+          </a:prstGeom>
+          <a:ln w="19050">
+            <a:solidFill>
+              <a:schemeClr val="tx1"/>
+            </a:solidFill>
+            <a:tailEnd type="arrow"/>
+          </a:ln>
+        </p:spPr>
+        <p:style>
+          <a:lnRef idx="1">
+            <a:schemeClr val="accent1"/>
+          </a:lnRef>
+          <a:fillRef idx="0">
+            <a:schemeClr val="accent1"/>
+          </a:fillRef>
+          <a:effectRef idx="0">
+            <a:schemeClr val="accent1"/>
+          </a:effectRef>
+          <a:fontRef idx="minor">
+            <a:schemeClr val="tx1"/>
+          </a:fontRef>
+        </p:style>
+      </p:cxnSp>
+      <p:sp>
+        <p:nvSpPr>
+          <p:cNvPr id="42" name="Espace réservé du numéro de diapositive 41"/>
+          <p:cNvSpPr>
+            <a:spLocks noGrp="1"/>
+          </p:cNvSpPr>
+          <p:nvPr>
+            <p:ph type="sldNum" sz="quarter" idx="12"/>
+          </p:nvPr>
+        </p:nvSpPr>
+        <p:spPr/>
+        <p:txBody>
+          <a:bodyPr/>
+          <a:lstStyle/>
+          <a:p>
+            <a:fld id="{CF4668DC-857F-487D-BFFA-8C0CA5037977}" type="slidenum">
+              <a:rPr lang="fr-BE" smtClean="0"/>
+              <a:pPr/>
+              <a:t>31</a:t>
+            </a:fld>
+            <a:endParaRPr lang="fr-BE"/>
           </a:p>
         </p:txBody>
       </p:sp>
@@ -7809,122 +9353,1531 @@
           <a:lstStyle/>
           <a:p>
             <a:r>
+              <a:rPr lang="en-CA" dirty="0" err="1" smtClean="0"/>
+              <a:t>Théorie</a:t>
+            </a:r>
+            <a:endParaRPr lang="fr-CA" dirty="0"/>
+          </a:p>
+        </p:txBody>
+      </p:sp>
+      <p:sp>
+        <p:nvSpPr>
+          <p:cNvPr id="3" name="Espace réservé du contenu 2"/>
+          <p:cNvSpPr>
+            <a:spLocks noGrp="1"/>
+          </p:cNvSpPr>
+          <p:nvPr>
+            <p:ph idx="1"/>
+          </p:nvPr>
+        </p:nvSpPr>
+        <p:spPr/>
+        <p:txBody>
+          <a:bodyPr/>
+          <a:lstStyle/>
+          <a:p>
+            <a:r>
               <a:rPr lang="en-CA" dirty="0" smtClean="0"/>
-              <a:t>Plan</a:t>
-            </a:r>
-            <a:endParaRPr lang="fr-CA" dirty="0"/>
-          </a:p>
-        </p:txBody>
-      </p:sp>
-      <p:sp>
-        <p:nvSpPr>
-          <p:cNvPr id="3" name="Espace réservé du contenu 2"/>
-          <p:cNvSpPr>
-            <a:spLocks noGrp="1"/>
-          </p:cNvSpPr>
-          <p:nvPr>
-            <p:ph idx="1"/>
-          </p:nvPr>
-        </p:nvSpPr>
-        <p:spPr/>
-        <p:txBody>
-          <a:bodyPr>
-            <a:normAutofit/>
+              <a:t>Analyse </a:t>
+            </a:r>
+            <a:r>
+              <a:rPr lang="en-CA" dirty="0" err="1" smtClean="0"/>
+              <a:t>d’activité</a:t>
+            </a:r>
+            <a:endParaRPr lang="en-CA" dirty="0" smtClean="0"/>
+          </a:p>
+          <a:p>
+            <a:endParaRPr lang="en-CA" dirty="0" smtClean="0"/>
+          </a:p>
+        </p:txBody>
+      </p:sp>
+      <p:sp>
+        <p:nvSpPr>
+          <p:cNvPr id="4" name="ZoneTexte 3"/>
+          <p:cNvSpPr txBox="1"/>
+          <p:nvPr/>
+        </p:nvSpPr>
+        <p:spPr>
+          <a:xfrm>
+            <a:off x="1331640" y="2699628"/>
+            <a:ext cx="1224136" cy="369332"/>
+          </a:xfrm>
+          <a:prstGeom prst="rect">
+            <a:avLst/>
+          </a:prstGeom>
+          <a:noFill/>
+          <a:ln>
+            <a:solidFill>
+              <a:schemeClr val="tx1"/>
+            </a:solidFill>
+          </a:ln>
+        </p:spPr>
+        <p:txBody>
+          <a:bodyPr wrap="square" rtlCol="0">
+            <a:spAutoFit/>
           </a:bodyPr>
           <a:lstStyle/>
           <a:p>
-            <a:r>
-              <a:rPr lang="en-CA" dirty="0" smtClean="0">
+            <a:pPr algn="ctr"/>
+            <a:r>
+              <a:rPr lang="fr-CA" b="1" dirty="0" smtClean="0">
                 <a:solidFill>
-                  <a:schemeClr val="bg2"/>
+                  <a:srgbClr val="FF0000"/>
                 </a:solidFill>
               </a:rPr>
-              <a:t>Chip16</a:t>
-            </a:r>
-          </a:p>
-          <a:p>
-            <a:endParaRPr lang="en-CA" dirty="0" smtClean="0">
+              <a:t>a</a:t>
+            </a:r>
+            <a:r>
+              <a:rPr lang="fr-CA" dirty="0" smtClean="0"/>
+              <a:t> := 0</a:t>
+            </a:r>
+            <a:endParaRPr lang="fr-CA" dirty="0"/>
+          </a:p>
+        </p:txBody>
+      </p:sp>
+      <p:sp>
+        <p:nvSpPr>
+          <p:cNvPr id="5" name="ZoneTexte 4"/>
+          <p:cNvSpPr txBox="1"/>
+          <p:nvPr/>
+        </p:nvSpPr>
+        <p:spPr>
+          <a:xfrm>
+            <a:off x="1331640" y="3275692"/>
+            <a:ext cx="1224136" cy="369332"/>
+          </a:xfrm>
+          <a:prstGeom prst="rect">
+            <a:avLst/>
+          </a:prstGeom>
+          <a:noFill/>
+          <a:ln>
+            <a:solidFill>
+              <a:schemeClr val="tx1"/>
+            </a:solidFill>
+          </a:ln>
+        </p:spPr>
+        <p:txBody>
+          <a:bodyPr wrap="square" rtlCol="0">
+            <a:spAutoFit/>
+          </a:bodyPr>
+          <a:lstStyle/>
+          <a:p>
+            <a:pPr algn="ctr"/>
+            <a:r>
+              <a:rPr lang="fr-CA" dirty="0" smtClean="0"/>
+              <a:t>b := </a:t>
+            </a:r>
+            <a:r>
+              <a:rPr lang="fr-CA" b="1" dirty="0" smtClean="0">
+                <a:solidFill>
+                  <a:srgbClr val="1C25D4"/>
+                </a:solidFill>
+              </a:rPr>
+              <a:t>a</a:t>
+            </a:r>
+            <a:r>
+              <a:rPr lang="fr-CA" dirty="0" smtClean="0"/>
+              <a:t> + 1</a:t>
+            </a:r>
+            <a:endParaRPr lang="fr-CA" dirty="0"/>
+          </a:p>
+        </p:txBody>
+      </p:sp>
+      <p:sp>
+        <p:nvSpPr>
+          <p:cNvPr id="6" name="ZoneTexte 5"/>
+          <p:cNvSpPr txBox="1"/>
+          <p:nvPr/>
+        </p:nvSpPr>
+        <p:spPr>
+          <a:xfrm>
+            <a:off x="1331640" y="3851756"/>
+            <a:ext cx="1224136" cy="369332"/>
+          </a:xfrm>
+          <a:prstGeom prst="rect">
+            <a:avLst/>
+          </a:prstGeom>
+          <a:noFill/>
+          <a:ln>
+            <a:solidFill>
+              <a:schemeClr val="tx1"/>
+            </a:solidFill>
+          </a:ln>
+        </p:spPr>
+        <p:txBody>
+          <a:bodyPr wrap="square" rtlCol="0">
+            <a:spAutoFit/>
+          </a:bodyPr>
+          <a:lstStyle/>
+          <a:p>
+            <a:pPr algn="ctr"/>
+            <a:r>
+              <a:rPr lang="fr-CA" dirty="0" smtClean="0"/>
+              <a:t>c := c + b</a:t>
+            </a:r>
+            <a:endParaRPr lang="fr-CA" dirty="0"/>
+          </a:p>
+        </p:txBody>
+      </p:sp>
+      <p:sp>
+        <p:nvSpPr>
+          <p:cNvPr id="7" name="ZoneTexte 6"/>
+          <p:cNvSpPr txBox="1"/>
+          <p:nvPr/>
+        </p:nvSpPr>
+        <p:spPr>
+          <a:xfrm>
+            <a:off x="1331640" y="5003884"/>
+            <a:ext cx="1224136" cy="369332"/>
+          </a:xfrm>
+          <a:prstGeom prst="rect">
+            <a:avLst/>
+          </a:prstGeom>
+          <a:noFill/>
+          <a:ln>
+            <a:solidFill>
+              <a:schemeClr val="tx1"/>
+            </a:solidFill>
+          </a:ln>
+        </p:spPr>
+        <p:txBody>
+          <a:bodyPr wrap="square" rtlCol="0">
+            <a:spAutoFit/>
+          </a:bodyPr>
+          <a:lstStyle/>
+          <a:p>
+            <a:pPr algn="ctr"/>
+            <a:r>
+              <a:rPr lang="fr-CA" b="1" dirty="0" smtClean="0">
+                <a:solidFill>
+                  <a:srgbClr val="1C25D4"/>
+                </a:solidFill>
+              </a:rPr>
+              <a:t>a</a:t>
+            </a:r>
+            <a:r>
+              <a:rPr lang="fr-CA" dirty="0" smtClean="0"/>
+              <a:t> &lt; N</a:t>
+            </a:r>
+            <a:endParaRPr lang="fr-CA" dirty="0"/>
+          </a:p>
+        </p:txBody>
+      </p:sp>
+      <p:sp>
+        <p:nvSpPr>
+          <p:cNvPr id="8" name="ZoneTexte 7"/>
+          <p:cNvSpPr txBox="1"/>
+          <p:nvPr/>
+        </p:nvSpPr>
+        <p:spPr>
+          <a:xfrm>
+            <a:off x="1331640" y="4437112"/>
+            <a:ext cx="1224136" cy="369332"/>
+          </a:xfrm>
+          <a:prstGeom prst="rect">
+            <a:avLst/>
+          </a:prstGeom>
+          <a:noFill/>
+          <a:ln>
+            <a:solidFill>
+              <a:schemeClr val="tx1"/>
+            </a:solidFill>
+          </a:ln>
+        </p:spPr>
+        <p:txBody>
+          <a:bodyPr wrap="square" rtlCol="0">
+            <a:spAutoFit/>
+          </a:bodyPr>
+          <a:lstStyle/>
+          <a:p>
+            <a:pPr algn="ctr"/>
+            <a:r>
+              <a:rPr lang="fr-CA" b="1" dirty="0" smtClean="0">
+                <a:solidFill>
+                  <a:srgbClr val="FF0000"/>
+                </a:solidFill>
+              </a:rPr>
+              <a:t>a</a:t>
+            </a:r>
+            <a:r>
+              <a:rPr lang="fr-CA" dirty="0" smtClean="0"/>
+              <a:t> := b + 2</a:t>
+            </a:r>
+            <a:endParaRPr lang="fr-CA" dirty="0"/>
+          </a:p>
+        </p:txBody>
+      </p:sp>
+      <p:sp>
+        <p:nvSpPr>
+          <p:cNvPr id="9" name="ZoneTexte 8"/>
+          <p:cNvSpPr txBox="1"/>
+          <p:nvPr/>
+        </p:nvSpPr>
+        <p:spPr>
+          <a:xfrm>
+            <a:off x="539552" y="5723964"/>
+            <a:ext cx="1224136" cy="369332"/>
+          </a:xfrm>
+          <a:prstGeom prst="rect">
+            <a:avLst/>
+          </a:prstGeom>
+          <a:noFill/>
+          <a:ln>
+            <a:solidFill>
+              <a:schemeClr val="tx1"/>
+            </a:solidFill>
+          </a:ln>
+        </p:spPr>
+        <p:txBody>
+          <a:bodyPr wrap="square" rtlCol="0">
+            <a:spAutoFit/>
+          </a:bodyPr>
+          <a:lstStyle/>
+          <a:p>
+            <a:pPr algn="ctr"/>
+            <a:r>
+              <a:rPr lang="fr-CA" dirty="0" smtClean="0"/>
+              <a:t>return c</a:t>
+            </a:r>
+            <a:endParaRPr lang="fr-CA" dirty="0"/>
+          </a:p>
+        </p:txBody>
+      </p:sp>
+      <p:cxnSp>
+        <p:nvCxnSpPr>
+          <p:cNvPr id="10" name="Connecteur droit avec flèche 9"/>
+          <p:cNvCxnSpPr>
+            <a:stCxn id="4" idx="2"/>
+            <a:endCxn id="5" idx="0"/>
+          </p:cNvCxnSpPr>
+          <p:nvPr/>
+        </p:nvCxnSpPr>
+        <p:spPr>
+          <a:xfrm>
+            <a:off x="1943708" y="3068960"/>
+            <a:ext cx="0" cy="206732"/>
+          </a:xfrm>
+          <a:prstGeom prst="straightConnector1">
+            <a:avLst/>
+          </a:prstGeom>
+          <a:ln w="19050">
+            <a:solidFill>
+              <a:srgbClr val="FF0000"/>
+            </a:solidFill>
+            <a:tailEnd type="arrow"/>
+          </a:ln>
+        </p:spPr>
+        <p:style>
+          <a:lnRef idx="1">
+            <a:schemeClr val="accent1"/>
+          </a:lnRef>
+          <a:fillRef idx="0">
+            <a:schemeClr val="accent1"/>
+          </a:fillRef>
+          <a:effectRef idx="0">
+            <a:schemeClr val="accent1"/>
+          </a:effectRef>
+          <a:fontRef idx="minor">
+            <a:schemeClr val="tx1"/>
+          </a:fontRef>
+        </p:style>
+      </p:cxnSp>
+      <p:cxnSp>
+        <p:nvCxnSpPr>
+          <p:cNvPr id="11" name="Connecteur droit avec flèche 10"/>
+          <p:cNvCxnSpPr>
+            <a:stCxn id="5" idx="2"/>
+            <a:endCxn id="6" idx="0"/>
+          </p:cNvCxnSpPr>
+          <p:nvPr/>
+        </p:nvCxnSpPr>
+        <p:spPr>
+          <a:xfrm>
+            <a:off x="1943708" y="3645024"/>
+            <a:ext cx="0" cy="206732"/>
+          </a:xfrm>
+          <a:prstGeom prst="straightConnector1">
+            <a:avLst/>
+          </a:prstGeom>
+          <a:ln w="19050">
+            <a:solidFill>
+              <a:schemeClr val="tx1"/>
+            </a:solidFill>
+            <a:tailEnd type="arrow"/>
+          </a:ln>
+        </p:spPr>
+        <p:style>
+          <a:lnRef idx="1">
+            <a:schemeClr val="accent1"/>
+          </a:lnRef>
+          <a:fillRef idx="0">
+            <a:schemeClr val="accent1"/>
+          </a:fillRef>
+          <a:effectRef idx="0">
+            <a:schemeClr val="accent1"/>
+          </a:effectRef>
+          <a:fontRef idx="minor">
+            <a:schemeClr val="tx1"/>
+          </a:fontRef>
+        </p:style>
+      </p:cxnSp>
+      <p:cxnSp>
+        <p:nvCxnSpPr>
+          <p:cNvPr id="12" name="Connecteur droit avec flèche 11"/>
+          <p:cNvCxnSpPr>
+            <a:stCxn id="8" idx="2"/>
+            <a:endCxn id="7" idx="0"/>
+          </p:cNvCxnSpPr>
+          <p:nvPr/>
+        </p:nvCxnSpPr>
+        <p:spPr>
+          <a:xfrm>
+            <a:off x="1943708" y="4806444"/>
+            <a:ext cx="0" cy="197440"/>
+          </a:xfrm>
+          <a:prstGeom prst="straightConnector1">
+            <a:avLst/>
+          </a:prstGeom>
+          <a:ln w="19050">
+            <a:solidFill>
+              <a:srgbClr val="FF0000"/>
+            </a:solidFill>
+            <a:tailEnd type="arrow"/>
+          </a:ln>
+        </p:spPr>
+        <p:style>
+          <a:lnRef idx="1">
+            <a:schemeClr val="accent1"/>
+          </a:lnRef>
+          <a:fillRef idx="0">
+            <a:schemeClr val="accent1"/>
+          </a:fillRef>
+          <a:effectRef idx="0">
+            <a:schemeClr val="accent1"/>
+          </a:effectRef>
+          <a:fontRef idx="minor">
+            <a:schemeClr val="tx1"/>
+          </a:fontRef>
+        </p:style>
+      </p:cxnSp>
+      <p:cxnSp>
+        <p:nvCxnSpPr>
+          <p:cNvPr id="13" name="Connecteur droit avec flèche 12"/>
+          <p:cNvCxnSpPr>
+            <a:stCxn id="6" idx="2"/>
+            <a:endCxn id="8" idx="0"/>
+          </p:cNvCxnSpPr>
+          <p:nvPr/>
+        </p:nvCxnSpPr>
+        <p:spPr>
+          <a:xfrm>
+            <a:off x="1943708" y="4221088"/>
+            <a:ext cx="0" cy="216024"/>
+          </a:xfrm>
+          <a:prstGeom prst="straightConnector1">
+            <a:avLst/>
+          </a:prstGeom>
+          <a:ln w="19050">
+            <a:solidFill>
+              <a:schemeClr val="tx1"/>
+            </a:solidFill>
+            <a:tailEnd type="arrow"/>
+          </a:ln>
+        </p:spPr>
+        <p:style>
+          <a:lnRef idx="1">
+            <a:schemeClr val="accent1"/>
+          </a:lnRef>
+          <a:fillRef idx="0">
+            <a:schemeClr val="accent1"/>
+          </a:fillRef>
+          <a:effectRef idx="0">
+            <a:schemeClr val="accent1"/>
+          </a:effectRef>
+          <a:fontRef idx="minor">
+            <a:schemeClr val="tx1"/>
+          </a:fontRef>
+        </p:style>
+      </p:cxnSp>
+      <p:cxnSp>
+        <p:nvCxnSpPr>
+          <p:cNvPr id="14" name="Connecteur droit avec flèche 13"/>
+          <p:cNvCxnSpPr>
+            <a:stCxn id="7" idx="2"/>
+            <a:endCxn id="9" idx="0"/>
+          </p:cNvCxnSpPr>
+          <p:nvPr/>
+        </p:nvCxnSpPr>
+        <p:spPr>
+          <a:xfrm flipH="1">
+            <a:off x="1151620" y="5373216"/>
+            <a:ext cx="792088" cy="350748"/>
+          </a:xfrm>
+          <a:prstGeom prst="straightConnector1">
+            <a:avLst/>
+          </a:prstGeom>
+          <a:ln w="19050">
+            <a:solidFill>
+              <a:schemeClr val="tx1"/>
+            </a:solidFill>
+            <a:tailEnd type="arrow"/>
+          </a:ln>
+        </p:spPr>
+        <p:style>
+          <a:lnRef idx="1">
+            <a:schemeClr val="accent1"/>
+          </a:lnRef>
+          <a:fillRef idx="0">
+            <a:schemeClr val="accent1"/>
+          </a:fillRef>
+          <a:effectRef idx="0">
+            <a:schemeClr val="accent1"/>
+          </a:effectRef>
+          <a:fontRef idx="minor">
+            <a:schemeClr val="tx1"/>
+          </a:fontRef>
+        </p:style>
+      </p:cxnSp>
+      <p:cxnSp>
+        <p:nvCxnSpPr>
+          <p:cNvPr id="15" name="Forme 14"/>
+          <p:cNvCxnSpPr>
+            <a:stCxn id="7" idx="2"/>
+            <a:endCxn id="5" idx="3"/>
+          </p:cNvCxnSpPr>
+          <p:nvPr/>
+        </p:nvCxnSpPr>
+        <p:spPr>
+          <a:xfrm rot="5400000" flipH="1" flipV="1">
+            <a:off x="1293313" y="4110753"/>
+            <a:ext cx="1912858" cy="612068"/>
+          </a:xfrm>
+          <a:prstGeom prst="curvedConnector4">
+            <a:avLst>
+              <a:gd name="adj1" fmla="val -10013"/>
+              <a:gd name="adj2" fmla="val 179745"/>
+            </a:avLst>
+          </a:prstGeom>
+          <a:ln w="19050">
+            <a:solidFill>
+              <a:srgbClr val="FF0000"/>
+            </a:solidFill>
+            <a:tailEnd type="arrow"/>
+          </a:ln>
+        </p:spPr>
+        <p:style>
+          <a:lnRef idx="1">
+            <a:schemeClr val="accent1"/>
+          </a:lnRef>
+          <a:fillRef idx="0">
+            <a:schemeClr val="accent1"/>
+          </a:fillRef>
+          <a:effectRef idx="0">
+            <a:schemeClr val="accent1"/>
+          </a:effectRef>
+          <a:fontRef idx="minor">
+            <a:schemeClr val="tx1"/>
+          </a:fontRef>
+        </p:style>
+      </p:cxnSp>
+      <p:sp>
+        <p:nvSpPr>
+          <p:cNvPr id="16" name="ZoneTexte 15"/>
+          <p:cNvSpPr txBox="1"/>
+          <p:nvPr/>
+        </p:nvSpPr>
+        <p:spPr>
+          <a:xfrm>
+            <a:off x="4067944" y="2699628"/>
+            <a:ext cx="1224136" cy="369332"/>
+          </a:xfrm>
+          <a:prstGeom prst="rect">
+            <a:avLst/>
+          </a:prstGeom>
+          <a:noFill/>
+          <a:ln>
+            <a:solidFill>
+              <a:schemeClr val="tx1"/>
+            </a:solidFill>
+          </a:ln>
+        </p:spPr>
+        <p:txBody>
+          <a:bodyPr wrap="square" rtlCol="0">
+            <a:spAutoFit/>
+          </a:bodyPr>
+          <a:lstStyle/>
+          <a:p>
+            <a:pPr algn="ctr"/>
+            <a:r>
+              <a:rPr lang="fr-CA" dirty="0" smtClean="0"/>
+              <a:t>a := 0</a:t>
+            </a:r>
+            <a:endParaRPr lang="fr-CA" dirty="0"/>
+          </a:p>
+        </p:txBody>
+      </p:sp>
+      <p:sp>
+        <p:nvSpPr>
+          <p:cNvPr id="17" name="ZoneTexte 16"/>
+          <p:cNvSpPr txBox="1"/>
+          <p:nvPr/>
+        </p:nvSpPr>
+        <p:spPr>
+          <a:xfrm>
+            <a:off x="4067944" y="3275692"/>
+            <a:ext cx="1224136" cy="369332"/>
+          </a:xfrm>
+          <a:prstGeom prst="rect">
+            <a:avLst/>
+          </a:prstGeom>
+          <a:noFill/>
+          <a:ln>
+            <a:solidFill>
+              <a:schemeClr val="tx1"/>
+            </a:solidFill>
+          </a:ln>
+        </p:spPr>
+        <p:txBody>
+          <a:bodyPr wrap="square" rtlCol="0">
+            <a:spAutoFit/>
+          </a:bodyPr>
+          <a:lstStyle/>
+          <a:p>
+            <a:pPr algn="ctr"/>
+            <a:r>
+              <a:rPr lang="fr-CA" b="1" dirty="0" smtClean="0">
+                <a:solidFill>
+                  <a:srgbClr val="FF0000"/>
+                </a:solidFill>
+              </a:rPr>
+              <a:t>b</a:t>
+            </a:r>
+            <a:r>
+              <a:rPr lang="fr-CA" dirty="0" smtClean="0"/>
+              <a:t> := a + 1</a:t>
+            </a:r>
+            <a:endParaRPr lang="fr-CA" dirty="0"/>
+          </a:p>
+        </p:txBody>
+      </p:sp>
+      <p:sp>
+        <p:nvSpPr>
+          <p:cNvPr id="18" name="ZoneTexte 17"/>
+          <p:cNvSpPr txBox="1"/>
+          <p:nvPr/>
+        </p:nvSpPr>
+        <p:spPr>
+          <a:xfrm>
+            <a:off x="4067944" y="3851756"/>
+            <a:ext cx="1224136" cy="369332"/>
+          </a:xfrm>
+          <a:prstGeom prst="rect">
+            <a:avLst/>
+          </a:prstGeom>
+          <a:noFill/>
+          <a:ln>
+            <a:solidFill>
+              <a:schemeClr val="tx1"/>
+            </a:solidFill>
+          </a:ln>
+        </p:spPr>
+        <p:txBody>
+          <a:bodyPr wrap="square" rtlCol="0">
+            <a:spAutoFit/>
+          </a:bodyPr>
+          <a:lstStyle/>
+          <a:p>
+            <a:pPr algn="ctr"/>
+            <a:r>
+              <a:rPr lang="fr-CA" dirty="0" smtClean="0"/>
+              <a:t>c := c + </a:t>
+            </a:r>
+            <a:r>
+              <a:rPr lang="fr-CA" b="1" dirty="0" smtClean="0">
+                <a:solidFill>
+                  <a:srgbClr val="1C25D4"/>
+                </a:solidFill>
+              </a:rPr>
+              <a:t>b</a:t>
+            </a:r>
+            <a:endParaRPr lang="fr-CA" b="1" dirty="0">
               <a:solidFill>
-                <a:schemeClr val="bg2"/>
+                <a:srgbClr val="1C25D4"/>
               </a:solidFill>
             </a:endParaRPr>
           </a:p>
-          <a:p>
-            <a:r>
-              <a:rPr lang="en-CA" dirty="0" err="1" smtClean="0">
+        </p:txBody>
+      </p:sp>
+      <p:sp>
+        <p:nvSpPr>
+          <p:cNvPr id="19" name="ZoneTexte 18"/>
+          <p:cNvSpPr txBox="1"/>
+          <p:nvPr/>
+        </p:nvSpPr>
+        <p:spPr>
+          <a:xfrm>
+            <a:off x="4067944" y="5003884"/>
+            <a:ext cx="1224136" cy="369332"/>
+          </a:xfrm>
+          <a:prstGeom prst="rect">
+            <a:avLst/>
+          </a:prstGeom>
+          <a:noFill/>
+          <a:ln>
+            <a:solidFill>
+              <a:schemeClr val="tx1"/>
+            </a:solidFill>
+          </a:ln>
+        </p:spPr>
+        <p:txBody>
+          <a:bodyPr wrap="square" rtlCol="0">
+            <a:spAutoFit/>
+          </a:bodyPr>
+          <a:lstStyle/>
+          <a:p>
+            <a:pPr algn="ctr"/>
+            <a:r>
+              <a:rPr lang="fr-CA" dirty="0" smtClean="0"/>
+              <a:t>a &lt; N</a:t>
+            </a:r>
+            <a:endParaRPr lang="fr-CA" dirty="0"/>
+          </a:p>
+        </p:txBody>
+      </p:sp>
+      <p:sp>
+        <p:nvSpPr>
+          <p:cNvPr id="20" name="ZoneTexte 19"/>
+          <p:cNvSpPr txBox="1"/>
+          <p:nvPr/>
+        </p:nvSpPr>
+        <p:spPr>
+          <a:xfrm>
+            <a:off x="4067944" y="4427820"/>
+            <a:ext cx="1224136" cy="369332"/>
+          </a:xfrm>
+          <a:prstGeom prst="rect">
+            <a:avLst/>
+          </a:prstGeom>
+          <a:noFill/>
+          <a:ln>
+            <a:solidFill>
+              <a:schemeClr val="tx1"/>
+            </a:solidFill>
+          </a:ln>
+        </p:spPr>
+        <p:txBody>
+          <a:bodyPr wrap="square" rtlCol="0">
+            <a:spAutoFit/>
+          </a:bodyPr>
+          <a:lstStyle/>
+          <a:p>
+            <a:pPr algn="ctr"/>
+            <a:r>
+              <a:rPr lang="fr-CA" dirty="0" smtClean="0"/>
+              <a:t>a</a:t>
+            </a:r>
+            <a:r>
+              <a:rPr lang="fr-CA" dirty="0" smtClean="0"/>
+              <a:t> := </a:t>
+            </a:r>
+            <a:r>
+              <a:rPr lang="fr-CA" b="1" dirty="0" smtClean="0">
                 <a:solidFill>
-                  <a:schemeClr val="bg2"/>
+                  <a:srgbClr val="1C25D4"/>
                 </a:solidFill>
               </a:rPr>
-              <a:t>Interprétation</a:t>
-            </a:r>
-            <a:endParaRPr lang="en-CA" dirty="0" smtClean="0">
+              <a:t>b</a:t>
+            </a:r>
+            <a:r>
+              <a:rPr lang="fr-CA" dirty="0" smtClean="0"/>
+              <a:t> + 2</a:t>
+            </a:r>
+            <a:endParaRPr lang="fr-CA" dirty="0"/>
+          </a:p>
+        </p:txBody>
+      </p:sp>
+      <p:sp>
+        <p:nvSpPr>
+          <p:cNvPr id="21" name="ZoneTexte 20"/>
+          <p:cNvSpPr txBox="1"/>
+          <p:nvPr/>
+        </p:nvSpPr>
+        <p:spPr>
+          <a:xfrm>
+            <a:off x="3275856" y="5723964"/>
+            <a:ext cx="1224136" cy="369332"/>
+          </a:xfrm>
+          <a:prstGeom prst="rect">
+            <a:avLst/>
+          </a:prstGeom>
+          <a:noFill/>
+          <a:ln>
+            <a:solidFill>
+              <a:schemeClr val="tx1"/>
+            </a:solidFill>
+          </a:ln>
+        </p:spPr>
+        <p:txBody>
+          <a:bodyPr wrap="square" rtlCol="0">
+            <a:spAutoFit/>
+          </a:bodyPr>
+          <a:lstStyle/>
+          <a:p>
+            <a:pPr algn="ctr"/>
+            <a:r>
+              <a:rPr lang="fr-CA" dirty="0" smtClean="0"/>
+              <a:t>return c</a:t>
+            </a:r>
+            <a:endParaRPr lang="fr-CA" dirty="0"/>
+          </a:p>
+        </p:txBody>
+      </p:sp>
+      <p:cxnSp>
+        <p:nvCxnSpPr>
+          <p:cNvPr id="22" name="Connecteur droit avec flèche 21"/>
+          <p:cNvCxnSpPr>
+            <a:stCxn id="16" idx="2"/>
+            <a:endCxn id="17" idx="0"/>
+          </p:cNvCxnSpPr>
+          <p:nvPr/>
+        </p:nvCxnSpPr>
+        <p:spPr>
+          <a:xfrm>
+            <a:off x="4680012" y="3068960"/>
+            <a:ext cx="0" cy="206732"/>
+          </a:xfrm>
+          <a:prstGeom prst="straightConnector1">
+            <a:avLst/>
+          </a:prstGeom>
+          <a:ln w="19050">
+            <a:solidFill>
+              <a:schemeClr val="tx1"/>
+            </a:solidFill>
+            <a:tailEnd type="arrow"/>
+          </a:ln>
+        </p:spPr>
+        <p:style>
+          <a:lnRef idx="1">
+            <a:schemeClr val="accent1"/>
+          </a:lnRef>
+          <a:fillRef idx="0">
+            <a:schemeClr val="accent1"/>
+          </a:fillRef>
+          <a:effectRef idx="0">
+            <a:schemeClr val="accent1"/>
+          </a:effectRef>
+          <a:fontRef idx="minor">
+            <a:schemeClr val="tx1"/>
+          </a:fontRef>
+        </p:style>
+      </p:cxnSp>
+      <p:cxnSp>
+        <p:nvCxnSpPr>
+          <p:cNvPr id="23" name="Connecteur droit avec flèche 22"/>
+          <p:cNvCxnSpPr>
+            <a:stCxn id="17" idx="2"/>
+            <a:endCxn id="18" idx="0"/>
+          </p:cNvCxnSpPr>
+          <p:nvPr/>
+        </p:nvCxnSpPr>
+        <p:spPr>
+          <a:xfrm>
+            <a:off x="4680012" y="3645024"/>
+            <a:ext cx="0" cy="206732"/>
+          </a:xfrm>
+          <a:prstGeom prst="straightConnector1">
+            <a:avLst/>
+          </a:prstGeom>
+          <a:ln w="19050">
+            <a:solidFill>
+              <a:srgbClr val="FF0000"/>
+            </a:solidFill>
+            <a:tailEnd type="arrow"/>
+          </a:ln>
+        </p:spPr>
+        <p:style>
+          <a:lnRef idx="1">
+            <a:schemeClr val="accent1"/>
+          </a:lnRef>
+          <a:fillRef idx="0">
+            <a:schemeClr val="accent1"/>
+          </a:fillRef>
+          <a:effectRef idx="0">
+            <a:schemeClr val="accent1"/>
+          </a:effectRef>
+          <a:fontRef idx="minor">
+            <a:schemeClr val="tx1"/>
+          </a:fontRef>
+        </p:style>
+      </p:cxnSp>
+      <p:cxnSp>
+        <p:nvCxnSpPr>
+          <p:cNvPr id="24" name="Connecteur droit avec flèche 23"/>
+          <p:cNvCxnSpPr>
+            <a:stCxn id="20" idx="2"/>
+            <a:endCxn id="19" idx="0"/>
+          </p:cNvCxnSpPr>
+          <p:nvPr/>
+        </p:nvCxnSpPr>
+        <p:spPr>
+          <a:xfrm>
+            <a:off x="4680012" y="4797152"/>
+            <a:ext cx="0" cy="206732"/>
+          </a:xfrm>
+          <a:prstGeom prst="straightConnector1">
+            <a:avLst/>
+          </a:prstGeom>
+          <a:ln w="19050">
+            <a:solidFill>
+              <a:schemeClr val="tx1"/>
+            </a:solidFill>
+            <a:tailEnd type="arrow"/>
+          </a:ln>
+        </p:spPr>
+        <p:style>
+          <a:lnRef idx="1">
+            <a:schemeClr val="accent1"/>
+          </a:lnRef>
+          <a:fillRef idx="0">
+            <a:schemeClr val="accent1"/>
+          </a:fillRef>
+          <a:effectRef idx="0">
+            <a:schemeClr val="accent1"/>
+          </a:effectRef>
+          <a:fontRef idx="minor">
+            <a:schemeClr val="tx1"/>
+          </a:fontRef>
+        </p:style>
+      </p:cxnSp>
+      <p:cxnSp>
+        <p:nvCxnSpPr>
+          <p:cNvPr id="25" name="Connecteur droit avec flèche 24"/>
+          <p:cNvCxnSpPr>
+            <a:stCxn id="18" idx="2"/>
+            <a:endCxn id="20" idx="0"/>
+          </p:cNvCxnSpPr>
+          <p:nvPr/>
+        </p:nvCxnSpPr>
+        <p:spPr>
+          <a:xfrm>
+            <a:off x="4680012" y="4221088"/>
+            <a:ext cx="0" cy="206732"/>
+          </a:xfrm>
+          <a:prstGeom prst="straightConnector1">
+            <a:avLst/>
+          </a:prstGeom>
+          <a:ln w="19050">
+            <a:solidFill>
+              <a:srgbClr val="FF0000"/>
+            </a:solidFill>
+            <a:tailEnd type="arrow"/>
+          </a:ln>
+        </p:spPr>
+        <p:style>
+          <a:lnRef idx="1">
+            <a:schemeClr val="accent1"/>
+          </a:lnRef>
+          <a:fillRef idx="0">
+            <a:schemeClr val="accent1"/>
+          </a:fillRef>
+          <a:effectRef idx="0">
+            <a:schemeClr val="accent1"/>
+          </a:effectRef>
+          <a:fontRef idx="minor">
+            <a:schemeClr val="tx1"/>
+          </a:fontRef>
+        </p:style>
+      </p:cxnSp>
+      <p:cxnSp>
+        <p:nvCxnSpPr>
+          <p:cNvPr id="26" name="Connecteur droit avec flèche 25"/>
+          <p:cNvCxnSpPr>
+            <a:stCxn id="19" idx="2"/>
+            <a:endCxn id="21" idx="0"/>
+          </p:cNvCxnSpPr>
+          <p:nvPr/>
+        </p:nvCxnSpPr>
+        <p:spPr>
+          <a:xfrm flipH="1">
+            <a:off x="3887924" y="5373216"/>
+            <a:ext cx="792088" cy="350748"/>
+          </a:xfrm>
+          <a:prstGeom prst="straightConnector1">
+            <a:avLst/>
+          </a:prstGeom>
+          <a:ln w="19050">
+            <a:solidFill>
+              <a:schemeClr val="tx1"/>
+            </a:solidFill>
+            <a:tailEnd type="arrow"/>
+          </a:ln>
+        </p:spPr>
+        <p:style>
+          <a:lnRef idx="1">
+            <a:schemeClr val="accent1"/>
+          </a:lnRef>
+          <a:fillRef idx="0">
+            <a:schemeClr val="accent1"/>
+          </a:fillRef>
+          <a:effectRef idx="0">
+            <a:schemeClr val="accent1"/>
+          </a:effectRef>
+          <a:fontRef idx="minor">
+            <a:schemeClr val="tx1"/>
+          </a:fontRef>
+        </p:style>
+      </p:cxnSp>
+      <p:cxnSp>
+        <p:nvCxnSpPr>
+          <p:cNvPr id="27" name="Forme 26"/>
+          <p:cNvCxnSpPr>
+            <a:stCxn id="19" idx="2"/>
+            <a:endCxn id="17" idx="3"/>
+          </p:cNvCxnSpPr>
+          <p:nvPr/>
+        </p:nvCxnSpPr>
+        <p:spPr>
+          <a:xfrm rot="5400000" flipH="1" flipV="1">
+            <a:off x="4029617" y="4110753"/>
+            <a:ext cx="1912858" cy="612068"/>
+          </a:xfrm>
+          <a:prstGeom prst="curvedConnector4">
+            <a:avLst>
+              <a:gd name="adj1" fmla="val -10013"/>
+              <a:gd name="adj2" fmla="val 179745"/>
+            </a:avLst>
+          </a:prstGeom>
+          <a:ln w="19050">
+            <a:solidFill>
+              <a:schemeClr val="tx1"/>
+            </a:solidFill>
+            <a:tailEnd type="arrow"/>
+          </a:ln>
+        </p:spPr>
+        <p:style>
+          <a:lnRef idx="1">
+            <a:schemeClr val="accent1"/>
+          </a:lnRef>
+          <a:fillRef idx="0">
+            <a:schemeClr val="accent1"/>
+          </a:fillRef>
+          <a:effectRef idx="0">
+            <a:schemeClr val="accent1"/>
+          </a:effectRef>
+          <a:fontRef idx="minor">
+            <a:schemeClr val="tx1"/>
+          </a:fontRef>
+        </p:style>
+      </p:cxnSp>
+      <p:sp>
+        <p:nvSpPr>
+          <p:cNvPr id="28" name="ZoneTexte 27"/>
+          <p:cNvSpPr txBox="1"/>
+          <p:nvPr/>
+        </p:nvSpPr>
+        <p:spPr>
+          <a:xfrm>
+            <a:off x="6732240" y="2699628"/>
+            <a:ext cx="1224136" cy="369332"/>
+          </a:xfrm>
+          <a:prstGeom prst="rect">
+            <a:avLst/>
+          </a:prstGeom>
+          <a:noFill/>
+          <a:ln>
+            <a:solidFill>
+              <a:schemeClr val="tx1"/>
+            </a:solidFill>
+          </a:ln>
+        </p:spPr>
+        <p:txBody>
+          <a:bodyPr wrap="square" rtlCol="0">
+            <a:spAutoFit/>
+          </a:bodyPr>
+          <a:lstStyle/>
+          <a:p>
+            <a:pPr algn="ctr"/>
+            <a:r>
+              <a:rPr lang="fr-CA" dirty="0" smtClean="0"/>
+              <a:t>a := 0</a:t>
+            </a:r>
+            <a:endParaRPr lang="fr-CA" dirty="0"/>
+          </a:p>
+        </p:txBody>
+      </p:sp>
+      <p:sp>
+        <p:nvSpPr>
+          <p:cNvPr id="29" name="ZoneTexte 28"/>
+          <p:cNvSpPr txBox="1"/>
+          <p:nvPr/>
+        </p:nvSpPr>
+        <p:spPr>
+          <a:xfrm>
+            <a:off x="6732240" y="3275692"/>
+            <a:ext cx="1224136" cy="369332"/>
+          </a:xfrm>
+          <a:prstGeom prst="rect">
+            <a:avLst/>
+          </a:prstGeom>
+          <a:noFill/>
+          <a:ln>
+            <a:solidFill>
+              <a:schemeClr val="tx1"/>
+            </a:solidFill>
+          </a:ln>
+        </p:spPr>
+        <p:txBody>
+          <a:bodyPr wrap="square" rtlCol="0">
+            <a:spAutoFit/>
+          </a:bodyPr>
+          <a:lstStyle/>
+          <a:p>
+            <a:pPr algn="ctr"/>
+            <a:r>
+              <a:rPr lang="fr-CA" dirty="0" smtClean="0"/>
+              <a:t>b := a + 1</a:t>
+            </a:r>
+            <a:endParaRPr lang="fr-CA" dirty="0"/>
+          </a:p>
+        </p:txBody>
+      </p:sp>
+      <p:sp>
+        <p:nvSpPr>
+          <p:cNvPr id="30" name="ZoneTexte 29"/>
+          <p:cNvSpPr txBox="1"/>
+          <p:nvPr/>
+        </p:nvSpPr>
+        <p:spPr>
+          <a:xfrm>
+            <a:off x="6732240" y="3851756"/>
+            <a:ext cx="1224136" cy="369332"/>
+          </a:xfrm>
+          <a:prstGeom prst="rect">
+            <a:avLst/>
+          </a:prstGeom>
+          <a:noFill/>
+          <a:ln>
+            <a:solidFill>
+              <a:schemeClr val="tx1"/>
+            </a:solidFill>
+          </a:ln>
+        </p:spPr>
+        <p:txBody>
+          <a:bodyPr wrap="square" rtlCol="0">
+            <a:spAutoFit/>
+          </a:bodyPr>
+          <a:lstStyle/>
+          <a:p>
+            <a:pPr algn="ctr"/>
+            <a:r>
+              <a:rPr lang="fr-CA" b="1" dirty="0" smtClean="0">
+                <a:solidFill>
+                  <a:srgbClr val="FF0000"/>
+                </a:solidFill>
+              </a:rPr>
+              <a:t>c</a:t>
+            </a:r>
+            <a:r>
+              <a:rPr lang="fr-CA" dirty="0" smtClean="0"/>
+              <a:t> := </a:t>
+            </a:r>
+            <a:r>
+              <a:rPr lang="fr-CA" b="1" dirty="0" smtClean="0">
+                <a:solidFill>
+                  <a:srgbClr val="1C25D4"/>
+                </a:solidFill>
+              </a:rPr>
+              <a:t>c</a:t>
+            </a:r>
+            <a:r>
+              <a:rPr lang="fr-CA" dirty="0" smtClean="0"/>
+              <a:t> + b</a:t>
+            </a:r>
+            <a:endParaRPr lang="fr-CA" dirty="0"/>
+          </a:p>
+        </p:txBody>
+      </p:sp>
+      <p:sp>
+        <p:nvSpPr>
+          <p:cNvPr id="31" name="ZoneTexte 30"/>
+          <p:cNvSpPr txBox="1"/>
+          <p:nvPr/>
+        </p:nvSpPr>
+        <p:spPr>
+          <a:xfrm>
+            <a:off x="6732240" y="5003884"/>
+            <a:ext cx="1224136" cy="369332"/>
+          </a:xfrm>
+          <a:prstGeom prst="rect">
+            <a:avLst/>
+          </a:prstGeom>
+          <a:noFill/>
+          <a:ln>
+            <a:solidFill>
+              <a:schemeClr val="tx1"/>
+            </a:solidFill>
+          </a:ln>
+        </p:spPr>
+        <p:txBody>
+          <a:bodyPr wrap="square" rtlCol="0">
+            <a:spAutoFit/>
+          </a:bodyPr>
+          <a:lstStyle/>
+          <a:p>
+            <a:pPr algn="ctr"/>
+            <a:r>
+              <a:rPr lang="fr-CA" dirty="0" smtClean="0"/>
+              <a:t>a &lt; N</a:t>
+            </a:r>
+            <a:endParaRPr lang="fr-CA" dirty="0"/>
+          </a:p>
+        </p:txBody>
+      </p:sp>
+      <p:sp>
+        <p:nvSpPr>
+          <p:cNvPr id="32" name="ZoneTexte 31"/>
+          <p:cNvSpPr txBox="1"/>
+          <p:nvPr/>
+        </p:nvSpPr>
+        <p:spPr>
+          <a:xfrm>
+            <a:off x="6732240" y="4427820"/>
+            <a:ext cx="1224136" cy="369332"/>
+          </a:xfrm>
+          <a:prstGeom prst="rect">
+            <a:avLst/>
+          </a:prstGeom>
+          <a:noFill/>
+          <a:ln>
+            <a:solidFill>
+              <a:schemeClr val="tx1"/>
+            </a:solidFill>
+          </a:ln>
+        </p:spPr>
+        <p:txBody>
+          <a:bodyPr wrap="square" rtlCol="0">
+            <a:spAutoFit/>
+          </a:bodyPr>
+          <a:lstStyle/>
+          <a:p>
+            <a:pPr algn="ctr"/>
+            <a:r>
+              <a:rPr lang="fr-CA" dirty="0" smtClean="0"/>
+              <a:t>a</a:t>
+            </a:r>
+            <a:r>
+              <a:rPr lang="fr-CA" dirty="0" smtClean="0"/>
+              <a:t> := b + 2</a:t>
+            </a:r>
+            <a:endParaRPr lang="fr-CA" dirty="0"/>
+          </a:p>
+        </p:txBody>
+      </p:sp>
+      <p:sp>
+        <p:nvSpPr>
+          <p:cNvPr id="33" name="ZoneTexte 32"/>
+          <p:cNvSpPr txBox="1"/>
+          <p:nvPr/>
+        </p:nvSpPr>
+        <p:spPr>
+          <a:xfrm>
+            <a:off x="5940152" y="5723964"/>
+            <a:ext cx="1224136" cy="369332"/>
+          </a:xfrm>
+          <a:prstGeom prst="rect">
+            <a:avLst/>
+          </a:prstGeom>
+          <a:noFill/>
+          <a:ln>
+            <a:solidFill>
+              <a:schemeClr val="tx1"/>
+            </a:solidFill>
+          </a:ln>
+        </p:spPr>
+        <p:txBody>
+          <a:bodyPr wrap="square" rtlCol="0">
+            <a:spAutoFit/>
+          </a:bodyPr>
+          <a:lstStyle/>
+          <a:p>
+            <a:pPr algn="ctr"/>
+            <a:r>
+              <a:rPr lang="fr-CA" dirty="0" smtClean="0"/>
+              <a:t>return </a:t>
+            </a:r>
+            <a:r>
+              <a:rPr lang="fr-CA" b="1" dirty="0" smtClean="0">
+                <a:solidFill>
+                  <a:srgbClr val="1C25D4"/>
+                </a:solidFill>
+              </a:rPr>
+              <a:t>c</a:t>
+            </a:r>
+            <a:endParaRPr lang="fr-CA" b="1" dirty="0">
               <a:solidFill>
-                <a:schemeClr val="bg2"/>
+                <a:srgbClr val="1C25D4"/>
               </a:solidFill>
             </a:endParaRPr>
           </a:p>
-          <a:p>
-            <a:pPr>
-              <a:buNone/>
-            </a:pPr>
-            <a:endParaRPr lang="en-CA" dirty="0" smtClean="0">
-              <a:solidFill>
-                <a:schemeClr val="bg2"/>
-              </a:solidFill>
-            </a:endParaRPr>
-          </a:p>
-          <a:p>
-            <a:r>
-              <a:rPr lang="en-CA" dirty="0" smtClean="0">
-                <a:solidFill>
-                  <a:schemeClr val="bg2"/>
-                </a:solidFill>
-              </a:rPr>
-              <a:t>Recompilation </a:t>
-            </a:r>
-            <a:r>
-              <a:rPr lang="en-CA" dirty="0" err="1" smtClean="0">
-                <a:solidFill>
-                  <a:schemeClr val="bg2"/>
-                </a:solidFill>
-              </a:rPr>
-              <a:t>dynamique</a:t>
-            </a:r>
-            <a:endParaRPr lang="en-CA" dirty="0" smtClean="0">
-              <a:solidFill>
-                <a:schemeClr val="bg2"/>
-              </a:solidFill>
-            </a:endParaRPr>
-          </a:p>
-          <a:p>
-            <a:pPr lvl="1">
-              <a:buNone/>
-            </a:pPr>
-            <a:endParaRPr lang="en-CA" dirty="0" smtClean="0"/>
-          </a:p>
-          <a:p>
-            <a:r>
-              <a:rPr lang="en-CA" dirty="0" err="1" smtClean="0"/>
-              <a:t>Travaux</a:t>
-            </a:r>
-            <a:r>
-              <a:rPr lang="en-CA" dirty="0" smtClean="0"/>
-              <a:t> </a:t>
-            </a:r>
-            <a:r>
-              <a:rPr lang="en-CA" dirty="0" err="1" smtClean="0"/>
-              <a:t>futurs</a:t>
-            </a:r>
-            <a:endParaRPr lang="en-CA" dirty="0" smtClean="0"/>
-          </a:p>
-          <a:p>
-            <a:pPr lvl="1"/>
-            <a:endParaRPr lang="en-CA" dirty="0" smtClean="0"/>
-          </a:p>
-          <a:p>
-            <a:pPr lvl="1"/>
-            <a:endParaRPr lang="fr-CA" dirty="0"/>
+        </p:txBody>
+      </p:sp>
+      <p:cxnSp>
+        <p:nvCxnSpPr>
+          <p:cNvPr id="34" name="Connecteur droit avec flèche 33"/>
+          <p:cNvCxnSpPr>
+            <a:stCxn id="28" idx="2"/>
+            <a:endCxn id="29" idx="0"/>
+          </p:cNvCxnSpPr>
+          <p:nvPr/>
+        </p:nvCxnSpPr>
+        <p:spPr>
+          <a:xfrm>
+            <a:off x="7344308" y="3068960"/>
+            <a:ext cx="0" cy="206732"/>
+          </a:xfrm>
+          <a:prstGeom prst="straightConnector1">
+            <a:avLst/>
+          </a:prstGeom>
+          <a:ln w="19050">
+            <a:solidFill>
+              <a:srgbClr val="FF0000"/>
+            </a:solidFill>
+            <a:tailEnd type="arrow"/>
+          </a:ln>
+        </p:spPr>
+        <p:style>
+          <a:lnRef idx="1">
+            <a:schemeClr val="accent1"/>
+          </a:lnRef>
+          <a:fillRef idx="0">
+            <a:schemeClr val="accent1"/>
+          </a:fillRef>
+          <a:effectRef idx="0">
+            <a:schemeClr val="accent1"/>
+          </a:effectRef>
+          <a:fontRef idx="minor">
+            <a:schemeClr val="tx1"/>
+          </a:fontRef>
+        </p:style>
+      </p:cxnSp>
+      <p:cxnSp>
+        <p:nvCxnSpPr>
+          <p:cNvPr id="35" name="Connecteur droit avec flèche 34"/>
+          <p:cNvCxnSpPr>
+            <a:stCxn id="29" idx="2"/>
+            <a:endCxn id="30" idx="0"/>
+          </p:cNvCxnSpPr>
+          <p:nvPr/>
+        </p:nvCxnSpPr>
+        <p:spPr>
+          <a:xfrm>
+            <a:off x="7344308" y="3645024"/>
+            <a:ext cx="0" cy="206732"/>
+          </a:xfrm>
+          <a:prstGeom prst="straightConnector1">
+            <a:avLst/>
+          </a:prstGeom>
+          <a:ln w="19050">
+            <a:solidFill>
+              <a:srgbClr val="FF0000"/>
+            </a:solidFill>
+            <a:tailEnd type="arrow"/>
+          </a:ln>
+        </p:spPr>
+        <p:style>
+          <a:lnRef idx="1">
+            <a:schemeClr val="accent1"/>
+          </a:lnRef>
+          <a:fillRef idx="0">
+            <a:schemeClr val="accent1"/>
+          </a:fillRef>
+          <a:effectRef idx="0">
+            <a:schemeClr val="accent1"/>
+          </a:effectRef>
+          <a:fontRef idx="minor">
+            <a:schemeClr val="tx1"/>
+          </a:fontRef>
+        </p:style>
+      </p:cxnSp>
+      <p:cxnSp>
+        <p:nvCxnSpPr>
+          <p:cNvPr id="36" name="Connecteur droit avec flèche 35"/>
+          <p:cNvCxnSpPr>
+            <a:stCxn id="32" idx="2"/>
+            <a:endCxn id="31" idx="0"/>
+          </p:cNvCxnSpPr>
+          <p:nvPr/>
+        </p:nvCxnSpPr>
+        <p:spPr>
+          <a:xfrm>
+            <a:off x="7344308" y="4797152"/>
+            <a:ext cx="0" cy="206732"/>
+          </a:xfrm>
+          <a:prstGeom prst="straightConnector1">
+            <a:avLst/>
+          </a:prstGeom>
+          <a:ln w="19050">
+            <a:solidFill>
+              <a:srgbClr val="FF0000"/>
+            </a:solidFill>
+            <a:tailEnd type="arrow"/>
+          </a:ln>
+        </p:spPr>
+        <p:style>
+          <a:lnRef idx="1">
+            <a:schemeClr val="accent1"/>
+          </a:lnRef>
+          <a:fillRef idx="0">
+            <a:schemeClr val="accent1"/>
+          </a:fillRef>
+          <a:effectRef idx="0">
+            <a:schemeClr val="accent1"/>
+          </a:effectRef>
+          <a:fontRef idx="minor">
+            <a:schemeClr val="tx1"/>
+          </a:fontRef>
+        </p:style>
+      </p:cxnSp>
+      <p:cxnSp>
+        <p:nvCxnSpPr>
+          <p:cNvPr id="37" name="Connecteur droit avec flèche 36"/>
+          <p:cNvCxnSpPr>
+            <a:stCxn id="30" idx="2"/>
+            <a:endCxn id="32" idx="0"/>
+          </p:cNvCxnSpPr>
+          <p:nvPr/>
+        </p:nvCxnSpPr>
+        <p:spPr>
+          <a:xfrm>
+            <a:off x="7344308" y="4221088"/>
+            <a:ext cx="0" cy="206732"/>
+          </a:xfrm>
+          <a:prstGeom prst="straightConnector1">
+            <a:avLst/>
+          </a:prstGeom>
+          <a:ln w="19050">
+            <a:solidFill>
+              <a:srgbClr val="FF0000"/>
+            </a:solidFill>
+            <a:tailEnd type="arrow"/>
+          </a:ln>
+        </p:spPr>
+        <p:style>
+          <a:lnRef idx="1">
+            <a:schemeClr val="accent1"/>
+          </a:lnRef>
+          <a:fillRef idx="0">
+            <a:schemeClr val="accent1"/>
+          </a:fillRef>
+          <a:effectRef idx="0">
+            <a:schemeClr val="accent1"/>
+          </a:effectRef>
+          <a:fontRef idx="minor">
+            <a:schemeClr val="tx1"/>
+          </a:fontRef>
+        </p:style>
+      </p:cxnSp>
+      <p:cxnSp>
+        <p:nvCxnSpPr>
+          <p:cNvPr id="38" name="Connecteur droit avec flèche 37"/>
+          <p:cNvCxnSpPr>
+            <a:stCxn id="31" idx="2"/>
+            <a:endCxn id="33" idx="0"/>
+          </p:cNvCxnSpPr>
+          <p:nvPr/>
+        </p:nvCxnSpPr>
+        <p:spPr>
+          <a:xfrm flipH="1">
+            <a:off x="6552220" y="5373216"/>
+            <a:ext cx="792088" cy="350748"/>
+          </a:xfrm>
+          <a:prstGeom prst="straightConnector1">
+            <a:avLst/>
+          </a:prstGeom>
+          <a:ln w="19050">
+            <a:solidFill>
+              <a:srgbClr val="FF0000"/>
+            </a:solidFill>
+            <a:tailEnd type="arrow"/>
+          </a:ln>
+        </p:spPr>
+        <p:style>
+          <a:lnRef idx="1">
+            <a:schemeClr val="accent1"/>
+          </a:lnRef>
+          <a:fillRef idx="0">
+            <a:schemeClr val="accent1"/>
+          </a:fillRef>
+          <a:effectRef idx="0">
+            <a:schemeClr val="accent1"/>
+          </a:effectRef>
+          <a:fontRef idx="minor">
+            <a:schemeClr val="tx1"/>
+          </a:fontRef>
+        </p:style>
+      </p:cxnSp>
+      <p:cxnSp>
+        <p:nvCxnSpPr>
+          <p:cNvPr id="39" name="Forme 38"/>
+          <p:cNvCxnSpPr>
+            <a:stCxn id="31" idx="2"/>
+            <a:endCxn id="29" idx="3"/>
+          </p:cNvCxnSpPr>
+          <p:nvPr/>
+        </p:nvCxnSpPr>
+        <p:spPr>
+          <a:xfrm rot="5400000" flipH="1" flipV="1">
+            <a:off x="6693913" y="4110753"/>
+            <a:ext cx="1912858" cy="612068"/>
+          </a:xfrm>
+          <a:prstGeom prst="curvedConnector4">
+            <a:avLst>
+              <a:gd name="adj1" fmla="val -10013"/>
+              <a:gd name="adj2" fmla="val 179745"/>
+            </a:avLst>
+          </a:prstGeom>
+          <a:ln w="19050">
+            <a:solidFill>
+              <a:srgbClr val="FF0000"/>
+            </a:solidFill>
+            <a:tailEnd type="arrow"/>
+          </a:ln>
+        </p:spPr>
+        <p:style>
+          <a:lnRef idx="1">
+            <a:schemeClr val="accent1"/>
+          </a:lnRef>
+          <a:fillRef idx="0">
+            <a:schemeClr val="accent1"/>
+          </a:fillRef>
+          <a:effectRef idx="0">
+            <a:schemeClr val="accent1"/>
+          </a:effectRef>
+          <a:fontRef idx="minor">
+            <a:schemeClr val="tx1"/>
+          </a:fontRef>
+        </p:style>
+      </p:cxnSp>
+      <p:sp>
+        <p:nvSpPr>
+          <p:cNvPr id="45" name="Espace réservé du numéro de diapositive 44"/>
+          <p:cNvSpPr>
+            <a:spLocks noGrp="1"/>
+          </p:cNvSpPr>
+          <p:nvPr>
+            <p:ph type="sldNum" sz="quarter" idx="12"/>
+          </p:nvPr>
+        </p:nvSpPr>
+        <p:spPr/>
+        <p:txBody>
+          <a:bodyPr/>
+          <a:lstStyle/>
+          <a:p>
+            <a:fld id="{CF4668DC-857F-487D-BFFA-8C0CA5037977}" type="slidenum">
+              <a:rPr lang="fr-BE" smtClean="0"/>
+              <a:pPr/>
+              <a:t>32</a:t>
+            </a:fld>
+            <a:endParaRPr lang="fr-BE"/>
           </a:p>
         </p:txBody>
       </p:sp>
@@ -7977,28 +10930,94 @@
           <a:p>
             <a:r>
               <a:rPr lang="en-CA" dirty="0" err="1" smtClean="0"/>
-              <a:t>Travaux</a:t>
-            </a:r>
+              <a:t>Théorie</a:t>
+            </a:r>
+            <a:endParaRPr lang="fr-CA" dirty="0"/>
+          </a:p>
+        </p:txBody>
+      </p:sp>
+      <p:sp>
+        <p:nvSpPr>
+          <p:cNvPr id="3" name="Espace réservé du contenu 2"/>
+          <p:cNvSpPr>
+            <a:spLocks noGrp="1"/>
+          </p:cNvSpPr>
+          <p:nvPr>
+            <p:ph idx="1"/>
+          </p:nvPr>
+        </p:nvSpPr>
+        <p:spPr/>
+        <p:txBody>
+          <a:bodyPr/>
+          <a:lstStyle/>
+          <a:p>
             <a:r>
               <a:rPr lang="en-CA" dirty="0" smtClean="0"/>
-              <a:t> </a:t>
+              <a:t>Allocation de </a:t>
             </a:r>
             <a:r>
               <a:rPr lang="en-CA" dirty="0" err="1" smtClean="0"/>
-              <a:t>Futurs</a:t>
-            </a:r>
+              <a:t>registres</a:t>
+            </a:r>
+            <a:endParaRPr lang="en-CA" dirty="0" smtClean="0"/>
+          </a:p>
+          <a:p>
+            <a:pPr lvl="1"/>
+            <a:r>
+              <a:rPr lang="en-CA" dirty="0" err="1" smtClean="0"/>
+              <a:t>Chaitin</a:t>
+            </a:r>
+            <a:r>
+              <a:rPr lang="en-CA" dirty="0" smtClean="0"/>
+              <a:t>-Brigg </a:t>
+            </a:r>
+          </a:p>
+          <a:p>
+            <a:pPr lvl="1"/>
+            <a:r>
+              <a:rPr lang="en-CA" dirty="0" smtClean="0"/>
+              <a:t>Linear Scan Register Allocation</a:t>
+            </a:r>
+          </a:p>
+          <a:p>
+            <a:pPr lvl="1"/>
+            <a:r>
+              <a:rPr lang="en-CA" dirty="0" smtClean="0"/>
+              <a:t>Greedy Register Allocation</a:t>
+            </a:r>
+          </a:p>
+          <a:p>
+            <a:pPr lvl="1"/>
+            <a:r>
+              <a:rPr lang="en-CA" dirty="0" smtClean="0"/>
+              <a:t>Integer-Linear Programming</a:t>
+            </a:r>
+          </a:p>
+          <a:p>
+            <a:pPr lvl="1"/>
+            <a:r>
+              <a:rPr lang="en-CA" dirty="0" smtClean="0"/>
+              <a:t>Top-Down Local Register Allocation</a:t>
+            </a:r>
+          </a:p>
+          <a:p>
+            <a:pPr lvl="2"/>
+            <a:endParaRPr lang="en-CA" dirty="0" smtClean="0"/>
+          </a:p>
+          <a:p>
+            <a:pPr lvl="2"/>
             <a:endParaRPr lang="fr-CA" dirty="0"/>
           </a:p>
         </p:txBody>
       </p:sp>
       <p:sp>
         <p:nvSpPr>
-          <p:cNvPr id="3" name="Espace réservé du contenu 2"/>
-          <p:cNvSpPr>
-            <a:spLocks noGrp="1"/>
-          </p:cNvSpPr>
-          <p:nvPr>
-            <p:ph idx="1"/>
+          <p:cNvPr id="7" name="Espace réservé du numéro de diapositive 6"/>
+          <p:cNvSpPr>
+            <a:spLocks noGrp="1"/>
+          </p:cNvSpPr>
+          <p:nvPr>
+            <p:ph type="sldNum" sz="quarter" idx="12"/>
           </p:nvPr>
         </p:nvSpPr>
         <p:spPr/>
@@ -8006,28 +11025,12 @@
           <a:bodyPr/>
           <a:lstStyle/>
           <a:p>
-            <a:r>
-              <a:rPr lang="en-CA" dirty="0" err="1" smtClean="0"/>
-              <a:t>Assembleur</a:t>
-            </a:r>
-            <a:r>
-              <a:rPr lang="en-CA" dirty="0" smtClean="0"/>
-              <a:t> Chip16</a:t>
-            </a:r>
-          </a:p>
-          <a:p>
-            <a:endParaRPr lang="en-CA" dirty="0" smtClean="0"/>
-          </a:p>
-          <a:p>
-            <a:r>
-              <a:rPr lang="en-CA" dirty="0" smtClean="0"/>
-              <a:t>++Recompilation </a:t>
-            </a:r>
-            <a:r>
-              <a:rPr lang="en-CA" dirty="0" err="1" smtClean="0"/>
-              <a:t>dynamique</a:t>
-            </a:r>
-            <a:endParaRPr lang="fr-CA" dirty="0"/>
+            <a:fld id="{CF4668DC-857F-487D-BFFA-8C0CA5037977}" type="slidenum">
+              <a:rPr lang="fr-BE" smtClean="0"/>
+              <a:pPr/>
+              <a:t>33</a:t>
+            </a:fld>
+            <a:endParaRPr lang="fr-BE"/>
           </a:p>
         </p:txBody>
       </p:sp>
@@ -8065,6 +11068,560 @@
       </p:grpSpPr>
       <p:sp>
         <p:nvSpPr>
+          <p:cNvPr id="2" name="Titre 1"/>
+          <p:cNvSpPr>
+            <a:spLocks noGrp="1"/>
+          </p:cNvSpPr>
+          <p:nvPr>
+            <p:ph type="title"/>
+          </p:nvPr>
+        </p:nvSpPr>
+        <p:spPr/>
+        <p:txBody>
+          <a:bodyPr/>
+          <a:lstStyle/>
+          <a:p>
+            <a:r>
+              <a:rPr lang="fr-CA" dirty="0" smtClean="0"/>
+              <a:t>Pratique</a:t>
+            </a:r>
+            <a:endParaRPr lang="fr-CA" dirty="0"/>
+          </a:p>
+        </p:txBody>
+      </p:sp>
+      <p:sp>
+        <p:nvSpPr>
+          <p:cNvPr id="3" name="Espace réservé du contenu 2"/>
+          <p:cNvSpPr>
+            <a:spLocks noGrp="1"/>
+          </p:cNvSpPr>
+          <p:nvPr>
+            <p:ph idx="1"/>
+          </p:nvPr>
+        </p:nvSpPr>
+        <p:spPr/>
+        <p:txBody>
+          <a:bodyPr>
+            <a:normAutofit/>
+          </a:bodyPr>
+          <a:lstStyle/>
+          <a:p>
+            <a:pPr>
+              <a:buNone/>
+            </a:pPr>
+            <a:r>
+              <a:rPr lang="fr-CA" dirty="0" err="1" smtClean="0"/>
+              <a:t>void</a:t>
+            </a:r>
+            <a:r>
+              <a:rPr lang="fr-CA" dirty="0" smtClean="0"/>
+              <a:t> </a:t>
+            </a:r>
+            <a:r>
+              <a:rPr lang="fr-CA" dirty="0" err="1" smtClean="0"/>
+              <a:t>dynarec</a:t>
+            </a:r>
+            <a:r>
+              <a:rPr lang="fr-CA" dirty="0" smtClean="0"/>
+              <a:t>()</a:t>
+            </a:r>
+          </a:p>
+          <a:p>
+            <a:pPr>
+              <a:buNone/>
+            </a:pPr>
+            <a:r>
+              <a:rPr lang="fr-CA" dirty="0" smtClean="0"/>
+              <a:t>{</a:t>
+            </a:r>
+          </a:p>
+          <a:p>
+            <a:pPr>
+              <a:buNone/>
+            </a:pPr>
+            <a:r>
+              <a:rPr lang="fr-CA" dirty="0" smtClean="0"/>
+              <a:t>	</a:t>
+            </a:r>
+            <a:r>
+              <a:rPr lang="fr-CA" dirty="0" err="1" smtClean="0"/>
+              <a:t>while</a:t>
+            </a:r>
+            <a:r>
+              <a:rPr lang="fr-CA" dirty="0" smtClean="0"/>
+              <a:t>(1)</a:t>
+            </a:r>
+          </a:p>
+          <a:p>
+            <a:pPr>
+              <a:buNone/>
+            </a:pPr>
+            <a:r>
+              <a:rPr lang="fr-CA" dirty="0" smtClean="0"/>
+              <a:t>	{</a:t>
+            </a:r>
+          </a:p>
+          <a:p>
+            <a:pPr>
+              <a:buNone/>
+            </a:pPr>
+            <a:r>
+              <a:rPr lang="fr-CA" dirty="0" smtClean="0"/>
+              <a:t>		if(</a:t>
+            </a:r>
+            <a:r>
+              <a:rPr lang="fr-CA" dirty="0" err="1" smtClean="0"/>
+              <a:t>TranslationCache</a:t>
+            </a:r>
+            <a:r>
+              <a:rPr lang="fr-CA" dirty="0" smtClean="0"/>
+              <a:t>[PC] </a:t>
+            </a:r>
+            <a:r>
+              <a:rPr lang="fr-CA" dirty="0" smtClean="0"/>
+              <a:t>== </a:t>
+            </a:r>
+            <a:r>
+              <a:rPr lang="fr-CA" dirty="0" err="1" smtClean="0"/>
+              <a:t>nullptr</a:t>
+            </a:r>
+            <a:r>
+              <a:rPr lang="fr-CA" dirty="0" smtClean="0"/>
+              <a:t>)</a:t>
+            </a:r>
+          </a:p>
+          <a:p>
+            <a:pPr>
+              <a:buNone/>
+            </a:pPr>
+            <a:r>
+              <a:rPr lang="fr-CA" dirty="0" smtClean="0"/>
+              <a:t>			recompile</a:t>
+            </a:r>
+            <a:r>
+              <a:rPr lang="fr-CA" dirty="0" smtClean="0"/>
+              <a:t>();</a:t>
+            </a:r>
+          </a:p>
+          <a:p>
+            <a:pPr>
+              <a:buNone/>
+            </a:pPr>
+            <a:r>
+              <a:rPr lang="fr-CA" dirty="0" smtClean="0"/>
+              <a:t>	</a:t>
+            </a:r>
+            <a:r>
+              <a:rPr lang="fr-CA" dirty="0" smtClean="0"/>
+              <a:t>	</a:t>
+            </a:r>
+            <a:r>
+              <a:rPr lang="fr-CA" dirty="0" err="1" smtClean="0"/>
+              <a:t>TranslationCache</a:t>
+            </a:r>
+            <a:r>
+              <a:rPr lang="fr-CA" dirty="0" smtClean="0"/>
+              <a:t>[PC]();</a:t>
+            </a:r>
+            <a:endParaRPr lang="fr-CA" dirty="0" smtClean="0"/>
+          </a:p>
+          <a:p>
+            <a:pPr>
+              <a:buNone/>
+            </a:pPr>
+            <a:r>
+              <a:rPr lang="fr-CA" dirty="0" smtClean="0"/>
+              <a:t>	}</a:t>
+            </a:r>
+          </a:p>
+          <a:p>
+            <a:pPr>
+              <a:buNone/>
+            </a:pPr>
+            <a:r>
+              <a:rPr lang="fr-CA" dirty="0" smtClean="0"/>
+              <a:t>}</a:t>
+            </a:r>
+            <a:endParaRPr lang="fr-CA" dirty="0"/>
+          </a:p>
+        </p:txBody>
+      </p:sp>
+      <p:sp>
+        <p:nvSpPr>
+          <p:cNvPr id="7" name="Espace réservé du numéro de diapositive 6"/>
+          <p:cNvSpPr>
+            <a:spLocks noGrp="1"/>
+          </p:cNvSpPr>
+          <p:nvPr>
+            <p:ph type="sldNum" sz="quarter" idx="12"/>
+          </p:nvPr>
+        </p:nvSpPr>
+        <p:spPr/>
+        <p:txBody>
+          <a:bodyPr/>
+          <a:lstStyle/>
+          <a:p>
+            <a:fld id="{CF4668DC-857F-487D-BFFA-8C0CA5037977}" type="slidenum">
+              <a:rPr lang="fr-BE" smtClean="0"/>
+              <a:pPr/>
+              <a:t>34</a:t>
+            </a:fld>
+            <a:endParaRPr lang="fr-BE"/>
+          </a:p>
+        </p:txBody>
+      </p:sp>
+    </p:spTree>
+  </p:cSld>
+  <p:clrMapOvr>
+    <a:masterClrMapping/>
+  </p:clrMapOvr>
+  <p:timing>
+    <p:tnLst>
+      <p:par>
+        <p:cTn id="1" dur="indefinite" restart="never" nodeType="tmRoot"/>
+      </p:par>
+    </p:tnLst>
+  </p:timing>
+</p:sld>
+</file>
+
+<file path=ppt/slides/slide35.xml><?xml version="1.0" encoding="utf-8"?>
+<p:sld xmlns:a="http://schemas.openxmlformats.org/drawingml/2006/main" xmlns:r="http://schemas.openxmlformats.org/officeDocument/2006/relationships" xmlns:p="http://schemas.openxmlformats.org/presentationml/2006/main">
+  <p:cSld>
+    <p:spTree>
+      <p:nvGrpSpPr>
+        <p:cNvPr id="1" name=""/>
+        <p:cNvGrpSpPr/>
+        <p:nvPr/>
+      </p:nvGrpSpPr>
+      <p:grpSpPr>
+        <a:xfrm>
+          <a:off x="0" y="0"/>
+          <a:ext cx="0" cy="0"/>
+          <a:chOff x="0" y="0"/>
+          <a:chExt cx="0" cy="0"/>
+        </a:xfrm>
+      </p:grpSpPr>
+      <p:sp>
+        <p:nvSpPr>
+          <p:cNvPr id="2" name="Titre 1"/>
+          <p:cNvSpPr>
+            <a:spLocks noGrp="1"/>
+          </p:cNvSpPr>
+          <p:nvPr>
+            <p:ph type="title"/>
+          </p:nvPr>
+        </p:nvSpPr>
+        <p:spPr/>
+        <p:txBody>
+          <a:bodyPr/>
+          <a:lstStyle/>
+          <a:p>
+            <a:r>
+              <a:rPr lang="en-CA" dirty="0" smtClean="0"/>
+              <a:t>Plan</a:t>
+            </a:r>
+            <a:endParaRPr lang="fr-CA" dirty="0"/>
+          </a:p>
+        </p:txBody>
+      </p:sp>
+      <p:sp>
+        <p:nvSpPr>
+          <p:cNvPr id="3" name="Espace réservé du contenu 2"/>
+          <p:cNvSpPr>
+            <a:spLocks noGrp="1"/>
+          </p:cNvSpPr>
+          <p:nvPr>
+            <p:ph idx="1"/>
+          </p:nvPr>
+        </p:nvSpPr>
+        <p:spPr/>
+        <p:txBody>
+          <a:bodyPr>
+            <a:normAutofit/>
+          </a:bodyPr>
+          <a:lstStyle/>
+          <a:p>
+            <a:r>
+              <a:rPr lang="en-CA" dirty="0" smtClean="0">
+                <a:solidFill>
+                  <a:schemeClr val="bg2"/>
+                </a:solidFill>
+              </a:rPr>
+              <a:t>Chip16</a:t>
+            </a:r>
+          </a:p>
+          <a:p>
+            <a:endParaRPr lang="en-CA" dirty="0" smtClean="0">
+              <a:solidFill>
+                <a:schemeClr val="bg2"/>
+              </a:solidFill>
+            </a:endParaRPr>
+          </a:p>
+          <a:p>
+            <a:r>
+              <a:rPr lang="en-CA" dirty="0" err="1" smtClean="0">
+                <a:solidFill>
+                  <a:schemeClr val="bg2"/>
+                </a:solidFill>
+              </a:rPr>
+              <a:t>Interprétation</a:t>
+            </a:r>
+            <a:endParaRPr lang="en-CA" dirty="0" smtClean="0">
+              <a:solidFill>
+                <a:schemeClr val="bg2"/>
+              </a:solidFill>
+            </a:endParaRPr>
+          </a:p>
+          <a:p>
+            <a:pPr>
+              <a:buNone/>
+            </a:pPr>
+            <a:endParaRPr lang="en-CA" dirty="0" smtClean="0">
+              <a:solidFill>
+                <a:schemeClr val="bg2"/>
+              </a:solidFill>
+            </a:endParaRPr>
+          </a:p>
+          <a:p>
+            <a:r>
+              <a:rPr lang="en-CA" dirty="0" smtClean="0">
+                <a:solidFill>
+                  <a:schemeClr val="bg2"/>
+                </a:solidFill>
+              </a:rPr>
+              <a:t>Recompilation </a:t>
+            </a:r>
+            <a:r>
+              <a:rPr lang="en-CA" dirty="0" err="1" smtClean="0">
+                <a:solidFill>
+                  <a:schemeClr val="bg2"/>
+                </a:solidFill>
+              </a:rPr>
+              <a:t>dynamique</a:t>
+            </a:r>
+            <a:endParaRPr lang="en-CA" dirty="0" smtClean="0">
+              <a:solidFill>
+                <a:schemeClr val="bg2"/>
+              </a:solidFill>
+            </a:endParaRPr>
+          </a:p>
+          <a:p>
+            <a:pPr lvl="1">
+              <a:buNone/>
+            </a:pPr>
+            <a:endParaRPr lang="en-CA" dirty="0" smtClean="0"/>
+          </a:p>
+          <a:p>
+            <a:r>
+              <a:rPr lang="en-CA" dirty="0" err="1" smtClean="0"/>
+              <a:t>Travaux</a:t>
+            </a:r>
+            <a:r>
+              <a:rPr lang="en-CA" dirty="0" smtClean="0"/>
+              <a:t> </a:t>
+            </a:r>
+            <a:r>
+              <a:rPr lang="en-CA" dirty="0" err="1" smtClean="0"/>
+              <a:t>futurs</a:t>
+            </a:r>
+            <a:endParaRPr lang="en-CA" dirty="0" smtClean="0"/>
+          </a:p>
+          <a:p>
+            <a:pPr lvl="1"/>
+            <a:endParaRPr lang="en-CA" dirty="0" smtClean="0"/>
+          </a:p>
+          <a:p>
+            <a:pPr lvl="1"/>
+            <a:endParaRPr lang="fr-CA" dirty="0"/>
+          </a:p>
+        </p:txBody>
+      </p:sp>
+      <p:sp>
+        <p:nvSpPr>
+          <p:cNvPr id="7" name="Espace réservé du numéro de diapositive 6"/>
+          <p:cNvSpPr>
+            <a:spLocks noGrp="1"/>
+          </p:cNvSpPr>
+          <p:nvPr>
+            <p:ph type="sldNum" sz="quarter" idx="12"/>
+          </p:nvPr>
+        </p:nvSpPr>
+        <p:spPr/>
+        <p:txBody>
+          <a:bodyPr/>
+          <a:lstStyle/>
+          <a:p>
+            <a:fld id="{CF4668DC-857F-487D-BFFA-8C0CA5037977}" type="slidenum">
+              <a:rPr lang="fr-BE" smtClean="0"/>
+              <a:pPr/>
+              <a:t>35</a:t>
+            </a:fld>
+            <a:endParaRPr lang="fr-BE"/>
+          </a:p>
+        </p:txBody>
+      </p:sp>
+    </p:spTree>
+  </p:cSld>
+  <p:clrMapOvr>
+    <a:masterClrMapping/>
+  </p:clrMapOvr>
+  <p:timing>
+    <p:tnLst>
+      <p:par>
+        <p:cTn id="1" dur="indefinite" restart="never" nodeType="tmRoot"/>
+      </p:par>
+    </p:tnLst>
+  </p:timing>
+</p:sld>
+</file>
+
+<file path=ppt/slides/slide36.xml><?xml version="1.0" encoding="utf-8"?>
+<p:sld xmlns:a="http://schemas.openxmlformats.org/drawingml/2006/main" xmlns:r="http://schemas.openxmlformats.org/officeDocument/2006/relationships" xmlns:p="http://schemas.openxmlformats.org/presentationml/2006/main">
+  <p:cSld>
+    <p:spTree>
+      <p:nvGrpSpPr>
+        <p:cNvPr id="1" name=""/>
+        <p:cNvGrpSpPr/>
+        <p:nvPr/>
+      </p:nvGrpSpPr>
+      <p:grpSpPr>
+        <a:xfrm>
+          <a:off x="0" y="0"/>
+          <a:ext cx="0" cy="0"/>
+          <a:chOff x="0" y="0"/>
+          <a:chExt cx="0" cy="0"/>
+        </a:xfrm>
+      </p:grpSpPr>
+      <p:sp>
+        <p:nvSpPr>
+          <p:cNvPr id="2" name="Titre 1"/>
+          <p:cNvSpPr>
+            <a:spLocks noGrp="1"/>
+          </p:cNvSpPr>
+          <p:nvPr>
+            <p:ph type="title"/>
+          </p:nvPr>
+        </p:nvSpPr>
+        <p:spPr/>
+        <p:txBody>
+          <a:bodyPr/>
+          <a:lstStyle/>
+          <a:p>
+            <a:r>
+              <a:rPr lang="en-CA" dirty="0" err="1" smtClean="0"/>
+              <a:t>Travaux</a:t>
+            </a:r>
+            <a:r>
+              <a:rPr lang="en-CA" dirty="0" smtClean="0"/>
+              <a:t> </a:t>
+            </a:r>
+            <a:r>
+              <a:rPr lang="en-CA" dirty="0" err="1" smtClean="0"/>
+              <a:t>Futurs</a:t>
+            </a:r>
+            <a:endParaRPr lang="fr-CA" dirty="0"/>
+          </a:p>
+        </p:txBody>
+      </p:sp>
+      <p:sp>
+        <p:nvSpPr>
+          <p:cNvPr id="3" name="Espace réservé du contenu 2"/>
+          <p:cNvSpPr>
+            <a:spLocks noGrp="1"/>
+          </p:cNvSpPr>
+          <p:nvPr>
+            <p:ph idx="1"/>
+          </p:nvPr>
+        </p:nvSpPr>
+        <p:spPr/>
+        <p:txBody>
+          <a:bodyPr/>
+          <a:lstStyle/>
+          <a:p>
+            <a:r>
+              <a:rPr lang="en-CA" dirty="0" err="1" smtClean="0"/>
+              <a:t>Assembleur</a:t>
+            </a:r>
+            <a:r>
+              <a:rPr lang="en-CA" dirty="0" smtClean="0"/>
+              <a:t> Chip16</a:t>
+            </a:r>
+          </a:p>
+          <a:p>
+            <a:endParaRPr lang="en-CA" dirty="0" smtClean="0"/>
+          </a:p>
+          <a:p>
+            <a:r>
+              <a:rPr lang="en-CA" dirty="0" smtClean="0"/>
+              <a:t>Recompilation </a:t>
+            </a:r>
+            <a:r>
+              <a:rPr lang="en-CA" dirty="0" err="1" smtClean="0"/>
+              <a:t>dynamique</a:t>
+            </a:r>
+            <a:endParaRPr lang="fr-CA" dirty="0"/>
+          </a:p>
+        </p:txBody>
+      </p:sp>
+      <p:sp>
+        <p:nvSpPr>
+          <p:cNvPr id="7" name="Espace réservé du numéro de diapositive 6"/>
+          <p:cNvSpPr>
+            <a:spLocks noGrp="1"/>
+          </p:cNvSpPr>
+          <p:nvPr>
+            <p:ph type="sldNum" sz="quarter" idx="12"/>
+          </p:nvPr>
+        </p:nvSpPr>
+        <p:spPr/>
+        <p:txBody>
+          <a:bodyPr/>
+          <a:lstStyle/>
+          <a:p>
+            <a:fld id="{CF4668DC-857F-487D-BFFA-8C0CA5037977}" type="slidenum">
+              <a:rPr lang="fr-BE" smtClean="0"/>
+              <a:pPr/>
+              <a:t>36</a:t>
+            </a:fld>
+            <a:endParaRPr lang="fr-BE"/>
+          </a:p>
+        </p:txBody>
+      </p:sp>
+    </p:spTree>
+  </p:cSld>
+  <p:clrMapOvr>
+    <a:masterClrMapping/>
+  </p:clrMapOvr>
+  <p:timing>
+    <p:tnLst>
+      <p:par>
+        <p:cTn id="1" dur="indefinite" restart="never" nodeType="tmRoot"/>
+      </p:par>
+    </p:tnLst>
+  </p:timing>
+</p:sld>
+</file>
+
+<file path=ppt/slides/slide37.xml><?xml version="1.0" encoding="utf-8"?>
+<p:sld xmlns:a="http://schemas.openxmlformats.org/drawingml/2006/main" xmlns:r="http://schemas.openxmlformats.org/officeDocument/2006/relationships" xmlns:p="http://schemas.openxmlformats.org/presentationml/2006/main">
+  <p:cSld>
+    <p:spTree>
+      <p:nvGrpSpPr>
+        <p:cNvPr id="1" name=""/>
+        <p:cNvGrpSpPr/>
+        <p:nvPr/>
+      </p:nvGrpSpPr>
+      <p:grpSpPr>
+        <a:xfrm>
+          <a:off x="0" y="0"/>
+          <a:ext cx="0" cy="0"/>
+          <a:chOff x="0" y="0"/>
+          <a:chExt cx="0" cy="0"/>
+        </a:xfrm>
+      </p:grpSpPr>
+      <p:sp>
+        <p:nvSpPr>
           <p:cNvPr id="3" name="Espace réservé du contenu 2"/>
           <p:cNvSpPr>
             <a:spLocks noGrp="1"/>
@@ -8109,6 +11666,30 @@
               <a:t>!</a:t>
             </a:r>
             <a:endParaRPr lang="fr-CA" sz="8800" dirty="0"/>
+          </a:p>
+        </p:txBody>
+      </p:sp>
+      <p:sp>
+        <p:nvSpPr>
+          <p:cNvPr id="7" name="Espace réservé du numéro de diapositive 6"/>
+          <p:cNvSpPr>
+            <a:spLocks noGrp="1"/>
+          </p:cNvSpPr>
+          <p:nvPr>
+            <p:ph type="sldNum" sz="quarter" idx="12"/>
+          </p:nvPr>
+        </p:nvSpPr>
+        <p:spPr/>
+        <p:txBody>
+          <a:bodyPr/>
+          <a:lstStyle/>
+          <a:p>
+            <a:fld id="{CF4668DC-857F-487D-BFFA-8C0CA5037977}" type="slidenum">
+              <a:rPr lang="fr-BE" smtClean="0"/>
+              <a:pPr/>
+              <a:t>37</a:t>
+            </a:fld>
+            <a:endParaRPr lang="fr-BE"/>
           </a:p>
         </p:txBody>
       </p:sp>
@@ -8237,6 +11818,30 @@
           </a:p>
         </p:txBody>
       </p:sp>
+      <p:sp>
+        <p:nvSpPr>
+          <p:cNvPr id="7" name="Espace réservé du numéro de diapositive 6"/>
+          <p:cNvSpPr>
+            <a:spLocks noGrp="1"/>
+          </p:cNvSpPr>
+          <p:nvPr>
+            <p:ph type="sldNum" sz="quarter" idx="12"/>
+          </p:nvPr>
+        </p:nvSpPr>
+        <p:spPr/>
+        <p:txBody>
+          <a:bodyPr/>
+          <a:lstStyle/>
+          <a:p>
+            <a:fld id="{CF4668DC-857F-487D-BFFA-8C0CA5037977}" type="slidenum">
+              <a:rPr lang="fr-BE" smtClean="0"/>
+              <a:pPr/>
+              <a:t>4</a:t>
+            </a:fld>
+            <a:endParaRPr lang="fr-BE"/>
+          </a:p>
+        </p:txBody>
+      </p:sp>
     </p:spTree>
   </p:cSld>
   <p:clrMapOvr>
@@ -8411,6 +12016,30 @@
           </a:p>
         </p:txBody>
       </p:sp>
+      <p:sp>
+        <p:nvSpPr>
+          <p:cNvPr id="7" name="Espace réservé du numéro de diapositive 6"/>
+          <p:cNvSpPr>
+            <a:spLocks noGrp="1"/>
+          </p:cNvSpPr>
+          <p:nvPr>
+            <p:ph type="sldNum" sz="quarter" idx="12"/>
+          </p:nvPr>
+        </p:nvSpPr>
+        <p:spPr/>
+        <p:txBody>
+          <a:bodyPr/>
+          <a:lstStyle/>
+          <a:p>
+            <a:fld id="{CF4668DC-857F-487D-BFFA-8C0CA5037977}" type="slidenum">
+              <a:rPr lang="fr-BE" smtClean="0"/>
+              <a:pPr/>
+              <a:t>5</a:t>
+            </a:fld>
+            <a:endParaRPr lang="fr-BE"/>
+          </a:p>
+        </p:txBody>
+      </p:sp>
     </p:spTree>
   </p:cSld>
   <p:clrMapOvr>
@@ -8445,6 +12074,57 @@
       </p:grpSpPr>
       <p:sp>
         <p:nvSpPr>
+          <p:cNvPr id="6" name="Bulle ronde 5"/>
+          <p:cNvSpPr/>
+          <p:nvPr/>
+        </p:nvSpPr>
+        <p:spPr>
+          <a:xfrm>
+            <a:off x="4572000" y="1988840"/>
+            <a:ext cx="4392488" cy="3744416"/>
+          </a:xfrm>
+          <a:prstGeom prst="wedgeEllipseCallout">
+            <a:avLst>
+              <a:gd name="adj1" fmla="val -67745"/>
+              <a:gd name="adj2" fmla="val 239"/>
+            </a:avLst>
+          </a:prstGeom>
+          <a:solidFill>
+            <a:schemeClr val="bg1"/>
+          </a:solidFill>
+          <a:ln>
+            <a:solidFill>
+              <a:schemeClr val="tx1"/>
+            </a:solidFill>
+          </a:ln>
+        </p:spPr>
+        <p:style>
+          <a:lnRef idx="2">
+            <a:schemeClr val="accent1">
+              <a:shade val="50000"/>
+            </a:schemeClr>
+          </a:lnRef>
+          <a:fillRef idx="1">
+            <a:schemeClr val="accent1"/>
+          </a:fillRef>
+          <a:effectRef idx="0">
+            <a:schemeClr val="accent1"/>
+          </a:effectRef>
+          <a:fontRef idx="minor">
+            <a:schemeClr val="lt1"/>
+          </a:fontRef>
+        </p:style>
+        <p:txBody>
+          <a:bodyPr rtlCol="0" anchor="ctr"/>
+          <a:lstStyle/>
+          <a:p>
+            <a:pPr algn="ctr"/>
+            <a:endParaRPr lang="fr-CA"/>
+          </a:p>
+        </p:txBody>
+      </p:sp>
+      <p:sp>
+        <p:nvSpPr>
           <p:cNvPr id="2" name="Titre 1"/>
           <p:cNvSpPr>
             <a:spLocks noGrp="1"/>
@@ -8506,7 +12186,7 @@
       </p:pic>
       <p:pic>
         <p:nvPicPr>
-          <p:cNvPr id="157700" name="Picture 4" descr="http://img.clubic.com/02183928-photo-ps3.jpg"/>
+          <p:cNvPr id="2050" name="Picture 2"/>
           <p:cNvPicPr>
             <a:picLocks noChangeAspect="1" noChangeArrowheads="1"/>
           </p:cNvPicPr>
@@ -8521,15 +12201,45 @@
         </p:blipFill>
         <p:spPr bwMode="auto">
           <a:xfrm>
-            <a:off x="5436096" y="2420888"/>
-            <a:ext cx="3112818" cy="3103240"/>
+            <a:off x="5580112" y="2420888"/>
+            <a:ext cx="2562225" cy="2838450"/>
           </a:xfrm>
           <a:prstGeom prst="rect">
             <a:avLst/>
           </a:prstGeom>
           <a:noFill/>
+          <a:ln w="9525">
+            <a:noFill/>
+            <a:miter lim="800000"/>
+            <a:headEnd/>
+            <a:tailEnd/>
+          </a:ln>
         </p:spPr>
       </p:pic>
+      <p:sp>
+        <p:nvSpPr>
+          <p:cNvPr id="12" name="Espace réservé du numéro de diapositive 11"/>
+          <p:cNvSpPr>
+            <a:spLocks noGrp="1"/>
+          </p:cNvSpPr>
+          <p:nvPr>
+            <p:ph type="sldNum" sz="quarter" idx="12"/>
+          </p:nvPr>
+        </p:nvSpPr>
+        <p:spPr/>
+        <p:txBody>
+          <a:bodyPr/>
+          <a:lstStyle/>
+          <a:p>
+            <a:fld id="{CF4668DC-857F-487D-BFFA-8C0CA5037977}" type="slidenum">
+              <a:rPr lang="fr-BE" smtClean="0"/>
+              <a:pPr/>
+              <a:t>6</a:t>
+            </a:fld>
+            <a:endParaRPr lang="fr-BE"/>
+          </a:p>
+        </p:txBody>
+      </p:sp>
     </p:spTree>
   </p:cSld>
   <p:clrMapOvr>
@@ -8538,9 +12248,152 @@
   <p:timing>
     <p:tnLst>
       <p:par>
-        <p:cTn id="1" dur="indefinite" restart="never" nodeType="tmRoot"/>
+        <p:cTn id="1" dur="indefinite" restart="never" nodeType="tmRoot">
+          <p:childTnLst>
+            <p:seq concurrent="1" nextAc="seek">
+              <p:cTn id="2" dur="indefinite" nodeType="mainSeq">
+                <p:childTnLst>
+                  <p:par>
+                    <p:cTn id="3" fill="hold">
+                      <p:stCondLst>
+                        <p:cond delay="indefinite"/>
+                      </p:stCondLst>
+                      <p:childTnLst>
+                        <p:par>
+                          <p:cTn id="4" fill="hold">
+                            <p:stCondLst>
+                              <p:cond delay="0"/>
+                            </p:stCondLst>
+                            <p:childTnLst>
+                              <p:par>
+                                <p:cTn id="5" presetID="1" presetClass="entr" presetSubtype="0" fill="hold" nodeType="clickEffect">
+                                  <p:stCondLst>
+                                    <p:cond delay="0"/>
+                                  </p:stCondLst>
+                                  <p:childTnLst>
+                                    <p:set>
+                                      <p:cBhvr>
+                                        <p:cTn id="6" dur="1" fill="hold">
+                                          <p:stCondLst>
+                                            <p:cond delay="0"/>
+                                          </p:stCondLst>
+                                        </p:cTn>
+                                        <p:tgtEl>
+                                          <p:spTgt spid="157698"/>
+                                        </p:tgtEl>
+                                        <p:attrNameLst>
+                                          <p:attrName>style.visibility</p:attrName>
+                                        </p:attrNameLst>
+                                      </p:cBhvr>
+                                      <p:to>
+                                        <p:strVal val="visible"/>
+                                      </p:to>
+                                    </p:set>
+                                  </p:childTnLst>
+                                </p:cTn>
+                              </p:par>
+                            </p:childTnLst>
+                          </p:cTn>
+                        </p:par>
+                      </p:childTnLst>
+                    </p:cTn>
+                  </p:par>
+                  <p:par>
+                    <p:cTn id="7" fill="hold">
+                      <p:stCondLst>
+                        <p:cond delay="indefinite"/>
+                      </p:stCondLst>
+                      <p:childTnLst>
+                        <p:par>
+                          <p:cTn id="8" fill="hold">
+                            <p:stCondLst>
+                              <p:cond delay="0"/>
+                            </p:stCondLst>
+                            <p:childTnLst>
+                              <p:par>
+                                <p:cTn id="9" presetID="1" presetClass="entr" presetSubtype="0" fill="hold" grpId="0" nodeType="clickEffect">
+                                  <p:stCondLst>
+                                    <p:cond delay="0"/>
+                                  </p:stCondLst>
+                                  <p:childTnLst>
+                                    <p:set>
+                                      <p:cBhvr>
+                                        <p:cTn id="10" dur="1" fill="hold">
+                                          <p:stCondLst>
+                                            <p:cond delay="0"/>
+                                          </p:stCondLst>
+                                        </p:cTn>
+                                        <p:tgtEl>
+                                          <p:spTgt spid="6"/>
+                                        </p:tgtEl>
+                                        <p:attrNameLst>
+                                          <p:attrName>style.visibility</p:attrName>
+                                        </p:attrNameLst>
+                                      </p:cBhvr>
+                                      <p:to>
+                                        <p:strVal val="visible"/>
+                                      </p:to>
+                                    </p:set>
+                                  </p:childTnLst>
+                                </p:cTn>
+                              </p:par>
+                              <p:par>
+                                <p:cTn id="11" presetID="1" presetClass="entr" presetSubtype="0" fill="hold" nodeType="withEffect">
+                                  <p:stCondLst>
+                                    <p:cond delay="0"/>
+                                  </p:stCondLst>
+                                  <p:childTnLst>
+                                    <p:set>
+                                      <p:cBhvr>
+                                        <p:cTn id="12" dur="1" fill="hold">
+                                          <p:stCondLst>
+                                            <p:cond delay="0"/>
+                                          </p:stCondLst>
+                                        </p:cTn>
+                                        <p:tgtEl>
+                                          <p:spTgt spid="2050"/>
+                                        </p:tgtEl>
+                                        <p:attrNameLst>
+                                          <p:attrName>style.visibility</p:attrName>
+                                        </p:attrNameLst>
+                                      </p:cBhvr>
+                                      <p:to>
+                                        <p:strVal val="visible"/>
+                                      </p:to>
+                                    </p:set>
+                                  </p:childTnLst>
+                                </p:cTn>
+                              </p:par>
+                            </p:childTnLst>
+                          </p:cTn>
+                        </p:par>
+                      </p:childTnLst>
+                    </p:cTn>
+                  </p:par>
+                </p:childTnLst>
+              </p:cTn>
+              <p:prevCondLst>
+                <p:cond evt="onPrev" delay="0">
+                  <p:tgtEl>
+                    <p:sldTgt/>
+                  </p:tgtEl>
+                </p:cond>
+              </p:prevCondLst>
+              <p:nextCondLst>
+                <p:cond evt="onNext" delay="0">
+                  <p:tgtEl>
+                    <p:sldTgt/>
+                  </p:tgtEl>
+                </p:cond>
+              </p:nextCondLst>
+            </p:seq>
+          </p:childTnLst>
+        </p:cTn>
       </p:par>
     </p:tnLst>
+    <p:bldLst>
+      <p:bldP spid="6" grpId="0" animBg="1"/>
+    </p:bldLst>
   </p:timing>
 </p:sld>
 </file>
@@ -8623,9 +12476,90 @@
           <a:noFill/>
         </p:spPr>
       </p:pic>
+      <p:sp>
+        <p:nvSpPr>
+          <p:cNvPr id="5" name="Bulle ronde 4"/>
+          <p:cNvSpPr/>
+          <p:nvPr/>
+        </p:nvSpPr>
+        <p:spPr>
+          <a:xfrm>
+            <a:off x="4932040" y="2132856"/>
+            <a:ext cx="3888432" cy="3600400"/>
+          </a:xfrm>
+          <a:prstGeom prst="wedgeEllipseCallout">
+            <a:avLst>
+              <a:gd name="adj1" fmla="val -62627"/>
+              <a:gd name="adj2" fmla="val -421"/>
+            </a:avLst>
+          </a:prstGeom>
+          <a:solidFill>
+            <a:schemeClr val="bg1"/>
+          </a:solidFill>
+          <a:ln>
+            <a:solidFill>
+              <a:schemeClr val="tx1"/>
+            </a:solidFill>
+          </a:ln>
+        </p:spPr>
+        <p:style>
+          <a:lnRef idx="2">
+            <a:schemeClr val="accent1">
+              <a:shade val="50000"/>
+            </a:schemeClr>
+          </a:lnRef>
+          <a:fillRef idx="1">
+            <a:schemeClr val="accent1"/>
+          </a:fillRef>
+          <a:effectRef idx="0">
+            <a:schemeClr val="accent1"/>
+          </a:effectRef>
+          <a:fontRef idx="minor">
+            <a:schemeClr val="lt1"/>
+          </a:fontRef>
+        </p:style>
+        <p:txBody>
+          <a:bodyPr rtlCol="0" anchor="ctr"/>
+          <a:lstStyle/>
+          <a:p>
+            <a:pPr algn="ctr"/>
+            <a:endParaRPr lang="fr-CA"/>
+          </a:p>
+        </p:txBody>
+      </p:sp>
+      <p:sp>
+        <p:nvSpPr>
+          <p:cNvPr id="32770" name="AutoShape 2" descr="data:image/jpeg;base64,/9j/4AAQSkZJRgABAQAAAQABAAD/2wCEAAkGBxQSEhUUExQWFRUXFxcXFxgUFRgVHRQXFBcXFhwXFhgYHCggGBwnHBYVITEhJSkrLi4uFx8zODMsNygtLisBCgoKDg0OGhAQGiwkHCQsLCwsLCwsLCwsLCwsLCwsLCwsLCwsLCwsLCwsLDcsLCwsLCwsNywsLCwsLCwsLCwrLP/AABEIALcBFAMBIgACEQEDEQH/xAAcAAEAAgMBAQEAAAAAAAAAAAAABAUDBgcCAQj/xABGEAABAwEEBgcECAQEBgMAAAABAAIDEQQFEiEGMUFRYXEHEyIygZGhYrHB0SMzQlJykqLwFILh8UOjstIkNFNjwuIVVHP/xAAZAQEBAQEBAQAAAAAAAAAAAAAAAQIDBAX/xAAlEQEBAAICAgEEAgMAAAAAAAAAAQIRAxIhMQQTIkFxUfAFYbH/2gAMAwEAAhEDEQA/AO4oi8veAKkgDeTRB6RU1t0qskXenZXcw4z5MqqaTpHsoNAyZw3hjfi4H0RdVuSLRn9J1mH+FP5R/wC9YX9KUOyCTxc0e6qGq39FzaXpVH2bN5y/AMUSXpSmPdgjH4i53uomjTqiLj8nSPa3Gg6pnEMOX5iVin0rtTtdtAHsNp5YW1V0adlUa02+KPvyMZ+J7W+8riU96uf9ZaZ5OALqfqIVXPn3Gu/m/uml07Ta9NrFH/jBx3MDn+oFPVUlr6S4h9VC93F5DB6VXLmwPP8Af5KTHYHDvZcxT1NFdGm4WrpAtL+7gjHsjEfN3yVJbtKLec2Wl4O6jM+XZyVeBG3vSMHORvwU6x2uysIc6aEgEEjtOqAcx3VdRVNJpxeANDaZAR+H5KRZOki8GH6/HwfGw+5oPqo2kVrssxc5mWsigpny3LV00y63cvS8chaoRT78Jp+hx+K6Bcuk1ltY+hma4/cPZeP5XZr8y4l7ZKQag0I1EbFOqP1ei/P9w9I9ss9AX9cwfZl7WXB/eHmV0S4ulKyTUbMHWd/tdpn5wMvEBTQ3xFis1pZI0OY5r2nUWkOB8QsqgIiICIiAiIgIiICIiAiIg0zTrSmSzERQ0DyAXPNDgDq0AByqaHM7lzG326WY1lke8+04nyByCuOkq3YLzfXNvVxtcN4pXLiK1CpZG0OuoIqCNoOoqyOkYGlew9eHLwVoTmsY8Zih3hYn3OdbTiG4ZH1yUUPop1kttFRiN3sGRLmn2+z6kUUyG5WHPrIh+KZg+KtbLagR81INiifrjbXlT3K9f4FYy5IB3rVZxyeX+5S4LrsX/wBnF/8AnC8/BSIrujH2G+QKltaAKUoOCdKMJsdhYK0mkO7Jg9VAtFrjH1VmjbxeXSH1IHorKSEKFPZ06iqtFslIzfhHsARj9ICqpQNpr6q2tNkB1kg7No8tnNVs8Bbr+YPIppmqyeJtCe15ZKDI5gqKZ7NnuJqrSaGqjG78VTmKbhX1rQJplV4+A9fmvmPePL+qmSWZoPzdX/QPivADdQaD4H/cgwYNoz5bOY2L4xtTQKVHd7zm2OU8Q0/AL2+7Jv8Aoyc8DvkgiuhcNYPkvIKkYXN77Xj8zSOVU6thBOM15AHxqfdVBIuu+Z7M7FDK+M+yaA8xqPiF0G4elqRtG2qISD78fYd4tPZPhRcvkiLdhpsJFF8a5SwfpS49LLJa6CKZuI/Yd2HflOvwqrxflNr1tVw6f2yzUAk6xg+xLV4pwd3h50WbiP0Ei1DRHT6G2uEZBimIyaTUPpmcDtp4HPmtvWQREQEREBERAREQfn7pTmreU/Dqx/ls+arrktOMdS4564zx2sPA7OPNWnS7Z8F5SH77I3/pw/8AitNa+hBGsZq4ttlJWNyytnE0fWjviglHHZIOB28ViK0PBK+tchC8EoJlntRCubJeQpmVrFaL7LE5zNoB1HkrKbbjZ7f1jqMqTwFfIKdZ543HCXOB1Zhv+muL0Wt6NWkhhiYA17mgOJdnIKkkMNKgUw1AzyU60dZGMsvwdkeNM3eJWt2m1zaA6M0eOR2HkVhc4FUR0gdZyyORokbK8Dqq9oBxzkbtbTXXbTxE/rwHHCezU0ru2Ky7Ns00SrZoiOI2g6j+96snWltMzRVV43jGzvVr90d7x2N9/BKIwiqaMZUnYAXeQzWaW72tztErWewPpH/lGTfEhVU9+yEFrKRtOxms/iccyqC3XuYnZAONK9rMbdlc1ms7bU6Sz1pFA6Q75CT+hmXqV6lnljGfVWcccEf/ALL3LdVo7ktsETP+yxsLR39ZFDrZ6qnbZbtYSZJC4gtqXylxdSWRjh9GBTssa7XqeE9M9nue/mfatTnfgbI730Cw2u9MDBJ/xGBxAD3MwtJcC4UJdU5AnJZjft3QlpigL6HXgaCBhIrV57WZGRyFCVrl9aRz2loY930TSMEYDQGBgLWjIVJDTSu3JS5EtbBHeTiAWvJBFRmfcsUkgd3mtPhT1ChWEUjZ+EeufxWcFaXb0YG0oHOaDsBqPJYxd42P/T/VZQVlagwNu4ffPg35lZY7Aze4+IHwWULJUNALjQHVvdyCKn6PGOz2iOY1pG4PIGshuZpXbRdouDSuy2wfQygu1ljuy8fynX4VXAJ5jJk0UHmTzSzWWRhDmhzSDUOFW0O8FYsH6aRVmjNqfLZYXyGr3MGI73DIn0VmsIIiICIiAiIg4j06w4bXBJsfDhP8jz/vC50v0hp3oy28LK6LISN7UTj9l42HgdR512L83GN0bnRvBa5pIIORBBoQeIVlalTrqtpheHUq3U5v3mnWP3tV5aog0gtOJjhiY7e07+I1HiFhtFx47OyaLXTtt5ZYm/ELHcd4RhphtBc2M5seBiMT99NrTtA3LSvTivBKnyXU7XE+OZuwxvB/SSCFCns7295pHMKjDiXoTGmGppuWEu2L6ctbmt5uB9BUoyyh/wC+W7cUljMnfmnI3GVxHqo/8RGNbnO/C2nq4/BBeYb3YxzeS70FAgsLHY2MNWNq47c3ONeOtSZ7YGd5wB3A4neQNB4lUM94yPyLqDc3sjyCjBaTa2tF7OOTOyN9auPjs8KKvJWOq+tKJbtkqqe+WZtO8EeX91cOYaVoab6KBebKsPA1WcvMSKiSUuNXEuO9xJ9St3uO744WMlGIOdAXGSjX4SaVDGEAA0NAa71o1Fslh0g+jMTmOp1XVjDn2gCAaZUBBz5BefPC5aTLLLHzjNo2kXV4YxE1oGHN1O05xrXGa5n5qkArkrN1iml1toN7slIs12BhqTiPDUPmvRZjv7fSzc93a0stmc9wYwVOQAC2l3R9aurxjATSuDFQ+Fcqr5oBGG9bOaVbRrS7U0nMuPADM8iru+JrLK04ZJHTjBhmjLy5jpGl7HEijQ2jaluoDYrW5PDn7oXNdgLSHVw0IoQ6tKEc10u6LqZBHgZAyaWgLzIQ1rSRXCXYXGtNgB2asq6pbrR1lrsMzwA6WOB8myr+02tOOFq2atoL3BpmDesxUZGwanuLqyPdmHAt1A5AIsjXtI7LGWPlji/h3xvDJ4aghuMVZIw6sJp/QLRJLc7rD2+AzrkN3Bb/AH/ZnwQvEjqumMTWhz+scWQYnFz3UGeJ4H9lz2QVe7mjNbLdV8SAZPI5U+CzutbnuzxOPGvvKr7tZkp9nHaUtaxdz0SiLbHADrwA/mJd8VbqNdsWCKNv3WNHk0BSVzZoiIgIiICIiAuN9NOimFwt0TciQ2YDY7U2Tx7p403ldkWC3WRk0b45GhzHtLXA7QRQoOLaLvrZxwPvAVVf2jZeS+GgJzLTln7J1eC2CyWZlhnlssrqCowPOre0u3VafMKReMLm5kZbCMweIIyK6yyxtym2XdNGc2PHECvq1Vr5n7XO8SV0G8DtVQ5oJz9VGbGrxPNdfqpzVs1mYG7B5BWtlsskvdiLxtOHIcycgkOrR0otlvtrGAtLGF29oAp4t1+5ayTqG8geZoqlml7o3o7La3UZRrdrj8BtW2T9GZpSO0sdJTuObhr4gkjyU67Xsggjjx9SwtxSSVwlrKhoaDsc4mldlHHXQqPe0N3yAsjaBMJOqbLAw445QA7EZRm4DKpqflMlkc+t1jfDI6ORpa9poQdnz5rbdCLnjwfxMzcQBAYwCpe4mgDRtJP7GtV+mNpM8NjtDh9LJZ+2dWIscQHHnmr6xSPbZbKYThPVSFrurdIGSnAAS1oOeF0tKimtJSTy2W9LwtDIy42SCSEDtxB5MmAayKswOIGdPIrm2l12xxSMkgzgnjEsddgdraeR37wt1khtMxcQ60OGNkjRRsDOw2mAkkuwk5kbVp+lMXVts1mNC6zw0fTMB8jsZaOQwqLWtxlg1NaeQJ9yz/xLtjaeQ9+a9BqyMaNtfCnzUyz6xvh4MuW6lk/d0jkvOs/H5L11XEn09yn2GwPmfhjaTz2De47AtpZccNmZikAlfsBIaK7gHGnn5LWP3TbPJx9MrjuX9Img+FzJYSS2rg8ODQ4UphIOIFp25HetqFmh7r3SvbShq7C0gCncZQEbFQt0joMIgDXahnUDjQDNVQtU7KuL3NNScUlcPJrcqreklZL7uuaWUva0NaKCNrXDsNZQNA8q86q1ivy0tYBJAHuApiD6A8S0Kzu+USxhwzqO9TDi4gbln6kbk6q1yz3bJaX9dachsYMst1Pst9Sp40cs3/RbzNffVWxCZq6FeLiiGqMAcCfmsQuKKtQHA8DX31VtiK9F+8fvxTQ2OzaV6g+PxafgfmrayX3DJkH0O53Z9+RWiVXqGBzzQD+nNYuETTpVUVDo9GYzhLnEEaicgeA2bVfLnWaIiKAiIgIiIOPdLkeC2MdsfE0+LXOHuAWvWa8Hsb9HIQNoBy8WnJbn00Wf/lpOL2n9Lh8VpT4WuaCQCaa6Z+asbigvq9Zic3fpA9wVXDbn11qZe8AByr5n4lVsMWe3zWma2m572kBFMI44Gn3hbJJejnj6SQu3CpPk0fJafdVmBIyrzJPxW3xRBrMgBlsFFdri1W9nl7tVBx1+A2ePkqSaOmYrUUOvdmr6395V3VqJXRbpiZbIY5GvZkxrHNfGJKOjJIIBOThid4FXP/x0eF5mmkLMy/MQtNRmSIwA7LJcpsEskLsUT3MJ14TkeY1FTLXeEsoHWSOcBsJy8hkrtdsukltbNKOrGGKNojibuYyvvJJU3RTSR1kb1b2l0datwmjmcKHIjxFFU2ayukNI2OedzGl58mgq/sOg1ul1WdzRvkLY/QnF6LO0WVu04AB6lj8R1OkOTa01NBNdS0uUl7i5xJcTUk7SdpXRLD0VTO+tnjZwY10h8zhHvWw2HoxsjPrHSyn2n4B5RgH1TZa4wW0VlddxyzuAa0tbrL3AgU4H7XILtpuqyWRtYrPEH/Z7IJPEuNTTxVXM8uJc7M/vVuCs8imu66mWZmBoz1ucdbjvPyVZfF2OkNRGHkHLE6gz3iua3OBzHjCQCRv28l4ksLdlW+q1MteFcwtmiE87sJLIYtbg01JP73nwV3d+iEMQGLFIR985eQAr4rap7IWitQR7vBRwKmg25K7hpiwryVdR3c0DtAk1z2UVbf5js8Rmd2WgtBpnXEaCgU7RWuX1pCyA4A3G7bnQN4E0OfBeLmv/AK92F0dK6nMdiGQrmCK/3G9Z2SWa1VIwvNM9bTT2hkSFMsdljiFI2NZXXhFK8ztWevJ23vw9v1fj/R69L3/nf9/4kUXl5AFSQBvJp6r6XLXb7DnOzJaGjsnAXtqdeINzaaUoaHWV2/D53Jn0x2voLQx3dc11NeFwPnRSW2l+puQ3DJc4uh5612Fr3yAHCe62rqgPe51CG6yBTOi3exPew1dQimfzXHmzyx47ljN2emvjZfVv3eE99okFCHuBG0EhWVivy0NAq5rx7Yz82qrtELnNc0kBppq15GtK7NS8wsDGhmItGzOus0yrvK+TPl8/LxWTrM5fM/0+heDjxy8+ZW12fSllcMrDGd47Q57/AEV7BM14DmkOB1EGoXOHWMvcDUk0Az8cvVSbmvB0D6tNWnvN2EfNev4nyMefj3L5/Lzc/D0y06Ei8xvBAI1EVHivi9DzvaIiDRemGMGxMcfszM/UHD5LnjG9gcl2DTW5DbbHJACA40c2urEwhwB3A0p4riU1mns5MbqgtyLJRWnI66eYSXTWKnvpmarIG5qbedpcdbQOTvmAoEVooe76ha2lbNc8eYWzzNoxabdtvfXssHi75BWtplmkAbiOeQbGKV4ZVcfNNtxW22YdYGDtOJAoNlTTP5Lolp6JHdYOrtLRHQVxxkuB20AIBC+dH/R05kjbRam4cJDo4tpcMw6Tdvpr3029WWWLXPrD0UWdv1s0snBuGMegJ9VsNh0KsMXds0ZO+QGU/wCYTRbAiI8RRNaKNAaNzQAPIL2iIC8TShrSTqC9qovObE7CNQ18T/RBX2t5eS46z6DcFCkarEx1VXfd4ss7CSe1sC1K0qr6togFa9r3KRdV+/xDQdu3jxXMb/vd0ziSctyxXJa53ysihdRzjr2NA1uPACq6eGduwWiajab/AHLQb60ge6QNicWMDh2hrcQa15ZZBbXO04cOIk4aVOvVSqrLvueNzMwKjJwOw7irpp4s2nc00cn1eNjSQad6hoajYcwVr9rvzrmyCeTGCG4WmmXZBOEDifRYL5utsLnGMBtag0yqCqCMUNAMzllrPzUk0lySLsjexwc0kEGo+XFdMi1Kg0duN+T5WkfdYdZ4kbBw1qZe1/shOFoD3DXnkDu4rU8EXCj2uUsaSBU0yG9U1h0ie85tZTlT3FXP8YxwzaRyNfQrcp7c0vZsjgZHObJiIJfiBLfYLCcTKE0pSmSu9FLa/CGNcX5knWRGMgBU7ScRpwWyzXXZpDVzGOPtNz81LgszGDCxrWjc0AD0XbPmmWPXTnhxXHLe2WzTu6sNIzGo5atyiW2GR7g47GgDMClCTX1U1pXoFfJw/wAfxY8t5Zvd3+vL335OVw66Y4hISCXAEa8ydSyWazUIAzr+6lfDKBtHx8tazWtro4XPPZr2RXXnuGzILfF8Xi4N9JrbHJz58mpk3e4pg+BpGrtAcmuLfgihaFmtjjJ2l9OWNyLTzX2vUREBQbzuiG0Ck0bX7iRmOThmPBTkQaBefRPY5TVr5o+Ac1w/U0n1VYOheGv/ADMn5GrqSIu2h3d0W2WPvPmfwJa0fpbX1W13Zcdns/1UTWn71Ku/Mc1YohsRERBERAREQYrTLhaT5c1Thqm3i+pA3Z+JVZb7a2Fhe46tXFFjBfF5Ms7C469gXItIr5dM4knLcpukt9OmeSTlsWqWiSq6SaS1HmfVdE0AubqoeucO3KMvZj1j82vlRaXo3df8VaWRfZ7z/wADdfnk3+ZdiLKZDIaslqJjGAtWF9mB57waHzGalOC8FabVk9yxP7wceb3fNZLHdsUX1cbWneBn4uOalvK1S/L7xVjjNG7T97hySiTf1/gAxwng5+/2W8OO1aLa5+0pdokyUCyWKS0TMiiFXvcGtHPadwAqSdwWbWb5T7tnoVs1mnqFbzdD7msb1VpBkp2sbSGl1M8JByFd4K1u8dFLzspr1JkYK1dF9Ju2Dt+iTMnhf2GLrDQFT5rsoM3ivCpWqaNX0504hka5jzsIpSmZqMiNRW3zOzW97aVclgOyR378V7s911Ob3n+YqUVMsTUEu7LvZHqAHHb5rxf8JmkgszTQvdU8BTM+DQ5T4CoWjcvXXlI7WI43Ac6tb/uXGjd7NZ2xsaxoo1oAA3AZIsqLDIiIgIiICIiAiIgIiICIiAiIgpL4tQjLidw9y5dpTfL5XUOQGoLrt63cJm0rQ7/muf3j0fWmR+T4Q3fV3uwrUsjX4cztD1KuDRm029+GBnYrR0rsmM5n7R4Cp5Lq1y9GNmjIdOTaHbiMDPyg1d4kjgt2iibG0NaA1rRkGgAADcBqU2xppF16LQ3ezq4+3IQDLK4ZvOxo+60buOdSs72KfOcTi7eVHexajciE5qxOUx7VqWld8YKxMPaPeI2ezzW5VQdIr5xExxnsjvEfaO7ktbkejnLC1jpHtYwFz3ENaBrJOQClrNZrruua2TCGFtXHMk5BjRrc47AP3muy6FaCxXfWTF1szhQvIADRtDBsrvJ2KZoTowywwBuRlfQyv3u+6PZGoeJ2rYlzt2giIoKLSqmBmQxF2RoKgAEmh2bFqUwWz6VPq+Nu4OPnhA+K1yYLth6VEa3NT7OKKIxSMdAulK93hbuqic7bSg5lZui2z9meU/ac1g/lBcf9QWnaR3hiIYNQ1rqGhNh6mxxAihcMbub+17qDwXDNb6XqIiwyIiICIiAiIgIiICIiAiIgIiICIiAo14PpGeOXmpKgXseyBx+H9UIqCsbgspCgXxeDbPGXu8B947gttqrSi+BZ2UH1ju6N3tFc3kkJJJzJzJUi8ba6aRz3mpPoNwUKRyqVjmeun9FGiuAC2TN7Th9CD9lp1yczqHDmta6PtEzbZeslH/DxntV/xXDPAOG/y2rt7W0yCxay+oiKAiIg1bSF1Z6bo2+rnFUk6t76P08nAMH6Qfiqa0Fd8PSsCg3rbw0FZbTPhC1C97biNFvK6iyJdxWI2u1Rx/ff2uDB2negPmu8tFNS5v0R3TlJaXDX9HHyGbz50HgV0lea1KIiKIIiICIiAiIgIiICIiAiIgIiICIiAoF7am8/gp6g3xEXRGmzPy/uhFFbrYyJpc80A9eQXLtIr4daZKnJoya3cPmrvSYEnMnxWpytoeO75rfptidkrbRPRmS3y0FWxNp1j93st3uPprPGbonodLbXB7qxwVzeRm/hGDr56hx1Lsl2XdHZ42xRNDWN1AepJ2k71m1K9XdYWQRtiiaGsaKAD95nbVSURRkREQEREGpXuPp5f5f9DVQW6aiu9JJernfXU5rSPAYfgtBv6+mitF3x9KiXxeOwKpumwPtU7IY83PNK/dGsuPACpVe+0mR2+poAM612ALtvRzol/BxdbKPp5B2v+2zWGDjtPGg2Lnlls22m67CyCJkUYo1jQ0cabTxJqTzUpEWEEREBERAREQEREBERAREQEREBERAREQEIREGq37oaJzWOUx11imIeGYIUa5+jqzxODpSZyNTXDCzxb9rxNOC+Ii7rcmMAFAKAagNi9IiIIiICIiAiIgp9JLn/AIhnZye2uEnbXYVxq+9H5zL1QjJkrTCHM95cB6oiXKyaWN46P+jr+FcJ7VhdMM2Mbm2LiT9p/oNm9dFREQREQEREH//Z"/>
+          <p:cNvSpPr>
+            <a:spLocks noChangeAspect="1" noChangeArrowheads="1"/>
+          </p:cNvSpPr>
+          <p:nvPr/>
+        </p:nvSpPr>
+        <p:spPr bwMode="auto">
+          <a:xfrm>
+            <a:off x="155575" y="-1265238"/>
+            <a:ext cx="3971925" cy="2638426"/>
+          </a:xfrm>
+          <a:prstGeom prst="rect">
+            <a:avLst/>
+          </a:prstGeom>
+          <a:noFill/>
+        </p:spPr>
+        <p:txBody>
+          <a:bodyPr vert="horz" wrap="square" lIns="91440" tIns="45720" rIns="91440" bIns="45720" numCol="1" anchor="t" anchorCtr="0" compatLnSpc="1">
+            <a:prstTxWarp prst="textNoShape">
+              <a:avLst/>
+            </a:prstTxWarp>
+          </a:bodyPr>
+          <a:lstStyle/>
+          <a:p>
+            <a:endParaRPr lang="fr-CA"/>
+          </a:p>
+        </p:txBody>
+      </p:sp>
       <p:pic>
         <p:nvPicPr>
-          <p:cNvPr id="159748" name="Picture 4" descr="http://t0.gstatic.com/images?q=tbn:ANd9GcRLp1qIYuf8by_G65yY6KgZ9fMsUaV03gV0LGRDzFXeYhFI9J4Dug"/>
+          <p:cNvPr id="32772" name="Picture 4" descr="http://operationrainfall.com/wp-content/uploads/2012/10/Original-Nintendo-64.jpeg"/>
           <p:cNvPicPr>
             <a:picLocks noChangeAspect="1" noChangeArrowheads="1"/>
           </p:cNvPicPr>
@@ -8640,8 +12574,8 @@
         </p:blipFill>
         <p:spPr bwMode="auto">
           <a:xfrm>
-            <a:off x="5508104" y="3068960"/>
-            <a:ext cx="3171008" cy="2297832"/>
+            <a:off x="5364088" y="2924944"/>
+            <a:ext cx="2963813" cy="1968769"/>
           </a:xfrm>
           <a:prstGeom prst="rect">
             <a:avLst/>
@@ -8649,6 +12583,30 @@
           <a:noFill/>
         </p:spPr>
       </p:pic>
+      <p:sp>
+        <p:nvSpPr>
+          <p:cNvPr id="11" name="Espace réservé du numéro de diapositive 10"/>
+          <p:cNvSpPr>
+            <a:spLocks noGrp="1"/>
+          </p:cNvSpPr>
+          <p:nvPr>
+            <p:ph type="sldNum" sz="quarter" idx="12"/>
+          </p:nvPr>
+        </p:nvSpPr>
+        <p:spPr/>
+        <p:txBody>
+          <a:bodyPr/>
+          <a:lstStyle/>
+          <a:p>
+            <a:fld id="{CF4668DC-857F-487D-BFFA-8C0CA5037977}" type="slidenum">
+              <a:rPr lang="fr-BE" smtClean="0"/>
+              <a:pPr/>
+              <a:t>7</a:t>
+            </a:fld>
+            <a:endParaRPr lang="fr-BE"/>
+          </a:p>
+        </p:txBody>
+      </p:sp>
     </p:spTree>
   </p:cSld>
   <p:clrMapOvr>
@@ -8657,9 +12615,152 @@
   <p:timing>
     <p:tnLst>
       <p:par>
-        <p:cTn id="1" dur="indefinite" restart="never" nodeType="tmRoot"/>
+        <p:cTn id="1" dur="indefinite" restart="never" nodeType="tmRoot">
+          <p:childTnLst>
+            <p:seq concurrent="1" nextAc="seek">
+              <p:cTn id="2" dur="indefinite" nodeType="mainSeq">
+                <p:childTnLst>
+                  <p:par>
+                    <p:cTn id="3" fill="hold">
+                      <p:stCondLst>
+                        <p:cond delay="indefinite"/>
+                      </p:stCondLst>
+                      <p:childTnLst>
+                        <p:par>
+                          <p:cTn id="4" fill="hold">
+                            <p:stCondLst>
+                              <p:cond delay="0"/>
+                            </p:stCondLst>
+                            <p:childTnLst>
+                              <p:par>
+                                <p:cTn id="5" presetID="1" presetClass="entr" presetSubtype="0" fill="hold" nodeType="clickEffect">
+                                  <p:stCondLst>
+                                    <p:cond delay="0"/>
+                                  </p:stCondLst>
+                                  <p:childTnLst>
+                                    <p:set>
+                                      <p:cBhvr>
+                                        <p:cTn id="6" dur="1" fill="hold">
+                                          <p:stCondLst>
+                                            <p:cond delay="0"/>
+                                          </p:stCondLst>
+                                        </p:cTn>
+                                        <p:tgtEl>
+                                          <p:spTgt spid="159746"/>
+                                        </p:tgtEl>
+                                        <p:attrNameLst>
+                                          <p:attrName>style.visibility</p:attrName>
+                                        </p:attrNameLst>
+                                      </p:cBhvr>
+                                      <p:to>
+                                        <p:strVal val="visible"/>
+                                      </p:to>
+                                    </p:set>
+                                  </p:childTnLst>
+                                </p:cTn>
+                              </p:par>
+                            </p:childTnLst>
+                          </p:cTn>
+                        </p:par>
+                      </p:childTnLst>
+                    </p:cTn>
+                  </p:par>
+                  <p:par>
+                    <p:cTn id="7" fill="hold">
+                      <p:stCondLst>
+                        <p:cond delay="indefinite"/>
+                      </p:stCondLst>
+                      <p:childTnLst>
+                        <p:par>
+                          <p:cTn id="8" fill="hold">
+                            <p:stCondLst>
+                              <p:cond delay="0"/>
+                            </p:stCondLst>
+                            <p:childTnLst>
+                              <p:par>
+                                <p:cTn id="9" presetID="1" presetClass="entr" presetSubtype="0" fill="hold" nodeType="clickEffect">
+                                  <p:stCondLst>
+                                    <p:cond delay="0"/>
+                                  </p:stCondLst>
+                                  <p:childTnLst>
+                                    <p:set>
+                                      <p:cBhvr>
+                                        <p:cTn id="10" dur="1" fill="hold">
+                                          <p:stCondLst>
+                                            <p:cond delay="0"/>
+                                          </p:stCondLst>
+                                        </p:cTn>
+                                        <p:tgtEl>
+                                          <p:spTgt spid="32772"/>
+                                        </p:tgtEl>
+                                        <p:attrNameLst>
+                                          <p:attrName>style.visibility</p:attrName>
+                                        </p:attrNameLst>
+                                      </p:cBhvr>
+                                      <p:to>
+                                        <p:strVal val="visible"/>
+                                      </p:to>
+                                    </p:set>
+                                  </p:childTnLst>
+                                </p:cTn>
+                              </p:par>
+                              <p:par>
+                                <p:cTn id="11" presetID="1" presetClass="entr" presetSubtype="0" fill="hold" grpId="0" nodeType="withEffect">
+                                  <p:stCondLst>
+                                    <p:cond delay="0"/>
+                                  </p:stCondLst>
+                                  <p:childTnLst>
+                                    <p:set>
+                                      <p:cBhvr>
+                                        <p:cTn id="12" dur="1" fill="hold">
+                                          <p:stCondLst>
+                                            <p:cond delay="0"/>
+                                          </p:stCondLst>
+                                        </p:cTn>
+                                        <p:tgtEl>
+                                          <p:spTgt spid="5"/>
+                                        </p:tgtEl>
+                                        <p:attrNameLst>
+                                          <p:attrName>style.visibility</p:attrName>
+                                        </p:attrNameLst>
+                                      </p:cBhvr>
+                                      <p:to>
+                                        <p:strVal val="visible"/>
+                                      </p:to>
+                                    </p:set>
+                                  </p:childTnLst>
+                                </p:cTn>
+                              </p:par>
+                            </p:childTnLst>
+                          </p:cTn>
+                        </p:par>
+                      </p:childTnLst>
+                    </p:cTn>
+                  </p:par>
+                </p:childTnLst>
+              </p:cTn>
+              <p:prevCondLst>
+                <p:cond evt="onPrev" delay="0">
+                  <p:tgtEl>
+                    <p:sldTgt/>
+                  </p:tgtEl>
+                </p:cond>
+              </p:prevCondLst>
+              <p:nextCondLst>
+                <p:cond evt="onNext" delay="0">
+                  <p:tgtEl>
+                    <p:sldTgt/>
+                  </p:tgtEl>
+                </p:cond>
+              </p:nextCondLst>
+            </p:seq>
+          </p:childTnLst>
+        </p:cTn>
       </p:par>
     </p:tnLst>
+    <p:bldLst>
+      <p:bldP spid="5" grpId="0" animBg="1"/>
+    </p:bldLst>
   </p:timing>
 </p:sld>
 </file>
@@ -8742,6 +12843,30 @@
           <a:noFill/>
         </p:spPr>
       </p:pic>
+      <p:sp>
+        <p:nvSpPr>
+          <p:cNvPr id="7" name="Espace réservé du numéro de diapositive 6"/>
+          <p:cNvSpPr>
+            <a:spLocks noGrp="1"/>
+          </p:cNvSpPr>
+          <p:nvPr>
+            <p:ph type="sldNum" sz="quarter" idx="12"/>
+          </p:nvPr>
+        </p:nvSpPr>
+        <p:spPr/>
+        <p:txBody>
+          <a:bodyPr/>
+          <a:lstStyle/>
+          <a:p>
+            <a:fld id="{CF4668DC-857F-487D-BFFA-8C0CA5037977}" type="slidenum">
+              <a:rPr lang="fr-BE" smtClean="0"/>
+              <a:pPr/>
+              <a:t>8</a:t>
+            </a:fld>
+            <a:endParaRPr lang="fr-BE"/>
+          </a:p>
+        </p:txBody>
+      </p:sp>
     </p:spTree>
   </p:cSld>
   <p:clrMapOvr>
@@ -8884,6 +13009,30 @@
               <a:t>étranges</a:t>
             </a:r>
             <a:endParaRPr lang="fr-CA" dirty="0"/>
+          </a:p>
+        </p:txBody>
+      </p:sp>
+      <p:sp>
+        <p:nvSpPr>
+          <p:cNvPr id="7" name="Espace réservé du numéro de diapositive 6"/>
+          <p:cNvSpPr>
+            <a:spLocks noGrp="1"/>
+          </p:cNvSpPr>
+          <p:nvPr>
+            <p:ph type="sldNum" sz="quarter" idx="12"/>
+          </p:nvPr>
+        </p:nvSpPr>
+        <p:spPr/>
+        <p:txBody>
+          <a:bodyPr/>
+          <a:lstStyle/>
+          <a:p>
+            <a:fld id="{CF4668DC-857F-487D-BFFA-8C0CA5037977}" type="slidenum">
+              <a:rPr lang="fr-BE" smtClean="0"/>
+              <a:pPr/>
+              <a:t>9</a:t>
+            </a:fld>
+            <a:endParaRPr lang="fr-BE"/>
           </a:p>
         </p:txBody>
       </p:sp>
@@ -9353,4 +13502,287 @@
   <a:objectDefaults/>
   <a:extraClrSchemeLst/>
 </a:theme>
+</file>
+
+<file path=ppt/theme/theme2.xml><?xml version="1.0" encoding="utf-8"?>
+<a:theme xmlns:a="http://schemas.openxmlformats.org/drawingml/2006/main" name="Thème Office">
+  <a:themeElements>
+    <a:clrScheme name="Office">
+      <a:dk1>
+        <a:sysClr val="windowText" lastClr="000000"/>
+      </a:dk1>
+      <a:lt1>
+        <a:sysClr val="window" lastClr="FFFFFF"/>
+      </a:lt1>
+      <a:dk2>
+        <a:srgbClr val="1F497D"/>
+      </a:dk2>
+      <a:lt2>
+        <a:srgbClr val="EEECE1"/>
+      </a:lt2>
+      <a:accent1>
+        <a:srgbClr val="4F81BD"/>
+      </a:accent1>
+      <a:accent2>
+        <a:srgbClr val="C0504D"/>
+      </a:accent2>
+      <a:accent3>
+        <a:srgbClr val="9BBB59"/>
+      </a:accent3>
+      <a:accent4>
+        <a:srgbClr val="8064A2"/>
+      </a:accent4>
+      <a:accent5>
+        <a:srgbClr val="4BACC6"/>
+      </a:accent5>
+      <a:accent6>
+        <a:srgbClr val="F79646"/>
+      </a:accent6>
+      <a:hlink>
+        <a:srgbClr val="0000FF"/>
+      </a:hlink>
+      <a:folHlink>
+        <a:srgbClr val="800080"/>
+      </a:folHlink>
+    </a:clrScheme>
+    <a:fontScheme name="Office">
+      <a:majorFont>
+        <a:latin typeface="Calibri"/>
+        <a:ea typeface=""/>
+        <a:cs typeface=""/>
+        <a:font script="Jpan" typeface="ＭＳ Ｐゴシック"/>
+        <a:font script="Hang" typeface="맑은 고딕"/>
+        <a:font script="Hans" typeface="宋体"/>
+        <a:font script="Hant" typeface="新細明體"/>
+        <a:font script="Arab" typeface="Times New Roman"/>
+        <a:font script="Hebr" typeface="Times New Roman"/>
+        <a:font script="Thai" typeface="Angsana New"/>
+        <a:font script="Ethi" typeface="Nyala"/>
+        <a:font script="Beng" typeface="Vrinda"/>
+        <a:font script="Gujr" typeface="Shruti"/>
+        <a:font script="Khmr" typeface="MoolBoran"/>
+        <a:font script="Knda" typeface="Tunga"/>
+        <a:font script="Guru" typeface="Raavi"/>
+        <a:font script="Cans" typeface="Euphemia"/>
+        <a:font script="Cher" typeface="Plantagenet Cherokee"/>
+        <a:font script="Yiii" typeface="Microsoft Yi Baiti"/>
+        <a:font script="Tibt" typeface="Microsoft Himalaya"/>
+        <a:font script="Thaa" typeface="MV Boli"/>
+        <a:font script="Deva" typeface="Mangal"/>
+        <a:font script="Telu" typeface="Gautami"/>
+        <a:font script="Taml" typeface="Latha"/>
+        <a:font script="Syrc" typeface="Estrangelo Edessa"/>
+        <a:font script="Orya" typeface="Kalinga"/>
+        <a:font script="Mlym" typeface="Kartika"/>
+        <a:font script="Laoo" typeface="DokChampa"/>
+        <a:font script="Sinh" typeface="Iskoola Pota"/>
+        <a:font script="Mong" typeface="Mongolian Baiti"/>
+        <a:font script="Viet" typeface="Times New Roman"/>
+        <a:font script="Uigh" typeface="Microsoft Uighur"/>
+      </a:majorFont>
+      <a:minorFont>
+        <a:latin typeface="Calibri"/>
+        <a:ea typeface=""/>
+        <a:cs typeface=""/>
+        <a:font script="Jpan" typeface="ＭＳ Ｐゴシック"/>
+        <a:font script="Hang" typeface="맑은 고딕"/>
+        <a:font script="Hans" typeface="宋体"/>
+        <a:font script="Hant" typeface="新細明體"/>
+        <a:font script="Arab" typeface="Arial"/>
+        <a:font script="Hebr" typeface="Arial"/>
+        <a:font script="Thai" typeface="Cordia New"/>
+        <a:font script="Ethi" typeface="Nyala"/>
+        <a:font script="Beng" typeface="Vrinda"/>
+        <a:font script="Gujr" typeface="Shruti"/>
+        <a:font script="Khmr" typeface="DaunPenh"/>
+        <a:font script="Knda" typeface="Tunga"/>
+        <a:font script="Guru" typeface="Raavi"/>
+        <a:font script="Cans" typeface="Euphemia"/>
+        <a:font script="Cher" typeface="Plantagenet Cherokee"/>
+        <a:font script="Yiii" typeface="Microsoft Yi Baiti"/>
+        <a:font script="Tibt" typeface="Microsoft Himalaya"/>
+        <a:font script="Thaa" typeface="MV Boli"/>
+        <a:font script="Deva" typeface="Mangal"/>
+        <a:font script="Telu" typeface="Gautami"/>
+        <a:font script="Taml" typeface="Latha"/>
+        <a:font script="Syrc" typeface="Estrangelo Edessa"/>
+        <a:font script="Orya" typeface="Kalinga"/>
+        <a:font script="Mlym" typeface="Kartika"/>
+        <a:font script="Laoo" typeface="DokChampa"/>
+        <a:font script="Sinh" typeface="Iskoola Pota"/>
+        <a:font script="Mong" typeface="Mongolian Baiti"/>
+        <a:font script="Viet" typeface="Arial"/>
+        <a:font script="Uigh" typeface="Microsoft Uighur"/>
+      </a:minorFont>
+    </a:fontScheme>
+    <a:fmtScheme name="Office">
+      <a:fillStyleLst>
+        <a:solidFill>
+          <a:schemeClr val="phClr"/>
+        </a:solidFill>
+        <a:gradFill rotWithShape="1">
+          <a:gsLst>
+            <a:gs pos="0">
+              <a:schemeClr val="phClr">
+                <a:tint val="50000"/>
+                <a:satMod val="300000"/>
+              </a:schemeClr>
+            </a:gs>
+            <a:gs pos="35000">
+              <a:schemeClr val="phClr">
+                <a:tint val="37000"/>
+                <a:satMod val="300000"/>
+              </a:schemeClr>
+            </a:gs>
+            <a:gs pos="100000">
+              <a:schemeClr val="phClr">
+                <a:tint val="15000"/>
+                <a:satMod val="350000"/>
+              </a:schemeClr>
+            </a:gs>
+          </a:gsLst>
+          <a:lin ang="16200000" scaled="1"/>
+        </a:gradFill>
+        <a:gradFill rotWithShape="1">
+          <a:gsLst>
+            <a:gs pos="0">
+              <a:schemeClr val="phClr">
+                <a:shade val="51000"/>
+                <a:satMod val="130000"/>
+              </a:schemeClr>
+            </a:gs>
+            <a:gs pos="80000">
+              <a:schemeClr val="phClr">
+                <a:shade val="93000"/>
+                <a:satMod val="130000"/>
+              </a:schemeClr>
+            </a:gs>
+            <a:gs pos="100000">
+              <a:schemeClr val="phClr">
+                <a:shade val="94000"/>
+                <a:satMod val="135000"/>
+              </a:schemeClr>
+            </a:gs>
+          </a:gsLst>
+          <a:lin ang="16200000" scaled="0"/>
+        </a:gradFill>
+      </a:fillStyleLst>
+      <a:lnStyleLst>
+        <a:ln w="9525" cap="flat" cmpd="sng" algn="ctr">
+          <a:solidFill>
+            <a:schemeClr val="phClr">
+              <a:shade val="95000"/>
+              <a:satMod val="105000"/>
+            </a:schemeClr>
+          </a:solidFill>
+          <a:prstDash val="solid"/>
+        </a:ln>
+        <a:ln w="25400" cap="flat" cmpd="sng" algn="ctr">
+          <a:solidFill>
+            <a:schemeClr val="phClr"/>
+          </a:solidFill>
+          <a:prstDash val="solid"/>
+        </a:ln>
+        <a:ln w="38100" cap="flat" cmpd="sng" algn="ctr">
+          <a:solidFill>
+            <a:schemeClr val="phClr"/>
+          </a:solidFill>
+          <a:prstDash val="solid"/>
+        </a:ln>
+      </a:lnStyleLst>
+      <a:effectStyleLst>
+        <a:effectStyle>
+          <a:effectLst>
+            <a:outerShdw blurRad="40000" dist="20000" dir="5400000" rotWithShape="0">
+              <a:srgbClr val="000000">
+                <a:alpha val="38000"/>
+              </a:srgbClr>
+            </a:outerShdw>
+          </a:effectLst>
+        </a:effectStyle>
+        <a:effectStyle>
+          <a:effectLst>
+            <a:outerShdw blurRad="40000" dist="23000" dir="5400000" rotWithShape="0">
+              <a:srgbClr val="000000">
+                <a:alpha val="35000"/>
+              </a:srgbClr>
+            </a:outerShdw>
+          </a:effectLst>
+        </a:effectStyle>
+        <a:effectStyle>
+          <a:effectLst>
+            <a:outerShdw blurRad="40000" dist="23000" dir="5400000" rotWithShape="0">
+              <a:srgbClr val="000000">
+                <a:alpha val="35000"/>
+              </a:srgbClr>
+            </a:outerShdw>
+          </a:effectLst>
+          <a:scene3d>
+            <a:camera prst="orthographicFront">
+              <a:rot lat="0" lon="0" rev="0"/>
+            </a:camera>
+            <a:lightRig rig="threePt" dir="t">
+              <a:rot lat="0" lon="0" rev="1200000"/>
+            </a:lightRig>
+          </a:scene3d>
+          <a:sp3d>
+            <a:bevelT w="63500" h="25400"/>
+          </a:sp3d>
+        </a:effectStyle>
+      </a:effectStyleLst>
+      <a:bgFillStyleLst>
+        <a:solidFill>
+          <a:schemeClr val="phClr"/>
+        </a:solidFill>
+        <a:gradFill rotWithShape="1">
+          <a:gsLst>
+            <a:gs pos="0">
+              <a:schemeClr val="phClr">
+                <a:tint val="40000"/>
+                <a:satMod val="350000"/>
+              </a:schemeClr>
+            </a:gs>
+            <a:gs pos="40000">
+              <a:schemeClr val="phClr">
+                <a:tint val="45000"/>
+                <a:shade val="99000"/>
+                <a:satMod val="350000"/>
+              </a:schemeClr>
+            </a:gs>
+            <a:gs pos="100000">
+              <a:schemeClr val="phClr">
+                <a:shade val="20000"/>
+                <a:satMod val="255000"/>
+              </a:schemeClr>
+            </a:gs>
+          </a:gsLst>
+          <a:path path="circle">
+            <a:fillToRect l="50000" t="-80000" r="50000" b="180000"/>
+          </a:path>
+        </a:gradFill>
+        <a:gradFill rotWithShape="1">
+          <a:gsLst>
+            <a:gs pos="0">
+              <a:schemeClr val="phClr">
+                <a:tint val="80000"/>
+                <a:satMod val="300000"/>
+              </a:schemeClr>
+            </a:gs>
+            <a:gs pos="100000">
+              <a:schemeClr val="phClr">
+                <a:shade val="30000"/>
+                <a:satMod val="200000"/>
+              </a:schemeClr>
+            </a:gs>
+          </a:gsLst>
+          <a:path path="circle">
+            <a:fillToRect l="50000" t="50000" r="50000" b="50000"/>
+          </a:path>
+        </a:gradFill>
+      </a:bgFillStyleLst>
+    </a:fmtScheme>
+  </a:themeElements>
+  <a:objectDefaults/>
+  <a:extraClrSchemeLst/>
+</a:theme>
 </file>
--- a/docs/IFT 749/Présentation.pptx
+++ b/docs/IFT 749/Présentation.pptx
@@ -228,7 +228,8 @@
           <a:p>
             <a:fld id="{6848FC7A-46A2-414A-8ED9-693F9B6A3CEC}" type="datetimeFigureOut">
               <a:rPr lang="fr-CA" smtClean="0"/>
-              <a:t>2013-12-10</a:t>
+              <a:pPr/>
+              <a:t>2013-12-11</a:t>
             </a:fld>
             <a:endParaRPr lang="fr-CA"/>
           </a:p>
@@ -389,6 +390,7 @@
           <a:p>
             <a:fld id="{68B71DB4-8461-4ECE-9DDB-3FD3BEF37233}" type="slidenum">
               <a:rPr lang="fr-CA" smtClean="0"/>
+              <a:pPr/>
               <a:t>‹N°›</a:t>
             </a:fld>
             <a:endParaRPr lang="fr-CA"/>
@@ -742,7 +744,7 @@
             <a:fld id="{AA309A6D-C09C-4548-B29A-6CF363A7E532}" type="datetimeFigureOut">
               <a:rPr lang="fr-FR" smtClean="0"/>
               <a:pPr/>
-              <a:t>10/12/2013</a:t>
+              <a:t>11/12/2013</a:t>
             </a:fld>
             <a:endParaRPr lang="fr-BE"/>
           </a:p>
@@ -967,7 +969,7 @@
             <a:fld id="{AA309A6D-C09C-4548-B29A-6CF363A7E532}" type="datetimeFigureOut">
               <a:rPr lang="fr-FR" smtClean="0"/>
               <a:pPr/>
-              <a:t>10/12/2013</a:t>
+              <a:t>11/12/2013</a:t>
             </a:fld>
             <a:endParaRPr lang="fr-BE"/>
           </a:p>
@@ -1249,7 +1251,7 @@
             <a:fld id="{AA309A6D-C09C-4548-B29A-6CF363A7E532}" type="datetimeFigureOut">
               <a:rPr lang="fr-FR" smtClean="0"/>
               <a:pPr/>
-              <a:t>10/12/2013</a:t>
+              <a:t>11/12/2013</a:t>
             </a:fld>
             <a:endParaRPr lang="fr-BE"/>
           </a:p>
@@ -1430,7 +1432,7 @@
             <a:fld id="{AA309A6D-C09C-4548-B29A-6CF363A7E532}" type="datetimeFigureOut">
               <a:rPr lang="fr-FR" smtClean="0"/>
               <a:pPr/>
-              <a:t>10/12/2013</a:t>
+              <a:t>11/12/2013</a:t>
             </a:fld>
             <a:endParaRPr lang="fr-BE"/>
           </a:p>
@@ -1790,7 +1792,7 @@
             <a:fld id="{AA309A6D-C09C-4548-B29A-6CF363A7E532}" type="datetimeFigureOut">
               <a:rPr lang="fr-FR" smtClean="0"/>
               <a:pPr/>
-              <a:t>10/12/2013</a:t>
+              <a:t>11/12/2013</a:t>
             </a:fld>
             <a:endParaRPr lang="fr-BE"/>
           </a:p>
@@ -2079,7 +2081,7 @@
             <a:fld id="{AA309A6D-C09C-4548-B29A-6CF363A7E532}" type="datetimeFigureOut">
               <a:rPr lang="fr-FR" smtClean="0"/>
               <a:pPr/>
-              <a:t>10/12/2013</a:t>
+              <a:t>11/12/2013</a:t>
             </a:fld>
             <a:endParaRPr lang="fr-BE"/>
           </a:p>
@@ -2503,7 +2505,7 @@
             <a:fld id="{AA309A6D-C09C-4548-B29A-6CF363A7E532}" type="datetimeFigureOut">
               <a:rPr lang="fr-FR" smtClean="0"/>
               <a:pPr/>
-              <a:t>10/12/2013</a:t>
+              <a:t>11/12/2013</a:t>
             </a:fld>
             <a:endParaRPr lang="fr-BE"/>
           </a:p>
@@ -2620,7 +2622,7 @@
             <a:fld id="{AA309A6D-C09C-4548-B29A-6CF363A7E532}" type="datetimeFigureOut">
               <a:rPr lang="fr-FR" smtClean="0"/>
               <a:pPr/>
-              <a:t>10/12/2013</a:t>
+              <a:t>11/12/2013</a:t>
             </a:fld>
             <a:endParaRPr lang="fr-BE"/>
           </a:p>
@@ -2712,7 +2714,7 @@
             <a:fld id="{AA309A6D-C09C-4548-B29A-6CF363A7E532}" type="datetimeFigureOut">
               <a:rPr lang="fr-FR" smtClean="0"/>
               <a:pPr/>
-              <a:t>10/12/2013</a:t>
+              <a:t>11/12/2013</a:t>
             </a:fld>
             <a:endParaRPr lang="fr-BE"/>
           </a:p>
@@ -2992,7 +2994,7 @@
             <a:fld id="{AA309A6D-C09C-4548-B29A-6CF363A7E532}" type="datetimeFigureOut">
               <a:rPr lang="fr-FR" smtClean="0"/>
               <a:pPr/>
-              <a:t>10/12/2013</a:t>
+              <a:t>11/12/2013</a:t>
             </a:fld>
             <a:endParaRPr lang="fr-BE"/>
           </a:p>
@@ -3360,7 +3362,7 @@
             <a:fld id="{AA309A6D-C09C-4548-B29A-6CF363A7E532}" type="datetimeFigureOut">
               <a:rPr lang="fr-FR" smtClean="0"/>
               <a:pPr/>
-              <a:t>10/12/2013</a:t>
+              <a:t>11/12/2013</a:t>
             </a:fld>
             <a:endParaRPr lang="fr-BE"/>
           </a:p>
@@ -3799,7 +3801,7 @@
             <a:fld id="{AA309A6D-C09C-4548-B29A-6CF363A7E532}" type="datetimeFigureOut">
               <a:rPr lang="fr-FR" smtClean="0"/>
               <a:pPr/>
-              <a:t>10/12/2013</a:t>
+              <a:t>11/12/2013</a:t>
             </a:fld>
             <a:endParaRPr lang="fr-BE"/>
           </a:p>
@@ -5009,7 +5011,11 @@
               <a:buNone/>
             </a:pPr>
             <a:r>
-              <a:rPr lang="fr-CA" sz="3600" dirty="0" err="1" smtClean="0"/>
+              <a:rPr lang="fr-CA" sz="3600" dirty="0" err="1" smtClean="0">
+                <a:solidFill>
+                  <a:srgbClr val="1C25D4"/>
+                </a:solidFill>
+              </a:rPr>
               <a:t>void</a:t>
             </a:r>
             <a:r>
@@ -5040,7 +5046,19 @@
             </a:pPr>
             <a:r>
               <a:rPr lang="fr-CA" sz="3600" dirty="0" smtClean="0"/>
-              <a:t>    while(1)</a:t>
+              <a:t>    </a:t>
+            </a:r>
+            <a:r>
+              <a:rPr lang="fr-CA" sz="3600" dirty="0" smtClean="0">
+                <a:solidFill>
+                  <a:srgbClr val="1C25D4"/>
+                </a:solidFill>
+              </a:rPr>
+              <a:t>while</a:t>
+            </a:r>
+            <a:r>
+              <a:rPr lang="fr-CA" sz="3600" dirty="0" smtClean="0"/>
+              <a:t>(1)</a:t>
             </a:r>
           </a:p>
           <a:p>
@@ -5061,7 +5079,11 @@
               <a:t>        </a:t>
             </a:r>
             <a:r>
-              <a:rPr lang="fr-CA" sz="3600" dirty="0" err="1" smtClean="0"/>
+              <a:rPr lang="fr-CA" sz="3600" dirty="0" err="1" smtClean="0">
+                <a:solidFill>
+                  <a:srgbClr val="1C25D4"/>
+                </a:solidFill>
+              </a:rPr>
               <a:t>unsigned</a:t>
             </a:r>
             <a:r>
@@ -5203,7 +5225,11 @@
               <a:buNone/>
             </a:pPr>
             <a:r>
-              <a:rPr lang="fr-CA" sz="3600" dirty="0" err="1" smtClean="0"/>
+              <a:rPr lang="fr-CA" sz="3600" dirty="0" err="1" smtClean="0">
+                <a:solidFill>
+                  <a:srgbClr val="1C25D4"/>
+                </a:solidFill>
+              </a:rPr>
               <a:t>void</a:t>
             </a:r>
             <a:r>
@@ -5234,7 +5260,19 @@
             </a:pPr>
             <a:r>
               <a:rPr lang="fr-CA" sz="3600" dirty="0" smtClean="0"/>
-              <a:t>    while(1)</a:t>
+              <a:t>    </a:t>
+            </a:r>
+            <a:r>
+              <a:rPr lang="fr-CA" sz="3600" dirty="0" smtClean="0">
+                <a:solidFill>
+                  <a:srgbClr val="1C25D4"/>
+                </a:solidFill>
+              </a:rPr>
+              <a:t>while</a:t>
+            </a:r>
+            <a:r>
+              <a:rPr lang="fr-CA" sz="3600" dirty="0" smtClean="0"/>
+              <a:t>(1)</a:t>
             </a:r>
           </a:p>
           <a:p>
@@ -5255,7 +5293,11 @@
               <a:t>        </a:t>
             </a:r>
             <a:r>
-              <a:rPr lang="fr-CA" sz="3600" dirty="0" err="1" smtClean="0"/>
+              <a:rPr lang="fr-CA" sz="3600" dirty="0" err="1" smtClean="0">
+                <a:solidFill>
+                  <a:srgbClr val="1C25D4"/>
+                </a:solidFill>
+              </a:rPr>
               <a:t>unsigned</a:t>
             </a:r>
             <a:r>
@@ -5398,16 +5440,48 @@
               <a:buNone/>
             </a:pPr>
             <a:r>
+              <a:rPr lang="fr-CA" dirty="0" err="1" smtClean="0">
+                <a:solidFill>
+                  <a:srgbClr val="1C25D4"/>
+                </a:solidFill>
+              </a:rPr>
+              <a:t>v</a:t>
+            </a:r>
+            <a:r>
+              <a:rPr lang="fr-CA" dirty="0" err="1" smtClean="0">
+                <a:solidFill>
+                  <a:srgbClr val="1C25D4"/>
+                </a:solidFill>
+              </a:rPr>
+              <a:t>oid</a:t>
+            </a:r>
+            <a:r>
               <a:rPr lang="fr-CA" dirty="0" smtClean="0"/>
-              <a:t>execute_opcode(</a:t>
+              <a:t> </a:t>
             </a:r>
             <a:r>
               <a:rPr lang="fr-CA" dirty="0" err="1" smtClean="0"/>
+              <a:t>execute_opcode</a:t>
+            </a:r>
+            <a:r>
+              <a:rPr lang="fr-CA" dirty="0" smtClean="0"/>
+              <a:t>(</a:t>
+            </a:r>
+            <a:r>
+              <a:rPr lang="fr-CA" dirty="0" err="1" smtClean="0">
+                <a:solidFill>
+                  <a:srgbClr val="1C25D4"/>
+                </a:solidFill>
+              </a:rPr>
               <a:t>unsigned</a:t>
             </a:r>
             <a:r>
               <a:rPr lang="fr-CA" dirty="0" smtClean="0"/>
-              <a:t> opcode)</a:t>
+              <a:t> </a:t>
+            </a:r>
+            <a:r>
+              <a:rPr lang="fr-CA" dirty="0" smtClean="0"/>
+              <a:t>opcode)</a:t>
             </a:r>
           </a:p>
           <a:p>
@@ -5425,7 +5499,19 @@
             </a:pPr>
             <a:r>
               <a:rPr lang="en-CA" dirty="0" smtClean="0"/>
-              <a:t>	switch(</a:t>
+              <a:t>	</a:t>
+            </a:r>
+            <a:r>
+              <a:rPr lang="en-CA" dirty="0" smtClean="0">
+                <a:solidFill>
+                  <a:srgbClr val="1C25D4"/>
+                </a:solidFill>
+              </a:rPr>
+              <a:t>switch</a:t>
+            </a:r>
+            <a:r>
+              <a:rPr lang="en-CA" dirty="0" smtClean="0"/>
+              <a:t>(</a:t>
             </a:r>
             <a:r>
               <a:rPr lang="en-CA" dirty="0" err="1" smtClean="0"/>
@@ -5451,7 +5537,19 @@
             </a:pPr>
             <a:r>
               <a:rPr lang="en-CA" dirty="0" smtClean="0"/>
-              <a:t>		case ADD: { /*z=</a:t>
+              <a:t>		</a:t>
+            </a:r>
+            <a:r>
+              <a:rPr lang="en-CA" dirty="0" smtClean="0">
+                <a:solidFill>
+                  <a:srgbClr val="1C25D4"/>
+                </a:solidFill>
+              </a:rPr>
+              <a:t>case </a:t>
+            </a:r>
+            <a:r>
+              <a:rPr lang="en-CA" dirty="0" smtClean="0"/>
+              <a:t>ADD: { /*z=</a:t>
             </a:r>
             <a:r>
               <a:rPr lang="en-CA" dirty="0" err="1" smtClean="0"/>
@@ -5477,7 +5575,19 @@
             </a:pPr>
             <a:r>
               <a:rPr lang="en-CA" dirty="0" smtClean="0"/>
-              <a:t>		default: { /*PANIC */ }</a:t>
+              <a:t>		</a:t>
+            </a:r>
+            <a:r>
+              <a:rPr lang="en-CA" dirty="0" smtClean="0">
+                <a:solidFill>
+                  <a:srgbClr val="1C25D4"/>
+                </a:solidFill>
+              </a:rPr>
+              <a:t>default</a:t>
+            </a:r>
+            <a:r>
+              <a:rPr lang="en-CA" dirty="0" smtClean="0"/>
+              <a:t>: { /*PANIC */ }</a:t>
             </a:r>
           </a:p>
           <a:p>
@@ -5606,7 +5716,11 @@
               <a:buNone/>
             </a:pPr>
             <a:r>
-              <a:rPr lang="fr-CA" sz="3600" dirty="0" err="1" smtClean="0"/>
+              <a:rPr lang="fr-CA" sz="3600" dirty="0" err="1" smtClean="0">
+                <a:solidFill>
+                  <a:srgbClr val="1C25D4"/>
+                </a:solidFill>
+              </a:rPr>
               <a:t>void</a:t>
             </a:r>
             <a:r>
@@ -5637,7 +5751,19 @@
             </a:pPr>
             <a:r>
               <a:rPr lang="fr-CA" sz="3600" dirty="0" smtClean="0"/>
-              <a:t>    while(1)</a:t>
+              <a:t>    </a:t>
+            </a:r>
+            <a:r>
+              <a:rPr lang="fr-CA" sz="3600" dirty="0" smtClean="0">
+                <a:solidFill>
+                  <a:srgbClr val="1C25D4"/>
+                </a:solidFill>
+              </a:rPr>
+              <a:t>while</a:t>
+            </a:r>
+            <a:r>
+              <a:rPr lang="fr-CA" sz="3600" dirty="0" smtClean="0"/>
+              <a:t>(1)</a:t>
             </a:r>
           </a:p>
           <a:p>
@@ -5658,7 +5784,11 @@
               <a:t>        </a:t>
             </a:r>
             <a:r>
-              <a:rPr lang="fr-CA" sz="3600" dirty="0" err="1" smtClean="0"/>
+              <a:rPr lang="fr-CA" sz="3600" dirty="0" err="1" smtClean="0">
+                <a:solidFill>
+                  <a:srgbClr val="1C25D4"/>
+                </a:solidFill>
+              </a:rPr>
               <a:t>unsigned</a:t>
             </a:r>
             <a:r>
@@ -5976,7 +6106,11 @@
               <a:buNone/>
             </a:pPr>
             <a:r>
-              <a:rPr lang="fr-CA" dirty="0" err="1" smtClean="0"/>
+              <a:rPr lang="fr-CA" dirty="0" err="1" smtClean="0">
+                <a:solidFill>
+                  <a:srgbClr val="1C25D4"/>
+                </a:solidFill>
+              </a:rPr>
               <a:t>void</a:t>
             </a:r>
             <a:r>
@@ -6006,16 +6140,32 @@
               <a:buNone/>
             </a:pPr>
             <a:r>
+              <a:rPr lang="fr-CA" dirty="0" smtClean="0">
+                <a:solidFill>
+                  <a:srgbClr val="1C25D4"/>
+                </a:solidFill>
+              </a:rPr>
+              <a:t>    </a:t>
+            </a:r>
+            <a:r>
+              <a:rPr lang="fr-CA" dirty="0" err="1" smtClean="0">
+                <a:solidFill>
+                  <a:srgbClr val="1C25D4"/>
+                </a:solidFill>
+              </a:rPr>
+              <a:t>goto</a:t>
+            </a:r>
+            <a:r>
+              <a:rPr lang="fr-CA" dirty="0" smtClean="0">
+                <a:solidFill>
+                  <a:srgbClr val="1C25D4"/>
+                </a:solidFill>
+              </a:rPr>
+              <a:t> </a:t>
+            </a:r>
+            <a:r>
               <a:rPr lang="fr-CA" dirty="0" smtClean="0"/>
-              <a:t>    </a:t>
-            </a:r>
-            <a:r>
-              <a:rPr lang="fr-CA" dirty="0" err="1" smtClean="0"/>
-              <a:t>goto</a:t>
-            </a:r>
-            <a:r>
-              <a:rPr lang="fr-CA" dirty="0" smtClean="0"/>
-              <a:t> *pc;</a:t>
+              <a:t>*pc;</a:t>
             </a:r>
           </a:p>
           <a:p>
@@ -6051,7 +6201,11 @@
               <a:t>    </a:t>
             </a:r>
             <a:r>
-              <a:rPr lang="fr-CA" dirty="0" err="1" smtClean="0"/>
+              <a:rPr lang="fr-CA" dirty="0" err="1" smtClean="0">
+                <a:solidFill>
+                  <a:srgbClr val="1C25D4"/>
+                </a:solidFill>
+              </a:rPr>
               <a:t>goto</a:t>
             </a:r>
             <a:r>
@@ -6333,7 +6487,6 @@
               <a:rPr lang="en-CA" dirty="0" smtClean="0"/>
               <a:t>?</a:t>
             </a:r>
-            <a:endParaRPr lang="en-CA" dirty="0" smtClean="0"/>
           </a:p>
           <a:p>
             <a:pPr lvl="1"/>
@@ -8481,11 +8634,7 @@
             <a:pPr lvl="1"/>
             <a:r>
               <a:rPr lang="en-CA" i="1" dirty="0" smtClean="0"/>
-              <a:t>i</a:t>
-            </a:r>
-            <a:r>
-              <a:rPr lang="en-CA" i="1" dirty="0" smtClean="0"/>
-              <a:t>n </a:t>
+              <a:t>in </a:t>
             </a:r>
             <a:r>
               <a:rPr lang="en-CA" dirty="0" smtClean="0"/>
@@ -8998,11 +9147,7 @@
             <a:pPr algn="ctr"/>
             <a:r>
               <a:rPr lang="fr-CA" dirty="0" smtClean="0"/>
-              <a:t>a</a:t>
-            </a:r>
-            <a:r>
-              <a:rPr lang="fr-CA" dirty="0" smtClean="0"/>
-              <a:t> := b + 2</a:t>
+              <a:t>a := b + 2</a:t>
             </a:r>
             <a:endParaRPr lang="fr-CA" dirty="0"/>
           </a:p>
@@ -10073,11 +10218,7 @@
             <a:pPr algn="ctr"/>
             <a:r>
               <a:rPr lang="fr-CA" dirty="0" smtClean="0"/>
-              <a:t>a</a:t>
-            </a:r>
-            <a:r>
-              <a:rPr lang="fr-CA" dirty="0" smtClean="0"/>
-              <a:t> := </a:t>
+              <a:t>a := </a:t>
             </a:r>
             <a:r>
               <a:rPr lang="fr-CA" b="1" dirty="0" smtClean="0">
@@ -10562,11 +10703,7 @@
             <a:pPr algn="ctr"/>
             <a:r>
               <a:rPr lang="fr-CA" dirty="0" smtClean="0"/>
-              <a:t>a</a:t>
-            </a:r>
-            <a:r>
-              <a:rPr lang="fr-CA" dirty="0" smtClean="0"/>
-              <a:t> := b + 2</a:t>
+              <a:t>a := b + 2</a:t>
             </a:r>
             <a:endParaRPr lang="fr-CA" dirty="0"/>
           </a:p>
@@ -11175,11 +11312,7 @@
             </a:r>
             <a:r>
               <a:rPr lang="fr-CA" dirty="0" smtClean="0"/>
-              <a:t>[PC] </a:t>
-            </a:r>
-            <a:r>
-              <a:rPr lang="fr-CA" dirty="0" smtClean="0"/>
-              <a:t>== </a:t>
+              <a:t>[PC] == </a:t>
             </a:r>
             <a:r>
               <a:rPr lang="fr-CA" dirty="0" err="1" smtClean="0"/>
@@ -11196,11 +11329,7 @@
             </a:pPr>
             <a:r>
               <a:rPr lang="fr-CA" dirty="0" smtClean="0"/>
-              <a:t>			recompile</a:t>
-            </a:r>
-            <a:r>
-              <a:rPr lang="fr-CA" dirty="0" smtClean="0"/>
-              <a:t>();</a:t>
+              <a:t>			recompile();</a:t>
             </a:r>
           </a:p>
           <a:p>
@@ -11209,11 +11338,7 @@
             </a:pPr>
             <a:r>
               <a:rPr lang="fr-CA" dirty="0" smtClean="0"/>
-              <a:t>	</a:t>
-            </a:r>
-            <a:r>
-              <a:rPr lang="fr-CA" dirty="0" smtClean="0"/>
-              <a:t>	</a:t>
+              <a:t>		</a:t>
             </a:r>
             <a:r>
               <a:rPr lang="fr-CA" dirty="0" err="1" smtClean="0"/>
@@ -11223,7 +11348,6 @@
               <a:rPr lang="fr-CA" dirty="0" smtClean="0"/>
               <a:t>[PC]();</a:t>
             </a:r>
-            <a:endParaRPr lang="fr-CA" dirty="0" smtClean="0"/>
           </a:p>
           <a:p>
             <a:pPr>

--- a/docs/IFT 749/Présentation.pptx
+++ b/docs/IFT 749/Présentation.pptx
@@ -229,7 +229,7 @@
             <a:fld id="{6848FC7A-46A2-414A-8ED9-693F9B6A3CEC}" type="datetimeFigureOut">
               <a:rPr lang="fr-CA" smtClean="0"/>
               <a:pPr/>
-              <a:t>2013-12-11</a:t>
+              <a:t>2013-12-12</a:t>
             </a:fld>
             <a:endParaRPr lang="fr-CA"/>
           </a:p>
@@ -744,7 +744,7 @@
             <a:fld id="{AA309A6D-C09C-4548-B29A-6CF363A7E532}" type="datetimeFigureOut">
               <a:rPr lang="fr-FR" smtClean="0"/>
               <a:pPr/>
-              <a:t>11/12/2013</a:t>
+              <a:t>12/12/2013</a:t>
             </a:fld>
             <a:endParaRPr lang="fr-BE"/>
           </a:p>
@@ -969,7 +969,7 @@
             <a:fld id="{AA309A6D-C09C-4548-B29A-6CF363A7E532}" type="datetimeFigureOut">
               <a:rPr lang="fr-FR" smtClean="0"/>
               <a:pPr/>
-              <a:t>11/12/2013</a:t>
+              <a:t>12/12/2013</a:t>
             </a:fld>
             <a:endParaRPr lang="fr-BE"/>
           </a:p>
@@ -1251,7 +1251,7 @@
             <a:fld id="{AA309A6D-C09C-4548-B29A-6CF363A7E532}" type="datetimeFigureOut">
               <a:rPr lang="fr-FR" smtClean="0"/>
               <a:pPr/>
-              <a:t>11/12/2013</a:t>
+              <a:t>12/12/2013</a:t>
             </a:fld>
             <a:endParaRPr lang="fr-BE"/>
           </a:p>
@@ -1432,7 +1432,7 @@
             <a:fld id="{AA309A6D-C09C-4548-B29A-6CF363A7E532}" type="datetimeFigureOut">
               <a:rPr lang="fr-FR" smtClean="0"/>
               <a:pPr/>
-              <a:t>11/12/2013</a:t>
+              <a:t>12/12/2013</a:t>
             </a:fld>
             <a:endParaRPr lang="fr-BE"/>
           </a:p>
@@ -1792,7 +1792,7 @@
             <a:fld id="{AA309A6D-C09C-4548-B29A-6CF363A7E532}" type="datetimeFigureOut">
               <a:rPr lang="fr-FR" smtClean="0"/>
               <a:pPr/>
-              <a:t>11/12/2013</a:t>
+              <a:t>12/12/2013</a:t>
             </a:fld>
             <a:endParaRPr lang="fr-BE"/>
           </a:p>
@@ -2081,7 +2081,7 @@
             <a:fld id="{AA309A6D-C09C-4548-B29A-6CF363A7E532}" type="datetimeFigureOut">
               <a:rPr lang="fr-FR" smtClean="0"/>
               <a:pPr/>
-              <a:t>11/12/2013</a:t>
+              <a:t>12/12/2013</a:t>
             </a:fld>
             <a:endParaRPr lang="fr-BE"/>
           </a:p>
@@ -2505,7 +2505,7 @@
             <a:fld id="{AA309A6D-C09C-4548-B29A-6CF363A7E532}" type="datetimeFigureOut">
               <a:rPr lang="fr-FR" smtClean="0"/>
               <a:pPr/>
-              <a:t>11/12/2013</a:t>
+              <a:t>12/12/2013</a:t>
             </a:fld>
             <a:endParaRPr lang="fr-BE"/>
           </a:p>
@@ -2622,7 +2622,7 @@
             <a:fld id="{AA309A6D-C09C-4548-B29A-6CF363A7E532}" type="datetimeFigureOut">
               <a:rPr lang="fr-FR" smtClean="0"/>
               <a:pPr/>
-              <a:t>11/12/2013</a:t>
+              <a:t>12/12/2013</a:t>
             </a:fld>
             <a:endParaRPr lang="fr-BE"/>
           </a:p>
@@ -2714,7 +2714,7 @@
             <a:fld id="{AA309A6D-C09C-4548-B29A-6CF363A7E532}" type="datetimeFigureOut">
               <a:rPr lang="fr-FR" smtClean="0"/>
               <a:pPr/>
-              <a:t>11/12/2013</a:t>
+              <a:t>12/12/2013</a:t>
             </a:fld>
             <a:endParaRPr lang="fr-BE"/>
           </a:p>
@@ -2994,7 +2994,7 @@
             <a:fld id="{AA309A6D-C09C-4548-B29A-6CF363A7E532}" type="datetimeFigureOut">
               <a:rPr lang="fr-FR" smtClean="0"/>
               <a:pPr/>
-              <a:t>11/12/2013</a:t>
+              <a:t>12/12/2013</a:t>
             </a:fld>
             <a:endParaRPr lang="fr-BE"/>
           </a:p>
@@ -3362,7 +3362,7 @@
             <a:fld id="{AA309A6D-C09C-4548-B29A-6CF363A7E532}" type="datetimeFigureOut">
               <a:rPr lang="fr-FR" smtClean="0"/>
               <a:pPr/>
-              <a:t>11/12/2013</a:t>
+              <a:t>12/12/2013</a:t>
             </a:fld>
             <a:endParaRPr lang="fr-BE"/>
           </a:p>
@@ -3801,7 +3801,7 @@
             <a:fld id="{AA309A6D-C09C-4548-B29A-6CF363A7E532}" type="datetimeFigureOut">
               <a:rPr lang="fr-FR" smtClean="0"/>
               <a:pPr/>
-              <a:t>11/12/2013</a:t>
+              <a:t>12/12/2013</a:t>
             </a:fld>
             <a:endParaRPr lang="fr-BE"/>
           </a:p>
@@ -4875,28 +4875,12 @@
           </a:p>
           <a:p>
             <a:r>
-              <a:rPr lang="en-CA" dirty="0" err="1" smtClean="0">
-                <a:solidFill>
-                  <a:schemeClr val="bg2"/>
-                </a:solidFill>
-              </a:rPr>
-              <a:t>Travaux</a:t>
-            </a:r>
-            <a:r>
               <a:rPr lang="en-CA" dirty="0" smtClean="0">
                 <a:solidFill>
                   <a:schemeClr val="bg2"/>
                 </a:solidFill>
               </a:rPr>
-              <a:t> </a:t>
-            </a:r>
-            <a:r>
-              <a:rPr lang="en-CA" dirty="0" err="1" smtClean="0">
-                <a:solidFill>
-                  <a:schemeClr val="bg2"/>
-                </a:solidFill>
-              </a:rPr>
-              <a:t>futurs</a:t>
+              <a:t>Conclusion</a:t>
             </a:r>
             <a:endParaRPr lang="fr-CA" dirty="0">
               <a:solidFill>
@@ -5445,15 +5429,7 @@
                   <a:srgbClr val="1C25D4"/>
                 </a:solidFill>
               </a:rPr>
-              <a:t>v</a:t>
-            </a:r>
-            <a:r>
-              <a:rPr lang="fr-CA" dirty="0" err="1" smtClean="0">
-                <a:solidFill>
-                  <a:srgbClr val="1C25D4"/>
-                </a:solidFill>
-              </a:rPr>
-              <a:t>oid</a:t>
+              <a:t>void</a:t>
             </a:r>
             <a:r>
               <a:rPr lang="fr-CA" dirty="0" smtClean="0"/>
@@ -5477,11 +5453,7 @@
             </a:r>
             <a:r>
               <a:rPr lang="fr-CA" dirty="0" smtClean="0"/>
-              <a:t> </a:t>
-            </a:r>
-            <a:r>
-              <a:rPr lang="fr-CA" dirty="0" smtClean="0"/>
-              <a:t>opcode)</a:t>
+              <a:t> opcode)</a:t>
             </a:r>
           </a:p>
           <a:p>
@@ -6095,7 +6067,12 @@
             <p:ph idx="1"/>
           </p:nvPr>
         </p:nvSpPr>
-        <p:spPr/>
+        <p:spPr>
+          <a:xfrm>
+            <a:off x="457200" y="1775191"/>
+            <a:ext cx="3538736" cy="4625609"/>
+          </a:xfrm>
+        </p:spPr>
         <p:txBody>
           <a:bodyPr>
             <a:normAutofit fontScale="85000" lnSpcReduction="20000"/>
@@ -11105,9 +11082,10 @@
               <a:t>Chaitin</a:t>
             </a:r>
             <a:r>
-              <a:rPr lang="en-CA" dirty="0" smtClean="0"/>
-              <a:t>-Brigg </a:t>
-            </a:r>
+              <a:rPr lang="en-CA" smtClean="0"/>
+              <a:t>-Briggs </a:t>
+            </a:r>
+            <a:endParaRPr lang="en-CA" dirty="0" smtClean="0"/>
           </a:p>
           <a:p>
             <a:pPr lvl="1"/>
@@ -11538,18 +11516,9 @@
           </a:p>
           <a:p>
             <a:r>
-              <a:rPr lang="en-CA" dirty="0" err="1" smtClean="0"/>
-              <a:t>Travaux</a:t>
-            </a:r>
-            <a:r>
               <a:rPr lang="en-CA" dirty="0" smtClean="0"/>
-              <a:t> </a:t>
-            </a:r>
-            <a:r>
-              <a:rPr lang="en-CA" dirty="0" err="1" smtClean="0"/>
-              <a:t>futurs</a:t>
-            </a:r>
-            <a:endParaRPr lang="en-CA" dirty="0" smtClean="0"/>
+              <a:t>Conclusion</a:t>
+            </a:r>
           </a:p>
           <a:p>
             <a:pPr lvl="1"/>
@@ -11633,6 +11602,98 @@
           <a:lstStyle/>
           <a:p>
             <a:r>
+              <a:rPr lang="en-CA" dirty="0" smtClean="0"/>
+              <a:t>Conclusion</a:t>
+            </a:r>
+            <a:endParaRPr lang="fr-CA" dirty="0"/>
+          </a:p>
+        </p:txBody>
+      </p:sp>
+      <p:sp>
+        <p:nvSpPr>
+          <p:cNvPr id="3" name="Espace réservé du contenu 2"/>
+          <p:cNvSpPr>
+            <a:spLocks noGrp="1"/>
+          </p:cNvSpPr>
+          <p:nvPr>
+            <p:ph idx="1"/>
+          </p:nvPr>
+        </p:nvSpPr>
+        <p:spPr/>
+        <p:txBody>
+          <a:bodyPr/>
+          <a:lstStyle/>
+          <a:p>
+            <a:r>
+              <a:rPr lang="en-CA" dirty="0" err="1" smtClean="0"/>
+              <a:t>Produit</a:t>
+            </a:r>
+            <a:r>
+              <a:rPr lang="en-CA" dirty="0" smtClean="0"/>
+              <a:t>:</a:t>
+            </a:r>
+          </a:p>
+          <a:p>
+            <a:pPr lvl="1"/>
+            <a:r>
+              <a:rPr lang="en-CA" dirty="0" err="1" smtClean="0"/>
+              <a:t>Émulateur</a:t>
+            </a:r>
+            <a:r>
+              <a:rPr lang="en-CA" dirty="0" smtClean="0"/>
+              <a:t> </a:t>
+            </a:r>
+            <a:r>
+              <a:rPr lang="en-CA" dirty="0" err="1" smtClean="0"/>
+              <a:t>interpréteur</a:t>
+            </a:r>
+            <a:r>
+              <a:rPr lang="en-CA" dirty="0" smtClean="0"/>
+              <a:t> </a:t>
+            </a:r>
+            <a:r>
+              <a:rPr lang="en-CA" dirty="0" err="1" smtClean="0"/>
+              <a:t>fonctionnel</a:t>
+            </a:r>
+            <a:endParaRPr lang="en-CA" dirty="0" smtClean="0"/>
+          </a:p>
+          <a:p>
+            <a:pPr lvl="1"/>
+            <a:r>
+              <a:rPr lang="en-CA" dirty="0" err="1" smtClean="0"/>
+              <a:t>Recompilateur</a:t>
+            </a:r>
+            <a:r>
+              <a:rPr lang="en-CA" dirty="0" smtClean="0"/>
+              <a:t> </a:t>
+            </a:r>
+            <a:r>
+              <a:rPr lang="en-CA" dirty="0" err="1" smtClean="0"/>
+              <a:t>dynamique</a:t>
+            </a:r>
+            <a:r>
+              <a:rPr lang="en-CA" dirty="0" smtClean="0"/>
+              <a:t> </a:t>
+            </a:r>
+            <a:r>
+              <a:rPr lang="en-CA" dirty="0" err="1" smtClean="0"/>
+              <a:t>presque</a:t>
+            </a:r>
+            <a:r>
+              <a:rPr lang="en-CA" dirty="0" smtClean="0"/>
+              <a:t> </a:t>
+            </a:r>
+            <a:r>
+              <a:rPr lang="en-CA" dirty="0" err="1" smtClean="0"/>
+              <a:t>fonctionnel</a:t>
+            </a:r>
+            <a:endParaRPr lang="en-CA" dirty="0" smtClean="0"/>
+          </a:p>
+          <a:p>
+            <a:endParaRPr lang="en-CA" dirty="0" smtClean="0"/>
+          </a:p>
+          <a:p>
+            <a:r>
               <a:rPr lang="en-CA" dirty="0" err="1" smtClean="0"/>
               <a:t>Travaux</a:t>
             </a:r>
@@ -11642,27 +11703,12 @@
             </a:r>
             <a:r>
               <a:rPr lang="en-CA" dirty="0" err="1" smtClean="0"/>
-              <a:t>Futurs</a:t>
-            </a:r>
-            <a:endParaRPr lang="fr-CA" dirty="0"/>
-          </a:p>
-        </p:txBody>
-      </p:sp>
-      <p:sp>
-        <p:nvSpPr>
-          <p:cNvPr id="3" name="Espace réservé du contenu 2"/>
-          <p:cNvSpPr>
-            <a:spLocks noGrp="1"/>
-          </p:cNvSpPr>
-          <p:nvPr>
-            <p:ph idx="1"/>
-          </p:nvPr>
-        </p:nvSpPr>
-        <p:spPr/>
-        <p:txBody>
-          <a:bodyPr/>
-          <a:lstStyle/>
-          <a:p>
+              <a:t>futurs</a:t>
+            </a:r>
+            <a:endParaRPr lang="en-CA" dirty="0" smtClean="0"/>
+          </a:p>
+          <a:p>
+            <a:pPr lvl="1"/>
             <a:r>
               <a:rPr lang="en-CA" dirty="0" err="1" smtClean="0"/>
               <a:t>Assembleur</a:t>
@@ -11673,9 +11719,7 @@
             </a:r>
           </a:p>
           <a:p>
-            <a:endParaRPr lang="en-CA" dirty="0" smtClean="0"/>
-          </a:p>
-          <a:p>
+            <a:pPr lvl="1"/>
             <a:r>
               <a:rPr lang="en-CA" dirty="0" smtClean="0"/>
               <a:t>Recompilation </a:t>
@@ -11720,7 +11764,252 @@
   <p:timing>
     <p:tnLst>
       <p:par>
-        <p:cTn id="1" dur="indefinite" restart="never" nodeType="tmRoot"/>
+        <p:cTn id="1" dur="indefinite" restart="never" nodeType="tmRoot">
+          <p:childTnLst>
+            <p:seq concurrent="1" nextAc="seek">
+              <p:cTn id="2" dur="indefinite" nodeType="mainSeq">
+                <p:childTnLst>
+                  <p:par>
+                    <p:cTn id="3" fill="hold">
+                      <p:stCondLst>
+                        <p:cond delay="indefinite"/>
+                      </p:stCondLst>
+                      <p:childTnLst>
+                        <p:par>
+                          <p:cTn id="4" fill="hold">
+                            <p:stCondLst>
+                              <p:cond delay="0"/>
+                            </p:stCondLst>
+                            <p:childTnLst>
+                              <p:par>
+                                <p:cTn id="5" presetID="1" presetClass="entr" presetSubtype="0" fill="hold" nodeType="clickEffect">
+                                  <p:stCondLst>
+                                    <p:cond delay="0"/>
+                                  </p:stCondLst>
+                                  <p:childTnLst>
+                                    <p:set>
+                                      <p:cBhvr>
+                                        <p:cTn id="6" dur="1" fill="hold">
+                                          <p:stCondLst>
+                                            <p:cond delay="0"/>
+                                          </p:stCondLst>
+                                        </p:cTn>
+                                        <p:tgtEl>
+                                          <p:spTgt spid="3">
+                                            <p:txEl>
+                                              <p:pRg st="0" end="0"/>
+                                            </p:txEl>
+                                          </p:spTgt>
+                                        </p:tgtEl>
+                                        <p:attrNameLst>
+                                          <p:attrName>style.visibility</p:attrName>
+                                        </p:attrNameLst>
+                                      </p:cBhvr>
+                                      <p:to>
+                                        <p:strVal val="visible"/>
+                                      </p:to>
+                                    </p:set>
+                                  </p:childTnLst>
+                                </p:cTn>
+                              </p:par>
+                              <p:par>
+                                <p:cTn id="7" presetID="1" presetClass="entr" presetSubtype="0" fill="hold" nodeType="withEffect">
+                                  <p:stCondLst>
+                                    <p:cond delay="0"/>
+                                  </p:stCondLst>
+                                  <p:childTnLst>
+                                    <p:set>
+                                      <p:cBhvr>
+                                        <p:cTn id="8" dur="1" fill="hold">
+                                          <p:stCondLst>
+                                            <p:cond delay="0"/>
+                                          </p:stCondLst>
+                                        </p:cTn>
+                                        <p:tgtEl>
+                                          <p:spTgt spid="3">
+                                            <p:txEl>
+                                              <p:pRg st="1" end="1"/>
+                                            </p:txEl>
+                                          </p:spTgt>
+                                        </p:tgtEl>
+                                        <p:attrNameLst>
+                                          <p:attrName>style.visibility</p:attrName>
+                                        </p:attrNameLst>
+                                      </p:cBhvr>
+                                      <p:to>
+                                        <p:strVal val="visible"/>
+                                      </p:to>
+                                    </p:set>
+                                  </p:childTnLst>
+                                </p:cTn>
+                              </p:par>
+                              <p:par>
+                                <p:cTn id="9" presetID="1" presetClass="entr" presetSubtype="0" fill="hold" nodeType="withEffect">
+                                  <p:stCondLst>
+                                    <p:cond delay="0"/>
+                                  </p:stCondLst>
+                                  <p:childTnLst>
+                                    <p:set>
+                                      <p:cBhvr>
+                                        <p:cTn id="10" dur="1" fill="hold">
+                                          <p:stCondLst>
+                                            <p:cond delay="0"/>
+                                          </p:stCondLst>
+                                        </p:cTn>
+                                        <p:tgtEl>
+                                          <p:spTgt spid="3">
+                                            <p:txEl>
+                                              <p:pRg st="2" end="2"/>
+                                            </p:txEl>
+                                          </p:spTgt>
+                                        </p:tgtEl>
+                                        <p:attrNameLst>
+                                          <p:attrName>style.visibility</p:attrName>
+                                        </p:attrNameLst>
+                                      </p:cBhvr>
+                                      <p:to>
+                                        <p:strVal val="visible"/>
+                                      </p:to>
+                                    </p:set>
+                                  </p:childTnLst>
+                                </p:cTn>
+                              </p:par>
+                            </p:childTnLst>
+                          </p:cTn>
+                        </p:par>
+                      </p:childTnLst>
+                    </p:cTn>
+                  </p:par>
+                  <p:par>
+                    <p:cTn id="11" fill="hold">
+                      <p:stCondLst>
+                        <p:cond delay="indefinite"/>
+                      </p:stCondLst>
+                      <p:childTnLst>
+                        <p:par>
+                          <p:cTn id="12" fill="hold">
+                            <p:stCondLst>
+                              <p:cond delay="0"/>
+                            </p:stCondLst>
+                            <p:childTnLst>
+                              <p:par>
+                                <p:cTn id="13" presetID="1" presetClass="entr" presetSubtype="0" fill="hold" nodeType="clickEffect">
+                                  <p:stCondLst>
+                                    <p:cond delay="0"/>
+                                  </p:stCondLst>
+                                  <p:childTnLst>
+                                    <p:set>
+                                      <p:cBhvr>
+                                        <p:cTn id="14" dur="1" fill="hold">
+                                          <p:stCondLst>
+                                            <p:cond delay="0"/>
+                                          </p:stCondLst>
+                                        </p:cTn>
+                                        <p:tgtEl>
+                                          <p:spTgt spid="3">
+                                            <p:txEl>
+                                              <p:pRg st="4" end="4"/>
+                                            </p:txEl>
+                                          </p:spTgt>
+                                        </p:tgtEl>
+                                        <p:attrNameLst>
+                                          <p:attrName>style.visibility</p:attrName>
+                                        </p:attrNameLst>
+                                      </p:cBhvr>
+                                      <p:to>
+                                        <p:strVal val="visible"/>
+                                      </p:to>
+                                    </p:set>
+                                  </p:childTnLst>
+                                </p:cTn>
+                              </p:par>
+                              <p:par>
+                                <p:cTn id="15" presetID="1" presetClass="entr" presetSubtype="0" fill="hold" nodeType="withEffect">
+                                  <p:stCondLst>
+                                    <p:cond delay="0"/>
+                                  </p:stCondLst>
+                                  <p:childTnLst>
+                                    <p:set>
+                                      <p:cBhvr>
+                                        <p:cTn id="16" dur="1" fill="hold">
+                                          <p:stCondLst>
+                                            <p:cond delay="0"/>
+                                          </p:stCondLst>
+                                        </p:cTn>
+                                        <p:tgtEl>
+                                          <p:spTgt spid="3">
+                                            <p:txEl>
+                                              <p:pRg st="5" end="5"/>
+                                            </p:txEl>
+                                          </p:spTgt>
+                                        </p:tgtEl>
+                                        <p:attrNameLst>
+                                          <p:attrName>style.visibility</p:attrName>
+                                        </p:attrNameLst>
+                                      </p:cBhvr>
+                                      <p:to>
+                                        <p:strVal val="visible"/>
+                                      </p:to>
+                                    </p:set>
+                                  </p:childTnLst>
+                                </p:cTn>
+                              </p:par>
+                              <p:par>
+                                <p:cTn id="17" presetID="1" presetClass="entr" presetSubtype="0" fill="hold" nodeType="withEffect">
+                                  <p:stCondLst>
+                                    <p:cond delay="0"/>
+                                  </p:stCondLst>
+                                  <p:childTnLst>
+                                    <p:set>
+                                      <p:cBhvr>
+                                        <p:cTn id="18" dur="1" fill="hold">
+                                          <p:stCondLst>
+                                            <p:cond delay="0"/>
+                                          </p:stCondLst>
+                                        </p:cTn>
+                                        <p:tgtEl>
+                                          <p:spTgt spid="3">
+                                            <p:txEl>
+                                              <p:pRg st="6" end="6"/>
+                                            </p:txEl>
+                                          </p:spTgt>
+                                        </p:tgtEl>
+                                        <p:attrNameLst>
+                                          <p:attrName>style.visibility</p:attrName>
+                                        </p:attrNameLst>
+                                      </p:cBhvr>
+                                      <p:to>
+                                        <p:strVal val="visible"/>
+                                      </p:to>
+                                    </p:set>
+                                  </p:childTnLst>
+                                </p:cTn>
+                              </p:par>
+                            </p:childTnLst>
+                          </p:cTn>
+                        </p:par>
+                      </p:childTnLst>
+                    </p:cTn>
+                  </p:par>
+                </p:childTnLst>
+              </p:cTn>
+              <p:prevCondLst>
+                <p:cond evt="onPrev" delay="0">
+                  <p:tgtEl>
+                    <p:sldTgt/>
+                  </p:tgtEl>
+                </p:cond>
+              </p:prevCondLst>
+              <p:nextCondLst>
+                <p:cond evt="onNext" delay="0">
+                  <p:tgtEl>
+                    <p:sldTgt/>
+                  </p:tgtEl>
+                </p:cond>
+              </p:nextCondLst>
+            </p:seq>
+          </p:childTnLst>
+        </p:cTn>
       </p:par>
     </p:tnLst>
   </p:timing>
@@ -11927,16 +12216,8 @@
           </a:p>
           <a:p>
             <a:r>
-              <a:rPr lang="en-CA" dirty="0" err="1" smtClean="0"/>
-              <a:t>Travaux</a:t>
-            </a:r>
-            <a:r>
               <a:rPr lang="en-CA" dirty="0" smtClean="0"/>
-              <a:t> </a:t>
-            </a:r>
-            <a:r>
-              <a:rPr lang="en-CA" dirty="0" err="1" smtClean="0"/>
-              <a:t>futurs</a:t>
+              <a:t>Conclusion</a:t>
             </a:r>
             <a:endParaRPr lang="fr-CA" dirty="0"/>
           </a:p>
@@ -12109,28 +12390,12 @@
           </a:p>
           <a:p>
             <a:r>
-              <a:rPr lang="en-CA" dirty="0" err="1" smtClean="0">
-                <a:solidFill>
-                  <a:schemeClr val="bg2"/>
-                </a:solidFill>
-              </a:rPr>
-              <a:t>Travaux</a:t>
-            </a:r>
-            <a:r>
               <a:rPr lang="en-CA" dirty="0" smtClean="0">
                 <a:solidFill>
                   <a:schemeClr val="bg2"/>
                 </a:solidFill>
               </a:rPr>
-              <a:t> </a:t>
-            </a:r>
-            <a:r>
-              <a:rPr lang="en-CA" dirty="0" err="1" smtClean="0">
-                <a:solidFill>
-                  <a:schemeClr val="bg2"/>
-                </a:solidFill>
-              </a:rPr>
-              <a:t>futurs</a:t>
+              <a:t>Conclusion</a:t>
             </a:r>
             <a:endParaRPr lang="fr-CA" dirty="0">
               <a:solidFill>

--- a/docs/IFT 749/Présentation.pptx
+++ b/docs/IFT 749/Présentation.pptx
@@ -5,7 +5,7 @@
     <p:sldMasterId id="2147483852" r:id="rId1"/>
   </p:sldMasterIdLst>
   <p:notesMasterIdLst>
-    <p:notesMasterId r:id="rId39"/>
+    <p:notesMasterId r:id="rId44"/>
   </p:notesMasterIdLst>
   <p:sldIdLst>
     <p:sldId id="256" r:id="rId2"/>
@@ -41,10 +41,15 @@
     <p:sldId id="308" r:id="rId32"/>
     <p:sldId id="307" r:id="rId33"/>
     <p:sldId id="295" r:id="rId34"/>
-    <p:sldId id="306" r:id="rId35"/>
-    <p:sldId id="286" r:id="rId36"/>
-    <p:sldId id="287" r:id="rId37"/>
-    <p:sldId id="288" r:id="rId38"/>
+    <p:sldId id="310" r:id="rId35"/>
+    <p:sldId id="311" r:id="rId36"/>
+    <p:sldId id="312" r:id="rId37"/>
+    <p:sldId id="313" r:id="rId38"/>
+    <p:sldId id="306" r:id="rId39"/>
+    <p:sldId id="309" r:id="rId40"/>
+    <p:sldId id="286" r:id="rId41"/>
+    <p:sldId id="287" r:id="rId42"/>
+    <p:sldId id="288" r:id="rId43"/>
   </p:sldIdLst>
   <p:sldSz cx="9144000" cy="6858000" type="screen4x3"/>
   <p:notesSz cx="6858000" cy="9144000"/>
@@ -229,7 +234,7 @@
             <a:fld id="{6848FC7A-46A2-414A-8ED9-693F9B6A3CEC}" type="datetimeFigureOut">
               <a:rPr lang="fr-CA" smtClean="0"/>
               <a:pPr/>
-              <a:t>2013-12-12</a:t>
+              <a:t>2013-12-13</a:t>
             </a:fld>
             <a:endParaRPr lang="fr-CA"/>
           </a:p>
@@ -744,7 +749,7 @@
             <a:fld id="{AA309A6D-C09C-4548-B29A-6CF363A7E532}" type="datetimeFigureOut">
               <a:rPr lang="fr-FR" smtClean="0"/>
               <a:pPr/>
-              <a:t>12/12/2013</a:t>
+              <a:t>13/12/2013</a:t>
             </a:fld>
             <a:endParaRPr lang="fr-BE"/>
           </a:p>
@@ -969,7 +974,7 @@
             <a:fld id="{AA309A6D-C09C-4548-B29A-6CF363A7E532}" type="datetimeFigureOut">
               <a:rPr lang="fr-FR" smtClean="0"/>
               <a:pPr/>
-              <a:t>12/12/2013</a:t>
+              <a:t>13/12/2013</a:t>
             </a:fld>
             <a:endParaRPr lang="fr-BE"/>
           </a:p>
@@ -1251,7 +1256,7 @@
             <a:fld id="{AA309A6D-C09C-4548-B29A-6CF363A7E532}" type="datetimeFigureOut">
               <a:rPr lang="fr-FR" smtClean="0"/>
               <a:pPr/>
-              <a:t>12/12/2013</a:t>
+              <a:t>13/12/2013</a:t>
             </a:fld>
             <a:endParaRPr lang="fr-BE"/>
           </a:p>
@@ -1432,7 +1437,7 @@
             <a:fld id="{AA309A6D-C09C-4548-B29A-6CF363A7E532}" type="datetimeFigureOut">
               <a:rPr lang="fr-FR" smtClean="0"/>
               <a:pPr/>
-              <a:t>12/12/2013</a:t>
+              <a:t>13/12/2013</a:t>
             </a:fld>
             <a:endParaRPr lang="fr-BE"/>
           </a:p>
@@ -1792,7 +1797,7 @@
             <a:fld id="{AA309A6D-C09C-4548-B29A-6CF363A7E532}" type="datetimeFigureOut">
               <a:rPr lang="fr-FR" smtClean="0"/>
               <a:pPr/>
-              <a:t>12/12/2013</a:t>
+              <a:t>13/12/2013</a:t>
             </a:fld>
             <a:endParaRPr lang="fr-BE"/>
           </a:p>
@@ -2081,7 +2086,7 @@
             <a:fld id="{AA309A6D-C09C-4548-B29A-6CF363A7E532}" type="datetimeFigureOut">
               <a:rPr lang="fr-FR" smtClean="0"/>
               <a:pPr/>
-              <a:t>12/12/2013</a:t>
+              <a:t>13/12/2013</a:t>
             </a:fld>
             <a:endParaRPr lang="fr-BE"/>
           </a:p>
@@ -2505,7 +2510,7 @@
             <a:fld id="{AA309A6D-C09C-4548-B29A-6CF363A7E532}" type="datetimeFigureOut">
               <a:rPr lang="fr-FR" smtClean="0"/>
               <a:pPr/>
-              <a:t>12/12/2013</a:t>
+              <a:t>13/12/2013</a:t>
             </a:fld>
             <a:endParaRPr lang="fr-BE"/>
           </a:p>
@@ -2622,7 +2627,7 @@
             <a:fld id="{AA309A6D-C09C-4548-B29A-6CF363A7E532}" type="datetimeFigureOut">
               <a:rPr lang="fr-FR" smtClean="0"/>
               <a:pPr/>
-              <a:t>12/12/2013</a:t>
+              <a:t>13/12/2013</a:t>
             </a:fld>
             <a:endParaRPr lang="fr-BE"/>
           </a:p>
@@ -2714,7 +2719,7 @@
             <a:fld id="{AA309A6D-C09C-4548-B29A-6CF363A7E532}" type="datetimeFigureOut">
               <a:rPr lang="fr-FR" smtClean="0"/>
               <a:pPr/>
-              <a:t>12/12/2013</a:t>
+              <a:t>13/12/2013</a:t>
             </a:fld>
             <a:endParaRPr lang="fr-BE"/>
           </a:p>
@@ -2994,7 +2999,7 @@
             <a:fld id="{AA309A6D-C09C-4548-B29A-6CF363A7E532}" type="datetimeFigureOut">
               <a:rPr lang="fr-FR" smtClean="0"/>
               <a:pPr/>
-              <a:t>12/12/2013</a:t>
+              <a:t>13/12/2013</a:t>
             </a:fld>
             <a:endParaRPr lang="fr-BE"/>
           </a:p>
@@ -3362,7 +3367,7 @@
             <a:fld id="{AA309A6D-C09C-4548-B29A-6CF363A7E532}" type="datetimeFigureOut">
               <a:rPr lang="fr-FR" smtClean="0"/>
               <a:pPr/>
-              <a:t>12/12/2013</a:t>
+              <a:t>13/12/2013</a:t>
             </a:fld>
             <a:endParaRPr lang="fr-BE"/>
           </a:p>
@@ -3801,7 +3806,7 @@
             <a:fld id="{AA309A6D-C09C-4548-B29A-6CF363A7E532}" type="datetimeFigureOut">
               <a:rPr lang="fr-FR" smtClean="0"/>
               <a:pPr/>
-              <a:t>12/12/2013</a:t>
+              <a:t>13/12/2013</a:t>
             </a:fld>
             <a:endParaRPr lang="fr-BE"/>
           </a:p>
@@ -7288,7 +7293,9 @@
         </p:nvSpPr>
         <p:spPr/>
         <p:txBody>
-          <a:bodyPr/>
+          <a:bodyPr>
+            <a:normAutofit fontScale="92500" lnSpcReduction="10000"/>
+          </a:bodyPr>
           <a:lstStyle/>
           <a:p>
             <a:r>
@@ -7379,8 +7386,22 @@
             </a:r>
             <a:r>
               <a:rPr lang="en-CA" dirty="0" smtClean="0"/>
-              <a:t> à tester</a:t>
-            </a:r>
+              <a:t> à </a:t>
+            </a:r>
+            <a:r>
+              <a:rPr lang="en-CA" dirty="0" smtClean="0"/>
+              <a:t>tester</a:t>
+            </a:r>
+          </a:p>
+          <a:p>
+            <a:endParaRPr lang="en-CA" dirty="0" smtClean="0"/>
+          </a:p>
+          <a:p>
+            <a:r>
+              <a:rPr lang="en-CA" dirty="0" smtClean="0"/>
+              <a:t>Non portable</a:t>
+            </a:r>
+            <a:endParaRPr lang="en-CA" dirty="0" smtClean="0"/>
           </a:p>
           <a:p>
             <a:endParaRPr lang="en-CA" dirty="0" smtClean="0"/>
@@ -7925,29 +7946,6 @@
       </p:grpSpPr>
       <p:sp>
         <p:nvSpPr>
-          <p:cNvPr id="2" name="Titre 1"/>
-          <p:cNvSpPr>
-            <a:spLocks noGrp="1"/>
-          </p:cNvSpPr>
-          <p:nvPr>
-            <p:ph type="title"/>
-          </p:nvPr>
-        </p:nvSpPr>
-        <p:spPr/>
-        <p:txBody>
-          <a:bodyPr/>
-          <a:lstStyle/>
-          <a:p>
-            <a:r>
-              <a:rPr lang="en-CA" dirty="0" err="1" smtClean="0"/>
-              <a:t>Théorie</a:t>
-            </a:r>
-            <a:endParaRPr lang="fr-CA" dirty="0"/>
-          </a:p>
-        </p:txBody>
-      </p:sp>
-      <p:sp>
-        <p:nvSpPr>
           <p:cNvPr id="3" name="Espace réservé du contenu 2"/>
           <p:cNvSpPr>
             <a:spLocks noGrp="1"/>
@@ -8106,6 +8104,70 @@
             <a:r>
               <a:rPr lang="fr-CA" dirty="0" smtClean="0"/>
               <a:t> (3)</a:t>
+            </a:r>
+            <a:endParaRPr lang="fr-CA" dirty="0"/>
+          </a:p>
+        </p:txBody>
+      </p:sp>
+      <p:sp>
+        <p:nvSpPr>
+          <p:cNvPr id="8" name="Rectangle 7"/>
+          <p:cNvSpPr/>
+          <p:nvPr/>
+        </p:nvSpPr>
+        <p:spPr>
+          <a:xfrm>
+            <a:off x="2699792" y="2420888"/>
+            <a:ext cx="1368152" cy="576064"/>
+          </a:xfrm>
+          <a:prstGeom prst="rect">
+            <a:avLst/>
+          </a:prstGeom>
+          <a:noFill/>
+        </p:spPr>
+        <p:style>
+          <a:lnRef idx="2">
+            <a:schemeClr val="accent1">
+              <a:shade val="50000"/>
+            </a:schemeClr>
+          </a:lnRef>
+          <a:fillRef idx="1">
+            <a:schemeClr val="accent1"/>
+          </a:fillRef>
+          <a:effectRef idx="0">
+            <a:schemeClr val="accent1"/>
+          </a:effectRef>
+          <a:fontRef idx="minor">
+            <a:schemeClr val="lt1"/>
+          </a:fontRef>
+        </p:style>
+        <p:txBody>
+          <a:bodyPr rtlCol="0" anchor="ctr"/>
+          <a:lstStyle/>
+          <a:p>
+            <a:pPr algn="ctr"/>
+            <a:endParaRPr lang="fr-CA"/>
+          </a:p>
+        </p:txBody>
+      </p:sp>
+      <p:sp>
+        <p:nvSpPr>
+          <p:cNvPr id="2" name="Titre 1"/>
+          <p:cNvSpPr>
+            <a:spLocks noGrp="1"/>
+          </p:cNvSpPr>
+          <p:nvPr>
+            <p:ph type="title"/>
+          </p:nvPr>
+        </p:nvSpPr>
+        <p:spPr/>
+        <p:txBody>
+          <a:bodyPr/>
+          <a:lstStyle/>
+          <a:p>
+            <a:r>
+              <a:rPr lang="en-CA" dirty="0" err="1" smtClean="0"/>
+              <a:t>Théorie</a:t>
             </a:r>
             <a:endParaRPr lang="fr-CA" dirty="0"/>
           </a:p>
@@ -8153,46 +8215,6 @@
       </p:sp>
       <p:sp>
         <p:nvSpPr>
-          <p:cNvPr id="5" name="Flèche droite 4"/>
-          <p:cNvSpPr/>
-          <p:nvPr/>
-        </p:nvSpPr>
-        <p:spPr>
-          <a:xfrm>
-            <a:off x="1763688" y="2780928"/>
-            <a:ext cx="864096" cy="216024"/>
-          </a:xfrm>
-          <a:prstGeom prst="rightArrow">
-            <a:avLst/>
-          </a:prstGeom>
-        </p:spPr>
-        <p:style>
-          <a:lnRef idx="2">
-            <a:schemeClr val="accent1">
-              <a:shade val="50000"/>
-            </a:schemeClr>
-          </a:lnRef>
-          <a:fillRef idx="1">
-            <a:schemeClr val="accent1"/>
-          </a:fillRef>
-          <a:effectRef idx="0">
-            <a:schemeClr val="accent1"/>
-          </a:effectRef>
-          <a:fontRef idx="minor">
-            <a:schemeClr val="lt1"/>
-          </a:fontRef>
-        </p:style>
-        <p:txBody>
-          <a:bodyPr rtlCol="0" anchor="ctr"/>
-          <a:lstStyle/>
-          <a:p>
-            <a:pPr algn="ctr"/>
-            <a:endParaRPr lang="fr-CA"/>
-          </a:p>
-        </p:txBody>
-      </p:sp>
-      <p:sp>
-        <p:nvSpPr>
           <p:cNvPr id="6" name="Flèche droite 5"/>
           <p:cNvSpPr/>
           <p:nvPr/>
@@ -8252,6 +8274,47 @@
               <a:t>29</a:t>
             </a:fld>
             <a:endParaRPr lang="fr-BE"/>
+          </a:p>
+        </p:txBody>
+      </p:sp>
+      <p:sp>
+        <p:nvSpPr>
+          <p:cNvPr id="11" name="Rectangle 10"/>
+          <p:cNvSpPr/>
+          <p:nvPr/>
+        </p:nvSpPr>
+        <p:spPr>
+          <a:xfrm>
+            <a:off x="2699792" y="3068960"/>
+            <a:ext cx="2160240" cy="3312368"/>
+          </a:xfrm>
+          <a:prstGeom prst="rect">
+            <a:avLst/>
+          </a:prstGeom>
+          <a:noFill/>
+        </p:spPr>
+        <p:style>
+          <a:lnRef idx="2">
+            <a:schemeClr val="accent1">
+              <a:shade val="50000"/>
+            </a:schemeClr>
+          </a:lnRef>
+          <a:fillRef idx="1">
+            <a:schemeClr val="accent1"/>
+          </a:fillRef>
+          <a:effectRef idx="0">
+            <a:schemeClr val="accent1"/>
+          </a:effectRef>
+          <a:fontRef idx="minor">
+            <a:schemeClr val="lt1"/>
+          </a:fontRef>
+        </p:style>
+        <p:txBody>
+          <a:bodyPr rtlCol="0" anchor="ctr"/>
+          <a:lstStyle/>
+          <a:p>
+            <a:pPr algn="ctr"/>
+            <a:endParaRPr lang="fr-CA"/>
           </a:p>
         </p:txBody>
       </p:sp>
@@ -8340,7 +8403,7 @@
                                           </p:stCondLst>
                                         </p:cTn>
                                         <p:tgtEl>
-                                          <p:spTgt spid="5"/>
+                                          <p:spTgt spid="6"/>
                                         </p:tgtEl>
                                         <p:attrNameLst>
                                           <p:attrName>style.visibility</p:attrName>
@@ -8385,7 +8448,34 @@
                                           </p:stCondLst>
                                         </p:cTn>
                                         <p:tgtEl>
-                                          <p:spTgt spid="6"/>
+                                          <p:spTgt spid="8"/>
+                                        </p:tgtEl>
+                                        <p:attrNameLst>
+                                          <p:attrName>style.visibility</p:attrName>
+                                        </p:attrNameLst>
+                                      </p:cBhvr>
+                                      <p:to>
+                                        <p:strVal val="visible"/>
+                                      </p:to>
+                                    </p:set>
+                                  </p:childTnLst>
+                                </p:cTn>
+                              </p:par>
+                              <p:par>
+                                <p:cTn id="15" presetID="1" presetClass="entr" presetSubtype="0" fill="hold" grpId="0" nodeType="withEffect">
+                                  <p:stCondLst>
+                                    <p:cond delay="0"/>
+                                  </p:stCondLst>
+                                  <p:childTnLst>
+                                    <p:set>
+                                      <p:cBhvr>
+                                        <p:cTn id="16" dur="1" fill="hold">
+                                          <p:stCondLst>
+                                            <p:cond delay="0"/>
+                                          </p:stCondLst>
+                                        </p:cTn>
+                                        <p:tgtEl>
+                                          <p:spTgt spid="11"/>
                                         </p:tgtEl>
                                         <p:attrNameLst>
                                           <p:attrName>style.visibility</p:attrName>
@@ -8426,9 +8516,10 @@
       </p:par>
     </p:tnLst>
     <p:bldLst>
+      <p:bldP spid="8" grpId="0" animBg="1"/>
       <p:bldP spid="4" grpId="0" animBg="1"/>
-      <p:bldP spid="5" grpId="0" animBg="1"/>
       <p:bldP spid="6" grpId="0" animBg="1"/>
+      <p:bldP spid="11" grpId="0" animBg="1"/>
     </p:bldLst>
   </p:timing>
 </p:sld>
@@ -11082,41 +11173,14 @@
               <a:t>Chaitin</a:t>
             </a:r>
             <a:r>
-              <a:rPr lang="en-CA" smtClean="0"/>
+              <a:rPr lang="en-CA" dirty="0" smtClean="0"/>
               <a:t>-Briggs </a:t>
             </a:r>
-            <a:endParaRPr lang="en-CA" dirty="0" smtClean="0"/>
-          </a:p>
-          <a:p>
-            <a:pPr lvl="1"/>
-            <a:r>
-              <a:rPr lang="en-CA" dirty="0" smtClean="0"/>
-              <a:t>Linear Scan Register Allocation</a:t>
-            </a:r>
-          </a:p>
-          <a:p>
-            <a:pPr lvl="1"/>
-            <a:r>
-              <a:rPr lang="en-CA" dirty="0" smtClean="0"/>
-              <a:t>Greedy Register Allocation</a:t>
-            </a:r>
-          </a:p>
-          <a:p>
-            <a:pPr lvl="1"/>
-            <a:r>
-              <a:rPr lang="en-CA" dirty="0" smtClean="0"/>
-              <a:t>Integer-Linear Programming</a:t>
-            </a:r>
-          </a:p>
-          <a:p>
-            <a:pPr lvl="1"/>
-            <a:r>
-              <a:rPr lang="en-CA" dirty="0" smtClean="0"/>
-              <a:t>Top-Down Local Register Allocation</a:t>
-            </a:r>
-          </a:p>
-          <a:p>
-            <a:pPr lvl="2"/>
+          </a:p>
+          <a:p>
+            <a:pPr lvl="2">
+              <a:buNone/>
+            </a:pPr>
             <a:endParaRPr lang="en-CA" dirty="0" smtClean="0"/>
           </a:p>
           <a:p>
@@ -11149,6 +11213,228 @@
           </a:p>
         </p:txBody>
       </p:sp>
+      <p:pic>
+        <p:nvPicPr>
+          <p:cNvPr id="10242" name="Picture 2" descr="Diagram of a clique separator"/>
+          <p:cNvPicPr>
+            <a:picLocks noChangeAspect="1" noChangeArrowheads="1"/>
+          </p:cNvPicPr>
+          <p:nvPr/>
+        </p:nvPicPr>
+        <p:blipFill>
+          <a:blip r:embed="rId2" cstate="print"/>
+          <a:srcRect/>
+          <a:stretch>
+            <a:fillRect/>
+          </a:stretch>
+        </p:blipFill>
+        <p:spPr bwMode="auto">
+          <a:xfrm>
+            <a:off x="1288435" y="3140968"/>
+            <a:ext cx="6451917" cy="2880320"/>
+          </a:xfrm>
+          <a:prstGeom prst="rect">
+            <a:avLst/>
+          </a:prstGeom>
+          <a:noFill/>
+        </p:spPr>
+      </p:pic>
+      <p:sp>
+        <p:nvSpPr>
+          <p:cNvPr id="8" name="Espace réservé du contenu 2"/>
+          <p:cNvSpPr txBox="1">
+            <a:spLocks/>
+          </p:cNvSpPr>
+          <p:nvPr/>
+        </p:nvSpPr>
+        <p:spPr>
+          <a:xfrm>
+            <a:off x="467544" y="1772816"/>
+            <a:ext cx="8229600" cy="4625609"/>
+          </a:xfrm>
+          <a:prstGeom prst="rect">
+            <a:avLst/>
+          </a:prstGeom>
+        </p:spPr>
+        <p:txBody>
+          <a:bodyPr vert="horz" lIns="54864" tIns="91440" rtlCol="0">
+            <a:normAutofit/>
+          </a:bodyPr>
+          <a:lstStyle/>
+          <a:p>
+            <a:pPr marL="438912" marR="0" lvl="0" indent="-320040" algn="l" defTabSz="914400" rtl="0" eaLnBrk="1" fontAlgn="auto" latinLnBrk="0" hangingPunct="1">
+              <a:lnSpc>
+                <a:spcPct val="100000"/>
+              </a:lnSpc>
+              <a:spcBef>
+                <a:spcPts val="0"/>
+              </a:spcBef>
+              <a:spcAft>
+                <a:spcPts val="0"/>
+              </a:spcAft>
+              <a:buClr>
+                <a:schemeClr val="accent1"/>
+              </a:buClr>
+              <a:buSzPct val="80000"/>
+              <a:buFont typeface="Wingdings 2"/>
+              <a:buChar char=""/>
+              <a:tabLst/>
+              <a:defRPr/>
+            </a:pPr>
+            <a:r>
+              <a:rPr kumimoji="0" lang="en-CA" sz="3200" b="0" i="0" u="none" strike="noStrike" kern="1200" cap="none" spc="0" normalizeH="0" baseline="0" noProof="0" smtClean="0">
+                <a:ln>
+                  <a:noFill/>
+                </a:ln>
+                <a:solidFill>
+                  <a:schemeClr val="tx1"/>
+                </a:solidFill>
+                <a:effectLst/>
+                <a:uLnTx/>
+                <a:uFillTx/>
+                <a:latin typeface="+mn-lt"/>
+                <a:ea typeface="+mn-ea"/>
+                <a:cs typeface="+mn-cs"/>
+              </a:rPr>
+              <a:t>Allocation de registres</a:t>
+            </a:r>
+          </a:p>
+          <a:p>
+            <a:pPr marL="731520" marR="0" lvl="1" indent="-274320" algn="l" defTabSz="914400" rtl="0" eaLnBrk="1" fontAlgn="auto" latinLnBrk="0" hangingPunct="1">
+              <a:lnSpc>
+                <a:spcPct val="100000"/>
+              </a:lnSpc>
+              <a:spcBef>
+                <a:spcPct val="20000"/>
+              </a:spcBef>
+              <a:spcAft>
+                <a:spcPts val="0"/>
+              </a:spcAft>
+              <a:buClr>
+                <a:schemeClr val="accent2"/>
+              </a:buClr>
+              <a:buSzPct val="90000"/>
+              <a:buFont typeface="Wingdings"/>
+              <a:buChar char=""/>
+              <a:tabLst/>
+              <a:defRPr/>
+            </a:pPr>
+            <a:r>
+              <a:rPr kumimoji="0" lang="en-CA" sz="2800" b="0" i="0" u="none" strike="noStrike" kern="1200" cap="none" spc="0" normalizeH="0" baseline="0" noProof="0" smtClean="0">
+                <a:ln>
+                  <a:noFill/>
+                </a:ln>
+                <a:solidFill>
+                  <a:schemeClr val="tx1"/>
+                </a:solidFill>
+                <a:effectLst/>
+                <a:uLnTx/>
+                <a:uFillTx/>
+                <a:latin typeface="+mn-lt"/>
+                <a:ea typeface="+mn-ea"/>
+                <a:cs typeface="+mn-cs"/>
+              </a:rPr>
+              <a:t>Chaitin-Briggs </a:t>
+            </a:r>
+          </a:p>
+          <a:p>
+            <a:pPr marL="996696" marR="0" lvl="2" indent="-228600" algn="l" defTabSz="914400" rtl="0" eaLnBrk="1" fontAlgn="auto" latinLnBrk="0" hangingPunct="1">
+              <a:lnSpc>
+                <a:spcPct val="100000"/>
+              </a:lnSpc>
+              <a:spcBef>
+                <a:spcPct val="20000"/>
+              </a:spcBef>
+              <a:spcAft>
+                <a:spcPts val="0"/>
+              </a:spcAft>
+              <a:buClr>
+                <a:schemeClr val="accent3"/>
+              </a:buClr>
+              <a:buSzTx/>
+              <a:buFont typeface="Arial"/>
+              <a:buNone/>
+              <a:tabLst/>
+              <a:defRPr/>
+            </a:pPr>
+            <a:endParaRPr kumimoji="0" lang="en-CA" sz="2400" b="0" i="0" u="none" strike="noStrike" kern="1200" cap="none" spc="0" normalizeH="0" baseline="0" noProof="0" smtClean="0">
+              <a:ln>
+                <a:noFill/>
+              </a:ln>
+              <a:solidFill>
+                <a:schemeClr val="tx1"/>
+              </a:solidFill>
+              <a:effectLst/>
+              <a:uLnTx/>
+              <a:uFillTx/>
+              <a:latin typeface="+mn-lt"/>
+              <a:ea typeface="+mn-ea"/>
+              <a:cs typeface="+mn-cs"/>
+            </a:endParaRPr>
+          </a:p>
+          <a:p>
+            <a:pPr marL="996696" marR="0" lvl="2" indent="-228600" algn="l" defTabSz="914400" rtl="0" eaLnBrk="1" fontAlgn="auto" latinLnBrk="0" hangingPunct="1">
+              <a:lnSpc>
+                <a:spcPct val="100000"/>
+              </a:lnSpc>
+              <a:spcBef>
+                <a:spcPct val="20000"/>
+              </a:spcBef>
+              <a:spcAft>
+                <a:spcPts val="0"/>
+              </a:spcAft>
+              <a:buClr>
+                <a:schemeClr val="accent3"/>
+              </a:buClr>
+              <a:buSzTx/>
+              <a:buFont typeface="Arial"/>
+              <a:buChar char="▪"/>
+              <a:tabLst/>
+              <a:defRPr/>
+            </a:pPr>
+            <a:endParaRPr kumimoji="0" lang="fr-CA" sz="2400" b="0" i="0" u="none" strike="noStrike" kern="1200" cap="none" spc="0" normalizeH="0" baseline="0" noProof="0" dirty="0">
+              <a:ln>
+                <a:noFill/>
+              </a:ln>
+              <a:solidFill>
+                <a:schemeClr val="tx1"/>
+              </a:solidFill>
+              <a:effectLst/>
+              <a:uLnTx/>
+              <a:uFillTx/>
+              <a:latin typeface="+mn-lt"/>
+              <a:ea typeface="+mn-ea"/>
+              <a:cs typeface="+mn-cs"/>
+            </a:endParaRPr>
+          </a:p>
+        </p:txBody>
+      </p:sp>
+      <p:pic>
+        <p:nvPicPr>
+          <p:cNvPr id="9" name="Picture 2" descr="Diagram of a clique separator"/>
+          <p:cNvPicPr>
+            <a:picLocks noChangeAspect="1" noChangeArrowheads="1"/>
+          </p:cNvPicPr>
+          <p:nvPr/>
+        </p:nvPicPr>
+        <p:blipFill>
+          <a:blip r:embed="rId2" cstate="print"/>
+          <a:srcRect/>
+          <a:stretch>
+            <a:fillRect/>
+          </a:stretch>
+        </p:blipFill>
+        <p:spPr bwMode="auto">
+          <a:xfrm>
+            <a:off x="1298779" y="3138593"/>
+            <a:ext cx="6451917" cy="2880320"/>
+          </a:xfrm>
+          <a:prstGeom prst="rect">
+            <a:avLst/>
+          </a:prstGeom>
+          <a:noFill/>
+        </p:spPr>
+      </p:pic>
     </p:spTree>
   </p:cSld>
   <p:clrMapOvr>
@@ -11197,8 +11483,8 @@
           <a:lstStyle/>
           <a:p>
             <a:r>
-              <a:rPr lang="fr-CA" dirty="0" smtClean="0"/>
-              <a:t>Pratique</a:t>
+              <a:rPr lang="en-CA" dirty="0" err="1" smtClean="0"/>
+              <a:t>Théorie</a:t>
             </a:r>
             <a:endParaRPr lang="fr-CA" dirty="0"/>
           </a:p>
@@ -11216,134 +11502,37 @@
         </p:nvSpPr>
         <p:spPr/>
         <p:txBody>
-          <a:bodyPr>
-            <a:normAutofit/>
-          </a:bodyPr>
-          <a:lstStyle/>
-          <a:p>
-            <a:pPr>
-              <a:buNone/>
-            </a:pPr>
-            <a:r>
-              <a:rPr lang="fr-CA" dirty="0" err="1" smtClean="0"/>
-              <a:t>void</a:t>
-            </a:r>
-            <a:r>
-              <a:rPr lang="fr-CA" dirty="0" smtClean="0"/>
+          <a:bodyPr/>
+          <a:lstStyle/>
+          <a:p>
+            <a:r>
+              <a:rPr lang="en-CA" dirty="0" smtClean="0"/>
+              <a:t>Allocation de </a:t>
+            </a:r>
+            <a:r>
+              <a:rPr lang="en-CA" dirty="0" err="1" smtClean="0"/>
+              <a:t>registres</a:t>
+            </a:r>
+            <a:r>
+              <a:rPr lang="en-CA" dirty="0" smtClean="0"/>
               <a:t> </a:t>
             </a:r>
-            <a:r>
-              <a:rPr lang="fr-CA" dirty="0" err="1" smtClean="0"/>
-              <a:t>dynarec</a:t>
-            </a:r>
-            <a:r>
-              <a:rPr lang="fr-CA" dirty="0" smtClean="0"/>
-              <a:t>()</a:t>
-            </a:r>
-          </a:p>
-          <a:p>
-            <a:pPr>
-              <a:buNone/>
-            </a:pPr>
-            <a:r>
-              <a:rPr lang="fr-CA" dirty="0" smtClean="0"/>
-              <a:t>{</a:t>
-            </a:r>
-          </a:p>
-          <a:p>
-            <a:pPr>
-              <a:buNone/>
-            </a:pPr>
-            <a:r>
-              <a:rPr lang="fr-CA" dirty="0" smtClean="0"/>
-              <a:t>	</a:t>
-            </a:r>
-            <a:r>
-              <a:rPr lang="fr-CA" dirty="0" err="1" smtClean="0"/>
-              <a:t>while</a:t>
-            </a:r>
-            <a:r>
-              <a:rPr lang="fr-CA" dirty="0" smtClean="0"/>
-              <a:t>(1)</a:t>
-            </a:r>
-          </a:p>
-          <a:p>
-            <a:pPr>
-              <a:buNone/>
-            </a:pPr>
-            <a:r>
-              <a:rPr lang="fr-CA" dirty="0" smtClean="0"/>
-              <a:t>	{</a:t>
-            </a:r>
-          </a:p>
-          <a:p>
-            <a:pPr>
-              <a:buNone/>
-            </a:pPr>
-            <a:r>
-              <a:rPr lang="fr-CA" dirty="0" smtClean="0"/>
-              <a:t>		if(</a:t>
-            </a:r>
-            <a:r>
-              <a:rPr lang="fr-CA" dirty="0" err="1" smtClean="0"/>
-              <a:t>TranslationCache</a:t>
-            </a:r>
-            <a:r>
-              <a:rPr lang="fr-CA" dirty="0" smtClean="0"/>
-              <a:t>[PC] == </a:t>
-            </a:r>
-            <a:r>
-              <a:rPr lang="fr-CA" dirty="0" err="1" smtClean="0"/>
-              <a:t>nullptr</a:t>
-            </a:r>
-            <a:r>
-              <a:rPr lang="fr-CA" dirty="0" smtClean="0"/>
-              <a:t>)</a:t>
-            </a:r>
-          </a:p>
-          <a:p>
-            <a:pPr>
-              <a:buNone/>
-            </a:pPr>
-            <a:r>
-              <a:rPr lang="fr-CA" dirty="0" smtClean="0"/>
-              <a:t>			recompile();</a:t>
-            </a:r>
-          </a:p>
-          <a:p>
-            <a:pPr>
-              <a:buNone/>
-            </a:pPr>
-            <a:r>
-              <a:rPr lang="fr-CA" dirty="0" smtClean="0"/>
-              <a:t>		</a:t>
-            </a:r>
-            <a:r>
-              <a:rPr lang="fr-CA" dirty="0" err="1" smtClean="0"/>
-              <a:t>TranslationCache</a:t>
-            </a:r>
-            <a:r>
-              <a:rPr lang="fr-CA" dirty="0" smtClean="0"/>
-              <a:t>[PC]();</a:t>
-            </a:r>
-          </a:p>
-          <a:p>
-            <a:pPr>
-              <a:buNone/>
-            </a:pPr>
-            <a:r>
-              <a:rPr lang="fr-CA" dirty="0" smtClean="0"/>
-              <a:t>	}</a:t>
-            </a:r>
-          </a:p>
-          <a:p>
-            <a:pPr>
-              <a:buNone/>
-            </a:pPr>
-            <a:r>
-              <a:rPr lang="fr-CA" dirty="0" smtClean="0"/>
-              <a:t>}</a:t>
-            </a:r>
+            <a:endParaRPr lang="en-CA" dirty="0" smtClean="0"/>
+          </a:p>
+          <a:p>
+            <a:pPr lvl="1"/>
+            <a:r>
+              <a:rPr lang="en-CA" dirty="0" smtClean="0"/>
+              <a:t>Linear Scan Register </a:t>
+            </a:r>
+            <a:r>
+              <a:rPr lang="en-CA" dirty="0" smtClean="0"/>
+              <a:t>Allocation</a:t>
+            </a:r>
+            <a:endParaRPr lang="en-CA" dirty="0" smtClean="0"/>
+          </a:p>
+          <a:p>
+            <a:pPr lvl="2"/>
             <a:endParaRPr lang="fr-CA" dirty="0"/>
           </a:p>
         </p:txBody>
@@ -11372,6 +11561,32 @@
           </a:p>
         </p:txBody>
       </p:sp>
+      <p:pic>
+        <p:nvPicPr>
+          <p:cNvPr id="4098" name="Picture 2" descr="http://pages.cs.wisc.edu/%7Ecs701-1/NOTES/REGISTER-ALLOCATION-AUX/linear2.gif"/>
+          <p:cNvPicPr>
+            <a:picLocks noChangeAspect="1" noChangeArrowheads="1"/>
+          </p:cNvPicPr>
+          <p:nvPr/>
+        </p:nvPicPr>
+        <p:blipFill>
+          <a:blip r:embed="rId2" cstate="print"/>
+          <a:srcRect/>
+          <a:stretch>
+            <a:fillRect/>
+          </a:stretch>
+        </p:blipFill>
+        <p:spPr bwMode="auto">
+          <a:xfrm>
+            <a:off x="1424900" y="3356992"/>
+            <a:ext cx="6459468" cy="2736304"/>
+          </a:xfrm>
+          <a:prstGeom prst="rect">
+            <a:avLst/>
+          </a:prstGeom>
+          <a:noFill/>
+        </p:spPr>
+      </p:pic>
     </p:spTree>
   </p:cSld>
   <p:clrMapOvr>
@@ -11420,112 +11635,56 @@
           <a:lstStyle/>
           <a:p>
             <a:r>
+              <a:rPr lang="en-CA" dirty="0" err="1" smtClean="0"/>
+              <a:t>Théorie</a:t>
+            </a:r>
+            <a:endParaRPr lang="fr-CA" dirty="0"/>
+          </a:p>
+        </p:txBody>
+      </p:sp>
+      <p:sp>
+        <p:nvSpPr>
+          <p:cNvPr id="3" name="Espace réservé du contenu 2"/>
+          <p:cNvSpPr>
+            <a:spLocks noGrp="1"/>
+          </p:cNvSpPr>
+          <p:nvPr>
+            <p:ph idx="1"/>
+          </p:nvPr>
+        </p:nvSpPr>
+        <p:spPr/>
+        <p:txBody>
+          <a:bodyPr/>
+          <a:lstStyle/>
+          <a:p>
+            <a:r>
               <a:rPr lang="en-CA" dirty="0" smtClean="0"/>
-              <a:t>Plan</a:t>
-            </a:r>
-            <a:endParaRPr lang="fr-CA" dirty="0"/>
-          </a:p>
-        </p:txBody>
-      </p:sp>
-      <p:sp>
-        <p:nvSpPr>
-          <p:cNvPr id="3" name="Espace réservé du contenu 2"/>
-          <p:cNvSpPr>
-            <a:spLocks noGrp="1"/>
-          </p:cNvSpPr>
-          <p:nvPr>
-            <p:ph idx="1"/>
-          </p:nvPr>
-        </p:nvSpPr>
-        <p:spPr/>
-        <p:txBody>
-          <a:bodyPr>
-            <a:normAutofit/>
-          </a:bodyPr>
-          <a:lstStyle/>
-          <a:p>
-            <a:r>
-              <a:rPr lang="en-CA" dirty="0" smtClean="0">
-                <a:solidFill>
-                  <a:schemeClr val="bg2"/>
-                </a:solidFill>
-              </a:rPr>
-              <a:t>Chip16</a:t>
-            </a:r>
-          </a:p>
-          <a:p>
-            <a:endParaRPr lang="en-CA" dirty="0" smtClean="0">
-              <a:solidFill>
-                <a:schemeClr val="bg2"/>
-              </a:solidFill>
-            </a:endParaRPr>
-          </a:p>
-          <a:p>
-            <a:r>
-              <a:rPr lang="en-CA" dirty="0" err="1" smtClean="0">
-                <a:solidFill>
-                  <a:schemeClr val="bg2"/>
-                </a:solidFill>
-              </a:rPr>
-              <a:t>Interprétation</a:t>
-            </a:r>
-            <a:endParaRPr lang="en-CA" dirty="0" smtClean="0">
-              <a:solidFill>
-                <a:schemeClr val="bg2"/>
-              </a:solidFill>
-            </a:endParaRPr>
-          </a:p>
-          <a:p>
-            <a:pPr>
-              <a:buNone/>
-            </a:pPr>
-            <a:endParaRPr lang="en-CA" dirty="0" smtClean="0">
-              <a:solidFill>
-                <a:schemeClr val="bg2"/>
-              </a:solidFill>
-            </a:endParaRPr>
-          </a:p>
-          <a:p>
-            <a:r>
-              <a:rPr lang="en-CA" dirty="0" smtClean="0">
-                <a:solidFill>
-                  <a:schemeClr val="bg2"/>
-                </a:solidFill>
-              </a:rPr>
-              <a:t>Recompilation </a:t>
-            </a:r>
-            <a:r>
-              <a:rPr lang="en-CA" dirty="0" err="1" smtClean="0">
-                <a:solidFill>
-                  <a:schemeClr val="bg2"/>
-                </a:solidFill>
-              </a:rPr>
-              <a:t>dynamique</a:t>
-            </a:r>
-            <a:endParaRPr lang="en-CA" dirty="0" smtClean="0">
-              <a:solidFill>
-                <a:schemeClr val="bg2"/>
-              </a:solidFill>
-            </a:endParaRPr>
-          </a:p>
-          <a:p>
-            <a:pPr lvl="1">
-              <a:buNone/>
-            </a:pPr>
+              <a:t>Allocation de </a:t>
+            </a:r>
+            <a:r>
+              <a:rPr lang="en-CA" dirty="0" err="1" smtClean="0"/>
+              <a:t>registres</a:t>
+            </a:r>
             <a:endParaRPr lang="en-CA" dirty="0" smtClean="0"/>
           </a:p>
           <a:p>
+            <a:pPr lvl="1"/>
             <a:r>
               <a:rPr lang="en-CA" dirty="0" smtClean="0"/>
-              <a:t>Conclusion</a:t>
-            </a:r>
-          </a:p>
-          <a:p>
-            <a:pPr lvl="1"/>
+              <a:t>Greedy </a:t>
+            </a:r>
+            <a:r>
+              <a:rPr lang="en-CA" dirty="0" smtClean="0"/>
+              <a:t>Register </a:t>
+            </a:r>
+            <a:r>
+              <a:rPr lang="en-CA" dirty="0" smtClean="0"/>
+              <a:t>Allocation</a:t>
+            </a:r>
             <a:endParaRPr lang="en-CA" dirty="0" smtClean="0"/>
           </a:p>
           <a:p>
-            <a:pPr lvl="1"/>
+            <a:pPr lvl="2"/>
             <a:endParaRPr lang="fr-CA" dirty="0"/>
           </a:p>
         </p:txBody>
@@ -11554,6 +11713,32 @@
           </a:p>
         </p:txBody>
       </p:sp>
+      <p:pic>
+        <p:nvPicPr>
+          <p:cNvPr id="3074" name="Picture 2" descr="http://www.llvm.org/img/DragonMedium.png"/>
+          <p:cNvPicPr>
+            <a:picLocks noChangeAspect="1" noChangeArrowheads="1"/>
+          </p:cNvPicPr>
+          <p:nvPr/>
+        </p:nvPicPr>
+        <p:blipFill>
+          <a:blip r:embed="rId2" cstate="print"/>
+          <a:srcRect/>
+          <a:stretch>
+            <a:fillRect/>
+          </a:stretch>
+        </p:blipFill>
+        <p:spPr bwMode="auto">
+          <a:xfrm>
+            <a:off x="1979712" y="2204864"/>
+            <a:ext cx="5040560" cy="5040560"/>
+          </a:xfrm>
+          <a:prstGeom prst="rect">
+            <a:avLst/>
+          </a:prstGeom>
+          <a:noFill/>
+        </p:spPr>
+      </p:pic>
     </p:spTree>
   </p:cSld>
   <p:clrMapOvr>
@@ -11602,132 +11787,48 @@
           <a:lstStyle/>
           <a:p>
             <a:r>
+              <a:rPr lang="en-CA" dirty="0" err="1" smtClean="0"/>
+              <a:t>Théorie</a:t>
+            </a:r>
+            <a:endParaRPr lang="fr-CA" dirty="0"/>
+          </a:p>
+        </p:txBody>
+      </p:sp>
+      <p:sp>
+        <p:nvSpPr>
+          <p:cNvPr id="3" name="Espace réservé du contenu 2"/>
+          <p:cNvSpPr>
+            <a:spLocks noGrp="1"/>
+          </p:cNvSpPr>
+          <p:nvPr>
+            <p:ph idx="1"/>
+          </p:nvPr>
+        </p:nvSpPr>
+        <p:spPr/>
+        <p:txBody>
+          <a:bodyPr/>
+          <a:lstStyle/>
+          <a:p>
+            <a:r>
               <a:rPr lang="en-CA" dirty="0" smtClean="0"/>
-              <a:t>Conclusion</a:t>
-            </a:r>
-            <a:endParaRPr lang="fr-CA" dirty="0"/>
-          </a:p>
-        </p:txBody>
-      </p:sp>
-      <p:sp>
-        <p:nvSpPr>
-          <p:cNvPr id="3" name="Espace réservé du contenu 2"/>
-          <p:cNvSpPr>
-            <a:spLocks noGrp="1"/>
-          </p:cNvSpPr>
-          <p:nvPr>
-            <p:ph idx="1"/>
-          </p:nvPr>
-        </p:nvSpPr>
-        <p:spPr/>
-        <p:txBody>
-          <a:bodyPr/>
-          <a:lstStyle/>
-          <a:p>
+              <a:t>Allocation de </a:t>
+            </a:r>
             <a:r>
               <a:rPr lang="en-CA" dirty="0" err="1" smtClean="0"/>
-              <a:t>Produit</a:t>
-            </a:r>
+              <a:t>registres</a:t>
+            </a:r>
+            <a:endParaRPr lang="en-CA" dirty="0" smtClean="0"/>
+          </a:p>
+          <a:p>
+            <a:pPr lvl="1"/>
             <a:r>
               <a:rPr lang="en-CA" dirty="0" smtClean="0"/>
-              <a:t>:</a:t>
-            </a:r>
-          </a:p>
-          <a:p>
-            <a:pPr lvl="1"/>
-            <a:r>
-              <a:rPr lang="en-CA" dirty="0" err="1" smtClean="0"/>
-              <a:t>Émulateur</a:t>
-            </a:r>
-            <a:r>
-              <a:rPr lang="en-CA" dirty="0" smtClean="0"/>
-              <a:t> </a:t>
-            </a:r>
-            <a:r>
-              <a:rPr lang="en-CA" dirty="0" err="1" smtClean="0"/>
-              <a:t>interpréteur</a:t>
-            </a:r>
-            <a:r>
-              <a:rPr lang="en-CA" dirty="0" smtClean="0"/>
-              <a:t> </a:t>
-            </a:r>
-            <a:r>
-              <a:rPr lang="en-CA" dirty="0" err="1" smtClean="0"/>
-              <a:t>fonctionnel</a:t>
+              <a:t>Integer-Linear Programming</a:t>
             </a:r>
             <a:endParaRPr lang="en-CA" dirty="0" smtClean="0"/>
           </a:p>
           <a:p>
-            <a:pPr lvl="1"/>
-            <a:r>
-              <a:rPr lang="en-CA" dirty="0" err="1" smtClean="0"/>
-              <a:t>Recompilateur</a:t>
-            </a:r>
-            <a:r>
-              <a:rPr lang="en-CA" dirty="0" smtClean="0"/>
-              <a:t> </a:t>
-            </a:r>
-            <a:r>
-              <a:rPr lang="en-CA" dirty="0" err="1" smtClean="0"/>
-              <a:t>dynamique</a:t>
-            </a:r>
-            <a:r>
-              <a:rPr lang="en-CA" dirty="0" smtClean="0"/>
-              <a:t> </a:t>
-            </a:r>
-            <a:r>
-              <a:rPr lang="en-CA" dirty="0" err="1" smtClean="0"/>
-              <a:t>presque</a:t>
-            </a:r>
-            <a:r>
-              <a:rPr lang="en-CA" dirty="0" smtClean="0"/>
-              <a:t> </a:t>
-            </a:r>
-            <a:r>
-              <a:rPr lang="en-CA" dirty="0" err="1" smtClean="0"/>
-              <a:t>fonctionnel</a:t>
-            </a:r>
-            <a:endParaRPr lang="en-CA" dirty="0" smtClean="0"/>
-          </a:p>
-          <a:p>
-            <a:endParaRPr lang="en-CA" dirty="0" smtClean="0"/>
-          </a:p>
-          <a:p>
-            <a:r>
-              <a:rPr lang="en-CA" dirty="0" err="1" smtClean="0"/>
-              <a:t>Travaux</a:t>
-            </a:r>
-            <a:r>
-              <a:rPr lang="en-CA" dirty="0" smtClean="0"/>
-              <a:t> </a:t>
-            </a:r>
-            <a:r>
-              <a:rPr lang="en-CA" dirty="0" err="1" smtClean="0"/>
-              <a:t>futurs</a:t>
-            </a:r>
-            <a:endParaRPr lang="en-CA" dirty="0" smtClean="0"/>
-          </a:p>
-          <a:p>
-            <a:pPr lvl="1"/>
-            <a:r>
-              <a:rPr lang="en-CA" dirty="0" err="1" smtClean="0"/>
-              <a:t>Assembleur</a:t>
-            </a:r>
-            <a:r>
-              <a:rPr lang="en-CA" dirty="0" smtClean="0"/>
-              <a:t> Chip16</a:t>
-            </a:r>
-          </a:p>
-          <a:p>
-            <a:pPr lvl="1"/>
-            <a:r>
-              <a:rPr lang="en-CA" dirty="0" smtClean="0"/>
-              <a:t>Recompilation </a:t>
-            </a:r>
-            <a:r>
-              <a:rPr lang="en-CA" dirty="0" err="1" smtClean="0"/>
-              <a:t>dynamique</a:t>
-            </a:r>
+            <a:pPr lvl="2"/>
             <a:endParaRPr lang="fr-CA" dirty="0"/>
           </a:p>
         </p:txBody>
@@ -11751,6 +11852,1279 @@
               <a:rPr lang="fr-BE" smtClean="0"/>
               <a:pPr/>
               <a:t>36</a:t>
+            </a:fld>
+            <a:endParaRPr lang="fr-BE"/>
+          </a:p>
+        </p:txBody>
+      </p:sp>
+      <p:pic>
+        <p:nvPicPr>
+          <p:cNvPr id="2050" name="Picture 2" descr="https://coursera-course-photos.s3.amazonaws.com/ca/4376935da5551984f133199185b62a/DiscreetOptimisation_logo.png"/>
+          <p:cNvPicPr>
+            <a:picLocks noChangeAspect="1" noChangeArrowheads="1"/>
+          </p:cNvPicPr>
+          <p:nvPr/>
+        </p:nvPicPr>
+        <p:blipFill>
+          <a:blip r:embed="rId2" cstate="print"/>
+          <a:srcRect/>
+          <a:stretch>
+            <a:fillRect/>
+          </a:stretch>
+        </p:blipFill>
+        <p:spPr bwMode="auto">
+          <a:xfrm>
+            <a:off x="1331640" y="3068960"/>
+            <a:ext cx="6254876" cy="3528392"/>
+          </a:xfrm>
+          <a:prstGeom prst="rect">
+            <a:avLst/>
+          </a:prstGeom>
+          <a:noFill/>
+        </p:spPr>
+      </p:pic>
+    </p:spTree>
+  </p:cSld>
+  <p:clrMapOvr>
+    <a:masterClrMapping/>
+  </p:clrMapOvr>
+  <p:timing>
+    <p:tnLst>
+      <p:par>
+        <p:cTn id="1" dur="indefinite" restart="never" nodeType="tmRoot"/>
+      </p:par>
+    </p:tnLst>
+  </p:timing>
+</p:sld>
+</file>
+
+<file path=ppt/slides/slide37.xml><?xml version="1.0" encoding="utf-8"?>
+<p:sld xmlns:a="http://schemas.openxmlformats.org/drawingml/2006/main" xmlns:r="http://schemas.openxmlformats.org/officeDocument/2006/relationships" xmlns:p="http://schemas.openxmlformats.org/presentationml/2006/main">
+  <p:cSld>
+    <p:spTree>
+      <p:nvGrpSpPr>
+        <p:cNvPr id="1" name=""/>
+        <p:cNvGrpSpPr/>
+        <p:nvPr/>
+      </p:nvGrpSpPr>
+      <p:grpSpPr>
+        <a:xfrm>
+          <a:off x="0" y="0"/>
+          <a:ext cx="0" cy="0"/>
+          <a:chOff x="0" y="0"/>
+          <a:chExt cx="0" cy="0"/>
+        </a:xfrm>
+      </p:grpSpPr>
+      <p:sp>
+        <p:nvSpPr>
+          <p:cNvPr id="2" name="Titre 1"/>
+          <p:cNvSpPr>
+            <a:spLocks noGrp="1"/>
+          </p:cNvSpPr>
+          <p:nvPr>
+            <p:ph type="title"/>
+          </p:nvPr>
+        </p:nvSpPr>
+        <p:spPr/>
+        <p:txBody>
+          <a:bodyPr/>
+          <a:lstStyle/>
+          <a:p>
+            <a:r>
+              <a:rPr lang="en-CA" dirty="0" err="1" smtClean="0"/>
+              <a:t>Théorie</a:t>
+            </a:r>
+            <a:endParaRPr lang="fr-CA" dirty="0"/>
+          </a:p>
+        </p:txBody>
+      </p:sp>
+      <p:sp>
+        <p:nvSpPr>
+          <p:cNvPr id="3" name="Espace réservé du contenu 2"/>
+          <p:cNvSpPr>
+            <a:spLocks noGrp="1"/>
+          </p:cNvSpPr>
+          <p:nvPr>
+            <p:ph idx="1"/>
+          </p:nvPr>
+        </p:nvSpPr>
+        <p:spPr/>
+        <p:txBody>
+          <a:bodyPr/>
+          <a:lstStyle/>
+          <a:p>
+            <a:r>
+              <a:rPr lang="en-CA" dirty="0" smtClean="0"/>
+              <a:t>Allocation de </a:t>
+            </a:r>
+            <a:r>
+              <a:rPr lang="en-CA" dirty="0" err="1" smtClean="0"/>
+              <a:t>registres</a:t>
+            </a:r>
+            <a:endParaRPr lang="en-CA" dirty="0" smtClean="0"/>
+          </a:p>
+          <a:p>
+            <a:pPr lvl="1"/>
+            <a:r>
+              <a:rPr lang="en-CA" dirty="0" smtClean="0"/>
+              <a:t>Top-Down </a:t>
+            </a:r>
+            <a:r>
+              <a:rPr lang="en-CA" dirty="0" smtClean="0"/>
+              <a:t>Local Register </a:t>
+            </a:r>
+            <a:r>
+              <a:rPr lang="en-CA" dirty="0" smtClean="0"/>
+              <a:t>Allocation</a:t>
+            </a:r>
+          </a:p>
+          <a:p>
+            <a:pPr lvl="2"/>
+            <a:r>
+              <a:rPr lang="en-CA" dirty="0" smtClean="0"/>
+              <a:t>Conserve 2 </a:t>
+            </a:r>
+            <a:r>
+              <a:rPr lang="en-CA" dirty="0" err="1" smtClean="0"/>
+              <a:t>registres</a:t>
+            </a:r>
+            <a:r>
+              <a:rPr lang="en-CA" dirty="0" smtClean="0"/>
+              <a:t> </a:t>
+            </a:r>
+            <a:r>
+              <a:rPr lang="en-CA" dirty="0" err="1" smtClean="0"/>
+              <a:t>natifs</a:t>
+            </a:r>
+            <a:r>
+              <a:rPr lang="en-CA" dirty="0" smtClean="0"/>
+              <a:t> pour </a:t>
+            </a:r>
+            <a:r>
+              <a:rPr lang="en-CA" dirty="0" err="1" smtClean="0"/>
+              <a:t>données</a:t>
+            </a:r>
+            <a:r>
+              <a:rPr lang="en-CA" dirty="0" smtClean="0"/>
+              <a:t> </a:t>
+            </a:r>
+            <a:r>
+              <a:rPr lang="en-CA" dirty="0" err="1" smtClean="0"/>
+              <a:t>temporaires</a:t>
+            </a:r>
+            <a:endParaRPr lang="en-CA" dirty="0" smtClean="0"/>
+          </a:p>
+          <a:p>
+            <a:pPr lvl="2"/>
+            <a:r>
+              <a:rPr lang="en-CA" dirty="0" smtClean="0"/>
+              <a:t>Les </a:t>
+            </a:r>
+            <a:r>
+              <a:rPr lang="en-CA" dirty="0" err="1" smtClean="0"/>
+              <a:t>autres</a:t>
+            </a:r>
+            <a:r>
+              <a:rPr lang="en-CA" dirty="0" smtClean="0"/>
+              <a:t> </a:t>
+            </a:r>
+            <a:r>
+              <a:rPr lang="en-CA" dirty="0" err="1" smtClean="0"/>
+              <a:t>registres</a:t>
+            </a:r>
+            <a:r>
+              <a:rPr lang="en-CA" dirty="0" smtClean="0"/>
+              <a:t> </a:t>
+            </a:r>
+            <a:r>
+              <a:rPr lang="en-CA" dirty="0" err="1" smtClean="0"/>
+              <a:t>natifs</a:t>
+            </a:r>
+            <a:r>
+              <a:rPr lang="en-CA" dirty="0" smtClean="0"/>
+              <a:t> </a:t>
+            </a:r>
+            <a:r>
+              <a:rPr lang="en-CA" dirty="0" err="1" smtClean="0"/>
+              <a:t>sont</a:t>
+            </a:r>
+            <a:r>
+              <a:rPr lang="en-CA" dirty="0" smtClean="0"/>
+              <a:t> “</a:t>
+            </a:r>
+            <a:r>
+              <a:rPr lang="en-CA" dirty="0" err="1" smtClean="0"/>
+              <a:t>mappés</a:t>
+            </a:r>
+            <a:r>
+              <a:rPr lang="en-CA" dirty="0" smtClean="0"/>
+              <a:t>” avec les </a:t>
+            </a:r>
+            <a:r>
+              <a:rPr lang="en-CA" dirty="0" err="1" smtClean="0"/>
+              <a:t>registres</a:t>
+            </a:r>
+            <a:r>
+              <a:rPr lang="en-CA" dirty="0" smtClean="0"/>
+              <a:t> </a:t>
+            </a:r>
+            <a:r>
+              <a:rPr lang="en-CA" dirty="0" err="1" smtClean="0"/>
+              <a:t>virtuels</a:t>
+            </a:r>
+            <a:r>
+              <a:rPr lang="en-CA" dirty="0" smtClean="0"/>
+              <a:t> les plus </a:t>
+            </a:r>
+            <a:r>
+              <a:rPr lang="en-CA" dirty="0" err="1" smtClean="0"/>
+              <a:t>utilisés</a:t>
+            </a:r>
+            <a:endParaRPr lang="en-CA" dirty="0" smtClean="0"/>
+          </a:p>
+          <a:p>
+            <a:pPr lvl="2"/>
+            <a:endParaRPr lang="en-CA" dirty="0" smtClean="0"/>
+          </a:p>
+          <a:p>
+            <a:pPr lvl="2"/>
+            <a:endParaRPr lang="fr-CA" dirty="0"/>
+          </a:p>
+        </p:txBody>
+      </p:sp>
+      <p:sp>
+        <p:nvSpPr>
+          <p:cNvPr id="7" name="Espace réservé du numéro de diapositive 6"/>
+          <p:cNvSpPr>
+            <a:spLocks noGrp="1"/>
+          </p:cNvSpPr>
+          <p:nvPr>
+            <p:ph type="sldNum" sz="quarter" idx="12"/>
+          </p:nvPr>
+        </p:nvSpPr>
+        <p:spPr/>
+        <p:txBody>
+          <a:bodyPr/>
+          <a:lstStyle/>
+          <a:p>
+            <a:fld id="{CF4668DC-857F-487D-BFFA-8C0CA5037977}" type="slidenum">
+              <a:rPr lang="fr-BE" smtClean="0"/>
+              <a:pPr/>
+              <a:t>37</a:t>
+            </a:fld>
+            <a:endParaRPr lang="fr-BE"/>
+          </a:p>
+        </p:txBody>
+      </p:sp>
+    </p:spTree>
+  </p:cSld>
+  <p:clrMapOvr>
+    <a:masterClrMapping/>
+  </p:clrMapOvr>
+  <p:timing>
+    <p:tnLst>
+      <p:par>
+        <p:cTn id="1" dur="indefinite" restart="never" nodeType="tmRoot"/>
+      </p:par>
+    </p:tnLst>
+  </p:timing>
+</p:sld>
+</file>
+
+<file path=ppt/slides/slide38.xml><?xml version="1.0" encoding="utf-8"?>
+<p:sld xmlns:a="http://schemas.openxmlformats.org/drawingml/2006/main" xmlns:r="http://schemas.openxmlformats.org/officeDocument/2006/relationships" xmlns:p="http://schemas.openxmlformats.org/presentationml/2006/main">
+  <p:cSld>
+    <p:spTree>
+      <p:nvGrpSpPr>
+        <p:cNvPr id="1" name=""/>
+        <p:cNvGrpSpPr/>
+        <p:nvPr/>
+      </p:nvGrpSpPr>
+      <p:grpSpPr>
+        <a:xfrm>
+          <a:off x="0" y="0"/>
+          <a:ext cx="0" cy="0"/>
+          <a:chOff x="0" y="0"/>
+          <a:chExt cx="0" cy="0"/>
+        </a:xfrm>
+      </p:grpSpPr>
+      <p:sp>
+        <p:nvSpPr>
+          <p:cNvPr id="2" name="Titre 1"/>
+          <p:cNvSpPr>
+            <a:spLocks noGrp="1"/>
+          </p:cNvSpPr>
+          <p:nvPr>
+            <p:ph type="title"/>
+          </p:nvPr>
+        </p:nvSpPr>
+        <p:spPr/>
+        <p:txBody>
+          <a:bodyPr/>
+          <a:lstStyle/>
+          <a:p>
+            <a:r>
+              <a:rPr lang="fr-CA" dirty="0" smtClean="0"/>
+              <a:t>Pratique</a:t>
+            </a:r>
+            <a:endParaRPr lang="fr-CA" dirty="0"/>
+          </a:p>
+        </p:txBody>
+      </p:sp>
+      <p:sp>
+        <p:nvSpPr>
+          <p:cNvPr id="3" name="Espace réservé du contenu 2"/>
+          <p:cNvSpPr>
+            <a:spLocks noGrp="1"/>
+          </p:cNvSpPr>
+          <p:nvPr>
+            <p:ph idx="1"/>
+          </p:nvPr>
+        </p:nvSpPr>
+        <p:spPr/>
+        <p:txBody>
+          <a:bodyPr>
+            <a:normAutofit/>
+          </a:bodyPr>
+          <a:lstStyle/>
+          <a:p>
+            <a:pPr>
+              <a:buNone/>
+            </a:pPr>
+            <a:r>
+              <a:rPr lang="fr-CA" dirty="0" err="1" smtClean="0"/>
+              <a:t>void</a:t>
+            </a:r>
+            <a:r>
+              <a:rPr lang="fr-CA" dirty="0" smtClean="0"/>
+              <a:t> </a:t>
+            </a:r>
+            <a:r>
+              <a:rPr lang="fr-CA" dirty="0" err="1" smtClean="0"/>
+              <a:t>dynarec</a:t>
+            </a:r>
+            <a:r>
+              <a:rPr lang="fr-CA" dirty="0" smtClean="0"/>
+              <a:t>()</a:t>
+            </a:r>
+          </a:p>
+          <a:p>
+            <a:pPr>
+              <a:buNone/>
+            </a:pPr>
+            <a:r>
+              <a:rPr lang="fr-CA" dirty="0" smtClean="0"/>
+              <a:t>{</a:t>
+            </a:r>
+          </a:p>
+          <a:p>
+            <a:pPr>
+              <a:buNone/>
+            </a:pPr>
+            <a:r>
+              <a:rPr lang="fr-CA" dirty="0" smtClean="0"/>
+              <a:t>	</a:t>
+            </a:r>
+            <a:r>
+              <a:rPr lang="fr-CA" dirty="0" err="1" smtClean="0"/>
+              <a:t>while</a:t>
+            </a:r>
+            <a:r>
+              <a:rPr lang="fr-CA" dirty="0" smtClean="0"/>
+              <a:t>(1)</a:t>
+            </a:r>
+          </a:p>
+          <a:p>
+            <a:pPr>
+              <a:buNone/>
+            </a:pPr>
+            <a:r>
+              <a:rPr lang="fr-CA" dirty="0" smtClean="0"/>
+              <a:t>	{</a:t>
+            </a:r>
+          </a:p>
+          <a:p>
+            <a:pPr>
+              <a:buNone/>
+            </a:pPr>
+            <a:r>
+              <a:rPr lang="fr-CA" dirty="0" smtClean="0"/>
+              <a:t>		if(</a:t>
+            </a:r>
+            <a:r>
+              <a:rPr lang="fr-CA" dirty="0" err="1" smtClean="0"/>
+              <a:t>TranslationCache</a:t>
+            </a:r>
+            <a:r>
+              <a:rPr lang="fr-CA" dirty="0" smtClean="0"/>
+              <a:t>[PC] == </a:t>
+            </a:r>
+            <a:r>
+              <a:rPr lang="fr-CA" dirty="0" err="1" smtClean="0"/>
+              <a:t>nullptr</a:t>
+            </a:r>
+            <a:r>
+              <a:rPr lang="fr-CA" dirty="0" smtClean="0"/>
+              <a:t>)</a:t>
+            </a:r>
+          </a:p>
+          <a:p>
+            <a:pPr>
+              <a:buNone/>
+            </a:pPr>
+            <a:r>
+              <a:rPr lang="fr-CA" dirty="0" smtClean="0"/>
+              <a:t>			recompile();</a:t>
+            </a:r>
+          </a:p>
+          <a:p>
+            <a:pPr>
+              <a:buNone/>
+            </a:pPr>
+            <a:r>
+              <a:rPr lang="fr-CA" dirty="0" smtClean="0"/>
+              <a:t>		</a:t>
+            </a:r>
+            <a:r>
+              <a:rPr lang="fr-CA" dirty="0" err="1" smtClean="0"/>
+              <a:t>TranslationCache</a:t>
+            </a:r>
+            <a:r>
+              <a:rPr lang="fr-CA" dirty="0" smtClean="0"/>
+              <a:t>[PC]();</a:t>
+            </a:r>
+          </a:p>
+          <a:p>
+            <a:pPr>
+              <a:buNone/>
+            </a:pPr>
+            <a:r>
+              <a:rPr lang="fr-CA" dirty="0" smtClean="0"/>
+              <a:t>	}</a:t>
+            </a:r>
+          </a:p>
+          <a:p>
+            <a:pPr>
+              <a:buNone/>
+            </a:pPr>
+            <a:r>
+              <a:rPr lang="fr-CA" dirty="0" smtClean="0"/>
+              <a:t>}</a:t>
+            </a:r>
+            <a:endParaRPr lang="fr-CA" dirty="0"/>
+          </a:p>
+        </p:txBody>
+      </p:sp>
+      <p:sp>
+        <p:nvSpPr>
+          <p:cNvPr id="7" name="Espace réservé du numéro de diapositive 6"/>
+          <p:cNvSpPr>
+            <a:spLocks noGrp="1"/>
+          </p:cNvSpPr>
+          <p:nvPr>
+            <p:ph type="sldNum" sz="quarter" idx="12"/>
+          </p:nvPr>
+        </p:nvSpPr>
+        <p:spPr/>
+        <p:txBody>
+          <a:bodyPr/>
+          <a:lstStyle/>
+          <a:p>
+            <a:fld id="{CF4668DC-857F-487D-BFFA-8C0CA5037977}" type="slidenum">
+              <a:rPr lang="fr-BE" smtClean="0"/>
+              <a:pPr/>
+              <a:t>38</a:t>
+            </a:fld>
+            <a:endParaRPr lang="fr-BE"/>
+          </a:p>
+        </p:txBody>
+      </p:sp>
+    </p:spTree>
+  </p:cSld>
+  <p:clrMapOvr>
+    <a:masterClrMapping/>
+  </p:clrMapOvr>
+  <p:timing>
+    <p:tnLst>
+      <p:par>
+        <p:cTn id="1" dur="indefinite" restart="never" nodeType="tmRoot"/>
+      </p:par>
+    </p:tnLst>
+  </p:timing>
+</p:sld>
+</file>
+
+<file path=ppt/slides/slide39.xml><?xml version="1.0" encoding="utf-8"?>
+<p:sld xmlns:a="http://schemas.openxmlformats.org/drawingml/2006/main" xmlns:r="http://schemas.openxmlformats.org/officeDocument/2006/relationships" xmlns:p="http://schemas.openxmlformats.org/presentationml/2006/main">
+  <p:cSld>
+    <p:spTree>
+      <p:nvGrpSpPr>
+        <p:cNvPr id="1" name=""/>
+        <p:cNvGrpSpPr/>
+        <p:nvPr/>
+      </p:nvGrpSpPr>
+      <p:grpSpPr>
+        <a:xfrm>
+          <a:off x="0" y="0"/>
+          <a:ext cx="0" cy="0"/>
+          <a:chOff x="0" y="0"/>
+          <a:chExt cx="0" cy="0"/>
+        </a:xfrm>
+      </p:grpSpPr>
+      <p:sp>
+        <p:nvSpPr>
+          <p:cNvPr id="2" name="Titre 1"/>
+          <p:cNvSpPr>
+            <a:spLocks noGrp="1"/>
+          </p:cNvSpPr>
+          <p:nvPr>
+            <p:ph type="title"/>
+          </p:nvPr>
+        </p:nvSpPr>
+        <p:spPr/>
+        <p:txBody>
+          <a:bodyPr/>
+          <a:lstStyle/>
+          <a:p>
+            <a:r>
+              <a:rPr lang="fr-CA" dirty="0" smtClean="0"/>
+              <a:t>Autres considérations pratiques</a:t>
+            </a:r>
+            <a:endParaRPr lang="fr-CA" dirty="0"/>
+          </a:p>
+        </p:txBody>
+      </p:sp>
+      <p:sp>
+        <p:nvSpPr>
+          <p:cNvPr id="3" name="Espace réservé du contenu 2"/>
+          <p:cNvSpPr>
+            <a:spLocks noGrp="1"/>
+          </p:cNvSpPr>
+          <p:nvPr>
+            <p:ph idx="1"/>
+          </p:nvPr>
+        </p:nvSpPr>
+        <p:spPr/>
+        <p:txBody>
+          <a:bodyPr/>
+          <a:lstStyle/>
+          <a:p>
+            <a:r>
+              <a:rPr lang="fr-CA" dirty="0" smtClean="0"/>
+              <a:t>Gestion de la mémoire associée à la cache</a:t>
+            </a:r>
+          </a:p>
+          <a:p>
+            <a:endParaRPr lang="fr-CA" dirty="0" smtClean="0"/>
+          </a:p>
+          <a:p>
+            <a:r>
+              <a:rPr lang="fr-CA" dirty="0" smtClean="0"/>
+              <a:t>Invalidation des blocs recompilés</a:t>
+            </a:r>
+          </a:p>
+          <a:p>
+            <a:endParaRPr lang="fr-CA" dirty="0" smtClean="0"/>
+          </a:p>
+          <a:p>
+            <a:r>
+              <a:rPr lang="fr-CA" dirty="0" smtClean="0"/>
+              <a:t>Optimisations</a:t>
+            </a:r>
+            <a:endParaRPr lang="fr-CA" dirty="0"/>
+          </a:p>
+        </p:txBody>
+      </p:sp>
+    </p:spTree>
+  </p:cSld>
+  <p:clrMapOvr>
+    <a:masterClrMapping/>
+  </p:clrMapOvr>
+  <p:timing>
+    <p:tnLst>
+      <p:par>
+        <p:cTn id="1" dur="indefinite" restart="never" nodeType="tmRoot">
+          <p:childTnLst>
+            <p:seq concurrent="1" nextAc="seek">
+              <p:cTn id="2" dur="indefinite" nodeType="mainSeq">
+                <p:childTnLst>
+                  <p:par>
+                    <p:cTn id="3" fill="hold">
+                      <p:stCondLst>
+                        <p:cond delay="indefinite"/>
+                      </p:stCondLst>
+                      <p:childTnLst>
+                        <p:par>
+                          <p:cTn id="4" fill="hold">
+                            <p:stCondLst>
+                              <p:cond delay="0"/>
+                            </p:stCondLst>
+                            <p:childTnLst>
+                              <p:par>
+                                <p:cTn id="5" presetID="1" presetClass="entr" presetSubtype="0" fill="hold" nodeType="clickEffect">
+                                  <p:stCondLst>
+                                    <p:cond delay="0"/>
+                                  </p:stCondLst>
+                                  <p:childTnLst>
+                                    <p:set>
+                                      <p:cBhvr>
+                                        <p:cTn id="6" dur="1" fill="hold">
+                                          <p:stCondLst>
+                                            <p:cond delay="0"/>
+                                          </p:stCondLst>
+                                        </p:cTn>
+                                        <p:tgtEl>
+                                          <p:spTgt spid="3">
+                                            <p:txEl>
+                                              <p:pRg st="0" end="0"/>
+                                            </p:txEl>
+                                          </p:spTgt>
+                                        </p:tgtEl>
+                                        <p:attrNameLst>
+                                          <p:attrName>style.visibility</p:attrName>
+                                        </p:attrNameLst>
+                                      </p:cBhvr>
+                                      <p:to>
+                                        <p:strVal val="visible"/>
+                                      </p:to>
+                                    </p:set>
+                                  </p:childTnLst>
+                                </p:cTn>
+                              </p:par>
+                            </p:childTnLst>
+                          </p:cTn>
+                        </p:par>
+                      </p:childTnLst>
+                    </p:cTn>
+                  </p:par>
+                  <p:par>
+                    <p:cTn id="7" fill="hold">
+                      <p:stCondLst>
+                        <p:cond delay="indefinite"/>
+                      </p:stCondLst>
+                      <p:childTnLst>
+                        <p:par>
+                          <p:cTn id="8" fill="hold">
+                            <p:stCondLst>
+                              <p:cond delay="0"/>
+                            </p:stCondLst>
+                            <p:childTnLst>
+                              <p:par>
+                                <p:cTn id="9" presetID="1" presetClass="entr" presetSubtype="0" fill="hold" nodeType="clickEffect">
+                                  <p:stCondLst>
+                                    <p:cond delay="0"/>
+                                  </p:stCondLst>
+                                  <p:childTnLst>
+                                    <p:set>
+                                      <p:cBhvr>
+                                        <p:cTn id="10" dur="1" fill="hold">
+                                          <p:stCondLst>
+                                            <p:cond delay="0"/>
+                                          </p:stCondLst>
+                                        </p:cTn>
+                                        <p:tgtEl>
+                                          <p:spTgt spid="3">
+                                            <p:txEl>
+                                              <p:pRg st="2" end="2"/>
+                                            </p:txEl>
+                                          </p:spTgt>
+                                        </p:tgtEl>
+                                        <p:attrNameLst>
+                                          <p:attrName>style.visibility</p:attrName>
+                                        </p:attrNameLst>
+                                      </p:cBhvr>
+                                      <p:to>
+                                        <p:strVal val="visible"/>
+                                      </p:to>
+                                    </p:set>
+                                  </p:childTnLst>
+                                </p:cTn>
+                              </p:par>
+                            </p:childTnLst>
+                          </p:cTn>
+                        </p:par>
+                      </p:childTnLst>
+                    </p:cTn>
+                  </p:par>
+                  <p:par>
+                    <p:cTn id="11" fill="hold">
+                      <p:stCondLst>
+                        <p:cond delay="indefinite"/>
+                      </p:stCondLst>
+                      <p:childTnLst>
+                        <p:par>
+                          <p:cTn id="12" fill="hold">
+                            <p:stCondLst>
+                              <p:cond delay="0"/>
+                            </p:stCondLst>
+                            <p:childTnLst>
+                              <p:par>
+                                <p:cTn id="13" presetID="1" presetClass="entr" presetSubtype="0" fill="hold" nodeType="clickEffect">
+                                  <p:stCondLst>
+                                    <p:cond delay="0"/>
+                                  </p:stCondLst>
+                                  <p:childTnLst>
+                                    <p:set>
+                                      <p:cBhvr>
+                                        <p:cTn id="14" dur="1" fill="hold">
+                                          <p:stCondLst>
+                                            <p:cond delay="0"/>
+                                          </p:stCondLst>
+                                        </p:cTn>
+                                        <p:tgtEl>
+                                          <p:spTgt spid="3">
+                                            <p:txEl>
+                                              <p:pRg st="4" end="4"/>
+                                            </p:txEl>
+                                          </p:spTgt>
+                                        </p:tgtEl>
+                                        <p:attrNameLst>
+                                          <p:attrName>style.visibility</p:attrName>
+                                        </p:attrNameLst>
+                                      </p:cBhvr>
+                                      <p:to>
+                                        <p:strVal val="visible"/>
+                                      </p:to>
+                                    </p:set>
+                                  </p:childTnLst>
+                                </p:cTn>
+                              </p:par>
+                            </p:childTnLst>
+                          </p:cTn>
+                        </p:par>
+                      </p:childTnLst>
+                    </p:cTn>
+                  </p:par>
+                </p:childTnLst>
+              </p:cTn>
+              <p:prevCondLst>
+                <p:cond evt="onPrev" delay="0">
+                  <p:tgtEl>
+                    <p:sldTgt/>
+                  </p:tgtEl>
+                </p:cond>
+              </p:prevCondLst>
+              <p:nextCondLst>
+                <p:cond evt="onNext" delay="0">
+                  <p:tgtEl>
+                    <p:sldTgt/>
+                  </p:tgtEl>
+                </p:cond>
+              </p:nextCondLst>
+            </p:seq>
+          </p:childTnLst>
+        </p:cTn>
+      </p:par>
+    </p:tnLst>
+  </p:timing>
+</p:sld>
+</file>
+
+<file path=ppt/slides/slide4.xml><?xml version="1.0" encoding="utf-8"?>
+<p:sld xmlns:a="http://schemas.openxmlformats.org/drawingml/2006/main" xmlns:r="http://schemas.openxmlformats.org/officeDocument/2006/relationships" xmlns:p="http://schemas.openxmlformats.org/presentationml/2006/main">
+  <p:cSld>
+    <p:spTree>
+      <p:nvGrpSpPr>
+        <p:cNvPr id="1" name=""/>
+        <p:cNvGrpSpPr/>
+        <p:nvPr/>
+      </p:nvGrpSpPr>
+      <p:grpSpPr>
+        <a:xfrm>
+          <a:off x="0" y="0"/>
+          <a:ext cx="0" cy="0"/>
+          <a:chOff x="0" y="0"/>
+          <a:chExt cx="0" cy="0"/>
+        </a:xfrm>
+      </p:grpSpPr>
+      <p:sp>
+        <p:nvSpPr>
+          <p:cNvPr id="2" name="Titre 1"/>
+          <p:cNvSpPr>
+            <a:spLocks noGrp="1"/>
+          </p:cNvSpPr>
+          <p:nvPr>
+            <p:ph type="title"/>
+          </p:nvPr>
+        </p:nvSpPr>
+        <p:spPr/>
+        <p:txBody>
+          <a:bodyPr/>
+          <a:lstStyle/>
+          <a:p>
+            <a:r>
+              <a:rPr lang="en-CA" dirty="0" smtClean="0"/>
+              <a:t>Plan</a:t>
+            </a:r>
+            <a:endParaRPr lang="fr-CA" dirty="0"/>
+          </a:p>
+        </p:txBody>
+      </p:sp>
+      <p:sp>
+        <p:nvSpPr>
+          <p:cNvPr id="3" name="Espace réservé du contenu 2"/>
+          <p:cNvSpPr>
+            <a:spLocks noGrp="1"/>
+          </p:cNvSpPr>
+          <p:nvPr>
+            <p:ph idx="1"/>
+          </p:nvPr>
+        </p:nvSpPr>
+        <p:spPr/>
+        <p:txBody>
+          <a:bodyPr/>
+          <a:lstStyle/>
+          <a:p>
+            <a:r>
+              <a:rPr lang="en-CA" dirty="0" smtClean="0"/>
+              <a:t>Chip16</a:t>
+            </a:r>
+          </a:p>
+          <a:p>
+            <a:pPr>
+              <a:buNone/>
+            </a:pPr>
+            <a:endParaRPr lang="en-CA" dirty="0" smtClean="0"/>
+          </a:p>
+          <a:p>
+            <a:r>
+              <a:rPr lang="en-CA" dirty="0" err="1" smtClean="0"/>
+              <a:t>Interprétation</a:t>
+            </a:r>
+            <a:endParaRPr lang="en-CA" dirty="0" smtClean="0"/>
+          </a:p>
+          <a:p>
+            <a:pPr>
+              <a:buNone/>
+            </a:pPr>
+            <a:endParaRPr lang="en-CA" dirty="0" smtClean="0"/>
+          </a:p>
+          <a:p>
+            <a:r>
+              <a:rPr lang="en-CA" dirty="0" smtClean="0"/>
+              <a:t>Recompilation </a:t>
+            </a:r>
+            <a:r>
+              <a:rPr lang="en-CA" dirty="0" err="1" smtClean="0"/>
+              <a:t>dynamique</a:t>
+            </a:r>
+            <a:endParaRPr lang="en-CA" dirty="0" smtClean="0"/>
+          </a:p>
+          <a:p>
+            <a:endParaRPr lang="en-CA" dirty="0" smtClean="0"/>
+          </a:p>
+          <a:p>
+            <a:r>
+              <a:rPr lang="en-CA" dirty="0" smtClean="0"/>
+              <a:t>Conclusion</a:t>
+            </a:r>
+            <a:endParaRPr lang="fr-CA" dirty="0"/>
+          </a:p>
+        </p:txBody>
+      </p:sp>
+      <p:sp>
+        <p:nvSpPr>
+          <p:cNvPr id="7" name="Espace réservé du numéro de diapositive 6"/>
+          <p:cNvSpPr>
+            <a:spLocks noGrp="1"/>
+          </p:cNvSpPr>
+          <p:nvPr>
+            <p:ph type="sldNum" sz="quarter" idx="12"/>
+          </p:nvPr>
+        </p:nvSpPr>
+        <p:spPr/>
+        <p:txBody>
+          <a:bodyPr/>
+          <a:lstStyle/>
+          <a:p>
+            <a:fld id="{CF4668DC-857F-487D-BFFA-8C0CA5037977}" type="slidenum">
+              <a:rPr lang="fr-BE" smtClean="0"/>
+              <a:pPr/>
+              <a:t>4</a:t>
+            </a:fld>
+            <a:endParaRPr lang="fr-BE"/>
+          </a:p>
+        </p:txBody>
+      </p:sp>
+    </p:spTree>
+  </p:cSld>
+  <p:clrMapOvr>
+    <a:masterClrMapping/>
+  </p:clrMapOvr>
+  <p:timing>
+    <p:tnLst>
+      <p:par>
+        <p:cTn id="1" dur="indefinite" restart="never" nodeType="tmRoot"/>
+      </p:par>
+    </p:tnLst>
+  </p:timing>
+</p:sld>
+</file>
+
+<file path=ppt/slides/slide40.xml><?xml version="1.0" encoding="utf-8"?>
+<p:sld xmlns:a="http://schemas.openxmlformats.org/drawingml/2006/main" xmlns:r="http://schemas.openxmlformats.org/officeDocument/2006/relationships" xmlns:p="http://schemas.openxmlformats.org/presentationml/2006/main">
+  <p:cSld>
+    <p:spTree>
+      <p:nvGrpSpPr>
+        <p:cNvPr id="1" name=""/>
+        <p:cNvGrpSpPr/>
+        <p:nvPr/>
+      </p:nvGrpSpPr>
+      <p:grpSpPr>
+        <a:xfrm>
+          <a:off x="0" y="0"/>
+          <a:ext cx="0" cy="0"/>
+          <a:chOff x="0" y="0"/>
+          <a:chExt cx="0" cy="0"/>
+        </a:xfrm>
+      </p:grpSpPr>
+      <p:sp>
+        <p:nvSpPr>
+          <p:cNvPr id="2" name="Titre 1"/>
+          <p:cNvSpPr>
+            <a:spLocks noGrp="1"/>
+          </p:cNvSpPr>
+          <p:nvPr>
+            <p:ph type="title"/>
+          </p:nvPr>
+        </p:nvSpPr>
+        <p:spPr/>
+        <p:txBody>
+          <a:bodyPr/>
+          <a:lstStyle/>
+          <a:p>
+            <a:r>
+              <a:rPr lang="en-CA" dirty="0" smtClean="0"/>
+              <a:t>Plan</a:t>
+            </a:r>
+            <a:endParaRPr lang="fr-CA" dirty="0"/>
+          </a:p>
+        </p:txBody>
+      </p:sp>
+      <p:sp>
+        <p:nvSpPr>
+          <p:cNvPr id="3" name="Espace réservé du contenu 2"/>
+          <p:cNvSpPr>
+            <a:spLocks noGrp="1"/>
+          </p:cNvSpPr>
+          <p:nvPr>
+            <p:ph idx="1"/>
+          </p:nvPr>
+        </p:nvSpPr>
+        <p:spPr/>
+        <p:txBody>
+          <a:bodyPr>
+            <a:normAutofit/>
+          </a:bodyPr>
+          <a:lstStyle/>
+          <a:p>
+            <a:r>
+              <a:rPr lang="en-CA" dirty="0" smtClean="0">
+                <a:solidFill>
+                  <a:schemeClr val="bg2"/>
+                </a:solidFill>
+              </a:rPr>
+              <a:t>Chip16</a:t>
+            </a:r>
+          </a:p>
+          <a:p>
+            <a:endParaRPr lang="en-CA" dirty="0" smtClean="0">
+              <a:solidFill>
+                <a:schemeClr val="bg2"/>
+              </a:solidFill>
+            </a:endParaRPr>
+          </a:p>
+          <a:p>
+            <a:r>
+              <a:rPr lang="en-CA" dirty="0" err="1" smtClean="0">
+                <a:solidFill>
+                  <a:schemeClr val="bg2"/>
+                </a:solidFill>
+              </a:rPr>
+              <a:t>Interprétation</a:t>
+            </a:r>
+            <a:endParaRPr lang="en-CA" dirty="0" smtClean="0">
+              <a:solidFill>
+                <a:schemeClr val="bg2"/>
+              </a:solidFill>
+            </a:endParaRPr>
+          </a:p>
+          <a:p>
+            <a:pPr>
+              <a:buNone/>
+            </a:pPr>
+            <a:endParaRPr lang="en-CA" dirty="0" smtClean="0">
+              <a:solidFill>
+                <a:schemeClr val="bg2"/>
+              </a:solidFill>
+            </a:endParaRPr>
+          </a:p>
+          <a:p>
+            <a:r>
+              <a:rPr lang="en-CA" dirty="0" smtClean="0">
+                <a:solidFill>
+                  <a:schemeClr val="bg2"/>
+                </a:solidFill>
+              </a:rPr>
+              <a:t>Recompilation </a:t>
+            </a:r>
+            <a:r>
+              <a:rPr lang="en-CA" dirty="0" err="1" smtClean="0">
+                <a:solidFill>
+                  <a:schemeClr val="bg2"/>
+                </a:solidFill>
+              </a:rPr>
+              <a:t>dynamique</a:t>
+            </a:r>
+            <a:endParaRPr lang="en-CA" dirty="0" smtClean="0">
+              <a:solidFill>
+                <a:schemeClr val="bg2"/>
+              </a:solidFill>
+            </a:endParaRPr>
+          </a:p>
+          <a:p>
+            <a:pPr lvl="1">
+              <a:buNone/>
+            </a:pPr>
+            <a:endParaRPr lang="en-CA" dirty="0" smtClean="0"/>
+          </a:p>
+          <a:p>
+            <a:r>
+              <a:rPr lang="en-CA" dirty="0" smtClean="0"/>
+              <a:t>Conclusion</a:t>
+            </a:r>
+          </a:p>
+          <a:p>
+            <a:pPr lvl="1"/>
+            <a:endParaRPr lang="en-CA" dirty="0" smtClean="0"/>
+          </a:p>
+          <a:p>
+            <a:pPr lvl="1"/>
+            <a:endParaRPr lang="fr-CA" dirty="0"/>
+          </a:p>
+        </p:txBody>
+      </p:sp>
+      <p:sp>
+        <p:nvSpPr>
+          <p:cNvPr id="7" name="Espace réservé du numéro de diapositive 6"/>
+          <p:cNvSpPr>
+            <a:spLocks noGrp="1"/>
+          </p:cNvSpPr>
+          <p:nvPr>
+            <p:ph type="sldNum" sz="quarter" idx="12"/>
+          </p:nvPr>
+        </p:nvSpPr>
+        <p:spPr/>
+        <p:txBody>
+          <a:bodyPr/>
+          <a:lstStyle/>
+          <a:p>
+            <a:fld id="{CF4668DC-857F-487D-BFFA-8C0CA5037977}" type="slidenum">
+              <a:rPr lang="fr-BE" smtClean="0"/>
+              <a:pPr/>
+              <a:t>40</a:t>
+            </a:fld>
+            <a:endParaRPr lang="fr-BE"/>
+          </a:p>
+        </p:txBody>
+      </p:sp>
+    </p:spTree>
+  </p:cSld>
+  <p:clrMapOvr>
+    <a:masterClrMapping/>
+  </p:clrMapOvr>
+  <p:timing>
+    <p:tnLst>
+      <p:par>
+        <p:cTn id="1" dur="indefinite" restart="never" nodeType="tmRoot"/>
+      </p:par>
+    </p:tnLst>
+  </p:timing>
+</p:sld>
+</file>
+
+<file path=ppt/slides/slide41.xml><?xml version="1.0" encoding="utf-8"?>
+<p:sld xmlns:a="http://schemas.openxmlformats.org/drawingml/2006/main" xmlns:r="http://schemas.openxmlformats.org/officeDocument/2006/relationships" xmlns:p="http://schemas.openxmlformats.org/presentationml/2006/main">
+  <p:cSld>
+    <p:spTree>
+      <p:nvGrpSpPr>
+        <p:cNvPr id="1" name=""/>
+        <p:cNvGrpSpPr/>
+        <p:nvPr/>
+      </p:nvGrpSpPr>
+      <p:grpSpPr>
+        <a:xfrm>
+          <a:off x="0" y="0"/>
+          <a:ext cx="0" cy="0"/>
+          <a:chOff x="0" y="0"/>
+          <a:chExt cx="0" cy="0"/>
+        </a:xfrm>
+      </p:grpSpPr>
+      <p:sp>
+        <p:nvSpPr>
+          <p:cNvPr id="2" name="Titre 1"/>
+          <p:cNvSpPr>
+            <a:spLocks noGrp="1"/>
+          </p:cNvSpPr>
+          <p:nvPr>
+            <p:ph type="title"/>
+          </p:nvPr>
+        </p:nvSpPr>
+        <p:spPr/>
+        <p:txBody>
+          <a:bodyPr/>
+          <a:lstStyle/>
+          <a:p>
+            <a:r>
+              <a:rPr lang="en-CA" dirty="0" smtClean="0"/>
+              <a:t>Conclusion</a:t>
+            </a:r>
+            <a:endParaRPr lang="fr-CA" dirty="0"/>
+          </a:p>
+        </p:txBody>
+      </p:sp>
+      <p:sp>
+        <p:nvSpPr>
+          <p:cNvPr id="3" name="Espace réservé du contenu 2"/>
+          <p:cNvSpPr>
+            <a:spLocks noGrp="1"/>
+          </p:cNvSpPr>
+          <p:nvPr>
+            <p:ph idx="1"/>
+          </p:nvPr>
+        </p:nvSpPr>
+        <p:spPr/>
+        <p:txBody>
+          <a:bodyPr/>
+          <a:lstStyle/>
+          <a:p>
+            <a:r>
+              <a:rPr lang="en-CA" dirty="0" err="1" smtClean="0"/>
+              <a:t>Produit</a:t>
+            </a:r>
+            <a:r>
+              <a:rPr lang="en-CA" dirty="0" smtClean="0"/>
+              <a:t>:</a:t>
+            </a:r>
+          </a:p>
+          <a:p>
+            <a:pPr lvl="1"/>
+            <a:r>
+              <a:rPr lang="en-CA" dirty="0" err="1" smtClean="0"/>
+              <a:t>Émulateur</a:t>
+            </a:r>
+            <a:r>
+              <a:rPr lang="en-CA" dirty="0" smtClean="0"/>
+              <a:t> </a:t>
+            </a:r>
+            <a:r>
+              <a:rPr lang="en-CA" dirty="0" err="1" smtClean="0"/>
+              <a:t>interpréteur</a:t>
+            </a:r>
+            <a:r>
+              <a:rPr lang="en-CA" dirty="0" smtClean="0"/>
+              <a:t> </a:t>
+            </a:r>
+            <a:r>
+              <a:rPr lang="en-CA" dirty="0" err="1" smtClean="0"/>
+              <a:t>fonctionnel</a:t>
+            </a:r>
+            <a:endParaRPr lang="en-CA" dirty="0" smtClean="0"/>
+          </a:p>
+          <a:p>
+            <a:pPr lvl="1"/>
+            <a:r>
+              <a:rPr lang="en-CA" dirty="0" err="1" smtClean="0"/>
+              <a:t>Recompilateur</a:t>
+            </a:r>
+            <a:r>
+              <a:rPr lang="en-CA" dirty="0" smtClean="0"/>
+              <a:t> </a:t>
+            </a:r>
+            <a:r>
+              <a:rPr lang="en-CA" dirty="0" err="1" smtClean="0"/>
+              <a:t>dynamique</a:t>
+            </a:r>
+            <a:r>
+              <a:rPr lang="en-CA" dirty="0" smtClean="0"/>
+              <a:t> </a:t>
+            </a:r>
+            <a:r>
+              <a:rPr lang="en-CA" dirty="0" err="1" smtClean="0"/>
+              <a:t>presque</a:t>
+            </a:r>
+            <a:r>
+              <a:rPr lang="en-CA" dirty="0" smtClean="0"/>
+              <a:t> </a:t>
+            </a:r>
+            <a:r>
+              <a:rPr lang="en-CA" dirty="0" err="1" smtClean="0"/>
+              <a:t>fonctionnel</a:t>
+            </a:r>
+            <a:endParaRPr lang="en-CA" dirty="0" smtClean="0"/>
+          </a:p>
+          <a:p>
+            <a:endParaRPr lang="en-CA" dirty="0" smtClean="0"/>
+          </a:p>
+          <a:p>
+            <a:r>
+              <a:rPr lang="en-CA" dirty="0" err="1" smtClean="0"/>
+              <a:t>Travaux</a:t>
+            </a:r>
+            <a:r>
+              <a:rPr lang="en-CA" dirty="0" smtClean="0"/>
+              <a:t> </a:t>
+            </a:r>
+            <a:r>
+              <a:rPr lang="en-CA" dirty="0" err="1" smtClean="0"/>
+              <a:t>futurs</a:t>
+            </a:r>
+            <a:endParaRPr lang="en-CA" dirty="0" smtClean="0"/>
+          </a:p>
+          <a:p>
+            <a:pPr lvl="1"/>
+            <a:r>
+              <a:rPr lang="en-CA" dirty="0" err="1" smtClean="0"/>
+              <a:t>Assembleur</a:t>
+            </a:r>
+            <a:r>
+              <a:rPr lang="en-CA" dirty="0" smtClean="0"/>
+              <a:t> Chip16</a:t>
+            </a:r>
+          </a:p>
+          <a:p>
+            <a:pPr lvl="1"/>
+            <a:r>
+              <a:rPr lang="en-CA" dirty="0" smtClean="0"/>
+              <a:t>Recompilation </a:t>
+            </a:r>
+            <a:r>
+              <a:rPr lang="en-CA" dirty="0" err="1" smtClean="0"/>
+              <a:t>dynamique</a:t>
+            </a:r>
+            <a:endParaRPr lang="fr-CA" dirty="0"/>
+          </a:p>
+        </p:txBody>
+      </p:sp>
+      <p:sp>
+        <p:nvSpPr>
+          <p:cNvPr id="7" name="Espace réservé du numéro de diapositive 6"/>
+          <p:cNvSpPr>
+            <a:spLocks noGrp="1"/>
+          </p:cNvSpPr>
+          <p:nvPr>
+            <p:ph type="sldNum" sz="quarter" idx="12"/>
+          </p:nvPr>
+        </p:nvSpPr>
+        <p:spPr/>
+        <p:txBody>
+          <a:bodyPr/>
+          <a:lstStyle/>
+          <a:p>
+            <a:fld id="{CF4668DC-857F-487D-BFFA-8C0CA5037977}" type="slidenum">
+              <a:rPr lang="fr-BE" smtClean="0"/>
+              <a:pPr/>
+              <a:t>41</a:t>
             </a:fld>
             <a:endParaRPr lang="fr-BE"/>
           </a:p>
@@ -12016,7 +13390,7 @@
 </p:sld>
 </file>
 
-<file path=ppt/slides/slide37.xml><?xml version="1.0" encoding="utf-8"?>
+<file path=ppt/slides/slide42.xml><?xml version="1.0" encoding="utf-8"?>
 <p:sld xmlns:a="http://schemas.openxmlformats.org/drawingml/2006/main" xmlns:r="http://schemas.openxmlformats.org/officeDocument/2006/relationships" xmlns:p="http://schemas.openxmlformats.org/presentationml/2006/main">
   <p:cSld>
     <p:spTree>
@@ -12100,148 +13474,7 @@
             <a:fld id="{CF4668DC-857F-487D-BFFA-8C0CA5037977}" type="slidenum">
               <a:rPr lang="fr-BE" smtClean="0"/>
               <a:pPr/>
-              <a:t>37</a:t>
-            </a:fld>
-            <a:endParaRPr lang="fr-BE"/>
-          </a:p>
-        </p:txBody>
-      </p:sp>
-    </p:spTree>
-  </p:cSld>
-  <p:clrMapOvr>
-    <a:masterClrMapping/>
-  </p:clrMapOvr>
-  <p:timing>
-    <p:tnLst>
-      <p:par>
-        <p:cTn id="1" dur="indefinite" restart="never" nodeType="tmRoot"/>
-      </p:par>
-    </p:tnLst>
-  </p:timing>
-</p:sld>
-</file>
-
-<file path=ppt/slides/slide4.xml><?xml version="1.0" encoding="utf-8"?>
-<p:sld xmlns:a="http://schemas.openxmlformats.org/drawingml/2006/main" xmlns:r="http://schemas.openxmlformats.org/officeDocument/2006/relationships" xmlns:p="http://schemas.openxmlformats.org/presentationml/2006/main">
-  <p:cSld>
-    <p:spTree>
-      <p:nvGrpSpPr>
-        <p:cNvPr id="1" name=""/>
-        <p:cNvGrpSpPr/>
-        <p:nvPr/>
-      </p:nvGrpSpPr>
-      <p:grpSpPr>
-        <a:xfrm>
-          <a:off x="0" y="0"/>
-          <a:ext cx="0" cy="0"/>
-          <a:chOff x="0" y="0"/>
-          <a:chExt cx="0" cy="0"/>
-        </a:xfrm>
-      </p:grpSpPr>
-      <p:sp>
-        <p:nvSpPr>
-          <p:cNvPr id="2" name="Titre 1"/>
-          <p:cNvSpPr>
-            <a:spLocks noGrp="1"/>
-          </p:cNvSpPr>
-          <p:nvPr>
-            <p:ph type="title"/>
-          </p:nvPr>
-        </p:nvSpPr>
-        <p:spPr/>
-        <p:txBody>
-          <a:bodyPr/>
-          <a:lstStyle/>
-          <a:p>
-            <a:r>
-              <a:rPr lang="en-CA" dirty="0" smtClean="0"/>
-              <a:t>Plan</a:t>
-            </a:r>
-            <a:endParaRPr lang="fr-CA" dirty="0"/>
-          </a:p>
-        </p:txBody>
-      </p:sp>
-      <p:sp>
-        <p:nvSpPr>
-          <p:cNvPr id="3" name="Espace réservé du contenu 2"/>
-          <p:cNvSpPr>
-            <a:spLocks noGrp="1"/>
-          </p:cNvSpPr>
-          <p:nvPr>
-            <p:ph idx="1"/>
-          </p:nvPr>
-        </p:nvSpPr>
-        <p:spPr/>
-        <p:txBody>
-          <a:bodyPr/>
-          <a:lstStyle/>
-          <a:p>
-            <a:r>
-              <a:rPr lang="en-CA" dirty="0" smtClean="0"/>
-              <a:t>Chip16</a:t>
-            </a:r>
-          </a:p>
-          <a:p>
-            <a:pPr>
-              <a:buNone/>
-            </a:pPr>
-            <a:endParaRPr lang="en-CA" dirty="0" smtClean="0"/>
-          </a:p>
-          <a:p>
-            <a:r>
-              <a:rPr lang="en-CA" dirty="0" err="1" smtClean="0"/>
-              <a:t>Interprétation</a:t>
-            </a:r>
-            <a:endParaRPr lang="en-CA" dirty="0" smtClean="0"/>
-          </a:p>
-          <a:p>
-            <a:pPr>
-              <a:buNone/>
-            </a:pPr>
-            <a:endParaRPr lang="en-CA" dirty="0" smtClean="0"/>
-          </a:p>
-          <a:p>
-            <a:r>
-              <a:rPr lang="en-CA" dirty="0" smtClean="0"/>
-              <a:t>Recompilation </a:t>
-            </a:r>
-            <a:r>
-              <a:rPr lang="en-CA" dirty="0" err="1" smtClean="0"/>
-              <a:t>dynamique</a:t>
-            </a:r>
-            <a:endParaRPr lang="en-CA" dirty="0" smtClean="0"/>
-          </a:p>
-          <a:p>
-            <a:endParaRPr lang="en-CA" dirty="0" smtClean="0"/>
-          </a:p>
-          <a:p>
-            <a:r>
-              <a:rPr lang="en-CA" dirty="0" smtClean="0"/>
-              <a:t>Conclusion</a:t>
-            </a:r>
-            <a:endParaRPr lang="fr-CA" dirty="0"/>
-          </a:p>
-        </p:txBody>
-      </p:sp>
-      <p:sp>
-        <p:nvSpPr>
-          <p:cNvPr id="7" name="Espace réservé du numéro de diapositive 6"/>
-          <p:cNvSpPr>
-            <a:spLocks noGrp="1"/>
-          </p:cNvSpPr>
-          <p:nvPr>
-            <p:ph type="sldNum" sz="quarter" idx="12"/>
-          </p:nvPr>
-        </p:nvSpPr>
-        <p:spPr/>
-        <p:txBody>
-          <a:bodyPr/>
-          <a:lstStyle/>
-          <a:p>
-            <a:fld id="{CF4668DC-857F-487D-BFFA-8C0CA5037977}" type="slidenum">
-              <a:rPr lang="fr-BE" smtClean="0"/>
-              <a:pPr/>
-              <a:t>4</a:t>
+              <a:t>42</a:t>
             </a:fld>
             <a:endParaRPr lang="fr-BE"/>
           </a:p>
